--- a/SerilogLoggingAllGrownUp.pptx
+++ b/SerilogLoggingAllGrownUp.pptx
@@ -5,7 +5,7 @@
     <p:sldMasterId id="2147483648" r:id="rId1"/>
   </p:sldMasterIdLst>
   <p:notesMasterIdLst>
-    <p:notesMasterId r:id="rId18"/>
+    <p:notesMasterId r:id="rId19"/>
   </p:notesMasterIdLst>
   <p:sldIdLst>
     <p:sldId id="256" r:id="rId2"/>
@@ -23,7 +23,8 @@
     <p:sldId id="268" r:id="rId14"/>
     <p:sldId id="269" r:id="rId15"/>
     <p:sldId id="270" r:id="rId16"/>
-    <p:sldId id="271" r:id="rId17"/>
+    <p:sldId id="272" r:id="rId17"/>
+    <p:sldId id="271" r:id="rId18"/>
   </p:sldIdLst>
   <p:sldSz cx="12192000" cy="6858000"/>
   <p:notesSz cx="6858000" cy="9144000"/>
@@ -122,7 +123,16 @@
       </a:defRPr>
     </a:lvl9pPr>
   </p:defaultTextStyle>
+  <p:extLst>
+    <p:ext uri="{EFAFB233-063F-42B5-8137-9DF3F51BA10A}">
+      <p15:sldGuideLst xmlns:p15="http://schemas.microsoft.com/office/powerpoint/2012/main"/>
+    </p:ext>
+  </p:extLst>
 </p:presentation>
+</file>
+
+<file path=ppt/revisionInfo.xml><?xml version="1.0" encoding="utf-8"?>
+<p1510:revInfo xmlns:a="http://schemas.openxmlformats.org/drawingml/2006/main" xmlns:r="http://schemas.openxmlformats.org/officeDocument/2006/relationships" xmlns:p1510="http://schemas.microsoft.com/office/powerpoint/2015/10/main"/>
 </file>
 
 <file path=ppt/notesMasters/notesMaster1.xml><?xml version="1.0" encoding="utf-8"?>
@@ -207,7 +217,7 @@
           <a:p>
             <a:fld id="{60AEC1D8-3506-41E4-96D2-5486DC5DE0A5}" type="datetimeFigureOut">
               <a:rPr lang="en-US" smtClean="0"/>
-              <a:t>6/2/2017</a:t>
+              <a:t>10/16/2017</a:t>
             </a:fld>
             <a:endParaRPr lang="en-US"/>
           </a:p>
@@ -706,7 +716,7 @@
           <a:p>
             <a:fld id="{48A87A34-81AB-432B-8DAE-1953F412C126}" type="datetimeFigureOut">
               <a:rPr lang="en-US" dirty="0"/>
-              <a:t>6/2/2017</a:t>
+              <a:t>10/16/2017</a:t>
             </a:fld>
             <a:endParaRPr lang="en-US" dirty="0"/>
           </a:p>
@@ -988,7 +998,7 @@
           <a:p>
             <a:fld id="{48A87A34-81AB-432B-8DAE-1953F412C126}" type="datetimeFigureOut">
               <a:rPr lang="en-US" dirty="0"/>
-              <a:t>6/2/2017</a:t>
+              <a:t>10/16/2017</a:t>
             </a:fld>
             <a:endParaRPr lang="en-US" dirty="0"/>
           </a:p>
@@ -1175,7 +1185,7 @@
           <a:p>
             <a:fld id="{48A87A34-81AB-432B-8DAE-1953F412C126}" type="datetimeFigureOut">
               <a:rPr lang="en-US" dirty="0"/>
-              <a:t>6/2/2017</a:t>
+              <a:t>10/16/2017</a:t>
             </a:fld>
             <a:endParaRPr lang="en-US" dirty="0"/>
           </a:p>
@@ -1431,7 +1441,7 @@
           <a:p>
             <a:fld id="{48A87A34-81AB-432B-8DAE-1953F412C126}" type="datetimeFigureOut">
               <a:rPr lang="en-US" dirty="0"/>
-              <a:t>6/2/2017</a:t>
+              <a:t>10/16/2017</a:t>
             </a:fld>
             <a:endParaRPr lang="en-US" dirty="0"/>
           </a:p>
@@ -1850,7 +1860,7 @@
           <a:p>
             <a:fld id="{48A87A34-81AB-432B-8DAE-1953F412C126}" type="datetimeFigureOut">
               <a:rPr lang="en-US" dirty="0"/>
-              <a:t>6/2/2017</a:t>
+              <a:t>10/16/2017</a:t>
             </a:fld>
             <a:endParaRPr lang="en-US" dirty="0"/>
           </a:p>
@@ -2391,7 +2401,7 @@
           <a:p>
             <a:fld id="{48A87A34-81AB-432B-8DAE-1953F412C126}" type="datetimeFigureOut">
               <a:rPr lang="en-US" dirty="0"/>
-              <a:t>6/2/2017</a:t>
+              <a:t>10/16/2017</a:t>
             </a:fld>
             <a:endParaRPr lang="en-US" dirty="0"/>
           </a:p>
@@ -3226,7 +3236,7 @@
           <a:p>
             <a:fld id="{48A87A34-81AB-432B-8DAE-1953F412C126}" type="datetimeFigureOut">
               <a:rPr lang="en-US" dirty="0"/>
-              <a:t>6/2/2017</a:t>
+              <a:t>10/16/2017</a:t>
             </a:fld>
             <a:endParaRPr lang="en-US" dirty="0"/>
           </a:p>
@@ -3391,7 +3401,7 @@
           <a:p>
             <a:fld id="{48A87A34-81AB-432B-8DAE-1953F412C126}" type="datetimeFigureOut">
               <a:rPr lang="en-US" dirty="0"/>
-              <a:t>6/2/2017</a:t>
+              <a:t>10/16/2017</a:t>
             </a:fld>
             <a:endParaRPr lang="en-US" dirty="0"/>
           </a:p>
@@ -3570,7 +3580,7 @@
           <a:p>
             <a:fld id="{48A87A34-81AB-432B-8DAE-1953F412C126}" type="datetimeFigureOut">
               <a:rPr lang="en-US" dirty="0"/>
-              <a:t>6/2/2017</a:t>
+              <a:t>10/16/2017</a:t>
             </a:fld>
             <a:endParaRPr lang="en-US" dirty="0"/>
           </a:p>
@@ -3735,7 +3745,7 @@
           <a:p>
             <a:fld id="{48A87A34-81AB-432B-8DAE-1953F412C126}" type="datetimeFigureOut">
               <a:rPr lang="en-US" dirty="0"/>
-              <a:t>6/2/2017</a:t>
+              <a:t>10/16/2017</a:t>
             </a:fld>
             <a:endParaRPr lang="en-US" dirty="0"/>
           </a:p>
@@ -3978,7 +3988,7 @@
           <a:p>
             <a:fld id="{48A87A34-81AB-432B-8DAE-1953F412C126}" type="datetimeFigureOut">
               <a:rPr lang="en-US" dirty="0"/>
-              <a:t>6/2/2017</a:t>
+              <a:t>10/16/2017</a:t>
             </a:fld>
             <a:endParaRPr lang="en-US" dirty="0"/>
           </a:p>
@@ -4210,7 +4220,7 @@
           <a:p>
             <a:fld id="{48A87A34-81AB-432B-8DAE-1953F412C126}" type="datetimeFigureOut">
               <a:rPr lang="en-US" dirty="0"/>
-              <a:t>6/2/2017</a:t>
+              <a:t>10/16/2017</a:t>
             </a:fld>
             <a:endParaRPr lang="en-US" dirty="0"/>
           </a:p>
@@ -4578,7 +4588,7 @@
           <a:p>
             <a:fld id="{48A87A34-81AB-432B-8DAE-1953F412C126}" type="datetimeFigureOut">
               <a:rPr lang="en-US" dirty="0"/>
-              <a:t>6/2/2017</a:t>
+              <a:t>10/16/2017</a:t>
             </a:fld>
             <a:endParaRPr lang="en-US" dirty="0"/>
           </a:p>
@@ -4691,7 +4701,7 @@
           <a:p>
             <a:fld id="{48A87A34-81AB-432B-8DAE-1953F412C126}" type="datetimeFigureOut">
               <a:rPr lang="en-US" dirty="0"/>
-              <a:t>6/2/2017</a:t>
+              <a:t>10/16/2017</a:t>
             </a:fld>
             <a:endParaRPr lang="en-US" dirty="0"/>
           </a:p>
@@ -4781,7 +4791,7 @@
           <a:p>
             <a:fld id="{48A87A34-81AB-432B-8DAE-1953F412C126}" type="datetimeFigureOut">
               <a:rPr lang="en-US" dirty="0"/>
-              <a:t>6/2/2017</a:t>
+              <a:t>10/16/2017</a:t>
             </a:fld>
             <a:endParaRPr lang="en-US" dirty="0"/>
           </a:p>
@@ -5027,7 +5037,7 @@
           <a:p>
             <a:fld id="{48A87A34-81AB-432B-8DAE-1953F412C126}" type="datetimeFigureOut">
               <a:rPr lang="en-US" dirty="0"/>
-              <a:t>6/2/2017</a:t>
+              <a:t>10/16/2017</a:t>
             </a:fld>
             <a:endParaRPr lang="en-US" dirty="0"/>
           </a:p>
@@ -5309,7 +5319,7 @@
           <a:p>
             <a:fld id="{48A87A34-81AB-432B-8DAE-1953F412C126}" type="datetimeFigureOut">
               <a:rPr lang="en-US" dirty="0"/>
-              <a:t>6/2/2017</a:t>
+              <a:t>10/16/2017</a:t>
             </a:fld>
             <a:endParaRPr lang="en-US" dirty="0"/>
           </a:p>
@@ -5518,7 +5528,7 @@
             <a:fld id="{48A87A34-81AB-432B-8DAE-1953F412C126}" type="datetimeFigureOut">
               <a:rPr lang="en-US" dirty="0"/>
               <a:pPr/>
-              <a:t>6/2/2017</a:t>
+              <a:t>10/16/2017</a:t>
             </a:fld>
             <a:endParaRPr lang="en-US" dirty="0"/>
           </a:p>
@@ -7174,6 +7184,104 @@
       </p:grpSpPr>
       <p:sp>
         <p:nvSpPr>
+          <p:cNvPr id="2" name="Title 1">
+            <a:extLst>
+              <a:ext uri="{FF2B5EF4-FFF2-40B4-BE49-F238E27FC236}">
+                <a16:creationId xmlns:a16="http://schemas.microsoft.com/office/drawing/2014/main" id="{43A22611-D248-4AF1-BDD8-D7DD2AE6E1FA}"/>
+              </a:ext>
+            </a:extLst>
+          </p:cNvPr>
+          <p:cNvSpPr>
+            <a:spLocks noGrp="1"/>
+          </p:cNvSpPr>
+          <p:nvPr>
+            <p:ph type="title"/>
+          </p:nvPr>
+        </p:nvSpPr>
+        <p:spPr/>
+        <p:txBody>
+          <a:bodyPr/>
+          <a:lstStyle/>
+          <a:p>
+            <a:r>
+              <a:rPr lang="en-US" dirty="0"/>
+              <a:t>Advanced</a:t>
+            </a:r>
+          </a:p>
+        </p:txBody>
+      </p:sp>
+      <p:sp>
+        <p:nvSpPr>
+          <p:cNvPr id="3" name="Content Placeholder 2">
+            <a:extLst>
+              <a:ext uri="{FF2B5EF4-FFF2-40B4-BE49-F238E27FC236}">
+                <a16:creationId xmlns:a16="http://schemas.microsoft.com/office/drawing/2014/main" id="{8C297872-6461-40BD-877E-06F6B14B9C4D}"/>
+              </a:ext>
+            </a:extLst>
+          </p:cNvPr>
+          <p:cNvSpPr>
+            <a:spLocks noGrp="1"/>
+          </p:cNvSpPr>
+          <p:nvPr>
+            <p:ph idx="1"/>
+          </p:nvPr>
+        </p:nvSpPr>
+        <p:spPr/>
+        <p:txBody>
+          <a:bodyPr/>
+          <a:lstStyle/>
+          <a:p>
+            <a:r>
+              <a:rPr lang="en-US" dirty="0"/>
+              <a:t>.NET Core &amp; ASP .NET Core</a:t>
+            </a:r>
+          </a:p>
+          <a:p>
+            <a:r>
+              <a:rPr lang="en-US" dirty="0"/>
+              <a:t>Asynchronous Logging</a:t>
+            </a:r>
+          </a:p>
+          <a:p>
+            <a:endParaRPr lang="en-US" dirty="0"/>
+          </a:p>
+          <a:p>
+            <a:endParaRPr lang="en-US" dirty="0"/>
+          </a:p>
+        </p:txBody>
+      </p:sp>
+    </p:spTree>
+    <p:extLst>
+      <p:ext uri="{BB962C8B-B14F-4D97-AF65-F5344CB8AC3E}">
+        <p14:creationId xmlns:p14="http://schemas.microsoft.com/office/powerpoint/2010/main" val="3827409751"/>
+      </p:ext>
+    </p:extLst>
+  </p:cSld>
+  <p:clrMapOvr>
+    <a:masterClrMapping/>
+  </p:clrMapOvr>
+</p:sld>
+</file>
+
+<file path=ppt/slides/slide17.xml><?xml version="1.0" encoding="utf-8"?>
+<p:sld xmlns:a="http://schemas.openxmlformats.org/drawingml/2006/main" xmlns:r="http://schemas.openxmlformats.org/officeDocument/2006/relationships" xmlns:p="http://schemas.openxmlformats.org/presentationml/2006/main">
+  <p:cSld>
+    <p:spTree>
+      <p:nvGrpSpPr>
+        <p:cNvPr id="1" name=""/>
+        <p:cNvGrpSpPr/>
+        <p:nvPr/>
+      </p:nvGrpSpPr>
+      <p:grpSpPr>
+        <a:xfrm>
+          <a:off x="0" y="0"/>
+          <a:ext cx="0" cy="0"/>
+          <a:chOff x="0" y="0"/>
+          <a:chExt cx="0" cy="0"/>
+        </a:xfrm>
+      </p:grpSpPr>
+      <p:sp>
+        <p:nvSpPr>
           <p:cNvPr id="2" name="Title 1"/>
           <p:cNvSpPr>
             <a:spLocks noGrp="1"/>
@@ -7265,7 +7373,13 @@
       </p:grpSpPr>
       <p:pic>
         <p:nvPicPr>
-          <p:cNvPr id="5" name="Picture 4"/>
+          <p:cNvPr id="3" name="Picture 2">
+            <a:extLst>
+              <a:ext uri="{FF2B5EF4-FFF2-40B4-BE49-F238E27FC236}">
+                <a16:creationId xmlns:a16="http://schemas.microsoft.com/office/drawing/2014/main" id="{2F8FAD69-0844-4C5D-913F-136B2D2D50C7}"/>
+              </a:ext>
+            </a:extLst>
+          </p:cNvPr>
           <p:cNvPicPr>
             <a:picLocks noChangeAspect="1"/>
           </p:cNvPicPr>
@@ -7279,8 +7393,8 @@
         </p:blipFill>
         <p:spPr>
           <a:xfrm>
-            <a:off x="1524000" y="857250"/>
-            <a:ext cx="9144000" cy="5143500"/>
+            <a:off x="0" y="0"/>
+            <a:ext cx="12192000" cy="6858000"/>
           </a:xfrm>
           <a:prstGeom prst="rect">
             <a:avLst/>
@@ -7351,20 +7465,14 @@
         </p:nvSpPr>
         <p:spPr/>
         <p:txBody>
-          <a:bodyPr/>
-          <a:lstStyle/>
-          <a:p>
-            <a:r>
-              <a:rPr lang="en-US" dirty="0"/>
-              <a:t>Senior Software Engineer – </a:t>
-            </a:r>
-            <a:r>
-              <a:rPr lang="en-US" dirty="0" err="1"/>
-              <a:t>NuArx</a:t>
-            </a:r>
-            <a:r>
-              <a:rPr lang="en-US" dirty="0"/>
-              <a:t> Inc.</a:t>
+          <a:bodyPr>
+            <a:normAutofit fontScale="92500" lnSpcReduction="10000"/>
+          </a:bodyPr>
+          <a:lstStyle/>
+          <a:p>
+            <a:r>
+              <a:rPr lang="en-US" dirty="0"/>
+              <a:t>Senior Architect – United Shore</a:t>
             </a:r>
           </a:p>
           <a:p>
@@ -7390,12 +7498,14 @@
         </p:nvSpPr>
         <p:spPr/>
         <p:txBody>
-          <a:bodyPr/>
-          <a:lstStyle/>
-          <a:p>
-            <a:r>
-              <a:rPr lang="en-US" dirty="0"/>
-              <a:t>Professional Developer for 8+ years</a:t>
+          <a:bodyPr>
+            <a:normAutofit fontScale="92500" lnSpcReduction="10000"/>
+          </a:bodyPr>
+          <a:lstStyle/>
+          <a:p>
+            <a:r>
+              <a:rPr lang="en-US" dirty="0"/>
+              <a:t>Professional Developer for 9+ years</a:t>
             </a:r>
           </a:p>
           <a:p>
@@ -7452,6 +7562,13 @@
             <a:r>
               <a:rPr lang="en-US" dirty="0"/>
               <a:t>Cloud</a:t>
+            </a:r>
+          </a:p>
+          <a:p>
+            <a:pPr lvl="1"/>
+            <a:r>
+              <a:rPr lang="en-US" dirty="0"/>
+              <a:t>Machine Learning</a:t>
             </a:r>
           </a:p>
           <a:p>
@@ -7877,15 +7994,7 @@
           <a:p>
             <a:r>
               <a:rPr lang="en-US" dirty="0"/>
-              <a:t>Built from the ground up in </a:t>
-            </a:r>
-            <a:r>
-              <a:rPr lang="en-US" dirty="0" err="1"/>
-              <a:t>.Net</a:t>
-            </a:r>
-            <a:r>
-              <a:rPr lang="en-US" dirty="0"/>
-              <a:t>, not a port</a:t>
+              <a:t>Built from the ground up in .NET, not a port</a:t>
             </a:r>
           </a:p>
           <a:p>
@@ -9006,7 +9115,7 @@
             <a:pPr lvl="1"/>
             <a:r>
               <a:rPr lang="en-US" dirty="0"/>
-              <a:t>Literate</a:t>
+              <a:t>Literate (Console)</a:t>
             </a:r>
           </a:p>
           <a:p>

--- a/SerilogLoggingAllGrownUp.pptx
+++ b/SerilogLoggingAllGrownUp.pptx
@@ -5,26 +5,25 @@
     <p:sldMasterId id="2147483648" r:id="rId1"/>
   </p:sldMasterIdLst>
   <p:notesMasterIdLst>
-    <p:notesMasterId r:id="rId19"/>
+    <p:notesMasterId r:id="rId18"/>
   </p:notesMasterIdLst>
   <p:sldIdLst>
     <p:sldId id="256" r:id="rId2"/>
-    <p:sldId id="258" r:id="rId3"/>
-    <p:sldId id="257" r:id="rId4"/>
-    <p:sldId id="259" r:id="rId5"/>
-    <p:sldId id="260" r:id="rId6"/>
-    <p:sldId id="261" r:id="rId7"/>
-    <p:sldId id="262" r:id="rId8"/>
-    <p:sldId id="264" r:id="rId9"/>
-    <p:sldId id="263" r:id="rId10"/>
-    <p:sldId id="265" r:id="rId11"/>
-    <p:sldId id="266" r:id="rId12"/>
-    <p:sldId id="267" r:id="rId13"/>
-    <p:sldId id="268" r:id="rId14"/>
-    <p:sldId id="269" r:id="rId15"/>
-    <p:sldId id="270" r:id="rId16"/>
-    <p:sldId id="272" r:id="rId17"/>
-    <p:sldId id="271" r:id="rId18"/>
+    <p:sldId id="257" r:id="rId3"/>
+    <p:sldId id="259" r:id="rId4"/>
+    <p:sldId id="260" r:id="rId5"/>
+    <p:sldId id="261" r:id="rId6"/>
+    <p:sldId id="262" r:id="rId7"/>
+    <p:sldId id="264" r:id="rId8"/>
+    <p:sldId id="263" r:id="rId9"/>
+    <p:sldId id="265" r:id="rId10"/>
+    <p:sldId id="266" r:id="rId11"/>
+    <p:sldId id="267" r:id="rId12"/>
+    <p:sldId id="268" r:id="rId13"/>
+    <p:sldId id="269" r:id="rId14"/>
+    <p:sldId id="270" r:id="rId15"/>
+    <p:sldId id="272" r:id="rId16"/>
+    <p:sldId id="271" r:id="rId17"/>
   </p:sldIdLst>
   <p:sldSz cx="12192000" cy="6858000"/>
   <p:notesSz cx="6858000" cy="9144000"/>
@@ -217,7 +216,7 @@
           <a:p>
             <a:fld id="{60AEC1D8-3506-41E4-96D2-5486DC5DE0A5}" type="datetimeFigureOut">
               <a:rPr lang="en-US" smtClean="0"/>
-              <a:t>10/16/2017</a:t>
+              <a:t>2/20/2018</a:t>
             </a:fld>
             <a:endParaRPr lang="en-US"/>
           </a:p>
@@ -564,7 +563,7 @@
           <a:p>
             <a:fld id="{99E958FF-9FC9-4FAD-9056-CE7C3B104FC2}" type="slidenum">
               <a:rPr lang="en-US" smtClean="0"/>
-              <a:t>9</a:t>
+              <a:t>8</a:t>
             </a:fld>
             <a:endParaRPr lang="en-US"/>
           </a:p>
@@ -716,7 +715,7 @@
           <a:p>
             <a:fld id="{48A87A34-81AB-432B-8DAE-1953F412C126}" type="datetimeFigureOut">
               <a:rPr lang="en-US" dirty="0"/>
-              <a:t>10/16/2017</a:t>
+              <a:t>2/20/2018</a:t>
             </a:fld>
             <a:endParaRPr lang="en-US" dirty="0"/>
           </a:p>
@@ -998,7 +997,7 @@
           <a:p>
             <a:fld id="{48A87A34-81AB-432B-8DAE-1953F412C126}" type="datetimeFigureOut">
               <a:rPr lang="en-US" dirty="0"/>
-              <a:t>10/16/2017</a:t>
+              <a:t>2/20/2018</a:t>
             </a:fld>
             <a:endParaRPr lang="en-US" dirty="0"/>
           </a:p>
@@ -1185,7 +1184,7 @@
           <a:p>
             <a:fld id="{48A87A34-81AB-432B-8DAE-1953F412C126}" type="datetimeFigureOut">
               <a:rPr lang="en-US" dirty="0"/>
-              <a:t>10/16/2017</a:t>
+              <a:t>2/20/2018</a:t>
             </a:fld>
             <a:endParaRPr lang="en-US" dirty="0"/>
           </a:p>
@@ -1441,7 +1440,7 @@
           <a:p>
             <a:fld id="{48A87A34-81AB-432B-8DAE-1953F412C126}" type="datetimeFigureOut">
               <a:rPr lang="en-US" dirty="0"/>
-              <a:t>10/16/2017</a:t>
+              <a:t>2/20/2018</a:t>
             </a:fld>
             <a:endParaRPr lang="en-US" dirty="0"/>
           </a:p>
@@ -1860,7 +1859,7 @@
           <a:p>
             <a:fld id="{48A87A34-81AB-432B-8DAE-1953F412C126}" type="datetimeFigureOut">
               <a:rPr lang="en-US" dirty="0"/>
-              <a:t>10/16/2017</a:t>
+              <a:t>2/20/2018</a:t>
             </a:fld>
             <a:endParaRPr lang="en-US" dirty="0"/>
           </a:p>
@@ -2401,7 +2400,7 @@
           <a:p>
             <a:fld id="{48A87A34-81AB-432B-8DAE-1953F412C126}" type="datetimeFigureOut">
               <a:rPr lang="en-US" dirty="0"/>
-              <a:t>10/16/2017</a:t>
+              <a:t>2/20/2018</a:t>
             </a:fld>
             <a:endParaRPr lang="en-US" dirty="0"/>
           </a:p>
@@ -3236,7 +3235,7 @@
           <a:p>
             <a:fld id="{48A87A34-81AB-432B-8DAE-1953F412C126}" type="datetimeFigureOut">
               <a:rPr lang="en-US" dirty="0"/>
-              <a:t>10/16/2017</a:t>
+              <a:t>2/20/2018</a:t>
             </a:fld>
             <a:endParaRPr lang="en-US" dirty="0"/>
           </a:p>
@@ -3401,7 +3400,7 @@
           <a:p>
             <a:fld id="{48A87A34-81AB-432B-8DAE-1953F412C126}" type="datetimeFigureOut">
               <a:rPr lang="en-US" dirty="0"/>
-              <a:t>10/16/2017</a:t>
+              <a:t>2/20/2018</a:t>
             </a:fld>
             <a:endParaRPr lang="en-US" dirty="0"/>
           </a:p>
@@ -3580,7 +3579,7 @@
           <a:p>
             <a:fld id="{48A87A34-81AB-432B-8DAE-1953F412C126}" type="datetimeFigureOut">
               <a:rPr lang="en-US" dirty="0"/>
-              <a:t>10/16/2017</a:t>
+              <a:t>2/20/2018</a:t>
             </a:fld>
             <a:endParaRPr lang="en-US" dirty="0"/>
           </a:p>
@@ -3745,7 +3744,7 @@
           <a:p>
             <a:fld id="{48A87A34-81AB-432B-8DAE-1953F412C126}" type="datetimeFigureOut">
               <a:rPr lang="en-US" dirty="0"/>
-              <a:t>10/16/2017</a:t>
+              <a:t>2/20/2018</a:t>
             </a:fld>
             <a:endParaRPr lang="en-US" dirty="0"/>
           </a:p>
@@ -3988,7 +3987,7 @@
           <a:p>
             <a:fld id="{48A87A34-81AB-432B-8DAE-1953F412C126}" type="datetimeFigureOut">
               <a:rPr lang="en-US" dirty="0"/>
-              <a:t>10/16/2017</a:t>
+              <a:t>2/20/2018</a:t>
             </a:fld>
             <a:endParaRPr lang="en-US" dirty="0"/>
           </a:p>
@@ -4220,7 +4219,7 @@
           <a:p>
             <a:fld id="{48A87A34-81AB-432B-8DAE-1953F412C126}" type="datetimeFigureOut">
               <a:rPr lang="en-US" dirty="0"/>
-              <a:t>10/16/2017</a:t>
+              <a:t>2/20/2018</a:t>
             </a:fld>
             <a:endParaRPr lang="en-US" dirty="0"/>
           </a:p>
@@ -4588,7 +4587,7 @@
           <a:p>
             <a:fld id="{48A87A34-81AB-432B-8DAE-1953F412C126}" type="datetimeFigureOut">
               <a:rPr lang="en-US" dirty="0"/>
-              <a:t>10/16/2017</a:t>
+              <a:t>2/20/2018</a:t>
             </a:fld>
             <a:endParaRPr lang="en-US" dirty="0"/>
           </a:p>
@@ -4701,7 +4700,7 @@
           <a:p>
             <a:fld id="{48A87A34-81AB-432B-8DAE-1953F412C126}" type="datetimeFigureOut">
               <a:rPr lang="en-US" dirty="0"/>
-              <a:t>10/16/2017</a:t>
+              <a:t>2/20/2018</a:t>
             </a:fld>
             <a:endParaRPr lang="en-US" dirty="0"/>
           </a:p>
@@ -4791,7 +4790,7 @@
           <a:p>
             <a:fld id="{48A87A34-81AB-432B-8DAE-1953F412C126}" type="datetimeFigureOut">
               <a:rPr lang="en-US" dirty="0"/>
-              <a:t>10/16/2017</a:t>
+              <a:t>2/20/2018</a:t>
             </a:fld>
             <a:endParaRPr lang="en-US" dirty="0"/>
           </a:p>
@@ -5037,7 +5036,7 @@
           <a:p>
             <a:fld id="{48A87A34-81AB-432B-8DAE-1953F412C126}" type="datetimeFigureOut">
               <a:rPr lang="en-US" dirty="0"/>
-              <a:t>10/16/2017</a:t>
+              <a:t>2/20/2018</a:t>
             </a:fld>
             <a:endParaRPr lang="en-US" dirty="0"/>
           </a:p>
@@ -5319,7 +5318,7 @@
           <a:p>
             <a:fld id="{48A87A34-81AB-432B-8DAE-1953F412C126}" type="datetimeFigureOut">
               <a:rPr lang="en-US" dirty="0"/>
-              <a:t>10/16/2017</a:t>
+              <a:t>2/20/2018</a:t>
             </a:fld>
             <a:endParaRPr lang="en-US" dirty="0"/>
           </a:p>
@@ -5528,7 +5527,7 @@
             <a:fld id="{48A87A34-81AB-432B-8DAE-1953F412C126}" type="datetimeFigureOut">
               <a:rPr lang="en-US" dirty="0"/>
               <a:pPr/>
-              <a:t>10/16/2017</a:t>
+              <a:t>2/20/2018</a:t>
             </a:fld>
             <a:endParaRPr lang="en-US" dirty="0"/>
           </a:p>
@@ -6100,94 +6099,6 @@
           <a:p>
             <a:r>
               <a:rPr lang="en-US" dirty="0"/>
-              <a:t>Take Only What You Need</a:t>
-            </a:r>
-          </a:p>
-        </p:txBody>
-      </p:sp>
-      <p:sp>
-        <p:nvSpPr>
-          <p:cNvPr id="3" name="Content Placeholder 2"/>
-          <p:cNvSpPr>
-            <a:spLocks noGrp="1"/>
-          </p:cNvSpPr>
-          <p:nvPr>
-            <p:ph idx="1"/>
-          </p:nvPr>
-        </p:nvSpPr>
-        <p:spPr>
-          <a:xfrm>
-            <a:off x="913795" y="2103152"/>
-            <a:ext cx="10353762" cy="3695136"/>
-          </a:xfrm>
-        </p:spPr>
-        <p:txBody>
-          <a:bodyPr/>
-          <a:lstStyle/>
-          <a:p>
-            <a:r>
-              <a:rPr lang="en-US" dirty="0"/>
-              <a:t>Just add sinks and configuration for the sources that you care about, which makes it very lightweight</a:t>
-            </a:r>
-          </a:p>
-          <a:p>
-            <a:pPr marL="457200" lvl="1" indent="0">
-              <a:buNone/>
-            </a:pPr>
-            <a:r>
-              <a:rPr lang="en-US" dirty="0"/>
-              <a:t>E.g. not forcing me to download the Azure libraries if I just want to write to a file</a:t>
-            </a:r>
-          </a:p>
-        </p:txBody>
-      </p:sp>
-    </p:spTree>
-    <p:extLst>
-      <p:ext uri="{BB962C8B-B14F-4D97-AF65-F5344CB8AC3E}">
-        <p14:creationId xmlns:p14="http://schemas.microsoft.com/office/powerpoint/2010/main" val="199621601"/>
-      </p:ext>
-    </p:extLst>
-  </p:cSld>
-  <p:clrMapOvr>
-    <a:masterClrMapping/>
-  </p:clrMapOvr>
-</p:sld>
-</file>
-
-<file path=ppt/slides/slide11.xml><?xml version="1.0" encoding="utf-8"?>
-<p:sld xmlns:a="http://schemas.openxmlformats.org/drawingml/2006/main" xmlns:r="http://schemas.openxmlformats.org/officeDocument/2006/relationships" xmlns:p="http://schemas.openxmlformats.org/presentationml/2006/main">
-  <p:cSld>
-    <p:spTree>
-      <p:nvGrpSpPr>
-        <p:cNvPr id="1" name=""/>
-        <p:cNvGrpSpPr/>
-        <p:nvPr/>
-      </p:nvGrpSpPr>
-      <p:grpSpPr>
-        <a:xfrm>
-          <a:off x="0" y="0"/>
-          <a:ext cx="0" cy="0"/>
-          <a:chOff x="0" y="0"/>
-          <a:chExt cx="0" cy="0"/>
-        </a:xfrm>
-      </p:grpSpPr>
-      <p:sp>
-        <p:nvSpPr>
-          <p:cNvPr id="2" name="Title 1"/>
-          <p:cNvSpPr>
-            <a:spLocks noGrp="1"/>
-          </p:cNvSpPr>
-          <p:nvPr>
-            <p:ph type="title"/>
-          </p:nvPr>
-        </p:nvSpPr>
-        <p:spPr/>
-        <p:txBody>
-          <a:bodyPr/>
-          <a:lstStyle/>
-          <a:p>
-            <a:r>
-              <a:rPr lang="en-US" dirty="0"/>
               <a:t>Customize Log Output</a:t>
             </a:r>
           </a:p>
@@ -6291,7 +6202,7 @@
 </p:sld>
 </file>
 
-<file path=ppt/slides/slide12.xml><?xml version="1.0" encoding="utf-8"?>
+<file path=ppt/slides/slide11.xml><?xml version="1.0" encoding="utf-8"?>
 <p:sld xmlns:a="http://schemas.openxmlformats.org/drawingml/2006/main" xmlns:r="http://schemas.openxmlformats.org/officeDocument/2006/relationships" xmlns:p="http://schemas.openxmlformats.org/presentationml/2006/main">
   <p:cSld>
     <p:spTree>
@@ -6851,6 +6762,80 @@
 </p:sld>
 </file>
 
+<file path=ppt/slides/slide12.xml><?xml version="1.0" encoding="utf-8"?>
+<p:sld xmlns:a="http://schemas.openxmlformats.org/drawingml/2006/main" xmlns:r="http://schemas.openxmlformats.org/officeDocument/2006/relationships" xmlns:p="http://schemas.openxmlformats.org/presentationml/2006/main">
+  <p:cSld>
+    <p:spTree>
+      <p:nvGrpSpPr>
+        <p:cNvPr id="1" name=""/>
+        <p:cNvGrpSpPr/>
+        <p:nvPr/>
+      </p:nvGrpSpPr>
+      <p:grpSpPr>
+        <a:xfrm>
+          <a:off x="0" y="0"/>
+          <a:ext cx="0" cy="0"/>
+          <a:chOff x="0" y="0"/>
+          <a:chExt cx="0" cy="0"/>
+        </a:xfrm>
+      </p:grpSpPr>
+      <p:sp>
+        <p:nvSpPr>
+          <p:cNvPr id="2" name="Title 1"/>
+          <p:cNvSpPr>
+            <a:spLocks noGrp="1"/>
+          </p:cNvSpPr>
+          <p:nvPr>
+            <p:ph type="title"/>
+          </p:nvPr>
+        </p:nvSpPr>
+        <p:spPr/>
+        <p:txBody>
+          <a:bodyPr/>
+          <a:lstStyle/>
+          <a:p>
+            <a:r>
+              <a:rPr lang="en-US" dirty="0"/>
+              <a:t>Create Your Own Sink</a:t>
+            </a:r>
+          </a:p>
+        </p:txBody>
+      </p:sp>
+      <p:sp>
+        <p:nvSpPr>
+          <p:cNvPr id="3" name="Content Placeholder 2"/>
+          <p:cNvSpPr>
+            <a:spLocks noGrp="1"/>
+          </p:cNvSpPr>
+          <p:nvPr>
+            <p:ph idx="1"/>
+          </p:nvPr>
+        </p:nvSpPr>
+        <p:spPr/>
+        <p:txBody>
+          <a:bodyPr/>
+          <a:lstStyle/>
+          <a:p>
+            <a:r>
+              <a:rPr lang="en-US" dirty="0"/>
+              <a:t>DEMO</a:t>
+            </a:r>
+          </a:p>
+        </p:txBody>
+      </p:sp>
+    </p:spTree>
+    <p:extLst>
+      <p:ext uri="{BB962C8B-B14F-4D97-AF65-F5344CB8AC3E}">
+        <p14:creationId xmlns:p14="http://schemas.microsoft.com/office/powerpoint/2010/main" val="3354659858"/>
+      </p:ext>
+    </p:extLst>
+  </p:cSld>
+  <p:clrMapOvr>
+    <a:masterClrMapping/>
+  </p:clrMapOvr>
+</p:sld>
+</file>
+
 <file path=ppt/slides/slide13.xml><?xml version="1.0" encoding="utf-8"?>
 <p:sld xmlns:a="http://schemas.openxmlformats.org/drawingml/2006/main" xmlns:r="http://schemas.openxmlformats.org/officeDocument/2006/relationships" xmlns:p="http://schemas.openxmlformats.org/presentationml/2006/main">
   <p:cSld>
@@ -6885,7 +6870,7 @@
           <a:p>
             <a:r>
               <a:rPr lang="en-US" dirty="0"/>
-              <a:t>Create Your Own Sink</a:t>
+              <a:t>Logging Strategy</a:t>
             </a:r>
           </a:p>
         </p:txBody>
@@ -6902,12 +6887,71 @@
         </p:nvSpPr>
         <p:spPr/>
         <p:txBody>
-          <a:bodyPr/>
-          <a:lstStyle/>
-          <a:p>
-            <a:r>
-              <a:rPr lang="en-US" dirty="0"/>
-              <a:t>DEMO</a:t>
+          <a:bodyPr>
+            <a:normAutofit/>
+          </a:bodyPr>
+          <a:lstStyle/>
+          <a:p>
+            <a:r>
+              <a:rPr lang="en-US" dirty="0"/>
+              <a:t>First figure out your unique situation and prioritize the things you care about</a:t>
+            </a:r>
+          </a:p>
+          <a:p>
+            <a:pPr marL="0" indent="0">
+              <a:buNone/>
+            </a:pPr>
+            <a:r>
+              <a:rPr lang="en-US" dirty="0"/>
+              <a:t>	1 app used by 1 person or 20 apps used by 10,000 people</a:t>
+            </a:r>
+          </a:p>
+          <a:p>
+            <a:r>
+              <a:rPr lang="en-US" dirty="0"/>
+              <a:t>Create a plan</a:t>
+            </a:r>
+          </a:p>
+          <a:p>
+            <a:pPr marL="800100" lvl="1" indent="-342900">
+              <a:buAutoNum type="alphaLcPeriod"/>
+            </a:pPr>
+            <a:r>
+              <a:rPr lang="en-US" dirty="0"/>
+              <a:t>Where are we going to log?</a:t>
+            </a:r>
+          </a:p>
+          <a:p>
+            <a:pPr marL="800100" lvl="1" indent="-342900">
+              <a:buAutoNum type="alphaLcPeriod"/>
+            </a:pPr>
+            <a:r>
+              <a:rPr lang="en-US" dirty="0"/>
+              <a:t>How do we want to be notified if there are errors?</a:t>
+            </a:r>
+          </a:p>
+          <a:p>
+            <a:pPr marL="800100" lvl="1" indent="-342900">
+              <a:buAutoNum type="alphaLcPeriod"/>
+            </a:pPr>
+            <a:r>
+              <a:rPr lang="en-US" dirty="0"/>
+              <a:t>How do we maintain logs so that they don’t get out of control?</a:t>
+            </a:r>
+          </a:p>
+          <a:p>
+            <a:pPr marL="800100" lvl="1" indent="-342900">
+              <a:buAutoNum type="alphaLcPeriod"/>
+            </a:pPr>
+            <a:r>
+              <a:rPr lang="en-US" dirty="0"/>
+              <a:t>How do we want to consume the logs?</a:t>
+            </a:r>
+          </a:p>
+          <a:p>
+            <a:r>
+              <a:rPr lang="en-US" dirty="0"/>
+              <a:t>Craft a solution that fits your needs</a:t>
             </a:r>
           </a:p>
         </p:txBody>
@@ -6915,7 +6959,7 @@
     </p:spTree>
     <p:extLst>
       <p:ext uri="{BB962C8B-B14F-4D97-AF65-F5344CB8AC3E}">
-        <p14:creationId xmlns:p14="http://schemas.microsoft.com/office/powerpoint/2010/main" val="3354659858"/>
+        <p14:creationId xmlns:p14="http://schemas.microsoft.com/office/powerpoint/2010/main" val="1281976053"/>
       </p:ext>
     </p:extLst>
   </p:cSld>
@@ -6959,88 +7003,62 @@
           <a:p>
             <a:r>
               <a:rPr lang="en-US" dirty="0"/>
-              <a:t>Logging Strategy</a:t>
-            </a:r>
-          </a:p>
-        </p:txBody>
-      </p:sp>
-      <p:sp>
-        <p:nvSpPr>
-          <p:cNvPr id="3" name="Content Placeholder 2"/>
-          <p:cNvSpPr>
-            <a:spLocks noGrp="1"/>
-          </p:cNvSpPr>
+              <a:t>Consuming Logs</a:t>
+            </a:r>
+          </a:p>
+        </p:txBody>
+      </p:sp>
+      <p:pic>
+        <p:nvPicPr>
+          <p:cNvPr id="4" name="Content Placeholder 3"/>
+          <p:cNvPicPr>
+            <a:picLocks noGrp="1" noChangeAspect="1"/>
+          </p:cNvPicPr>
           <p:nvPr>
             <p:ph idx="1"/>
           </p:nvPr>
-        </p:nvSpPr>
-        <p:spPr/>
-        <p:txBody>
-          <a:bodyPr>
-            <a:normAutofit/>
+        </p:nvPicPr>
+        <p:blipFill>
+          <a:blip r:embed="rId2"/>
+          <a:stretch>
+            <a:fillRect/>
+          </a:stretch>
+        </p:blipFill>
+        <p:spPr>
+          <a:xfrm>
+            <a:off x="1024606" y="2038793"/>
+            <a:ext cx="10373526" cy="4220240"/>
+          </a:xfrm>
+          <a:prstGeom prst="rect">
+            <a:avLst/>
+          </a:prstGeom>
+        </p:spPr>
+      </p:pic>
+      <p:sp>
+        <p:nvSpPr>
+          <p:cNvPr id="5" name="TextBox 4"/>
+          <p:cNvSpPr txBox="1"/>
+          <p:nvPr/>
+        </p:nvSpPr>
+        <p:spPr>
+          <a:xfrm>
+            <a:off x="2636875" y="6361905"/>
+            <a:ext cx="7451271" cy="369332"/>
+          </a:xfrm>
+          <a:prstGeom prst="rect">
+            <a:avLst/>
+          </a:prstGeom>
+          <a:noFill/>
+        </p:spPr>
+        <p:txBody>
+          <a:bodyPr wrap="none" rtlCol="0">
+            <a:spAutoFit/>
           </a:bodyPr>
           <a:lstStyle/>
           <a:p>
             <a:r>
               <a:rPr lang="en-US" dirty="0"/>
-              <a:t>First figure out your unique situation and prioritize the things you care about</a:t>
-            </a:r>
-          </a:p>
-          <a:p>
-            <a:pPr marL="0" indent="0">
-              <a:buNone/>
-            </a:pPr>
-            <a:r>
-              <a:rPr lang="en-US" dirty="0"/>
-              <a:t>	1 app used by 1 person or 20 apps used by 10,000 people</a:t>
-            </a:r>
-          </a:p>
-          <a:p>
-            <a:r>
-              <a:rPr lang="en-US" dirty="0"/>
-              <a:t>Create a plan</a:t>
-            </a:r>
-          </a:p>
-          <a:p>
-            <a:pPr marL="800100" lvl="1" indent="-342900">
-              <a:buAutoNum type="alphaLcPeriod"/>
-            </a:pPr>
-            <a:r>
-              <a:rPr lang="en-US" dirty="0"/>
-              <a:t>Where are we going to log?</a:t>
-            </a:r>
-          </a:p>
-          <a:p>
-            <a:pPr marL="800100" lvl="1" indent="-342900">
-              <a:buAutoNum type="alphaLcPeriod"/>
-            </a:pPr>
-            <a:r>
-              <a:rPr lang="en-US" dirty="0"/>
-              <a:t>How do we want to be notified if there are errors?</a:t>
-            </a:r>
-          </a:p>
-          <a:p>
-            <a:pPr marL="800100" lvl="1" indent="-342900">
-              <a:buAutoNum type="alphaLcPeriod"/>
-            </a:pPr>
-            <a:r>
-              <a:rPr lang="en-US" dirty="0"/>
-              <a:t>How do we maintain logs so that they don’t get out of control?</a:t>
-            </a:r>
-          </a:p>
-          <a:p>
-            <a:pPr marL="800100" lvl="1" indent="-342900">
-              <a:buAutoNum type="alphaLcPeriod"/>
-            </a:pPr>
-            <a:r>
-              <a:rPr lang="en-US" dirty="0"/>
-              <a:t>How do we want to consume the logs?</a:t>
-            </a:r>
-          </a:p>
-          <a:p>
-            <a:r>
-              <a:rPr lang="en-US" dirty="0"/>
-              <a:t>Craft a solution that fits your needs</a:t>
+              <a:t>https://blog.codeship.com/how-to-understand-logs-with-logentries/</a:t>
             </a:r>
           </a:p>
         </p:txBody>
@@ -7048,7 +7066,7 @@
     </p:spTree>
     <p:extLst>
       <p:ext uri="{BB962C8B-B14F-4D97-AF65-F5344CB8AC3E}">
-        <p14:creationId xmlns:p14="http://schemas.microsoft.com/office/powerpoint/2010/main" val="1281976053"/>
+        <p14:creationId xmlns:p14="http://schemas.microsoft.com/office/powerpoint/2010/main" val="534381655"/>
       </p:ext>
     </p:extLst>
   </p:cSld>
@@ -7077,113 +7095,6 @@
       </p:grpSpPr>
       <p:sp>
         <p:nvSpPr>
-          <p:cNvPr id="2" name="Title 1"/>
-          <p:cNvSpPr>
-            <a:spLocks noGrp="1"/>
-          </p:cNvSpPr>
-          <p:nvPr>
-            <p:ph type="title"/>
-          </p:nvPr>
-        </p:nvSpPr>
-        <p:spPr/>
-        <p:txBody>
-          <a:bodyPr/>
-          <a:lstStyle/>
-          <a:p>
-            <a:r>
-              <a:rPr lang="en-US" dirty="0"/>
-              <a:t>Consuming Logs</a:t>
-            </a:r>
-          </a:p>
-        </p:txBody>
-      </p:sp>
-      <p:pic>
-        <p:nvPicPr>
-          <p:cNvPr id="4" name="Content Placeholder 3"/>
-          <p:cNvPicPr>
-            <a:picLocks noGrp="1" noChangeAspect="1"/>
-          </p:cNvPicPr>
-          <p:nvPr>
-            <p:ph idx="1"/>
-          </p:nvPr>
-        </p:nvPicPr>
-        <p:blipFill>
-          <a:blip r:embed="rId2"/>
-          <a:stretch>
-            <a:fillRect/>
-          </a:stretch>
-        </p:blipFill>
-        <p:spPr>
-          <a:xfrm>
-            <a:off x="1024606" y="2038793"/>
-            <a:ext cx="10373526" cy="4220240"/>
-          </a:xfrm>
-          <a:prstGeom prst="rect">
-            <a:avLst/>
-          </a:prstGeom>
-        </p:spPr>
-      </p:pic>
-      <p:sp>
-        <p:nvSpPr>
-          <p:cNvPr id="5" name="TextBox 4"/>
-          <p:cNvSpPr txBox="1"/>
-          <p:nvPr/>
-        </p:nvSpPr>
-        <p:spPr>
-          <a:xfrm>
-            <a:off x="2636875" y="6361905"/>
-            <a:ext cx="7451271" cy="369332"/>
-          </a:xfrm>
-          <a:prstGeom prst="rect">
-            <a:avLst/>
-          </a:prstGeom>
-          <a:noFill/>
-        </p:spPr>
-        <p:txBody>
-          <a:bodyPr wrap="none" rtlCol="0">
-            <a:spAutoFit/>
-          </a:bodyPr>
-          <a:lstStyle/>
-          <a:p>
-            <a:r>
-              <a:rPr lang="en-US" dirty="0"/>
-              <a:t>https://blog.codeship.com/how-to-understand-logs-with-logentries/</a:t>
-            </a:r>
-          </a:p>
-        </p:txBody>
-      </p:sp>
-    </p:spTree>
-    <p:extLst>
-      <p:ext uri="{BB962C8B-B14F-4D97-AF65-F5344CB8AC3E}">
-        <p14:creationId xmlns:p14="http://schemas.microsoft.com/office/powerpoint/2010/main" val="534381655"/>
-      </p:ext>
-    </p:extLst>
-  </p:cSld>
-  <p:clrMapOvr>
-    <a:masterClrMapping/>
-  </p:clrMapOvr>
-</p:sld>
-</file>
-
-<file path=ppt/slides/slide16.xml><?xml version="1.0" encoding="utf-8"?>
-<p:sld xmlns:a="http://schemas.openxmlformats.org/drawingml/2006/main" xmlns:r="http://schemas.openxmlformats.org/officeDocument/2006/relationships" xmlns:p="http://schemas.openxmlformats.org/presentationml/2006/main">
-  <p:cSld>
-    <p:spTree>
-      <p:nvGrpSpPr>
-        <p:cNvPr id="1" name=""/>
-        <p:cNvGrpSpPr/>
-        <p:nvPr/>
-      </p:nvGrpSpPr>
-      <p:grpSpPr>
-        <a:xfrm>
-          <a:off x="0" y="0"/>
-          <a:ext cx="0" cy="0"/>
-          <a:chOff x="0" y="0"/>
-          <a:chExt cx="0" cy="0"/>
-        </a:xfrm>
-      </p:grpSpPr>
-      <p:sp>
-        <p:nvSpPr>
           <p:cNvPr id="2" name="Title 1">
             <a:extLst>
               <a:ext uri="{FF2B5EF4-FFF2-40B4-BE49-F238E27FC236}">
@@ -7263,7 +7174,7 @@
 </p:sld>
 </file>
 
-<file path=ppt/slides/slide17.xml><?xml version="1.0" encoding="utf-8"?>
+<file path=ppt/slides/slide16.xml><?xml version="1.0" encoding="utf-8"?>
 <p:sld xmlns:a="http://schemas.openxmlformats.org/drawingml/2006/main" xmlns:r="http://schemas.openxmlformats.org/officeDocument/2006/relationships" xmlns:p="http://schemas.openxmlformats.org/presentationml/2006/main">
   <p:cSld>
     <p:spTree>
@@ -7371,66 +7282,6 @@
           <a:chExt cx="0" cy="0"/>
         </a:xfrm>
       </p:grpSpPr>
-      <p:pic>
-        <p:nvPicPr>
-          <p:cNvPr id="3" name="Picture 2">
-            <a:extLst>
-              <a:ext uri="{FF2B5EF4-FFF2-40B4-BE49-F238E27FC236}">
-                <a16:creationId xmlns:a16="http://schemas.microsoft.com/office/drawing/2014/main" id="{2F8FAD69-0844-4C5D-913F-136B2D2D50C7}"/>
-              </a:ext>
-            </a:extLst>
-          </p:cNvPr>
-          <p:cNvPicPr>
-            <a:picLocks noChangeAspect="1"/>
-          </p:cNvPicPr>
-          <p:nvPr/>
-        </p:nvPicPr>
-        <p:blipFill>
-          <a:blip r:embed="rId2"/>
-          <a:stretch>
-            <a:fillRect/>
-          </a:stretch>
-        </p:blipFill>
-        <p:spPr>
-          <a:xfrm>
-            <a:off x="0" y="0"/>
-            <a:ext cx="12192000" cy="6858000"/>
-          </a:xfrm>
-          <a:prstGeom prst="rect">
-            <a:avLst/>
-          </a:prstGeom>
-        </p:spPr>
-      </p:pic>
-    </p:spTree>
-    <p:extLst>
-      <p:ext uri="{BB962C8B-B14F-4D97-AF65-F5344CB8AC3E}">
-        <p14:creationId xmlns:p14="http://schemas.microsoft.com/office/powerpoint/2010/main" val="2293587405"/>
-      </p:ext>
-    </p:extLst>
-  </p:cSld>
-  <p:clrMapOvr>
-    <a:masterClrMapping/>
-  </p:clrMapOvr>
-</p:sld>
-</file>
-
-<file path=ppt/slides/slide3.xml><?xml version="1.0" encoding="utf-8"?>
-<p:sld xmlns:a="http://schemas.openxmlformats.org/drawingml/2006/main" xmlns:r="http://schemas.openxmlformats.org/officeDocument/2006/relationships" xmlns:p="http://schemas.openxmlformats.org/presentationml/2006/main">
-  <p:cSld>
-    <p:spTree>
-      <p:nvGrpSpPr>
-        <p:cNvPr id="1" name=""/>
-        <p:cNvGrpSpPr/>
-        <p:nvPr/>
-      </p:nvGrpSpPr>
-      <p:grpSpPr>
-        <a:xfrm>
-          <a:off x="0" y="0"/>
-          <a:ext cx="0" cy="0"/>
-          <a:chOff x="0" y="0"/>
-          <a:chExt cx="0" cy="0"/>
-        </a:xfrm>
-      </p:grpSpPr>
       <p:sp>
         <p:nvSpPr>
           <p:cNvPr id="2" name="Title 1"/>
@@ -7589,7 +7440,7 @@
 </p:sld>
 </file>
 
-<file path=ppt/slides/slide4.xml><?xml version="1.0" encoding="utf-8"?>
+<file path=ppt/slides/slide3.xml><?xml version="1.0" encoding="utf-8"?>
 <p:sld xmlns:a="http://schemas.openxmlformats.org/drawingml/2006/main" xmlns:r="http://schemas.openxmlformats.org/officeDocument/2006/relationships" xmlns:p="http://schemas.openxmlformats.org/presentationml/2006/main">
   <p:cSld>
     <p:spTree>
@@ -7928,7 +7779,7 @@
 </p:sld>
 </file>
 
-<file path=ppt/slides/slide5.xml><?xml version="1.0" encoding="utf-8"?>
+<file path=ppt/slides/slide4.xml><?xml version="1.0" encoding="utf-8"?>
 <p:sld xmlns:a="http://schemas.openxmlformats.org/drawingml/2006/main" xmlns:r="http://schemas.openxmlformats.org/officeDocument/2006/relationships" xmlns:p="http://schemas.openxmlformats.org/presentationml/2006/main">
   <p:cSld>
     <p:spTree>
@@ -8479,7 +8330,7 @@
 </p:sld>
 </file>
 
-<file path=ppt/slides/slide6.xml><?xml version="1.0" encoding="utf-8"?>
+<file path=ppt/slides/slide5.xml><?xml version="1.0" encoding="utf-8"?>
 <p:sld xmlns:a="http://schemas.openxmlformats.org/drawingml/2006/main" xmlns:r="http://schemas.openxmlformats.org/officeDocument/2006/relationships" xmlns:p="http://schemas.openxmlformats.org/presentationml/2006/main">
   <p:cSld>
     <p:spTree>
@@ -8903,7 +8754,7 @@
 </p:sld>
 </file>
 
-<file path=ppt/slides/slide7.xml><?xml version="1.0" encoding="utf-8"?>
+<file path=ppt/slides/slide6.xml><?xml version="1.0" encoding="utf-8"?>
 <p:sld xmlns:a="http://schemas.openxmlformats.org/drawingml/2006/main" xmlns:r="http://schemas.openxmlformats.org/officeDocument/2006/relationships" xmlns:p="http://schemas.openxmlformats.org/presentationml/2006/main">
   <p:cSld>
     <p:spTree>
@@ -9037,7 +8888,7 @@
 </p:sld>
 </file>
 
-<file path=ppt/slides/slide8.xml><?xml version="1.0" encoding="utf-8"?>
+<file path=ppt/slides/slide7.xml><?xml version="1.0" encoding="utf-8"?>
 <p:sld xmlns:a="http://schemas.openxmlformats.org/drawingml/2006/main" xmlns:r="http://schemas.openxmlformats.org/officeDocument/2006/relationships" xmlns:p="http://schemas.openxmlformats.org/presentationml/2006/main">
   <p:cSld>
     <p:spTree>
@@ -9720,6 +9571,80 @@
 </p:sld>
 </file>
 
+<file path=ppt/slides/slide8.xml><?xml version="1.0" encoding="utf-8"?>
+<p:sld xmlns:a="http://schemas.openxmlformats.org/drawingml/2006/main" xmlns:r="http://schemas.openxmlformats.org/officeDocument/2006/relationships" xmlns:p="http://schemas.openxmlformats.org/presentationml/2006/main">
+  <p:cSld>
+    <p:spTree>
+      <p:nvGrpSpPr>
+        <p:cNvPr id="1" name=""/>
+        <p:cNvGrpSpPr/>
+        <p:nvPr/>
+      </p:nvGrpSpPr>
+      <p:grpSpPr>
+        <a:xfrm>
+          <a:off x="0" y="0"/>
+          <a:ext cx="0" cy="0"/>
+          <a:chOff x="0" y="0"/>
+          <a:chExt cx="0" cy="0"/>
+        </a:xfrm>
+      </p:grpSpPr>
+      <p:sp>
+        <p:nvSpPr>
+          <p:cNvPr id="2" name="Title 1"/>
+          <p:cNvSpPr>
+            <a:spLocks noGrp="1"/>
+          </p:cNvSpPr>
+          <p:nvPr>
+            <p:ph type="title"/>
+          </p:nvPr>
+        </p:nvSpPr>
+        <p:spPr/>
+        <p:txBody>
+          <a:bodyPr/>
+          <a:lstStyle/>
+          <a:p>
+            <a:r>
+              <a:rPr lang="en-US" dirty="0"/>
+              <a:t>How Do I Get Started?</a:t>
+            </a:r>
+          </a:p>
+        </p:txBody>
+      </p:sp>
+      <p:sp>
+        <p:nvSpPr>
+          <p:cNvPr id="3" name="Content Placeholder 2"/>
+          <p:cNvSpPr>
+            <a:spLocks noGrp="1"/>
+          </p:cNvSpPr>
+          <p:nvPr>
+            <p:ph idx="1"/>
+          </p:nvPr>
+        </p:nvSpPr>
+        <p:spPr/>
+        <p:txBody>
+          <a:bodyPr/>
+          <a:lstStyle/>
+          <a:p>
+            <a:r>
+              <a:rPr lang="en-US" dirty="0"/>
+              <a:t>DEMO</a:t>
+            </a:r>
+          </a:p>
+        </p:txBody>
+      </p:sp>
+    </p:spTree>
+    <p:extLst>
+      <p:ext uri="{BB962C8B-B14F-4D97-AF65-F5344CB8AC3E}">
+        <p14:creationId xmlns:p14="http://schemas.microsoft.com/office/powerpoint/2010/main" val="946077987"/>
+      </p:ext>
+    </p:extLst>
+  </p:cSld>
+  <p:clrMapOvr>
+    <a:masterClrMapping/>
+  </p:clrMapOvr>
+</p:sld>
+</file>
+
 <file path=ppt/slides/slide9.xml><?xml version="1.0" encoding="utf-8"?>
 <p:sld xmlns:a="http://schemas.openxmlformats.org/drawingml/2006/main" xmlns:r="http://schemas.openxmlformats.org/officeDocument/2006/relationships" xmlns:p="http://schemas.openxmlformats.org/presentationml/2006/main">
   <p:cSld>
@@ -9754,7 +9679,7 @@
           <a:p>
             <a:r>
               <a:rPr lang="en-US" dirty="0"/>
-              <a:t>How Do I Get Started?</a:t>
+              <a:t>Take Only What You Need</a:t>
             </a:r>
           </a:p>
         </p:txBody>
@@ -9769,14 +9694,28 @@
             <p:ph idx="1"/>
           </p:nvPr>
         </p:nvSpPr>
-        <p:spPr/>
+        <p:spPr>
+          <a:xfrm>
+            <a:off x="913795" y="2103152"/>
+            <a:ext cx="10353762" cy="3695136"/>
+          </a:xfrm>
+        </p:spPr>
         <p:txBody>
           <a:bodyPr/>
           <a:lstStyle/>
           <a:p>
             <a:r>
               <a:rPr lang="en-US" dirty="0"/>
-              <a:t>DEMO</a:t>
+              <a:t>Just add sinks and configuration for the sources that you care about, which makes it very lightweight</a:t>
+            </a:r>
+          </a:p>
+          <a:p>
+            <a:pPr marL="457200" lvl="1" indent="0">
+              <a:buNone/>
+            </a:pPr>
+            <a:r>
+              <a:rPr lang="en-US" dirty="0"/>
+              <a:t>E.g. not forcing me to download the Azure libraries if I just want to write to a file</a:t>
             </a:r>
           </a:p>
         </p:txBody>
@@ -9784,7 +9723,7 @@
     </p:spTree>
     <p:extLst>
       <p:ext uri="{BB962C8B-B14F-4D97-AF65-F5344CB8AC3E}">
-        <p14:creationId xmlns:p14="http://schemas.microsoft.com/office/powerpoint/2010/main" val="946077987"/>
+        <p14:creationId xmlns:p14="http://schemas.microsoft.com/office/powerpoint/2010/main" val="199621601"/>
       </p:ext>
     </p:extLst>
   </p:cSld>

--- a/SerilogLoggingAllGrownUp.pptx
+++ b/SerilogLoggingAllGrownUp.pptx
@@ -130,10 +130,6 @@
 </p:presentation>
 </file>
 
-<file path=ppt/revisionInfo.xml><?xml version="1.0" encoding="utf-8"?>
-<p1510:revInfo xmlns:a="http://schemas.openxmlformats.org/drawingml/2006/main" xmlns:r="http://schemas.openxmlformats.org/officeDocument/2006/relationships" xmlns:p1510="http://schemas.microsoft.com/office/powerpoint/2015/10/main"/>
-</file>
-
 <file path=ppt/notesMasters/notesMaster1.xml><?xml version="1.0" encoding="utf-8"?>
 <p:notesMaster xmlns:a="http://schemas.openxmlformats.org/drawingml/2006/main" xmlns:r="http://schemas.openxmlformats.org/officeDocument/2006/relationships" xmlns:p="http://schemas.openxmlformats.org/presentationml/2006/main">
   <p:cSld>
@@ -216,7 +212,7 @@
           <a:p>
             <a:fld id="{60AEC1D8-3506-41E4-96D2-5486DC5DE0A5}" type="datetimeFigureOut">
               <a:rPr lang="en-US" smtClean="0"/>
-              <a:t>2/20/2018</a:t>
+              <a:t>10/9/2018</a:t>
             </a:fld>
             <a:endParaRPr lang="en-US"/>
           </a:p>
@@ -527,6 +523,90 @@
           <a:bodyPr/>
           <a:lstStyle/>
           <a:p>
+            <a:endParaRPr lang="en-US" dirty="0"/>
+          </a:p>
+        </p:txBody>
+      </p:sp>
+      <p:sp>
+        <p:nvSpPr>
+          <p:cNvPr id="4" name="Slide Number Placeholder 3"/>
+          <p:cNvSpPr>
+            <a:spLocks noGrp="1"/>
+          </p:cNvSpPr>
+          <p:nvPr>
+            <p:ph type="sldNum" sz="quarter" idx="5"/>
+          </p:nvPr>
+        </p:nvSpPr>
+        <p:spPr/>
+        <p:txBody>
+          <a:bodyPr/>
+          <a:lstStyle/>
+          <a:p>
+            <a:fld id="{99E958FF-9FC9-4FAD-9056-CE7C3B104FC2}" type="slidenum">
+              <a:rPr lang="en-US" smtClean="0"/>
+              <a:t>1</a:t>
+            </a:fld>
+            <a:endParaRPr lang="en-US"/>
+          </a:p>
+        </p:txBody>
+      </p:sp>
+    </p:spTree>
+    <p:extLst>
+      <p:ext uri="{BB962C8B-B14F-4D97-AF65-F5344CB8AC3E}">
+        <p14:creationId xmlns:p14="http://schemas.microsoft.com/office/powerpoint/2010/main" val="937377257"/>
+      </p:ext>
+    </p:extLst>
+  </p:cSld>
+  <p:clrMapOvr>
+    <a:masterClrMapping/>
+  </p:clrMapOvr>
+</p:notes>
+</file>
+
+<file path=ppt/notesSlides/notesSlide2.xml><?xml version="1.0" encoding="utf-8"?>
+<p:notes xmlns:a="http://schemas.openxmlformats.org/drawingml/2006/main" xmlns:r="http://schemas.openxmlformats.org/officeDocument/2006/relationships" xmlns:p="http://schemas.openxmlformats.org/presentationml/2006/main">
+  <p:cSld>
+    <p:spTree>
+      <p:nvGrpSpPr>
+        <p:cNvPr id="1" name=""/>
+        <p:cNvGrpSpPr/>
+        <p:nvPr/>
+      </p:nvGrpSpPr>
+      <p:grpSpPr>
+        <a:xfrm>
+          <a:off x="0" y="0"/>
+          <a:ext cx="0" cy="0"/>
+          <a:chOff x="0" y="0"/>
+          <a:chExt cx="0" cy="0"/>
+        </a:xfrm>
+      </p:grpSpPr>
+      <p:sp>
+        <p:nvSpPr>
+          <p:cNvPr id="2" name="Slide Image Placeholder 1"/>
+          <p:cNvSpPr>
+            <a:spLocks noGrp="1" noRot="1" noChangeAspect="1"/>
+          </p:cNvSpPr>
+          <p:nvPr>
+            <p:ph type="sldImg"/>
+          </p:nvPr>
+        </p:nvSpPr>
+        <p:spPr/>
+      </p:sp>
+      <p:sp>
+        <p:nvSpPr>
+          <p:cNvPr id="3" name="Notes Placeholder 2"/>
+          <p:cNvSpPr>
+            <a:spLocks noGrp="1"/>
+          </p:cNvSpPr>
+          <p:nvPr>
+            <p:ph type="body" idx="1"/>
+          </p:nvPr>
+        </p:nvSpPr>
+        <p:spPr/>
+        <p:txBody>
+          <a:bodyPr/>
+          <a:lstStyle/>
+          <a:p>
             <a:r>
               <a:rPr lang="en-US" dirty="0"/>
               <a:t>Getting Started</a:t>
@@ -715,7 +795,7 @@
           <a:p>
             <a:fld id="{48A87A34-81AB-432B-8DAE-1953F412C126}" type="datetimeFigureOut">
               <a:rPr lang="en-US" dirty="0"/>
-              <a:t>2/20/2018</a:t>
+              <a:t>10/9/2018</a:t>
             </a:fld>
             <a:endParaRPr lang="en-US" dirty="0"/>
           </a:p>
@@ -997,7 +1077,7 @@
           <a:p>
             <a:fld id="{48A87A34-81AB-432B-8DAE-1953F412C126}" type="datetimeFigureOut">
               <a:rPr lang="en-US" dirty="0"/>
-              <a:t>2/20/2018</a:t>
+              <a:t>10/9/2018</a:t>
             </a:fld>
             <a:endParaRPr lang="en-US" dirty="0"/>
           </a:p>
@@ -1184,7 +1264,7 @@
           <a:p>
             <a:fld id="{48A87A34-81AB-432B-8DAE-1953F412C126}" type="datetimeFigureOut">
               <a:rPr lang="en-US" dirty="0"/>
-              <a:t>2/20/2018</a:t>
+              <a:t>10/9/2018</a:t>
             </a:fld>
             <a:endParaRPr lang="en-US" dirty="0"/>
           </a:p>
@@ -1440,7 +1520,7 @@
           <a:p>
             <a:fld id="{48A87A34-81AB-432B-8DAE-1953F412C126}" type="datetimeFigureOut">
               <a:rPr lang="en-US" dirty="0"/>
-              <a:t>2/20/2018</a:t>
+              <a:t>10/9/2018</a:t>
             </a:fld>
             <a:endParaRPr lang="en-US" dirty="0"/>
           </a:p>
@@ -1859,7 +1939,7 @@
           <a:p>
             <a:fld id="{48A87A34-81AB-432B-8DAE-1953F412C126}" type="datetimeFigureOut">
               <a:rPr lang="en-US" dirty="0"/>
-              <a:t>2/20/2018</a:t>
+              <a:t>10/9/2018</a:t>
             </a:fld>
             <a:endParaRPr lang="en-US" dirty="0"/>
           </a:p>
@@ -2400,7 +2480,7 @@
           <a:p>
             <a:fld id="{48A87A34-81AB-432B-8DAE-1953F412C126}" type="datetimeFigureOut">
               <a:rPr lang="en-US" dirty="0"/>
-              <a:t>2/20/2018</a:t>
+              <a:t>10/9/2018</a:t>
             </a:fld>
             <a:endParaRPr lang="en-US" dirty="0"/>
           </a:p>
@@ -3235,7 +3315,7 @@
           <a:p>
             <a:fld id="{48A87A34-81AB-432B-8DAE-1953F412C126}" type="datetimeFigureOut">
               <a:rPr lang="en-US" dirty="0"/>
-              <a:t>2/20/2018</a:t>
+              <a:t>10/9/2018</a:t>
             </a:fld>
             <a:endParaRPr lang="en-US" dirty="0"/>
           </a:p>
@@ -3400,7 +3480,7 @@
           <a:p>
             <a:fld id="{48A87A34-81AB-432B-8DAE-1953F412C126}" type="datetimeFigureOut">
               <a:rPr lang="en-US" dirty="0"/>
-              <a:t>2/20/2018</a:t>
+              <a:t>10/9/2018</a:t>
             </a:fld>
             <a:endParaRPr lang="en-US" dirty="0"/>
           </a:p>
@@ -3579,7 +3659,7 @@
           <a:p>
             <a:fld id="{48A87A34-81AB-432B-8DAE-1953F412C126}" type="datetimeFigureOut">
               <a:rPr lang="en-US" dirty="0"/>
-              <a:t>2/20/2018</a:t>
+              <a:t>10/9/2018</a:t>
             </a:fld>
             <a:endParaRPr lang="en-US" dirty="0"/>
           </a:p>
@@ -3744,7 +3824,7 @@
           <a:p>
             <a:fld id="{48A87A34-81AB-432B-8DAE-1953F412C126}" type="datetimeFigureOut">
               <a:rPr lang="en-US" dirty="0"/>
-              <a:t>2/20/2018</a:t>
+              <a:t>10/9/2018</a:t>
             </a:fld>
             <a:endParaRPr lang="en-US" dirty="0"/>
           </a:p>
@@ -3987,7 +4067,7 @@
           <a:p>
             <a:fld id="{48A87A34-81AB-432B-8DAE-1953F412C126}" type="datetimeFigureOut">
               <a:rPr lang="en-US" dirty="0"/>
-              <a:t>2/20/2018</a:t>
+              <a:t>10/9/2018</a:t>
             </a:fld>
             <a:endParaRPr lang="en-US" dirty="0"/>
           </a:p>
@@ -4219,7 +4299,7 @@
           <a:p>
             <a:fld id="{48A87A34-81AB-432B-8DAE-1953F412C126}" type="datetimeFigureOut">
               <a:rPr lang="en-US" dirty="0"/>
-              <a:t>2/20/2018</a:t>
+              <a:t>10/9/2018</a:t>
             </a:fld>
             <a:endParaRPr lang="en-US" dirty="0"/>
           </a:p>
@@ -4587,7 +4667,7 @@
           <a:p>
             <a:fld id="{48A87A34-81AB-432B-8DAE-1953F412C126}" type="datetimeFigureOut">
               <a:rPr lang="en-US" dirty="0"/>
-              <a:t>2/20/2018</a:t>
+              <a:t>10/9/2018</a:t>
             </a:fld>
             <a:endParaRPr lang="en-US" dirty="0"/>
           </a:p>
@@ -4700,7 +4780,7 @@
           <a:p>
             <a:fld id="{48A87A34-81AB-432B-8DAE-1953F412C126}" type="datetimeFigureOut">
               <a:rPr lang="en-US" dirty="0"/>
-              <a:t>2/20/2018</a:t>
+              <a:t>10/9/2018</a:t>
             </a:fld>
             <a:endParaRPr lang="en-US" dirty="0"/>
           </a:p>
@@ -4790,7 +4870,7 @@
           <a:p>
             <a:fld id="{48A87A34-81AB-432B-8DAE-1953F412C126}" type="datetimeFigureOut">
               <a:rPr lang="en-US" dirty="0"/>
-              <a:t>2/20/2018</a:t>
+              <a:t>10/9/2018</a:t>
             </a:fld>
             <a:endParaRPr lang="en-US" dirty="0"/>
           </a:p>
@@ -5036,7 +5116,7 @@
           <a:p>
             <a:fld id="{48A87A34-81AB-432B-8DAE-1953F412C126}" type="datetimeFigureOut">
               <a:rPr lang="en-US" dirty="0"/>
-              <a:t>2/20/2018</a:t>
+              <a:t>10/9/2018</a:t>
             </a:fld>
             <a:endParaRPr lang="en-US" dirty="0"/>
           </a:p>
@@ -5318,7 +5398,7 @@
           <a:p>
             <a:fld id="{48A87A34-81AB-432B-8DAE-1953F412C126}" type="datetimeFigureOut">
               <a:rPr lang="en-US" dirty="0"/>
-              <a:t>2/20/2018</a:t>
+              <a:t>10/9/2018</a:t>
             </a:fld>
             <a:endParaRPr lang="en-US" dirty="0"/>
           </a:p>
@@ -5527,7 +5607,7 @@
             <a:fld id="{48A87A34-81AB-432B-8DAE-1953F412C126}" type="datetimeFigureOut">
               <a:rPr lang="en-US" dirty="0"/>
               <a:pPr/>
-              <a:t>2/20/2018</a:t>
+              <a:t>10/9/2018</a:t>
             </a:fld>
             <a:endParaRPr lang="en-US" dirty="0"/>
           </a:p>
@@ -7116,7 +7196,7 @@
           <a:p>
             <a:r>
               <a:rPr lang="en-US" dirty="0"/>
-              <a:t>Advanced</a:t>
+              <a:t>ASYNCHRONOUS LOGGING</a:t>
             </a:r>
           </a:p>
         </p:txBody>
@@ -7139,22 +7219,140 @@
         </p:nvSpPr>
         <p:spPr/>
         <p:txBody>
-          <a:bodyPr/>
+          <a:bodyPr>
+            <a:normAutofit fontScale="92500" lnSpcReduction="10000"/>
+          </a:bodyPr>
           <a:lstStyle/>
           <a:p>
             <a:r>
-              <a:rPr lang="en-US" dirty="0"/>
-              <a:t>.NET Core &amp; ASP .NET Core</a:t>
-            </a:r>
-          </a:p>
-          <a:p>
-            <a:r>
-              <a:rPr lang="en-US" dirty="0"/>
-              <a:t>Asynchronous Logging</a:t>
-            </a:r>
-          </a:p>
-          <a:p>
+              <a:rPr lang="en-US" dirty="0" err="1"/>
+              <a:t>NuGets</a:t>
+            </a:r>
             <a:endParaRPr lang="en-US" dirty="0"/>
+          </a:p>
+          <a:p>
+            <a:pPr lvl="1"/>
+            <a:r>
+              <a:rPr lang="en-US" dirty="0" err="1"/>
+              <a:t>Serilog.Sinks.Async</a:t>
+            </a:r>
+            <a:r>
+              <a:rPr lang="en-US" dirty="0"/>
+              <a:t> – provides asynchronous wrapper for </a:t>
+            </a:r>
+            <a:r>
+              <a:rPr lang="en-US" dirty="0" err="1"/>
+              <a:t>Serilog</a:t>
+            </a:r>
+            <a:r>
+              <a:rPr lang="en-US" dirty="0"/>
+              <a:t> sinks (delegated to work on a background thread)</a:t>
+            </a:r>
+          </a:p>
+          <a:p>
+            <a:pPr lvl="1"/>
+            <a:r>
+              <a:rPr lang="en-US" dirty="0" err="1"/>
+              <a:t>Serilog.Sinks.AsyncRollingFile</a:t>
+            </a:r>
+            <a:r>
+              <a:rPr lang="en-US" dirty="0"/>
+              <a:t> – provides better asynchronous handling of log files</a:t>
+            </a:r>
+          </a:p>
+          <a:p>
+            <a:r>
+              <a:rPr lang="en-US" dirty="0"/>
+              <a:t>Example</a:t>
+            </a:r>
+          </a:p>
+          <a:p>
+            <a:pPr marL="0" indent="0">
+              <a:buNone/>
+            </a:pPr>
+            <a:r>
+              <a:rPr lang="en-US" sz="1900" dirty="0" err="1"/>
+              <a:t>Log.Logger</a:t>
+            </a:r>
+            <a:r>
+              <a:rPr lang="en-US" sz="1900" dirty="0"/>
+              <a:t> = new </a:t>
+            </a:r>
+            <a:r>
+              <a:rPr lang="en-US" sz="1900" dirty="0" err="1"/>
+              <a:t>LoggerConfiguration</a:t>
+            </a:r>
+            <a:r>
+              <a:rPr lang="en-US" sz="1900" dirty="0"/>
+              <a:t>()  </a:t>
+            </a:r>
+          </a:p>
+          <a:p>
+            <a:pPr marL="0" indent="0">
+              <a:buNone/>
+            </a:pPr>
+            <a:r>
+              <a:rPr lang="en-US" sz="1900" dirty="0"/>
+              <a:t>       .</a:t>
+            </a:r>
+            <a:r>
+              <a:rPr lang="en-US" sz="1900" dirty="0" err="1"/>
+              <a:t>WriteTo.Async</a:t>
+            </a:r>
+            <a:r>
+              <a:rPr lang="en-US" sz="1900" dirty="0"/>
+              <a:t>(x =&gt; </a:t>
+            </a:r>
+            <a:r>
+              <a:rPr lang="en-US" sz="1900" dirty="0" err="1"/>
+              <a:t>x.LiterateConsole</a:t>
+            </a:r>
+            <a:r>
+              <a:rPr lang="en-US" sz="1900" dirty="0"/>
+              <a:t>()</a:t>
+            </a:r>
+          </a:p>
+          <a:p>
+            <a:pPr marL="0" indent="0">
+              <a:buNone/>
+            </a:pPr>
+            <a:r>
+              <a:rPr lang="en-US" sz="1900" dirty="0"/>
+              <a:t>       .</a:t>
+            </a:r>
+            <a:r>
+              <a:rPr lang="en-US" sz="1900" dirty="0" err="1"/>
+              <a:t>WriteTo.Async</a:t>
+            </a:r>
+            <a:r>
+              <a:rPr lang="en-US" sz="1900" dirty="0"/>
+              <a:t>(x=&gt;</a:t>
+            </a:r>
+            <a:r>
+              <a:rPr lang="en-US" sz="1900" dirty="0" err="1"/>
+              <a:t>x.RollingFile</a:t>
+            </a:r>
+            <a:r>
+              <a:rPr lang="en-US" sz="1900" dirty="0"/>
+              <a:t>(“logs/log.txt”)</a:t>
+            </a:r>
+          </a:p>
+          <a:p>
+            <a:pPr marL="0" indent="0">
+              <a:buNone/>
+            </a:pPr>
+            <a:r>
+              <a:rPr lang="en-US" sz="1900" dirty="0"/>
+              <a:t>       .</a:t>
+            </a:r>
+            <a:r>
+              <a:rPr lang="en-US" sz="1900" dirty="0" err="1"/>
+              <a:t>CreateLogger</a:t>
+            </a:r>
+            <a:r>
+              <a:rPr lang="en-US" sz="1900" dirty="0"/>
+              <a:t>();</a:t>
+            </a:r>
           </a:p>
           <a:p>
             <a:endParaRPr lang="en-US" dirty="0"/>
@@ -7171,6 +7369,320 @@
   <p:clrMapOvr>
     <a:masterClrMapping/>
   </p:clrMapOvr>
+  <p:timing>
+    <p:tnLst>
+      <p:par>
+        <p:cTn id="1" dur="indefinite" restart="never" nodeType="tmRoot">
+          <p:childTnLst>
+            <p:seq concurrent="1" nextAc="seek">
+              <p:cTn id="2" dur="indefinite" nodeType="mainSeq">
+                <p:childTnLst>
+                  <p:par>
+                    <p:cTn id="3" fill="hold">
+                      <p:stCondLst>
+                        <p:cond delay="indefinite"/>
+                      </p:stCondLst>
+                      <p:childTnLst>
+                        <p:par>
+                          <p:cTn id="4" fill="hold">
+                            <p:stCondLst>
+                              <p:cond delay="0"/>
+                            </p:stCondLst>
+                            <p:childTnLst>
+                              <p:par>
+                                <p:cTn id="5" presetID="1" presetClass="entr" presetSubtype="0" fill="hold" nodeType="clickEffect">
+                                  <p:stCondLst>
+                                    <p:cond delay="0"/>
+                                  </p:stCondLst>
+                                  <p:childTnLst>
+                                    <p:set>
+                                      <p:cBhvr>
+                                        <p:cTn id="6" dur="1" fill="hold">
+                                          <p:stCondLst>
+                                            <p:cond delay="0"/>
+                                          </p:stCondLst>
+                                        </p:cTn>
+                                        <p:tgtEl>
+                                          <p:spTgt spid="3">
+                                            <p:txEl>
+                                              <p:pRg st="0" end="0"/>
+                                            </p:txEl>
+                                          </p:spTgt>
+                                        </p:tgtEl>
+                                        <p:attrNameLst>
+                                          <p:attrName>style.visibility</p:attrName>
+                                        </p:attrNameLst>
+                                      </p:cBhvr>
+                                      <p:to>
+                                        <p:strVal val="visible"/>
+                                      </p:to>
+                                    </p:set>
+                                  </p:childTnLst>
+                                </p:cTn>
+                              </p:par>
+                              <p:par>
+                                <p:cTn id="7" presetID="1" presetClass="entr" presetSubtype="0" fill="hold" nodeType="withEffect">
+                                  <p:stCondLst>
+                                    <p:cond delay="0"/>
+                                  </p:stCondLst>
+                                  <p:childTnLst>
+                                    <p:set>
+                                      <p:cBhvr>
+                                        <p:cTn id="8" dur="1" fill="hold">
+                                          <p:stCondLst>
+                                            <p:cond delay="0"/>
+                                          </p:stCondLst>
+                                        </p:cTn>
+                                        <p:tgtEl>
+                                          <p:spTgt spid="3">
+                                            <p:txEl>
+                                              <p:pRg st="1" end="1"/>
+                                            </p:txEl>
+                                          </p:spTgt>
+                                        </p:tgtEl>
+                                        <p:attrNameLst>
+                                          <p:attrName>style.visibility</p:attrName>
+                                        </p:attrNameLst>
+                                      </p:cBhvr>
+                                      <p:to>
+                                        <p:strVal val="visible"/>
+                                      </p:to>
+                                    </p:set>
+                                  </p:childTnLst>
+                                </p:cTn>
+                              </p:par>
+                              <p:par>
+                                <p:cTn id="9" presetID="1" presetClass="entr" presetSubtype="0" fill="hold" nodeType="withEffect">
+                                  <p:stCondLst>
+                                    <p:cond delay="0"/>
+                                  </p:stCondLst>
+                                  <p:childTnLst>
+                                    <p:set>
+                                      <p:cBhvr>
+                                        <p:cTn id="10" dur="1" fill="hold">
+                                          <p:stCondLst>
+                                            <p:cond delay="0"/>
+                                          </p:stCondLst>
+                                        </p:cTn>
+                                        <p:tgtEl>
+                                          <p:spTgt spid="3">
+                                            <p:txEl>
+                                              <p:pRg st="2" end="2"/>
+                                            </p:txEl>
+                                          </p:spTgt>
+                                        </p:tgtEl>
+                                        <p:attrNameLst>
+                                          <p:attrName>style.visibility</p:attrName>
+                                        </p:attrNameLst>
+                                      </p:cBhvr>
+                                      <p:to>
+                                        <p:strVal val="visible"/>
+                                      </p:to>
+                                    </p:set>
+                                  </p:childTnLst>
+                                </p:cTn>
+                              </p:par>
+                            </p:childTnLst>
+                          </p:cTn>
+                        </p:par>
+                      </p:childTnLst>
+                    </p:cTn>
+                  </p:par>
+                  <p:par>
+                    <p:cTn id="11" fill="hold">
+                      <p:stCondLst>
+                        <p:cond delay="indefinite"/>
+                      </p:stCondLst>
+                      <p:childTnLst>
+                        <p:par>
+                          <p:cTn id="12" fill="hold">
+                            <p:stCondLst>
+                              <p:cond delay="0"/>
+                            </p:stCondLst>
+                            <p:childTnLst>
+                              <p:par>
+                                <p:cTn id="13" presetID="1" presetClass="entr" presetSubtype="0" fill="hold" nodeType="clickEffect">
+                                  <p:stCondLst>
+                                    <p:cond delay="0"/>
+                                  </p:stCondLst>
+                                  <p:childTnLst>
+                                    <p:set>
+                                      <p:cBhvr>
+                                        <p:cTn id="14" dur="1" fill="hold">
+                                          <p:stCondLst>
+                                            <p:cond delay="0"/>
+                                          </p:stCondLst>
+                                        </p:cTn>
+                                        <p:tgtEl>
+                                          <p:spTgt spid="3">
+                                            <p:txEl>
+                                              <p:pRg st="3" end="3"/>
+                                            </p:txEl>
+                                          </p:spTgt>
+                                        </p:tgtEl>
+                                        <p:attrNameLst>
+                                          <p:attrName>style.visibility</p:attrName>
+                                        </p:attrNameLst>
+                                      </p:cBhvr>
+                                      <p:to>
+                                        <p:strVal val="visible"/>
+                                      </p:to>
+                                    </p:set>
+                                  </p:childTnLst>
+                                </p:cTn>
+                              </p:par>
+                              <p:par>
+                                <p:cTn id="15" presetID="1" presetClass="entr" presetSubtype="0" fill="hold" nodeType="withEffect">
+                                  <p:stCondLst>
+                                    <p:cond delay="0"/>
+                                  </p:stCondLst>
+                                  <p:childTnLst>
+                                    <p:set>
+                                      <p:cBhvr>
+                                        <p:cTn id="16" dur="1" fill="hold">
+                                          <p:stCondLst>
+                                            <p:cond delay="0"/>
+                                          </p:stCondLst>
+                                        </p:cTn>
+                                        <p:tgtEl>
+                                          <p:spTgt spid="3">
+                                            <p:txEl>
+                                              <p:pRg st="4" end="4"/>
+                                            </p:txEl>
+                                          </p:spTgt>
+                                        </p:tgtEl>
+                                        <p:attrNameLst>
+                                          <p:attrName>style.visibility</p:attrName>
+                                        </p:attrNameLst>
+                                      </p:cBhvr>
+                                      <p:to>
+                                        <p:strVal val="visible"/>
+                                      </p:to>
+                                    </p:set>
+                                  </p:childTnLst>
+                                </p:cTn>
+                              </p:par>
+                              <p:par>
+                                <p:cTn id="17" presetID="1" presetClass="entr" presetSubtype="0" fill="hold" nodeType="withEffect">
+                                  <p:stCondLst>
+                                    <p:cond delay="0"/>
+                                  </p:stCondLst>
+                                  <p:childTnLst>
+                                    <p:set>
+                                      <p:cBhvr>
+                                        <p:cTn id="18" dur="1" fill="hold">
+                                          <p:stCondLst>
+                                            <p:cond delay="0"/>
+                                          </p:stCondLst>
+                                        </p:cTn>
+                                        <p:tgtEl>
+                                          <p:spTgt spid="3">
+                                            <p:txEl>
+                                              <p:pRg st="5" end="5"/>
+                                            </p:txEl>
+                                          </p:spTgt>
+                                        </p:tgtEl>
+                                        <p:attrNameLst>
+                                          <p:attrName>style.visibility</p:attrName>
+                                        </p:attrNameLst>
+                                      </p:cBhvr>
+                                      <p:to>
+                                        <p:strVal val="visible"/>
+                                      </p:to>
+                                    </p:set>
+                                  </p:childTnLst>
+                                </p:cTn>
+                              </p:par>
+                              <p:par>
+                                <p:cTn id="19" presetID="1" presetClass="entr" presetSubtype="0" fill="hold" nodeType="withEffect">
+                                  <p:stCondLst>
+                                    <p:cond delay="0"/>
+                                  </p:stCondLst>
+                                  <p:childTnLst>
+                                    <p:set>
+                                      <p:cBhvr>
+                                        <p:cTn id="20" dur="1" fill="hold">
+                                          <p:stCondLst>
+                                            <p:cond delay="0"/>
+                                          </p:stCondLst>
+                                        </p:cTn>
+                                        <p:tgtEl>
+                                          <p:spTgt spid="3">
+                                            <p:txEl>
+                                              <p:pRg st="6" end="6"/>
+                                            </p:txEl>
+                                          </p:spTgt>
+                                        </p:tgtEl>
+                                        <p:attrNameLst>
+                                          <p:attrName>style.visibility</p:attrName>
+                                        </p:attrNameLst>
+                                      </p:cBhvr>
+                                      <p:to>
+                                        <p:strVal val="visible"/>
+                                      </p:to>
+                                    </p:set>
+                                  </p:childTnLst>
+                                </p:cTn>
+                              </p:par>
+                              <p:par>
+                                <p:cTn id="21" presetID="1" presetClass="entr" presetSubtype="0" fill="hold" nodeType="withEffect">
+                                  <p:stCondLst>
+                                    <p:cond delay="0"/>
+                                  </p:stCondLst>
+                                  <p:childTnLst>
+                                    <p:set>
+                                      <p:cBhvr>
+                                        <p:cTn id="22" dur="1" fill="hold">
+                                          <p:stCondLst>
+                                            <p:cond delay="0"/>
+                                          </p:stCondLst>
+                                        </p:cTn>
+                                        <p:tgtEl>
+                                          <p:spTgt spid="3">
+                                            <p:txEl>
+                                              <p:pRg st="7" end="7"/>
+                                            </p:txEl>
+                                          </p:spTgt>
+                                        </p:tgtEl>
+                                        <p:attrNameLst>
+                                          <p:attrName>style.visibility</p:attrName>
+                                        </p:attrNameLst>
+                                      </p:cBhvr>
+                                      <p:to>
+                                        <p:strVal val="visible"/>
+                                      </p:to>
+                                    </p:set>
+                                  </p:childTnLst>
+                                </p:cTn>
+                              </p:par>
+                            </p:childTnLst>
+                          </p:cTn>
+                        </p:par>
+                      </p:childTnLst>
+                    </p:cTn>
+                  </p:par>
+                </p:childTnLst>
+              </p:cTn>
+              <p:prevCondLst>
+                <p:cond evt="onPrev" delay="0">
+                  <p:tgtEl>
+                    <p:sldTgt/>
+                  </p:tgtEl>
+                </p:cond>
+              </p:prevCondLst>
+              <p:nextCondLst>
+                <p:cond evt="onNext" delay="0">
+                  <p:tgtEl>
+                    <p:sldTgt/>
+                  </p:tgtEl>
+                </p:cond>
+              </p:nextCondLst>
+            </p:seq>
+          </p:childTnLst>
+        </p:cTn>
+      </p:par>
+    </p:tnLst>
+  </p:timing>
 </p:sld>
 </file>
 

--- a/SerilogLoggingAllGrownUp.pptx
+++ b/SerilogLoggingAllGrownUp.pptx
@@ -5,7 +5,7 @@
     <p:sldMasterId id="2147483648" r:id="rId1"/>
   </p:sldMasterIdLst>
   <p:notesMasterIdLst>
-    <p:notesMasterId r:id="rId18"/>
+    <p:notesMasterId r:id="rId20"/>
   </p:notesMasterIdLst>
   <p:sldIdLst>
     <p:sldId id="256" r:id="rId2"/>
@@ -13,17 +13,19 @@
     <p:sldId id="259" r:id="rId4"/>
     <p:sldId id="260" r:id="rId5"/>
     <p:sldId id="261" r:id="rId6"/>
-    <p:sldId id="262" r:id="rId7"/>
-    <p:sldId id="264" r:id="rId8"/>
-    <p:sldId id="263" r:id="rId9"/>
-    <p:sldId id="265" r:id="rId10"/>
-    <p:sldId id="266" r:id="rId11"/>
-    <p:sldId id="267" r:id="rId12"/>
-    <p:sldId id="268" r:id="rId13"/>
-    <p:sldId id="269" r:id="rId14"/>
-    <p:sldId id="270" r:id="rId15"/>
-    <p:sldId id="272" r:id="rId16"/>
-    <p:sldId id="271" r:id="rId17"/>
+    <p:sldId id="273" r:id="rId7"/>
+    <p:sldId id="262" r:id="rId8"/>
+    <p:sldId id="264" r:id="rId9"/>
+    <p:sldId id="263" r:id="rId10"/>
+    <p:sldId id="265" r:id="rId11"/>
+    <p:sldId id="266" r:id="rId12"/>
+    <p:sldId id="267" r:id="rId13"/>
+    <p:sldId id="268" r:id="rId14"/>
+    <p:sldId id="272" r:id="rId15"/>
+    <p:sldId id="269" r:id="rId16"/>
+    <p:sldId id="270" r:id="rId17"/>
+    <p:sldId id="274" r:id="rId18"/>
+    <p:sldId id="271" r:id="rId19"/>
   </p:sldIdLst>
   <p:sldSz cx="12192000" cy="6858000"/>
   <p:notesSz cx="6858000" cy="9144000"/>
@@ -212,7 +214,7 @@
           <a:p>
             <a:fld id="{60AEC1D8-3506-41E4-96D2-5486DC5DE0A5}" type="datetimeFigureOut">
               <a:rPr lang="en-US" smtClean="0"/>
-              <a:t>10/9/2018</a:t>
+              <a:t>10/24/2019</a:t>
             </a:fld>
             <a:endParaRPr lang="en-US"/>
           </a:p>
@@ -643,7 +645,7 @@
           <a:p>
             <a:fld id="{99E958FF-9FC9-4FAD-9056-CE7C3B104FC2}" type="slidenum">
               <a:rPr lang="en-US" smtClean="0"/>
-              <a:t>8</a:t>
+              <a:t>9</a:t>
             </a:fld>
             <a:endParaRPr lang="en-US"/>
           </a:p>
@@ -795,7 +797,7 @@
           <a:p>
             <a:fld id="{48A87A34-81AB-432B-8DAE-1953F412C126}" type="datetimeFigureOut">
               <a:rPr lang="en-US" dirty="0"/>
-              <a:t>10/9/2018</a:t>
+              <a:t>10/24/2019</a:t>
             </a:fld>
             <a:endParaRPr lang="en-US" dirty="0"/>
           </a:p>
@@ -1077,7 +1079,7 @@
           <a:p>
             <a:fld id="{48A87A34-81AB-432B-8DAE-1953F412C126}" type="datetimeFigureOut">
               <a:rPr lang="en-US" dirty="0"/>
-              <a:t>10/9/2018</a:t>
+              <a:t>10/24/2019</a:t>
             </a:fld>
             <a:endParaRPr lang="en-US" dirty="0"/>
           </a:p>
@@ -1264,7 +1266,7 @@
           <a:p>
             <a:fld id="{48A87A34-81AB-432B-8DAE-1953F412C126}" type="datetimeFigureOut">
               <a:rPr lang="en-US" dirty="0"/>
-              <a:t>10/9/2018</a:t>
+              <a:t>10/24/2019</a:t>
             </a:fld>
             <a:endParaRPr lang="en-US" dirty="0"/>
           </a:p>
@@ -1520,7 +1522,7 @@
           <a:p>
             <a:fld id="{48A87A34-81AB-432B-8DAE-1953F412C126}" type="datetimeFigureOut">
               <a:rPr lang="en-US" dirty="0"/>
-              <a:t>10/9/2018</a:t>
+              <a:t>10/24/2019</a:t>
             </a:fld>
             <a:endParaRPr lang="en-US" dirty="0"/>
           </a:p>
@@ -1939,7 +1941,7 @@
           <a:p>
             <a:fld id="{48A87A34-81AB-432B-8DAE-1953F412C126}" type="datetimeFigureOut">
               <a:rPr lang="en-US" dirty="0"/>
-              <a:t>10/9/2018</a:t>
+              <a:t>10/24/2019</a:t>
             </a:fld>
             <a:endParaRPr lang="en-US" dirty="0"/>
           </a:p>
@@ -2480,7 +2482,7 @@
           <a:p>
             <a:fld id="{48A87A34-81AB-432B-8DAE-1953F412C126}" type="datetimeFigureOut">
               <a:rPr lang="en-US" dirty="0"/>
-              <a:t>10/9/2018</a:t>
+              <a:t>10/24/2019</a:t>
             </a:fld>
             <a:endParaRPr lang="en-US" dirty="0"/>
           </a:p>
@@ -3315,7 +3317,7 @@
           <a:p>
             <a:fld id="{48A87A34-81AB-432B-8DAE-1953F412C126}" type="datetimeFigureOut">
               <a:rPr lang="en-US" dirty="0"/>
-              <a:t>10/9/2018</a:t>
+              <a:t>10/24/2019</a:t>
             </a:fld>
             <a:endParaRPr lang="en-US" dirty="0"/>
           </a:p>
@@ -3480,7 +3482,7 @@
           <a:p>
             <a:fld id="{48A87A34-81AB-432B-8DAE-1953F412C126}" type="datetimeFigureOut">
               <a:rPr lang="en-US" dirty="0"/>
-              <a:t>10/9/2018</a:t>
+              <a:t>10/24/2019</a:t>
             </a:fld>
             <a:endParaRPr lang="en-US" dirty="0"/>
           </a:p>
@@ -3659,7 +3661,7 @@
           <a:p>
             <a:fld id="{48A87A34-81AB-432B-8DAE-1953F412C126}" type="datetimeFigureOut">
               <a:rPr lang="en-US" dirty="0"/>
-              <a:t>10/9/2018</a:t>
+              <a:t>10/24/2019</a:t>
             </a:fld>
             <a:endParaRPr lang="en-US" dirty="0"/>
           </a:p>
@@ -3824,7 +3826,7 @@
           <a:p>
             <a:fld id="{48A87A34-81AB-432B-8DAE-1953F412C126}" type="datetimeFigureOut">
               <a:rPr lang="en-US" dirty="0"/>
-              <a:t>10/9/2018</a:t>
+              <a:t>10/24/2019</a:t>
             </a:fld>
             <a:endParaRPr lang="en-US" dirty="0"/>
           </a:p>
@@ -4067,7 +4069,7 @@
           <a:p>
             <a:fld id="{48A87A34-81AB-432B-8DAE-1953F412C126}" type="datetimeFigureOut">
               <a:rPr lang="en-US" dirty="0"/>
-              <a:t>10/9/2018</a:t>
+              <a:t>10/24/2019</a:t>
             </a:fld>
             <a:endParaRPr lang="en-US" dirty="0"/>
           </a:p>
@@ -4299,7 +4301,7 @@
           <a:p>
             <a:fld id="{48A87A34-81AB-432B-8DAE-1953F412C126}" type="datetimeFigureOut">
               <a:rPr lang="en-US" dirty="0"/>
-              <a:t>10/9/2018</a:t>
+              <a:t>10/24/2019</a:t>
             </a:fld>
             <a:endParaRPr lang="en-US" dirty="0"/>
           </a:p>
@@ -4667,7 +4669,7 @@
           <a:p>
             <a:fld id="{48A87A34-81AB-432B-8DAE-1953F412C126}" type="datetimeFigureOut">
               <a:rPr lang="en-US" dirty="0"/>
-              <a:t>10/9/2018</a:t>
+              <a:t>10/24/2019</a:t>
             </a:fld>
             <a:endParaRPr lang="en-US" dirty="0"/>
           </a:p>
@@ -4780,7 +4782,7 @@
           <a:p>
             <a:fld id="{48A87A34-81AB-432B-8DAE-1953F412C126}" type="datetimeFigureOut">
               <a:rPr lang="en-US" dirty="0"/>
-              <a:t>10/9/2018</a:t>
+              <a:t>10/24/2019</a:t>
             </a:fld>
             <a:endParaRPr lang="en-US" dirty="0"/>
           </a:p>
@@ -4870,7 +4872,7 @@
           <a:p>
             <a:fld id="{48A87A34-81AB-432B-8DAE-1953F412C126}" type="datetimeFigureOut">
               <a:rPr lang="en-US" dirty="0"/>
-              <a:t>10/9/2018</a:t>
+              <a:t>10/24/2019</a:t>
             </a:fld>
             <a:endParaRPr lang="en-US" dirty="0"/>
           </a:p>
@@ -5116,7 +5118,7 @@
           <a:p>
             <a:fld id="{48A87A34-81AB-432B-8DAE-1953F412C126}" type="datetimeFigureOut">
               <a:rPr lang="en-US" dirty="0"/>
-              <a:t>10/9/2018</a:t>
+              <a:t>10/24/2019</a:t>
             </a:fld>
             <a:endParaRPr lang="en-US" dirty="0"/>
           </a:p>
@@ -5398,7 +5400,7 @@
           <a:p>
             <a:fld id="{48A87A34-81AB-432B-8DAE-1953F412C126}" type="datetimeFigureOut">
               <a:rPr lang="en-US" dirty="0"/>
-              <a:t>10/9/2018</a:t>
+              <a:t>10/24/2019</a:t>
             </a:fld>
             <a:endParaRPr lang="en-US" dirty="0"/>
           </a:p>
@@ -5607,7 +5609,7 @@
             <a:fld id="{48A87A34-81AB-432B-8DAE-1953F412C126}" type="datetimeFigureOut">
               <a:rPr lang="en-US" dirty="0"/>
               <a:pPr/>
-              <a:t>10/9/2018</a:t>
+              <a:t>10/24/2019</a:t>
             </a:fld>
             <a:endParaRPr lang="en-US" dirty="0"/>
           </a:p>
@@ -6142,6 +6144,13 @@
   <p:clrMapOvr>
     <a:masterClrMapping/>
   </p:clrMapOvr>
+  <p:timing>
+    <p:tnLst>
+      <p:par>
+        <p:cTn id="1" dur="indefinite" restart="never" nodeType="tmRoot"/>
+      </p:par>
+    </p:tnLst>
+  </p:timing>
 </p:sld>
 </file>
 
@@ -6179,6 +6188,101 @@
           <a:p>
             <a:r>
               <a:rPr lang="en-US" dirty="0"/>
+              <a:t>Take Only What You Need</a:t>
+            </a:r>
+          </a:p>
+        </p:txBody>
+      </p:sp>
+      <p:sp>
+        <p:nvSpPr>
+          <p:cNvPr id="3" name="Content Placeholder 2"/>
+          <p:cNvSpPr>
+            <a:spLocks noGrp="1"/>
+          </p:cNvSpPr>
+          <p:nvPr>
+            <p:ph idx="1"/>
+          </p:nvPr>
+        </p:nvSpPr>
+        <p:spPr>
+          <a:xfrm>
+            <a:off x="913795" y="2103152"/>
+            <a:ext cx="10353762" cy="3695136"/>
+          </a:xfrm>
+        </p:spPr>
+        <p:txBody>
+          <a:bodyPr/>
+          <a:lstStyle/>
+          <a:p>
+            <a:r>
+              <a:rPr lang="en-US" dirty="0"/>
+              <a:t>Just add sinks and configuration for the sources that you care about, which makes it very lightweight</a:t>
+            </a:r>
+          </a:p>
+          <a:p>
+            <a:pPr marL="457200" lvl="1" indent="0">
+              <a:buNone/>
+            </a:pPr>
+            <a:r>
+              <a:rPr lang="en-US" dirty="0"/>
+              <a:t>E.g. not forcing me to download the Azure libraries if I just want to write to a file</a:t>
+            </a:r>
+          </a:p>
+        </p:txBody>
+      </p:sp>
+    </p:spTree>
+    <p:extLst>
+      <p:ext uri="{BB962C8B-B14F-4D97-AF65-F5344CB8AC3E}">
+        <p14:creationId xmlns:p14="http://schemas.microsoft.com/office/powerpoint/2010/main" val="199621601"/>
+      </p:ext>
+    </p:extLst>
+  </p:cSld>
+  <p:clrMapOvr>
+    <a:masterClrMapping/>
+  </p:clrMapOvr>
+  <p:timing>
+    <p:tnLst>
+      <p:par>
+        <p:cTn id="1" dur="indefinite" restart="never" nodeType="tmRoot"/>
+      </p:par>
+    </p:tnLst>
+  </p:timing>
+</p:sld>
+</file>
+
+<file path=ppt/slides/slide11.xml><?xml version="1.0" encoding="utf-8"?>
+<p:sld xmlns:a="http://schemas.openxmlformats.org/drawingml/2006/main" xmlns:r="http://schemas.openxmlformats.org/officeDocument/2006/relationships" xmlns:p="http://schemas.openxmlformats.org/presentationml/2006/main">
+  <p:cSld>
+    <p:spTree>
+      <p:nvGrpSpPr>
+        <p:cNvPr id="1" name=""/>
+        <p:cNvGrpSpPr/>
+        <p:nvPr/>
+      </p:nvGrpSpPr>
+      <p:grpSpPr>
+        <a:xfrm>
+          <a:off x="0" y="0"/>
+          <a:ext cx="0" cy="0"/>
+          <a:chOff x="0" y="0"/>
+          <a:chExt cx="0" cy="0"/>
+        </a:xfrm>
+      </p:grpSpPr>
+      <p:sp>
+        <p:nvSpPr>
+          <p:cNvPr id="2" name="Title 1"/>
+          <p:cNvSpPr>
+            <a:spLocks noGrp="1"/>
+          </p:cNvSpPr>
+          <p:nvPr>
+            <p:ph type="title"/>
+          </p:nvPr>
+        </p:nvSpPr>
+        <p:spPr/>
+        <p:txBody>
+          <a:bodyPr/>
+          <a:lstStyle/>
+          <a:p>
+            <a:r>
+              <a:rPr lang="en-US" dirty="0"/>
               <a:t>Customize Log Output</a:t>
             </a:r>
           </a:p>
@@ -6279,10 +6383,17 @@
   <p:clrMapOvr>
     <a:masterClrMapping/>
   </p:clrMapOvr>
+  <p:timing>
+    <p:tnLst>
+      <p:par>
+        <p:cTn id="1" dur="indefinite" restart="never" nodeType="tmRoot"/>
+      </p:par>
+    </p:tnLst>
+  </p:timing>
 </p:sld>
 </file>
 
-<file path=ppt/slides/slide11.xml><?xml version="1.0" encoding="utf-8"?>
+<file path=ppt/slides/slide12.xml><?xml version="1.0" encoding="utf-8"?>
 <p:sld xmlns:a="http://schemas.openxmlformats.org/drawingml/2006/main" xmlns:r="http://schemas.openxmlformats.org/officeDocument/2006/relationships" xmlns:p="http://schemas.openxmlformats.org/presentationml/2006/main">
   <p:cSld>
     <p:spTree>
@@ -6842,80 +6953,6 @@
 </p:sld>
 </file>
 
-<file path=ppt/slides/slide12.xml><?xml version="1.0" encoding="utf-8"?>
-<p:sld xmlns:a="http://schemas.openxmlformats.org/drawingml/2006/main" xmlns:r="http://schemas.openxmlformats.org/officeDocument/2006/relationships" xmlns:p="http://schemas.openxmlformats.org/presentationml/2006/main">
-  <p:cSld>
-    <p:spTree>
-      <p:nvGrpSpPr>
-        <p:cNvPr id="1" name=""/>
-        <p:cNvGrpSpPr/>
-        <p:nvPr/>
-      </p:nvGrpSpPr>
-      <p:grpSpPr>
-        <a:xfrm>
-          <a:off x="0" y="0"/>
-          <a:ext cx="0" cy="0"/>
-          <a:chOff x="0" y="0"/>
-          <a:chExt cx="0" cy="0"/>
-        </a:xfrm>
-      </p:grpSpPr>
-      <p:sp>
-        <p:nvSpPr>
-          <p:cNvPr id="2" name="Title 1"/>
-          <p:cNvSpPr>
-            <a:spLocks noGrp="1"/>
-          </p:cNvSpPr>
-          <p:nvPr>
-            <p:ph type="title"/>
-          </p:nvPr>
-        </p:nvSpPr>
-        <p:spPr/>
-        <p:txBody>
-          <a:bodyPr/>
-          <a:lstStyle/>
-          <a:p>
-            <a:r>
-              <a:rPr lang="en-US" dirty="0"/>
-              <a:t>Create Your Own Sink</a:t>
-            </a:r>
-          </a:p>
-        </p:txBody>
-      </p:sp>
-      <p:sp>
-        <p:nvSpPr>
-          <p:cNvPr id="3" name="Content Placeholder 2"/>
-          <p:cNvSpPr>
-            <a:spLocks noGrp="1"/>
-          </p:cNvSpPr>
-          <p:nvPr>
-            <p:ph idx="1"/>
-          </p:nvPr>
-        </p:nvSpPr>
-        <p:spPr/>
-        <p:txBody>
-          <a:bodyPr/>
-          <a:lstStyle/>
-          <a:p>
-            <a:r>
-              <a:rPr lang="en-US" dirty="0"/>
-              <a:t>DEMO</a:t>
-            </a:r>
-          </a:p>
-        </p:txBody>
-      </p:sp>
-    </p:spTree>
-    <p:extLst>
-      <p:ext uri="{BB962C8B-B14F-4D97-AF65-F5344CB8AC3E}">
-        <p14:creationId xmlns:p14="http://schemas.microsoft.com/office/powerpoint/2010/main" val="3354659858"/>
-      </p:ext>
-    </p:extLst>
-  </p:cSld>
-  <p:clrMapOvr>
-    <a:masterClrMapping/>
-  </p:clrMapOvr>
-</p:sld>
-</file>
-
 <file path=ppt/slides/slide13.xml><?xml version="1.0" encoding="utf-8"?>
 <p:sld xmlns:a="http://schemas.openxmlformats.org/drawingml/2006/main" xmlns:r="http://schemas.openxmlformats.org/officeDocument/2006/relationships" xmlns:p="http://schemas.openxmlformats.org/presentationml/2006/main">
   <p:cSld>
@@ -6950,7 +6987,7 @@
           <a:p>
             <a:r>
               <a:rPr lang="en-US" dirty="0"/>
-              <a:t>Logging Strategy</a:t>
+              <a:t>Create Your Own Sink</a:t>
             </a:r>
           </a:p>
         </p:txBody>
@@ -6967,71 +7004,12 @@
         </p:nvSpPr>
         <p:spPr/>
         <p:txBody>
-          <a:bodyPr>
-            <a:normAutofit/>
-          </a:bodyPr>
+          <a:bodyPr/>
           <a:lstStyle/>
           <a:p>
             <a:r>
               <a:rPr lang="en-US" dirty="0"/>
-              <a:t>First figure out your unique situation and prioritize the things you care about</a:t>
-            </a:r>
-          </a:p>
-          <a:p>
-            <a:pPr marL="0" indent="0">
-              <a:buNone/>
-            </a:pPr>
-            <a:r>
-              <a:rPr lang="en-US" dirty="0"/>
-              <a:t>	1 app used by 1 person or 20 apps used by 10,000 people</a:t>
-            </a:r>
-          </a:p>
-          <a:p>
-            <a:r>
-              <a:rPr lang="en-US" dirty="0"/>
-              <a:t>Create a plan</a:t>
-            </a:r>
-          </a:p>
-          <a:p>
-            <a:pPr marL="800100" lvl="1" indent="-342900">
-              <a:buAutoNum type="alphaLcPeriod"/>
-            </a:pPr>
-            <a:r>
-              <a:rPr lang="en-US" dirty="0"/>
-              <a:t>Where are we going to log?</a:t>
-            </a:r>
-          </a:p>
-          <a:p>
-            <a:pPr marL="800100" lvl="1" indent="-342900">
-              <a:buAutoNum type="alphaLcPeriod"/>
-            </a:pPr>
-            <a:r>
-              <a:rPr lang="en-US" dirty="0"/>
-              <a:t>How do we want to be notified if there are errors?</a:t>
-            </a:r>
-          </a:p>
-          <a:p>
-            <a:pPr marL="800100" lvl="1" indent="-342900">
-              <a:buAutoNum type="alphaLcPeriod"/>
-            </a:pPr>
-            <a:r>
-              <a:rPr lang="en-US" dirty="0"/>
-              <a:t>How do we maintain logs so that they don’t get out of control?</a:t>
-            </a:r>
-          </a:p>
-          <a:p>
-            <a:pPr marL="800100" lvl="1" indent="-342900">
-              <a:buAutoNum type="alphaLcPeriod"/>
-            </a:pPr>
-            <a:r>
-              <a:rPr lang="en-US" dirty="0"/>
-              <a:t>How do we want to consume the logs?</a:t>
-            </a:r>
-          </a:p>
-          <a:p>
-            <a:r>
-              <a:rPr lang="en-US" dirty="0"/>
-              <a:t>Craft a solution that fits your needs</a:t>
+              <a:t>DEMO</a:t>
             </a:r>
           </a:p>
         </p:txBody>
@@ -7039,124 +7017,24 @@
     </p:spTree>
     <p:extLst>
       <p:ext uri="{BB962C8B-B14F-4D97-AF65-F5344CB8AC3E}">
-        <p14:creationId xmlns:p14="http://schemas.microsoft.com/office/powerpoint/2010/main" val="1281976053"/>
+        <p14:creationId xmlns:p14="http://schemas.microsoft.com/office/powerpoint/2010/main" val="3354659858"/>
       </p:ext>
     </p:extLst>
   </p:cSld>
   <p:clrMapOvr>
     <a:masterClrMapping/>
   </p:clrMapOvr>
+  <p:timing>
+    <p:tnLst>
+      <p:par>
+        <p:cTn id="1" dur="indefinite" restart="never" nodeType="tmRoot"/>
+      </p:par>
+    </p:tnLst>
+  </p:timing>
 </p:sld>
 </file>
 
 <file path=ppt/slides/slide14.xml><?xml version="1.0" encoding="utf-8"?>
-<p:sld xmlns:a="http://schemas.openxmlformats.org/drawingml/2006/main" xmlns:r="http://schemas.openxmlformats.org/officeDocument/2006/relationships" xmlns:p="http://schemas.openxmlformats.org/presentationml/2006/main">
-  <p:cSld>
-    <p:spTree>
-      <p:nvGrpSpPr>
-        <p:cNvPr id="1" name=""/>
-        <p:cNvGrpSpPr/>
-        <p:nvPr/>
-      </p:nvGrpSpPr>
-      <p:grpSpPr>
-        <a:xfrm>
-          <a:off x="0" y="0"/>
-          <a:ext cx="0" cy="0"/>
-          <a:chOff x="0" y="0"/>
-          <a:chExt cx="0" cy="0"/>
-        </a:xfrm>
-      </p:grpSpPr>
-      <p:sp>
-        <p:nvSpPr>
-          <p:cNvPr id="2" name="Title 1"/>
-          <p:cNvSpPr>
-            <a:spLocks noGrp="1"/>
-          </p:cNvSpPr>
-          <p:nvPr>
-            <p:ph type="title"/>
-          </p:nvPr>
-        </p:nvSpPr>
-        <p:spPr/>
-        <p:txBody>
-          <a:bodyPr/>
-          <a:lstStyle/>
-          <a:p>
-            <a:r>
-              <a:rPr lang="en-US" dirty="0"/>
-              <a:t>Consuming Logs</a:t>
-            </a:r>
-          </a:p>
-        </p:txBody>
-      </p:sp>
-      <p:pic>
-        <p:nvPicPr>
-          <p:cNvPr id="4" name="Content Placeholder 3"/>
-          <p:cNvPicPr>
-            <a:picLocks noGrp="1" noChangeAspect="1"/>
-          </p:cNvPicPr>
-          <p:nvPr>
-            <p:ph idx="1"/>
-          </p:nvPr>
-        </p:nvPicPr>
-        <p:blipFill>
-          <a:blip r:embed="rId2"/>
-          <a:stretch>
-            <a:fillRect/>
-          </a:stretch>
-        </p:blipFill>
-        <p:spPr>
-          <a:xfrm>
-            <a:off x="1024606" y="2038793"/>
-            <a:ext cx="10373526" cy="4220240"/>
-          </a:xfrm>
-          <a:prstGeom prst="rect">
-            <a:avLst/>
-          </a:prstGeom>
-        </p:spPr>
-      </p:pic>
-      <p:sp>
-        <p:nvSpPr>
-          <p:cNvPr id="5" name="TextBox 4"/>
-          <p:cNvSpPr txBox="1"/>
-          <p:nvPr/>
-        </p:nvSpPr>
-        <p:spPr>
-          <a:xfrm>
-            <a:off x="2636875" y="6361905"/>
-            <a:ext cx="7451271" cy="369332"/>
-          </a:xfrm>
-          <a:prstGeom prst="rect">
-            <a:avLst/>
-          </a:prstGeom>
-          <a:noFill/>
-        </p:spPr>
-        <p:txBody>
-          <a:bodyPr wrap="none" rtlCol="0">
-            <a:spAutoFit/>
-          </a:bodyPr>
-          <a:lstStyle/>
-          <a:p>
-            <a:r>
-              <a:rPr lang="en-US" dirty="0"/>
-              <a:t>https://blog.codeship.com/how-to-understand-logs-with-logentries/</a:t>
-            </a:r>
-          </a:p>
-        </p:txBody>
-      </p:sp>
-    </p:spTree>
-    <p:extLst>
-      <p:ext uri="{BB962C8B-B14F-4D97-AF65-F5344CB8AC3E}">
-        <p14:creationId xmlns:p14="http://schemas.microsoft.com/office/powerpoint/2010/main" val="534381655"/>
-      </p:ext>
-    </p:extLst>
-  </p:cSld>
-  <p:clrMapOvr>
-    <a:masterClrMapping/>
-  </p:clrMapOvr>
-</p:sld>
-</file>
-
-<file path=ppt/slides/slide15.xml><?xml version="1.0" encoding="utf-8"?>
 <p:sld xmlns:a="http://schemas.openxmlformats.org/drawingml/2006/main" xmlns:r="http://schemas.openxmlformats.org/officeDocument/2006/relationships" xmlns:p="http://schemas.openxmlformats.org/presentationml/2006/main">
   <p:cSld>
     <p:spTree>
@@ -7686,6 +7564,146 @@
 </p:sld>
 </file>
 
+<file path=ppt/slides/slide15.xml><?xml version="1.0" encoding="utf-8"?>
+<p:sld xmlns:a="http://schemas.openxmlformats.org/drawingml/2006/main" xmlns:r="http://schemas.openxmlformats.org/officeDocument/2006/relationships" xmlns:p="http://schemas.openxmlformats.org/presentationml/2006/main">
+  <p:cSld>
+    <p:spTree>
+      <p:nvGrpSpPr>
+        <p:cNvPr id="1" name=""/>
+        <p:cNvGrpSpPr/>
+        <p:nvPr/>
+      </p:nvGrpSpPr>
+      <p:grpSpPr>
+        <a:xfrm>
+          <a:off x="0" y="0"/>
+          <a:ext cx="0" cy="0"/>
+          <a:chOff x="0" y="0"/>
+          <a:chExt cx="0" cy="0"/>
+        </a:xfrm>
+      </p:grpSpPr>
+      <p:sp>
+        <p:nvSpPr>
+          <p:cNvPr id="2" name="Title 1"/>
+          <p:cNvSpPr>
+            <a:spLocks noGrp="1"/>
+          </p:cNvSpPr>
+          <p:nvPr>
+            <p:ph type="title"/>
+          </p:nvPr>
+        </p:nvSpPr>
+        <p:spPr/>
+        <p:txBody>
+          <a:bodyPr/>
+          <a:lstStyle/>
+          <a:p>
+            <a:r>
+              <a:rPr lang="en-US" dirty="0"/>
+              <a:t>Logging Strategy</a:t>
+            </a:r>
+          </a:p>
+        </p:txBody>
+      </p:sp>
+      <p:sp>
+        <p:nvSpPr>
+          <p:cNvPr id="3" name="Content Placeholder 2"/>
+          <p:cNvSpPr>
+            <a:spLocks noGrp="1"/>
+          </p:cNvSpPr>
+          <p:nvPr>
+            <p:ph idx="1"/>
+          </p:nvPr>
+        </p:nvSpPr>
+        <p:spPr/>
+        <p:txBody>
+          <a:bodyPr>
+            <a:normAutofit/>
+          </a:bodyPr>
+          <a:lstStyle/>
+          <a:p>
+            <a:r>
+              <a:rPr lang="en-US" dirty="0"/>
+              <a:t>First figure out your unique situation and prioritize the things you care about</a:t>
+            </a:r>
+          </a:p>
+          <a:p>
+            <a:pPr marL="0" indent="0">
+              <a:buNone/>
+            </a:pPr>
+            <a:r>
+              <a:rPr lang="en-US" dirty="0"/>
+              <a:t>	1 app used by 1 person or 20 apps used by 10,000 people</a:t>
+            </a:r>
+          </a:p>
+          <a:p>
+            <a:r>
+              <a:rPr lang="en-US" dirty="0"/>
+              <a:t>Create a plan</a:t>
+            </a:r>
+          </a:p>
+          <a:p>
+            <a:pPr marL="800100" lvl="1" indent="-342900">
+              <a:buAutoNum type="alphaLcPeriod"/>
+            </a:pPr>
+            <a:r>
+              <a:rPr lang="en-US" dirty="0"/>
+              <a:t>Where are we going to log?</a:t>
+            </a:r>
+          </a:p>
+          <a:p>
+            <a:pPr marL="800100" lvl="1" indent="-342900">
+              <a:buAutoNum type="alphaLcPeriod"/>
+            </a:pPr>
+            <a:r>
+              <a:rPr lang="en-US" dirty="0"/>
+              <a:t>How do we want to be notified if there are errors?</a:t>
+            </a:r>
+          </a:p>
+          <a:p>
+            <a:pPr marL="800100" lvl="1" indent="-342900">
+              <a:buAutoNum type="alphaLcPeriod"/>
+            </a:pPr>
+            <a:r>
+              <a:rPr lang="en-US" dirty="0"/>
+              <a:t>How do we maintain logs so that they don’t get out of control?</a:t>
+            </a:r>
+          </a:p>
+          <a:p>
+            <a:pPr marL="800100" lvl="1" indent="-342900">
+              <a:buAutoNum type="alphaLcPeriod"/>
+            </a:pPr>
+            <a:r>
+              <a:rPr lang="en-US" dirty="0"/>
+              <a:t>How do we want to consume the logs?</a:t>
+            </a:r>
+          </a:p>
+          <a:p>
+            <a:r>
+              <a:rPr lang="en-US" dirty="0"/>
+              <a:t>Craft a solution that fits your needs</a:t>
+            </a:r>
+          </a:p>
+        </p:txBody>
+      </p:sp>
+    </p:spTree>
+    <p:extLst>
+      <p:ext uri="{BB962C8B-B14F-4D97-AF65-F5344CB8AC3E}">
+        <p14:creationId xmlns:p14="http://schemas.microsoft.com/office/powerpoint/2010/main" val="1281976053"/>
+      </p:ext>
+    </p:extLst>
+  </p:cSld>
+  <p:clrMapOvr>
+    <a:masterClrMapping/>
+  </p:clrMapOvr>
+  <p:timing>
+    <p:tnLst>
+      <p:par>
+        <p:cTn id="1" dur="indefinite" restart="never" nodeType="tmRoot"/>
+      </p:par>
+    </p:tnLst>
+  </p:timing>
+</p:sld>
+</file>
+
 <file path=ppt/slides/slide16.xml><?xml version="1.0" encoding="utf-8"?>
 <p:sld xmlns:a="http://schemas.openxmlformats.org/drawingml/2006/main" xmlns:r="http://schemas.openxmlformats.org/officeDocument/2006/relationships" xmlns:p="http://schemas.openxmlformats.org/presentationml/2006/main">
   <p:cSld>
@@ -7720,6 +7738,253 @@
           <a:p>
             <a:r>
               <a:rPr lang="en-US" dirty="0"/>
+              <a:t>Consuming Logs</a:t>
+            </a:r>
+          </a:p>
+        </p:txBody>
+      </p:sp>
+      <p:pic>
+        <p:nvPicPr>
+          <p:cNvPr id="4" name="Content Placeholder 3"/>
+          <p:cNvPicPr>
+            <a:picLocks noGrp="1" noChangeAspect="1"/>
+          </p:cNvPicPr>
+          <p:nvPr>
+            <p:ph idx="1"/>
+          </p:nvPr>
+        </p:nvPicPr>
+        <p:blipFill>
+          <a:blip r:embed="rId2"/>
+          <a:stretch>
+            <a:fillRect/>
+          </a:stretch>
+        </p:blipFill>
+        <p:spPr>
+          <a:xfrm>
+            <a:off x="1024606" y="2038793"/>
+            <a:ext cx="10373526" cy="4220240"/>
+          </a:xfrm>
+          <a:prstGeom prst="rect">
+            <a:avLst/>
+          </a:prstGeom>
+        </p:spPr>
+      </p:pic>
+      <p:sp>
+        <p:nvSpPr>
+          <p:cNvPr id="5" name="TextBox 4"/>
+          <p:cNvSpPr txBox="1"/>
+          <p:nvPr/>
+        </p:nvSpPr>
+        <p:spPr>
+          <a:xfrm>
+            <a:off x="2636875" y="6361905"/>
+            <a:ext cx="7451271" cy="369332"/>
+          </a:xfrm>
+          <a:prstGeom prst="rect">
+            <a:avLst/>
+          </a:prstGeom>
+          <a:noFill/>
+        </p:spPr>
+        <p:txBody>
+          <a:bodyPr wrap="none" rtlCol="0">
+            <a:spAutoFit/>
+          </a:bodyPr>
+          <a:lstStyle/>
+          <a:p>
+            <a:r>
+              <a:rPr lang="en-US" dirty="0"/>
+              <a:t>https://blog.codeship.com/how-to-understand-logs-with-logentries/</a:t>
+            </a:r>
+          </a:p>
+        </p:txBody>
+      </p:sp>
+    </p:spTree>
+    <p:extLst>
+      <p:ext uri="{BB962C8B-B14F-4D97-AF65-F5344CB8AC3E}">
+        <p14:creationId xmlns:p14="http://schemas.microsoft.com/office/powerpoint/2010/main" val="534381655"/>
+      </p:ext>
+    </p:extLst>
+  </p:cSld>
+  <p:clrMapOvr>
+    <a:masterClrMapping/>
+  </p:clrMapOvr>
+  <p:timing>
+    <p:tnLst>
+      <p:par>
+        <p:cTn id="1" dur="indefinite" restart="never" nodeType="tmRoot"/>
+      </p:par>
+    </p:tnLst>
+  </p:timing>
+</p:sld>
+</file>
+
+<file path=ppt/slides/slide17.xml><?xml version="1.0" encoding="utf-8"?>
+<p:sld xmlns:a="http://schemas.openxmlformats.org/drawingml/2006/main" xmlns:r="http://schemas.openxmlformats.org/officeDocument/2006/relationships" xmlns:p="http://schemas.openxmlformats.org/presentationml/2006/main">
+  <p:cSld>
+    <p:spTree>
+      <p:nvGrpSpPr>
+        <p:cNvPr id="1" name=""/>
+        <p:cNvGrpSpPr/>
+        <p:nvPr/>
+      </p:nvGrpSpPr>
+      <p:grpSpPr>
+        <a:xfrm>
+          <a:off x="0" y="0"/>
+          <a:ext cx="0" cy="0"/>
+          <a:chOff x="0" y="0"/>
+          <a:chExt cx="0" cy="0"/>
+        </a:xfrm>
+      </p:grpSpPr>
+      <p:sp>
+        <p:nvSpPr>
+          <p:cNvPr id="2" name="Title 1"/>
+          <p:cNvSpPr>
+            <a:spLocks noGrp="1"/>
+          </p:cNvSpPr>
+          <p:nvPr>
+            <p:ph type="title"/>
+          </p:nvPr>
+        </p:nvSpPr>
+        <p:spPr/>
+        <p:txBody>
+          <a:bodyPr/>
+          <a:lstStyle/>
+          <a:p>
+            <a:r>
+              <a:rPr lang="en-US" dirty="0" smtClean="0"/>
+              <a:t>SEQ</a:t>
+            </a:r>
+            <a:endParaRPr lang="en-US" dirty="0"/>
+          </a:p>
+        </p:txBody>
+      </p:sp>
+      <p:sp>
+        <p:nvSpPr>
+          <p:cNvPr id="4" name="TextBox 3"/>
+          <p:cNvSpPr txBox="1"/>
+          <p:nvPr/>
+        </p:nvSpPr>
+        <p:spPr>
+          <a:xfrm>
+            <a:off x="0" y="6296297"/>
+            <a:ext cx="12192000" cy="369332"/>
+          </a:xfrm>
+          <a:prstGeom prst="rect">
+            <a:avLst/>
+          </a:prstGeom>
+          <a:noFill/>
+        </p:spPr>
+        <p:txBody>
+          <a:bodyPr wrap="square" rtlCol="0">
+            <a:spAutoFit/>
+          </a:bodyPr>
+          <a:lstStyle/>
+          <a:p>
+            <a:pPr algn="ctr"/>
+            <a:r>
+              <a:rPr lang="en-US" dirty="0"/>
+              <a:t>https://github.com/serilog/serilog-sinks-seq</a:t>
+            </a:r>
+          </a:p>
+        </p:txBody>
+      </p:sp>
+      <p:pic>
+        <p:nvPicPr>
+          <p:cNvPr id="1026" name="Picture 2" descr="Image result for seq with serilog structured logging"/>
+          <p:cNvPicPr>
+            <a:picLocks noGrp="1" noChangeAspect="1" noChangeArrowheads="1"/>
+          </p:cNvPicPr>
+          <p:nvPr>
+            <p:ph idx="1"/>
+          </p:nvPr>
+        </p:nvPicPr>
+        <p:blipFill>
+          <a:blip r:embed="rId2">
+            <a:extLst>
+              <a:ext uri="{28A0092B-C50C-407E-A947-70E740481C1C}">
+                <a14:useLocalDpi xmlns:a14="http://schemas.microsoft.com/office/drawing/2010/main" val="0"/>
+              </a:ext>
+            </a:extLst>
+          </a:blip>
+          <a:srcRect/>
+          <a:stretch>
+            <a:fillRect/>
+          </a:stretch>
+        </p:blipFill>
+        <p:spPr bwMode="auto">
+          <a:xfrm>
+            <a:off x="1379492" y="1730652"/>
+            <a:ext cx="9423492" cy="4425396"/>
+          </a:xfrm>
+          <a:prstGeom prst="rect">
+            <a:avLst/>
+          </a:prstGeom>
+          <a:noFill/>
+          <a:extLst>
+            <a:ext uri="{909E8E84-426E-40DD-AFC4-6F175D3DCCD1}">
+              <a14:hiddenFill xmlns:a14="http://schemas.microsoft.com/office/drawing/2010/main">
+                <a:solidFill>
+                  <a:srgbClr val="FFFFFF"/>
+                </a:solidFill>
+              </a14:hiddenFill>
+            </a:ext>
+          </a:extLst>
+        </p:spPr>
+      </p:pic>
+    </p:spTree>
+    <p:extLst>
+      <p:ext uri="{BB962C8B-B14F-4D97-AF65-F5344CB8AC3E}">
+        <p14:creationId xmlns:p14="http://schemas.microsoft.com/office/powerpoint/2010/main" val="1339698871"/>
+      </p:ext>
+    </p:extLst>
+  </p:cSld>
+  <p:clrMapOvr>
+    <a:masterClrMapping/>
+  </p:clrMapOvr>
+  <p:timing>
+    <p:tnLst>
+      <p:par>
+        <p:cTn id="1" dur="indefinite" restart="never" nodeType="tmRoot"/>
+      </p:par>
+    </p:tnLst>
+  </p:timing>
+</p:sld>
+</file>
+
+<file path=ppt/slides/slide18.xml><?xml version="1.0" encoding="utf-8"?>
+<p:sld xmlns:a="http://schemas.openxmlformats.org/drawingml/2006/main" xmlns:r="http://schemas.openxmlformats.org/officeDocument/2006/relationships" xmlns:p="http://schemas.openxmlformats.org/presentationml/2006/main">
+  <p:cSld>
+    <p:spTree>
+      <p:nvGrpSpPr>
+        <p:cNvPr id="1" name=""/>
+        <p:cNvGrpSpPr/>
+        <p:nvPr/>
+      </p:nvGrpSpPr>
+      <p:grpSpPr>
+        <a:xfrm>
+          <a:off x="0" y="0"/>
+          <a:ext cx="0" cy="0"/>
+          <a:chOff x="0" y="0"/>
+          <a:chExt cx="0" cy="0"/>
+        </a:xfrm>
+      </p:grpSpPr>
+      <p:sp>
+        <p:nvSpPr>
+          <p:cNvPr id="2" name="Title 1"/>
+          <p:cNvSpPr>
+            <a:spLocks noGrp="1"/>
+          </p:cNvSpPr>
+          <p:nvPr>
+            <p:ph type="title"/>
+          </p:nvPr>
+        </p:nvSpPr>
+        <p:spPr/>
+        <p:txBody>
+          <a:bodyPr/>
+          <a:lstStyle/>
+          <a:p>
+            <a:r>
+              <a:rPr lang="en-US" dirty="0"/>
               <a:t>Questions?</a:t>
             </a:r>
           </a:p>
@@ -7774,6 +8039,13 @@
   <p:clrMapOvr>
     <a:masterClrMapping/>
   </p:clrMapOvr>
+  <p:timing>
+    <p:tnLst>
+      <p:par>
+        <p:cTn id="1" dur="indefinite" restart="never" nodeType="tmRoot"/>
+      </p:par>
+    </p:tnLst>
+  </p:timing>
 </p:sld>
 </file>
 
@@ -7834,8 +8106,12 @@
           <a:lstStyle/>
           <a:p>
             <a:r>
-              <a:rPr lang="en-US" dirty="0"/>
-              <a:t>Senior Architect – United Shore</a:t>
+              <a:rPr lang="en-US" dirty="0" smtClean="0"/>
+              <a:t>Sr. Machine Learning Engineer – </a:t>
+            </a:r>
+            <a:r>
+              <a:rPr lang="en-US" dirty="0"/>
+              <a:t>United Shore</a:t>
             </a:r>
           </a:p>
           <a:p>
@@ -7868,7 +8144,15 @@
           <a:p>
             <a:r>
               <a:rPr lang="en-US" dirty="0"/>
-              <a:t>Professional Developer for 9+ years</a:t>
+              <a:t>Professional Developer for </a:t>
+            </a:r>
+            <a:r>
+              <a:rPr lang="en-US" dirty="0" smtClean="0"/>
+              <a:t>10+ </a:t>
+            </a:r>
+            <a:r>
+              <a:rPr lang="en-US" dirty="0"/>
+              <a:t>years</a:t>
             </a:r>
           </a:p>
           <a:p>
@@ -7949,6 +8233,13 @@
   <p:clrMapOvr>
     <a:masterClrMapping/>
   </p:clrMapOvr>
+  <p:timing>
+    <p:tnLst>
+      <p:par>
+        <p:cTn id="1" dur="indefinite" restart="never" nodeType="tmRoot"/>
+      </p:par>
+    </p:tnLst>
+  </p:timing>
 </p:sld>
 </file>
 
@@ -9299,8 +9590,12 @@
           <a:lstStyle/>
           <a:p>
             <a:r>
-              <a:rPr lang="en-US" dirty="0"/>
-              <a:t>Logging methods Explained</a:t>
+              <a:rPr lang="en-US" dirty="0" smtClean="0"/>
+              <a:t>More Structured </a:t>
+            </a:r>
+            <a:r>
+              <a:rPr lang="en-US" dirty="0"/>
+              <a:t>Logging</a:t>
             </a:r>
           </a:p>
         </p:txBody>
@@ -9317,86 +9612,238 @@
         </p:nvSpPr>
         <p:spPr/>
         <p:txBody>
-          <a:bodyPr>
-            <a:normAutofit/>
-          </a:bodyPr>
+          <a:bodyPr/>
           <a:lstStyle/>
           <a:p>
-            <a:r>
-              <a:rPr lang="en-US" dirty="0"/>
-              <a:t>The method you use tells </a:t>
-            </a:r>
+            <a:pPr marL="457200" lvl="1" indent="0">
+              <a:buNone/>
+            </a:pPr>
+            <a:r>
+              <a:rPr lang="en-US" dirty="0" err="1" smtClean="0"/>
+              <a:t>logger.Information</a:t>
+            </a:r>
+            <a:r>
+              <a:rPr lang="en-US" dirty="0" smtClean="0"/>
+              <a:t>(“Customer {</a:t>
+            </a:r>
+            <a:r>
+              <a:rPr lang="en-US" dirty="0" err="1" smtClean="0"/>
+              <a:t>CustomerName</a:t>
+            </a:r>
+            <a:r>
+              <a:rPr lang="en-US" dirty="0" smtClean="0"/>
+              <a:t>} has been updated”, </a:t>
+            </a:r>
+            <a:r>
+              <a:rPr lang="en-US" dirty="0" err="1" smtClean="0"/>
+              <a:t>customer.Name</a:t>
+            </a:r>
+            <a:r>
+              <a:rPr lang="en-US" dirty="0" smtClean="0"/>
+              <a:t>);</a:t>
+            </a:r>
+            <a:endParaRPr lang="en-US" dirty="0"/>
+          </a:p>
+          <a:p>
+            <a:pPr marL="457200" lvl="1" indent="0">
+              <a:buNone/>
+            </a:pPr>
+            <a:endParaRPr lang="en-US" dirty="0" smtClean="0"/>
+          </a:p>
+          <a:p>
+            <a:pPr marL="457200" lvl="1" indent="0">
+              <a:buNone/>
+            </a:pPr>
             <a:r>
               <a:rPr lang="en-US" dirty="0" err="1"/>
-              <a:t>Serilog</a:t>
-            </a:r>
-            <a:r>
-              <a:rPr lang="en-US" dirty="0"/>
-              <a:t> how to prioritize your events.</a:t>
-            </a:r>
-          </a:p>
-          <a:p>
-            <a:pPr lvl="1"/>
-            <a:r>
-              <a:rPr lang="en-US" dirty="0"/>
-              <a:t>Fatal – show critical failures that crash the app</a:t>
-            </a:r>
-          </a:p>
-          <a:p>
-            <a:pPr lvl="1"/>
-            <a:r>
-              <a:rPr lang="en-US" dirty="0"/>
-              <a:t>Error – show failures and their associated metadata</a:t>
-            </a:r>
-          </a:p>
-          <a:p>
-            <a:pPr lvl="1"/>
-            <a:r>
-              <a:rPr lang="en-US" dirty="0"/>
-              <a:t>Warning – show possible issues</a:t>
-            </a:r>
-          </a:p>
-          <a:p>
-            <a:pPr lvl="1"/>
-            <a:r>
-              <a:rPr lang="en-US" dirty="0"/>
-              <a:t>Information – anything contextual you want to show the person consuming the logs (e.g. got into </a:t>
-            </a:r>
-            <a:r>
-              <a:rPr lang="en-US" dirty="0" err="1"/>
-              <a:t>MethodA</a:t>
-            </a:r>
-            <a:r>
-              <a:rPr lang="en-US" dirty="0"/>
-              <a:t>)</a:t>
-            </a:r>
-          </a:p>
-          <a:p>
-            <a:pPr lvl="1"/>
-            <a:r>
-              <a:rPr lang="en-US" dirty="0"/>
-              <a:t>Debug – meant for when you are debugging to pinpoint problems</a:t>
-            </a:r>
-          </a:p>
-          <a:p>
-            <a:pPr lvl="1"/>
-            <a:r>
-              <a:rPr lang="en-US" dirty="0"/>
-              <a:t>Verbose – shows everything including tracing and debugging</a:t>
-            </a:r>
+              <a:t>logger.Information</a:t>
+            </a:r>
+            <a:r>
+              <a:rPr lang="en-US" dirty="0" smtClean="0"/>
+              <a:t>(“Customer {</a:t>
+            </a:r>
+            <a:r>
+              <a:rPr lang="en-US" dirty="0" err="1" smtClean="0"/>
+              <a:t>CustomerId</a:t>
+            </a:r>
+            <a:r>
+              <a:rPr lang="en-US" dirty="0" smtClean="0"/>
+              <a:t>} - {</a:t>
+            </a:r>
+            <a:r>
+              <a:rPr lang="en-US" dirty="0" err="1" smtClean="0"/>
+              <a:t>CustomerName</a:t>
+            </a:r>
+            <a:r>
+              <a:rPr lang="en-US" dirty="0"/>
+              <a:t>} has been updated”, </a:t>
+            </a:r>
+            <a:r>
+              <a:rPr lang="en-US" dirty="0" err="1" smtClean="0"/>
+              <a:t>customer.Id</a:t>
+            </a:r>
+            <a:r>
+              <a:rPr lang="en-US" dirty="0" smtClean="0"/>
+              <a:t>, </a:t>
+            </a:r>
+            <a:r>
+              <a:rPr lang="en-US" dirty="0" err="1" smtClean="0"/>
+              <a:t>customer.Name</a:t>
+            </a:r>
+            <a:r>
+              <a:rPr lang="en-US" dirty="0"/>
+              <a:t>);</a:t>
+            </a:r>
+          </a:p>
+          <a:p>
+            <a:pPr marL="457200" lvl="1" indent="0">
+              <a:buNone/>
+            </a:pPr>
+            <a:endParaRPr lang="en-US" dirty="0"/>
           </a:p>
         </p:txBody>
       </p:sp>
     </p:spTree>
     <p:extLst>
       <p:ext uri="{BB962C8B-B14F-4D97-AF65-F5344CB8AC3E}">
-        <p14:creationId xmlns:p14="http://schemas.microsoft.com/office/powerpoint/2010/main" val="2324401408"/>
+        <p14:creationId xmlns:p14="http://schemas.microsoft.com/office/powerpoint/2010/main" val="724149226"/>
       </p:ext>
     </p:extLst>
   </p:cSld>
   <p:clrMapOvr>
     <a:masterClrMapping/>
   </p:clrMapOvr>
+  <p:timing>
+    <p:tnLst>
+      <p:par>
+        <p:cTn id="1" dur="indefinite" restart="never" nodeType="tmRoot">
+          <p:childTnLst>
+            <p:seq concurrent="1" nextAc="seek">
+              <p:cTn id="2" dur="indefinite" nodeType="mainSeq">
+                <p:childTnLst>
+                  <p:par>
+                    <p:cTn id="3" fill="hold">
+                      <p:stCondLst>
+                        <p:cond delay="indefinite"/>
+                        <p:cond evt="onBegin" delay="0">
+                          <p:tn val="2"/>
+                        </p:cond>
+                      </p:stCondLst>
+                      <p:childTnLst>
+                        <p:par>
+                          <p:cTn id="4" fill="hold">
+                            <p:stCondLst>
+                              <p:cond delay="0"/>
+                            </p:stCondLst>
+                            <p:childTnLst>
+                              <p:par>
+                                <p:cTn id="5" presetID="1" presetClass="entr" presetSubtype="0" fill="hold" nodeType="withEffect">
+                                  <p:stCondLst>
+                                    <p:cond delay="0"/>
+                                  </p:stCondLst>
+                                  <p:childTnLst>
+                                    <p:set>
+                                      <p:cBhvr>
+                                        <p:cTn id="6" dur="1" fill="hold">
+                                          <p:stCondLst>
+                                            <p:cond delay="0"/>
+                                          </p:stCondLst>
+                                        </p:cTn>
+                                        <p:tgtEl>
+                                          <p:spTgt spid="3">
+                                            <p:txEl>
+                                              <p:pRg st="0" end="0"/>
+                                            </p:txEl>
+                                          </p:spTgt>
+                                        </p:tgtEl>
+                                        <p:attrNameLst>
+                                          <p:attrName>style.visibility</p:attrName>
+                                        </p:attrNameLst>
+                                      </p:cBhvr>
+                                      <p:to>
+                                        <p:strVal val="visible"/>
+                                      </p:to>
+                                    </p:set>
+                                  </p:childTnLst>
+                                </p:cTn>
+                              </p:par>
+                            </p:childTnLst>
+                          </p:cTn>
+                        </p:par>
+                      </p:childTnLst>
+                    </p:cTn>
+                  </p:par>
+                  <p:par>
+                    <p:cTn id="7" fill="hold">
+                      <p:stCondLst>
+                        <p:cond delay="indefinite"/>
+                      </p:stCondLst>
+                      <p:childTnLst>
+                        <p:par>
+                          <p:cTn id="8" fill="hold">
+                            <p:stCondLst>
+                              <p:cond delay="0"/>
+                            </p:stCondLst>
+                            <p:childTnLst>
+                              <p:par>
+                                <p:cTn id="9" presetID="1" presetClass="entr" presetSubtype="0" fill="hold" nodeType="clickEffect">
+                                  <p:stCondLst>
+                                    <p:cond delay="0"/>
+                                  </p:stCondLst>
+                                  <p:childTnLst>
+                                    <p:set>
+                                      <p:cBhvr>
+                                        <p:cTn id="10" dur="1" fill="hold">
+                                          <p:stCondLst>
+                                            <p:cond delay="0"/>
+                                          </p:stCondLst>
+                                        </p:cTn>
+                                        <p:tgtEl>
+                                          <p:spTgt spid="3">
+                                            <p:txEl>
+                                              <p:pRg st="2" end="2"/>
+                                            </p:txEl>
+                                          </p:spTgt>
+                                        </p:tgtEl>
+                                        <p:attrNameLst>
+                                          <p:attrName>style.visibility</p:attrName>
+                                        </p:attrNameLst>
+                                      </p:cBhvr>
+                                      <p:to>
+                                        <p:strVal val="visible"/>
+                                      </p:to>
+                                    </p:set>
+                                  </p:childTnLst>
+                                </p:cTn>
+                              </p:par>
+                            </p:childTnLst>
+                          </p:cTn>
+                        </p:par>
+                      </p:childTnLst>
+                    </p:cTn>
+                  </p:par>
+                </p:childTnLst>
+              </p:cTn>
+              <p:prevCondLst>
+                <p:cond evt="onPrev" delay="0">
+                  <p:tgtEl>
+                    <p:sldTgt/>
+                  </p:tgtEl>
+                </p:cond>
+              </p:prevCondLst>
+              <p:nextCondLst>
+                <p:cond evt="onNext" delay="0">
+                  <p:tgtEl>
+                    <p:sldTgt/>
+                  </p:tgtEl>
+                </p:cond>
+              </p:nextCondLst>
+            </p:seq>
+          </p:childTnLst>
+        </p:cTn>
+      </p:par>
+    </p:tnLst>
+  </p:timing>
 </p:sld>
 </file>
 
@@ -9434,6 +9881,147 @@
           <a:p>
             <a:r>
               <a:rPr lang="en-US" dirty="0"/>
+              <a:t>Logging methods Explained</a:t>
+            </a:r>
+          </a:p>
+        </p:txBody>
+      </p:sp>
+      <p:sp>
+        <p:nvSpPr>
+          <p:cNvPr id="3" name="Content Placeholder 2"/>
+          <p:cNvSpPr>
+            <a:spLocks noGrp="1"/>
+          </p:cNvSpPr>
+          <p:nvPr>
+            <p:ph idx="1"/>
+          </p:nvPr>
+        </p:nvSpPr>
+        <p:spPr/>
+        <p:txBody>
+          <a:bodyPr>
+            <a:normAutofit/>
+          </a:bodyPr>
+          <a:lstStyle/>
+          <a:p>
+            <a:r>
+              <a:rPr lang="en-US" dirty="0"/>
+              <a:t>The method you use tells </a:t>
+            </a:r>
+            <a:r>
+              <a:rPr lang="en-US" dirty="0" err="1"/>
+              <a:t>Serilog</a:t>
+            </a:r>
+            <a:r>
+              <a:rPr lang="en-US" dirty="0"/>
+              <a:t> how to prioritize your events.</a:t>
+            </a:r>
+          </a:p>
+          <a:p>
+            <a:pPr lvl="1"/>
+            <a:r>
+              <a:rPr lang="en-US" dirty="0"/>
+              <a:t>Fatal – show critical failures that crash the app</a:t>
+            </a:r>
+          </a:p>
+          <a:p>
+            <a:pPr lvl="1"/>
+            <a:r>
+              <a:rPr lang="en-US" dirty="0"/>
+              <a:t>Error – show failures and their associated metadata</a:t>
+            </a:r>
+          </a:p>
+          <a:p>
+            <a:pPr lvl="1"/>
+            <a:r>
+              <a:rPr lang="en-US" dirty="0"/>
+              <a:t>Warning – show possible issues</a:t>
+            </a:r>
+          </a:p>
+          <a:p>
+            <a:pPr lvl="1"/>
+            <a:r>
+              <a:rPr lang="en-US" dirty="0"/>
+              <a:t>Information – anything contextual you want to show the person consuming the logs (e.g. got into </a:t>
+            </a:r>
+            <a:r>
+              <a:rPr lang="en-US" dirty="0" err="1"/>
+              <a:t>MethodA</a:t>
+            </a:r>
+            <a:r>
+              <a:rPr lang="en-US" dirty="0"/>
+              <a:t>)</a:t>
+            </a:r>
+          </a:p>
+          <a:p>
+            <a:pPr lvl="1"/>
+            <a:r>
+              <a:rPr lang="en-US" dirty="0"/>
+              <a:t>Debug – meant for when you are debugging to pinpoint problems</a:t>
+            </a:r>
+          </a:p>
+          <a:p>
+            <a:pPr lvl="1"/>
+            <a:r>
+              <a:rPr lang="en-US" dirty="0"/>
+              <a:t>Verbose – shows everything including tracing and debugging</a:t>
+            </a:r>
+          </a:p>
+        </p:txBody>
+      </p:sp>
+    </p:spTree>
+    <p:extLst>
+      <p:ext uri="{BB962C8B-B14F-4D97-AF65-F5344CB8AC3E}">
+        <p14:creationId xmlns:p14="http://schemas.microsoft.com/office/powerpoint/2010/main" val="2324401408"/>
+      </p:ext>
+    </p:extLst>
+  </p:cSld>
+  <p:clrMapOvr>
+    <a:masterClrMapping/>
+  </p:clrMapOvr>
+  <p:timing>
+    <p:tnLst>
+      <p:par>
+        <p:cTn id="1" dur="indefinite" restart="never" nodeType="tmRoot"/>
+      </p:par>
+    </p:tnLst>
+  </p:timing>
+</p:sld>
+</file>
+
+<file path=ppt/slides/slide8.xml><?xml version="1.0" encoding="utf-8"?>
+<p:sld xmlns:a="http://schemas.openxmlformats.org/drawingml/2006/main" xmlns:r="http://schemas.openxmlformats.org/officeDocument/2006/relationships" xmlns:p="http://schemas.openxmlformats.org/presentationml/2006/main">
+  <p:cSld>
+    <p:spTree>
+      <p:nvGrpSpPr>
+        <p:cNvPr id="1" name=""/>
+        <p:cNvGrpSpPr/>
+        <p:nvPr/>
+      </p:nvGrpSpPr>
+      <p:grpSpPr>
+        <a:xfrm>
+          <a:off x="0" y="0"/>
+          <a:ext cx="0" cy="0"/>
+          <a:chOff x="0" y="0"/>
+          <a:chExt cx="0" cy="0"/>
+        </a:xfrm>
+      </p:grpSpPr>
+      <p:sp>
+        <p:nvSpPr>
+          <p:cNvPr id="2" name="Title 1"/>
+          <p:cNvSpPr>
+            <a:spLocks noGrp="1"/>
+          </p:cNvSpPr>
+          <p:nvPr>
+            <p:ph type="title"/>
+          </p:nvPr>
+        </p:nvSpPr>
+        <p:spPr/>
+        <p:txBody>
+          <a:bodyPr/>
+          <a:lstStyle/>
+          <a:p>
+            <a:r>
+              <a:rPr lang="en-US" dirty="0"/>
               <a:t>SINKS</a:t>
             </a:r>
           </a:p>
@@ -9452,7 +10040,7 @@
         <p:spPr/>
         <p:txBody>
           <a:bodyPr>
-            <a:normAutofit fontScale="70000" lnSpcReduction="20000"/>
+            <a:normAutofit fontScale="62500" lnSpcReduction="20000"/>
           </a:bodyPr>
           <a:lstStyle/>
           <a:p>
@@ -9556,8 +10144,20 @@
             <a:pPr lvl="1"/>
             <a:r>
               <a:rPr lang="en-US" dirty="0"/>
-              <a:t>SQL Server</a:t>
-            </a:r>
+              <a:t>SQL </a:t>
+            </a:r>
+            <a:r>
+              <a:rPr lang="en-US" dirty="0" smtClean="0"/>
+              <a:t>Server</a:t>
+            </a:r>
+          </a:p>
+          <a:p>
+            <a:pPr lvl="1"/>
+            <a:r>
+              <a:rPr lang="en-US" dirty="0" smtClean="0"/>
+              <a:t>SEQ</a:t>
+            </a:r>
+            <a:endParaRPr lang="en-US" dirty="0"/>
           </a:p>
           <a:p>
             <a:pPr lvl="1"/>
@@ -10052,6 +10652,37 @@
                                   </p:childTnLst>
                                 </p:cTn>
                               </p:par>
+                              <p:par>
+                                <p:cTn id="37" presetID="1" presetClass="entr" presetSubtype="0" fill="hold" nodeType="withEffect">
+                                  <p:stCondLst>
+                                    <p:cond delay="0"/>
+                                  </p:stCondLst>
+                                  <p:childTnLst>
+                                    <p:set>
+                                      <p:cBhvr>
+                                        <p:cTn id="38" dur="1" fill="hold">
+                                          <p:stCondLst>
+                                            <p:cond delay="0"/>
+                                          </p:stCondLst>
+                                        </p:cTn>
+                                        <p:tgtEl>
+                                          <p:spTgt spid="3">
+                                            <p:txEl>
+                                              <p:pRg st="13" end="13"/>
+                                            </p:txEl>
+                                          </p:spTgt>
+                                        </p:tgtEl>
+                                        <p:attrNameLst>
+                                          <p:attrName>style.visibility</p:attrName>
+                                        </p:attrNameLst>
+                                      </p:cBhvr>
+                                      <p:to>
+                                        <p:strVal val="visible"/>
+                                      </p:to>
+                                    </p:set>
+                                  </p:childTnLst>
+                                </p:cTn>
+                              </p:par>
                             </p:childTnLst>
                           </p:cTn>
                         </p:par>
@@ -10083,80 +10714,6 @@
 </p:sld>
 </file>
 
-<file path=ppt/slides/slide8.xml><?xml version="1.0" encoding="utf-8"?>
-<p:sld xmlns:a="http://schemas.openxmlformats.org/drawingml/2006/main" xmlns:r="http://schemas.openxmlformats.org/officeDocument/2006/relationships" xmlns:p="http://schemas.openxmlformats.org/presentationml/2006/main">
-  <p:cSld>
-    <p:spTree>
-      <p:nvGrpSpPr>
-        <p:cNvPr id="1" name=""/>
-        <p:cNvGrpSpPr/>
-        <p:nvPr/>
-      </p:nvGrpSpPr>
-      <p:grpSpPr>
-        <a:xfrm>
-          <a:off x="0" y="0"/>
-          <a:ext cx="0" cy="0"/>
-          <a:chOff x="0" y="0"/>
-          <a:chExt cx="0" cy="0"/>
-        </a:xfrm>
-      </p:grpSpPr>
-      <p:sp>
-        <p:nvSpPr>
-          <p:cNvPr id="2" name="Title 1"/>
-          <p:cNvSpPr>
-            <a:spLocks noGrp="1"/>
-          </p:cNvSpPr>
-          <p:nvPr>
-            <p:ph type="title"/>
-          </p:nvPr>
-        </p:nvSpPr>
-        <p:spPr/>
-        <p:txBody>
-          <a:bodyPr/>
-          <a:lstStyle/>
-          <a:p>
-            <a:r>
-              <a:rPr lang="en-US" dirty="0"/>
-              <a:t>How Do I Get Started?</a:t>
-            </a:r>
-          </a:p>
-        </p:txBody>
-      </p:sp>
-      <p:sp>
-        <p:nvSpPr>
-          <p:cNvPr id="3" name="Content Placeholder 2"/>
-          <p:cNvSpPr>
-            <a:spLocks noGrp="1"/>
-          </p:cNvSpPr>
-          <p:nvPr>
-            <p:ph idx="1"/>
-          </p:nvPr>
-        </p:nvSpPr>
-        <p:spPr/>
-        <p:txBody>
-          <a:bodyPr/>
-          <a:lstStyle/>
-          <a:p>
-            <a:r>
-              <a:rPr lang="en-US" dirty="0"/>
-              <a:t>DEMO</a:t>
-            </a:r>
-          </a:p>
-        </p:txBody>
-      </p:sp>
-    </p:spTree>
-    <p:extLst>
-      <p:ext uri="{BB962C8B-B14F-4D97-AF65-F5344CB8AC3E}">
-        <p14:creationId xmlns:p14="http://schemas.microsoft.com/office/powerpoint/2010/main" val="946077987"/>
-      </p:ext>
-    </p:extLst>
-  </p:cSld>
-  <p:clrMapOvr>
-    <a:masterClrMapping/>
-  </p:clrMapOvr>
-</p:sld>
-</file>
-
 <file path=ppt/slides/slide9.xml><?xml version="1.0" encoding="utf-8"?>
 <p:sld xmlns:a="http://schemas.openxmlformats.org/drawingml/2006/main" xmlns:r="http://schemas.openxmlformats.org/officeDocument/2006/relationships" xmlns:p="http://schemas.openxmlformats.org/presentationml/2006/main">
   <p:cSld>
@@ -10191,7 +10748,7 @@
           <a:p>
             <a:r>
               <a:rPr lang="en-US" dirty="0"/>
-              <a:t>Take Only What You Need</a:t>
+              <a:t>How Do I Get Started?</a:t>
             </a:r>
           </a:p>
         </p:txBody>
@@ -10206,28 +10763,14 @@
             <p:ph idx="1"/>
           </p:nvPr>
         </p:nvSpPr>
-        <p:spPr>
-          <a:xfrm>
-            <a:off x="913795" y="2103152"/>
-            <a:ext cx="10353762" cy="3695136"/>
-          </a:xfrm>
-        </p:spPr>
+        <p:spPr/>
         <p:txBody>
           <a:bodyPr/>
           <a:lstStyle/>
           <a:p>
             <a:r>
               <a:rPr lang="en-US" dirty="0"/>
-              <a:t>Just add sinks and configuration for the sources that you care about, which makes it very lightweight</a:t>
-            </a:r>
-          </a:p>
-          <a:p>
-            <a:pPr marL="457200" lvl="1" indent="0">
-              <a:buNone/>
-            </a:pPr>
-            <a:r>
-              <a:rPr lang="en-US" dirty="0"/>
-              <a:t>E.g. not forcing me to download the Azure libraries if I just want to write to a file</a:t>
+              <a:t>DEMO</a:t>
             </a:r>
           </a:p>
         </p:txBody>
@@ -10235,13 +10778,20 @@
     </p:spTree>
     <p:extLst>
       <p:ext uri="{BB962C8B-B14F-4D97-AF65-F5344CB8AC3E}">
-        <p14:creationId xmlns:p14="http://schemas.microsoft.com/office/powerpoint/2010/main" val="199621601"/>
+        <p14:creationId xmlns:p14="http://schemas.microsoft.com/office/powerpoint/2010/main" val="946077987"/>
       </p:ext>
     </p:extLst>
   </p:cSld>
   <p:clrMapOvr>
     <a:masterClrMapping/>
   </p:clrMapOvr>
+  <p:timing>
+    <p:tnLst>
+      <p:par>
+        <p:cTn id="1" dur="indefinite" restart="never" nodeType="tmRoot"/>
+      </p:par>
+    </p:tnLst>
+  </p:timing>
 </p:sld>
 </file>
 

--- a/SerilogLoggingAllGrownUp.pptx
+++ b/SerilogLoggingAllGrownUp.pptx
@@ -214,7 +214,7 @@
           <a:p>
             <a:fld id="{60AEC1D8-3506-41E4-96D2-5486DC5DE0A5}" type="datetimeFigureOut">
               <a:rPr lang="en-US" smtClean="0"/>
-              <a:t>10/24/2019</a:t>
+              <a:t>8/8/2022</a:t>
             </a:fld>
             <a:endParaRPr lang="en-US"/>
           </a:p>
@@ -797,7 +797,7 @@
           <a:p>
             <a:fld id="{48A87A34-81AB-432B-8DAE-1953F412C126}" type="datetimeFigureOut">
               <a:rPr lang="en-US" dirty="0"/>
-              <a:t>10/24/2019</a:t>
+              <a:t>8/8/2022</a:t>
             </a:fld>
             <a:endParaRPr lang="en-US" dirty="0"/>
           </a:p>
@@ -1079,7 +1079,7 @@
           <a:p>
             <a:fld id="{48A87A34-81AB-432B-8DAE-1953F412C126}" type="datetimeFigureOut">
               <a:rPr lang="en-US" dirty="0"/>
-              <a:t>10/24/2019</a:t>
+              <a:t>8/8/2022</a:t>
             </a:fld>
             <a:endParaRPr lang="en-US" dirty="0"/>
           </a:p>
@@ -1266,7 +1266,7 @@
           <a:p>
             <a:fld id="{48A87A34-81AB-432B-8DAE-1953F412C126}" type="datetimeFigureOut">
               <a:rPr lang="en-US" dirty="0"/>
-              <a:t>10/24/2019</a:t>
+              <a:t>8/8/2022</a:t>
             </a:fld>
             <a:endParaRPr lang="en-US" dirty="0"/>
           </a:p>
@@ -1522,7 +1522,7 @@
           <a:p>
             <a:fld id="{48A87A34-81AB-432B-8DAE-1953F412C126}" type="datetimeFigureOut">
               <a:rPr lang="en-US" dirty="0"/>
-              <a:t>10/24/2019</a:t>
+              <a:t>8/8/2022</a:t>
             </a:fld>
             <a:endParaRPr lang="en-US" dirty="0"/>
           </a:p>
@@ -1941,7 +1941,7 @@
           <a:p>
             <a:fld id="{48A87A34-81AB-432B-8DAE-1953F412C126}" type="datetimeFigureOut">
               <a:rPr lang="en-US" dirty="0"/>
-              <a:t>10/24/2019</a:t>
+              <a:t>8/8/2022</a:t>
             </a:fld>
             <a:endParaRPr lang="en-US" dirty="0"/>
           </a:p>
@@ -2482,7 +2482,7 @@
           <a:p>
             <a:fld id="{48A87A34-81AB-432B-8DAE-1953F412C126}" type="datetimeFigureOut">
               <a:rPr lang="en-US" dirty="0"/>
-              <a:t>10/24/2019</a:t>
+              <a:t>8/8/2022</a:t>
             </a:fld>
             <a:endParaRPr lang="en-US" dirty="0"/>
           </a:p>
@@ -3317,7 +3317,7 @@
           <a:p>
             <a:fld id="{48A87A34-81AB-432B-8DAE-1953F412C126}" type="datetimeFigureOut">
               <a:rPr lang="en-US" dirty="0"/>
-              <a:t>10/24/2019</a:t>
+              <a:t>8/8/2022</a:t>
             </a:fld>
             <a:endParaRPr lang="en-US" dirty="0"/>
           </a:p>
@@ -3482,7 +3482,7 @@
           <a:p>
             <a:fld id="{48A87A34-81AB-432B-8DAE-1953F412C126}" type="datetimeFigureOut">
               <a:rPr lang="en-US" dirty="0"/>
-              <a:t>10/24/2019</a:t>
+              <a:t>8/8/2022</a:t>
             </a:fld>
             <a:endParaRPr lang="en-US" dirty="0"/>
           </a:p>
@@ -3661,7 +3661,7 @@
           <a:p>
             <a:fld id="{48A87A34-81AB-432B-8DAE-1953F412C126}" type="datetimeFigureOut">
               <a:rPr lang="en-US" dirty="0"/>
-              <a:t>10/24/2019</a:t>
+              <a:t>8/8/2022</a:t>
             </a:fld>
             <a:endParaRPr lang="en-US" dirty="0"/>
           </a:p>
@@ -3826,7 +3826,7 @@
           <a:p>
             <a:fld id="{48A87A34-81AB-432B-8DAE-1953F412C126}" type="datetimeFigureOut">
               <a:rPr lang="en-US" dirty="0"/>
-              <a:t>10/24/2019</a:t>
+              <a:t>8/8/2022</a:t>
             </a:fld>
             <a:endParaRPr lang="en-US" dirty="0"/>
           </a:p>
@@ -4069,7 +4069,7 @@
           <a:p>
             <a:fld id="{48A87A34-81AB-432B-8DAE-1953F412C126}" type="datetimeFigureOut">
               <a:rPr lang="en-US" dirty="0"/>
-              <a:t>10/24/2019</a:t>
+              <a:t>8/8/2022</a:t>
             </a:fld>
             <a:endParaRPr lang="en-US" dirty="0"/>
           </a:p>
@@ -4301,7 +4301,7 @@
           <a:p>
             <a:fld id="{48A87A34-81AB-432B-8DAE-1953F412C126}" type="datetimeFigureOut">
               <a:rPr lang="en-US" dirty="0"/>
-              <a:t>10/24/2019</a:t>
+              <a:t>8/8/2022</a:t>
             </a:fld>
             <a:endParaRPr lang="en-US" dirty="0"/>
           </a:p>
@@ -4669,7 +4669,7 @@
           <a:p>
             <a:fld id="{48A87A34-81AB-432B-8DAE-1953F412C126}" type="datetimeFigureOut">
               <a:rPr lang="en-US" dirty="0"/>
-              <a:t>10/24/2019</a:t>
+              <a:t>8/8/2022</a:t>
             </a:fld>
             <a:endParaRPr lang="en-US" dirty="0"/>
           </a:p>
@@ -4782,7 +4782,7 @@
           <a:p>
             <a:fld id="{48A87A34-81AB-432B-8DAE-1953F412C126}" type="datetimeFigureOut">
               <a:rPr lang="en-US" dirty="0"/>
-              <a:t>10/24/2019</a:t>
+              <a:t>8/8/2022</a:t>
             </a:fld>
             <a:endParaRPr lang="en-US" dirty="0"/>
           </a:p>
@@ -4872,7 +4872,7 @@
           <a:p>
             <a:fld id="{48A87A34-81AB-432B-8DAE-1953F412C126}" type="datetimeFigureOut">
               <a:rPr lang="en-US" dirty="0"/>
-              <a:t>10/24/2019</a:t>
+              <a:t>8/8/2022</a:t>
             </a:fld>
             <a:endParaRPr lang="en-US" dirty="0"/>
           </a:p>
@@ -5118,7 +5118,7 @@
           <a:p>
             <a:fld id="{48A87A34-81AB-432B-8DAE-1953F412C126}" type="datetimeFigureOut">
               <a:rPr lang="en-US" dirty="0"/>
-              <a:t>10/24/2019</a:t>
+              <a:t>8/8/2022</a:t>
             </a:fld>
             <a:endParaRPr lang="en-US" dirty="0"/>
           </a:p>
@@ -5400,7 +5400,7 @@
           <a:p>
             <a:fld id="{48A87A34-81AB-432B-8DAE-1953F412C126}" type="datetimeFigureOut">
               <a:rPr lang="en-US" dirty="0"/>
-              <a:t>10/24/2019</a:t>
+              <a:t>8/8/2022</a:t>
             </a:fld>
             <a:endParaRPr lang="en-US" dirty="0"/>
           </a:p>
@@ -5609,7 +5609,7 @@
             <a:fld id="{48A87A34-81AB-432B-8DAE-1953F412C126}" type="datetimeFigureOut">
               <a:rPr lang="en-US" dirty="0"/>
               <a:pPr/>
-              <a:t>10/24/2019</a:t>
+              <a:t>8/8/2022</a:t>
             </a:fld>
             <a:endParaRPr lang="en-US" dirty="0"/>
           </a:p>
@@ -6144,13 +6144,6 @@
   <p:clrMapOvr>
     <a:masterClrMapping/>
   </p:clrMapOvr>
-  <p:timing>
-    <p:tnLst>
-      <p:par>
-        <p:cTn id="1" dur="indefinite" restart="never" nodeType="tmRoot"/>
-      </p:par>
-    </p:tnLst>
-  </p:timing>
 </p:sld>
 </file>
 
@@ -6239,13 +6232,6 @@
   <p:clrMapOvr>
     <a:masterClrMapping/>
   </p:clrMapOvr>
-  <p:timing>
-    <p:tnLst>
-      <p:par>
-        <p:cTn id="1" dur="indefinite" restart="never" nodeType="tmRoot"/>
-      </p:par>
-    </p:tnLst>
-  </p:timing>
 </p:sld>
 </file>
 
@@ -6383,13 +6369,6 @@
   <p:clrMapOvr>
     <a:masterClrMapping/>
   </p:clrMapOvr>
-  <p:timing>
-    <p:tnLst>
-      <p:par>
-        <p:cTn id="1" dur="indefinite" restart="never" nodeType="tmRoot"/>
-      </p:par>
-    </p:tnLst>
-  </p:timing>
 </p:sld>
 </file>
 
@@ -7024,13 +7003,6 @@
   <p:clrMapOvr>
     <a:masterClrMapping/>
   </p:clrMapOvr>
-  <p:timing>
-    <p:tnLst>
-      <p:par>
-        <p:cTn id="1" dur="indefinite" restart="never" nodeType="tmRoot"/>
-      </p:par>
-    </p:tnLst>
-  </p:timing>
 </p:sld>
 </file>
 
@@ -7694,13 +7666,6 @@
   <p:clrMapOvr>
     <a:masterClrMapping/>
   </p:clrMapOvr>
-  <p:timing>
-    <p:tnLst>
-      <p:par>
-        <p:cTn id="1" dur="indefinite" restart="never" nodeType="tmRoot"/>
-      </p:par>
-    </p:tnLst>
-  </p:timing>
 </p:sld>
 </file>
 
@@ -7808,13 +7773,6 @@
   <p:clrMapOvr>
     <a:masterClrMapping/>
   </p:clrMapOvr>
-  <p:timing>
-    <p:tnLst>
-      <p:par>
-        <p:cTn id="1" dur="indefinite" restart="never" nodeType="tmRoot"/>
-      </p:par>
-    </p:tnLst>
-  </p:timing>
 </p:sld>
 </file>
 
@@ -7851,10 +7809,9 @@
           <a:lstStyle/>
           <a:p>
             <a:r>
-              <a:rPr lang="en-US" dirty="0" smtClean="0"/>
+              <a:rPr lang="en-US" dirty="0"/>
               <a:t>SEQ</a:t>
             </a:r>
-            <a:endParaRPr lang="en-US" dirty="0"/>
           </a:p>
         </p:txBody>
       </p:sp>
@@ -7941,13 +7898,6 @@
   <p:clrMapOvr>
     <a:masterClrMapping/>
   </p:clrMapOvr>
-  <p:timing>
-    <p:tnLst>
-      <p:par>
-        <p:cTn id="1" dur="indefinite" restart="never" nodeType="tmRoot"/>
-      </p:par>
-    </p:tnLst>
-  </p:timing>
 </p:sld>
 </file>
 
@@ -8039,13 +7989,6 @@
   <p:clrMapOvr>
     <a:masterClrMapping/>
   </p:clrMapOvr>
-  <p:timing>
-    <p:tnLst>
-      <p:par>
-        <p:cTn id="1" dur="indefinite" restart="never" nodeType="tmRoot"/>
-      </p:par>
-    </p:tnLst>
-  </p:timing>
 </p:sld>
 </file>
 
@@ -8106,12 +8049,8 @@
           <a:lstStyle/>
           <a:p>
             <a:r>
-              <a:rPr lang="en-US" dirty="0" smtClean="0"/>
-              <a:t>Sr. Machine Learning Engineer – </a:t>
-            </a:r>
-            <a:r>
-              <a:rPr lang="en-US" dirty="0"/>
-              <a:t>United Shore</a:t>
+              <a:rPr lang="en-US" dirty="0"/>
+              <a:t>Principal Architect – Iron Mountain</a:t>
             </a:r>
           </a:p>
           <a:p>
@@ -8144,15 +8083,7 @@
           <a:p>
             <a:r>
               <a:rPr lang="en-US" dirty="0"/>
-              <a:t>Professional Developer for </a:t>
-            </a:r>
-            <a:r>
-              <a:rPr lang="en-US" dirty="0" smtClean="0"/>
-              <a:t>10+ </a:t>
-            </a:r>
-            <a:r>
-              <a:rPr lang="en-US" dirty="0"/>
-              <a:t>years</a:t>
+              <a:t>Professional Developer for 14+ years</a:t>
             </a:r>
           </a:p>
           <a:p>
@@ -8233,13 +8164,6 @@
   <p:clrMapOvr>
     <a:masterClrMapping/>
   </p:clrMapOvr>
-  <p:timing>
-    <p:tnLst>
-      <p:par>
-        <p:cTn id="1" dur="indefinite" restart="never" nodeType="tmRoot"/>
-      </p:par>
-    </p:tnLst>
-  </p:timing>
 </p:sld>
 </file>
 
@@ -9590,12 +9514,8 @@
           <a:lstStyle/>
           <a:p>
             <a:r>
-              <a:rPr lang="en-US" dirty="0" smtClean="0"/>
-              <a:t>More Structured </a:t>
-            </a:r>
-            <a:r>
-              <a:rPr lang="en-US" dirty="0"/>
-              <a:t>Logging</a:t>
+              <a:rPr lang="en-US" dirty="0"/>
+              <a:t>More Structured Logging</a:t>
             </a:r>
           </a:p>
         </p:txBody>
@@ -9619,59 +9539,58 @@
               <a:buNone/>
             </a:pPr>
             <a:r>
-              <a:rPr lang="en-US" dirty="0" err="1" smtClean="0"/>
-              <a:t>logger.Information</a:t>
-            </a:r>
-            <a:r>
-              <a:rPr lang="en-US" dirty="0" smtClean="0"/>
-              <a:t>(“Customer {</a:t>
-            </a:r>
-            <a:r>
-              <a:rPr lang="en-US" dirty="0" err="1" smtClean="0"/>
-              <a:t>CustomerName</a:t>
-            </a:r>
-            <a:r>
-              <a:rPr lang="en-US" dirty="0" smtClean="0"/>
-              <a:t>} has been updated”, </a:t>
-            </a:r>
-            <a:r>
-              <a:rPr lang="en-US" dirty="0" err="1" smtClean="0"/>
-              <a:t>customer.Name</a:t>
-            </a:r>
-            <a:r>
-              <a:rPr lang="en-US" dirty="0" smtClean="0"/>
-              <a:t>);</a:t>
-            </a:r>
-            <a:endParaRPr lang="en-US" dirty="0"/>
-          </a:p>
-          <a:p>
-            <a:pPr marL="457200" lvl="1" indent="0">
-              <a:buNone/>
-            </a:pPr>
-            <a:endParaRPr lang="en-US" dirty="0" smtClean="0"/>
-          </a:p>
-          <a:p>
-            <a:pPr marL="457200" lvl="1" indent="0">
-              <a:buNone/>
-            </a:pPr>
-            <a:r>
               <a:rPr lang="en-US" dirty="0" err="1"/>
               <a:t>logger.Information</a:t>
             </a:r>
             <a:r>
-              <a:rPr lang="en-US" dirty="0" smtClean="0"/>
+              <a:rPr lang="en-US" dirty="0"/>
               <a:t>(“Customer {</a:t>
             </a:r>
             <a:r>
-              <a:rPr lang="en-US" dirty="0" err="1" smtClean="0"/>
+              <a:rPr lang="en-US" dirty="0" err="1"/>
+              <a:t>CustomerName</a:t>
+            </a:r>
+            <a:r>
+              <a:rPr lang="en-US" dirty="0"/>
+              <a:t>} has been updated”, </a:t>
+            </a:r>
+            <a:r>
+              <a:rPr lang="en-US" dirty="0" err="1"/>
+              <a:t>customer.Name</a:t>
+            </a:r>
+            <a:r>
+              <a:rPr lang="en-US" dirty="0"/>
+              <a:t>);</a:t>
+            </a:r>
+          </a:p>
+          <a:p>
+            <a:pPr marL="457200" lvl="1" indent="0">
+              <a:buNone/>
+            </a:pPr>
+            <a:endParaRPr lang="en-US" dirty="0"/>
+          </a:p>
+          <a:p>
+            <a:pPr marL="457200" lvl="1" indent="0">
+              <a:buNone/>
+            </a:pPr>
+            <a:r>
+              <a:rPr lang="en-US" dirty="0" err="1"/>
+              <a:t>logger.Information</a:t>
+            </a:r>
+            <a:r>
+              <a:rPr lang="en-US" dirty="0"/>
+              <a:t>(“Customer {</a:t>
+            </a:r>
+            <a:r>
+              <a:rPr lang="en-US" dirty="0" err="1"/>
               <a:t>CustomerId</a:t>
             </a:r>
             <a:r>
-              <a:rPr lang="en-US" dirty="0" smtClean="0"/>
+              <a:rPr lang="en-US" dirty="0"/>
               <a:t>} - {</a:t>
             </a:r>
             <a:r>
-              <a:rPr lang="en-US" dirty="0" err="1" smtClean="0"/>
+              <a:rPr lang="en-US" dirty="0" err="1"/>
               <a:t>CustomerName</a:t>
             </a:r>
             <a:r>
@@ -9679,15 +9598,15 @@
               <a:t>} has been updated”, </a:t>
             </a:r>
             <a:r>
-              <a:rPr lang="en-US" dirty="0" err="1" smtClean="0"/>
+              <a:rPr lang="en-US" dirty="0" err="1"/>
               <a:t>customer.Id</a:t>
             </a:r>
             <a:r>
-              <a:rPr lang="en-US" dirty="0" smtClean="0"/>
+              <a:rPr lang="en-US" dirty="0"/>
               <a:t>, </a:t>
             </a:r>
             <a:r>
-              <a:rPr lang="en-US" dirty="0" err="1" smtClean="0"/>
+              <a:rPr lang="en-US" dirty="0" err="1"/>
               <a:t>customer.Name</a:t>
             </a:r>
             <a:r>
@@ -9978,13 +9897,6 @@
   <p:clrMapOvr>
     <a:masterClrMapping/>
   </p:clrMapOvr>
-  <p:timing>
-    <p:tnLst>
-      <p:par>
-        <p:cTn id="1" dur="indefinite" restart="never" nodeType="tmRoot"/>
-      </p:par>
-    </p:tnLst>
-  </p:timing>
 </p:sld>
 </file>
 
@@ -10144,20 +10056,15 @@
             <a:pPr lvl="1"/>
             <a:r>
               <a:rPr lang="en-US" dirty="0"/>
-              <a:t>SQL </a:t>
-            </a:r>
-            <a:r>
-              <a:rPr lang="en-US" dirty="0" smtClean="0"/>
-              <a:t>Server</a:t>
+              <a:t>SQL Server</a:t>
             </a:r>
           </a:p>
           <a:p>
             <a:pPr lvl="1"/>
             <a:r>
-              <a:rPr lang="en-US" dirty="0" smtClean="0"/>
+              <a:rPr lang="en-US" dirty="0"/>
               <a:t>SEQ</a:t>
             </a:r>
-            <a:endParaRPr lang="en-US" dirty="0"/>
           </a:p>
           <a:p>
             <a:pPr lvl="1"/>
@@ -10785,13 +10692,6 @@
   <p:clrMapOvr>
     <a:masterClrMapping/>
   </p:clrMapOvr>
-  <p:timing>
-    <p:tnLst>
-      <p:par>
-        <p:cTn id="1" dur="indefinite" restart="never" nodeType="tmRoot"/>
-      </p:par>
-    </p:tnLst>
-  </p:timing>
 </p:sld>
 </file>
 

--- a/SerilogLoggingAllGrownUp.pptx
+++ b/SerilogLoggingAllGrownUp.pptx
@@ -5,27 +5,30 @@
     <p:sldMasterId id="2147483648" r:id="rId1"/>
   </p:sldMasterIdLst>
   <p:notesMasterIdLst>
-    <p:notesMasterId r:id="rId20"/>
+    <p:notesMasterId r:id="rId23"/>
   </p:notesMasterIdLst>
   <p:sldIdLst>
     <p:sldId id="256" r:id="rId2"/>
-    <p:sldId id="257" r:id="rId3"/>
-    <p:sldId id="259" r:id="rId4"/>
-    <p:sldId id="260" r:id="rId5"/>
-    <p:sldId id="261" r:id="rId6"/>
-    <p:sldId id="273" r:id="rId7"/>
-    <p:sldId id="262" r:id="rId8"/>
-    <p:sldId id="264" r:id="rId9"/>
-    <p:sldId id="263" r:id="rId10"/>
-    <p:sldId id="265" r:id="rId11"/>
-    <p:sldId id="266" r:id="rId12"/>
-    <p:sldId id="267" r:id="rId13"/>
-    <p:sldId id="268" r:id="rId14"/>
-    <p:sldId id="272" r:id="rId15"/>
-    <p:sldId id="269" r:id="rId16"/>
-    <p:sldId id="270" r:id="rId17"/>
-    <p:sldId id="274" r:id="rId18"/>
-    <p:sldId id="271" r:id="rId19"/>
+    <p:sldId id="276" r:id="rId3"/>
+    <p:sldId id="257" r:id="rId4"/>
+    <p:sldId id="259" r:id="rId5"/>
+    <p:sldId id="260" r:id="rId6"/>
+    <p:sldId id="261" r:id="rId7"/>
+    <p:sldId id="273" r:id="rId8"/>
+    <p:sldId id="262" r:id="rId9"/>
+    <p:sldId id="277" r:id="rId10"/>
+    <p:sldId id="264" r:id="rId11"/>
+    <p:sldId id="263" r:id="rId12"/>
+    <p:sldId id="265" r:id="rId13"/>
+    <p:sldId id="266" r:id="rId14"/>
+    <p:sldId id="267" r:id="rId15"/>
+    <p:sldId id="274" r:id="rId16"/>
+    <p:sldId id="275" r:id="rId17"/>
+    <p:sldId id="268" r:id="rId18"/>
+    <p:sldId id="272" r:id="rId19"/>
+    <p:sldId id="269" r:id="rId20"/>
+    <p:sldId id="270" r:id="rId21"/>
+    <p:sldId id="271" r:id="rId22"/>
   </p:sldIdLst>
   <p:sldSz cx="12192000" cy="6858000"/>
   <p:notesSz cx="6858000" cy="9144000"/>
@@ -645,7 +648,7 @@
           <a:p>
             <a:fld id="{99E958FF-9FC9-4FAD-9056-CE7C3B104FC2}" type="slidenum">
               <a:rPr lang="en-US" smtClean="0"/>
-              <a:t>9</a:t>
+              <a:t>11</a:t>
             </a:fld>
             <a:endParaRPr lang="en-US"/>
           </a:p>
@@ -6148,3759 +6151,6 @@
 </file>
 
 <file path=ppt/slides/slide10.xml><?xml version="1.0" encoding="utf-8"?>
-<p:sld xmlns:a="http://schemas.openxmlformats.org/drawingml/2006/main" xmlns:r="http://schemas.openxmlformats.org/officeDocument/2006/relationships" xmlns:p="http://schemas.openxmlformats.org/presentationml/2006/main">
-  <p:cSld>
-    <p:spTree>
-      <p:nvGrpSpPr>
-        <p:cNvPr id="1" name=""/>
-        <p:cNvGrpSpPr/>
-        <p:nvPr/>
-      </p:nvGrpSpPr>
-      <p:grpSpPr>
-        <a:xfrm>
-          <a:off x="0" y="0"/>
-          <a:ext cx="0" cy="0"/>
-          <a:chOff x="0" y="0"/>
-          <a:chExt cx="0" cy="0"/>
-        </a:xfrm>
-      </p:grpSpPr>
-      <p:sp>
-        <p:nvSpPr>
-          <p:cNvPr id="2" name="Title 1"/>
-          <p:cNvSpPr>
-            <a:spLocks noGrp="1"/>
-          </p:cNvSpPr>
-          <p:nvPr>
-            <p:ph type="title"/>
-          </p:nvPr>
-        </p:nvSpPr>
-        <p:spPr/>
-        <p:txBody>
-          <a:bodyPr/>
-          <a:lstStyle/>
-          <a:p>
-            <a:r>
-              <a:rPr lang="en-US" dirty="0"/>
-              <a:t>Take Only What You Need</a:t>
-            </a:r>
-          </a:p>
-        </p:txBody>
-      </p:sp>
-      <p:sp>
-        <p:nvSpPr>
-          <p:cNvPr id="3" name="Content Placeholder 2"/>
-          <p:cNvSpPr>
-            <a:spLocks noGrp="1"/>
-          </p:cNvSpPr>
-          <p:nvPr>
-            <p:ph idx="1"/>
-          </p:nvPr>
-        </p:nvSpPr>
-        <p:spPr>
-          <a:xfrm>
-            <a:off x="913795" y="2103152"/>
-            <a:ext cx="10353762" cy="3695136"/>
-          </a:xfrm>
-        </p:spPr>
-        <p:txBody>
-          <a:bodyPr/>
-          <a:lstStyle/>
-          <a:p>
-            <a:r>
-              <a:rPr lang="en-US" dirty="0"/>
-              <a:t>Just add sinks and configuration for the sources that you care about, which makes it very lightweight</a:t>
-            </a:r>
-          </a:p>
-          <a:p>
-            <a:pPr marL="457200" lvl="1" indent="0">
-              <a:buNone/>
-            </a:pPr>
-            <a:r>
-              <a:rPr lang="en-US" dirty="0"/>
-              <a:t>E.g. not forcing me to download the Azure libraries if I just want to write to a file</a:t>
-            </a:r>
-          </a:p>
-        </p:txBody>
-      </p:sp>
-    </p:spTree>
-    <p:extLst>
-      <p:ext uri="{BB962C8B-B14F-4D97-AF65-F5344CB8AC3E}">
-        <p14:creationId xmlns:p14="http://schemas.microsoft.com/office/powerpoint/2010/main" val="199621601"/>
-      </p:ext>
-    </p:extLst>
-  </p:cSld>
-  <p:clrMapOvr>
-    <a:masterClrMapping/>
-  </p:clrMapOvr>
-</p:sld>
-</file>
-
-<file path=ppt/slides/slide11.xml><?xml version="1.0" encoding="utf-8"?>
-<p:sld xmlns:a="http://schemas.openxmlformats.org/drawingml/2006/main" xmlns:r="http://schemas.openxmlformats.org/officeDocument/2006/relationships" xmlns:p="http://schemas.openxmlformats.org/presentationml/2006/main">
-  <p:cSld>
-    <p:spTree>
-      <p:nvGrpSpPr>
-        <p:cNvPr id="1" name=""/>
-        <p:cNvGrpSpPr/>
-        <p:nvPr/>
-      </p:nvGrpSpPr>
-      <p:grpSpPr>
-        <a:xfrm>
-          <a:off x="0" y="0"/>
-          <a:ext cx="0" cy="0"/>
-          <a:chOff x="0" y="0"/>
-          <a:chExt cx="0" cy="0"/>
-        </a:xfrm>
-      </p:grpSpPr>
-      <p:sp>
-        <p:nvSpPr>
-          <p:cNvPr id="2" name="Title 1"/>
-          <p:cNvSpPr>
-            <a:spLocks noGrp="1"/>
-          </p:cNvSpPr>
-          <p:nvPr>
-            <p:ph type="title"/>
-          </p:nvPr>
-        </p:nvSpPr>
-        <p:spPr/>
-        <p:txBody>
-          <a:bodyPr/>
-          <a:lstStyle/>
-          <a:p>
-            <a:r>
-              <a:rPr lang="en-US" dirty="0"/>
-              <a:t>Customize Log Output</a:t>
-            </a:r>
-          </a:p>
-        </p:txBody>
-      </p:sp>
-      <p:sp>
-        <p:nvSpPr>
-          <p:cNvPr id="3" name="Content Placeholder 2"/>
-          <p:cNvSpPr>
-            <a:spLocks noGrp="1"/>
-          </p:cNvSpPr>
-          <p:nvPr>
-            <p:ph idx="1"/>
-          </p:nvPr>
-        </p:nvSpPr>
-        <p:spPr/>
-        <p:txBody>
-          <a:bodyPr/>
-          <a:lstStyle/>
-          <a:p>
-            <a:r>
-              <a:rPr lang="en-US" dirty="0"/>
-              <a:t>You can change the format of the messages if you want</a:t>
-            </a:r>
-          </a:p>
-          <a:p>
-            <a:pPr marL="0" indent="0">
-              <a:buNone/>
-            </a:pPr>
-            <a:endParaRPr lang="en-US" dirty="0"/>
-          </a:p>
-          <a:p>
-            <a:pPr marL="0" indent="0">
-              <a:buNone/>
-            </a:pPr>
-            <a:r>
-              <a:rPr lang="en-US" dirty="0"/>
-              <a:t>.</a:t>
-            </a:r>
-            <a:r>
-              <a:rPr lang="en-US" dirty="0" err="1"/>
-              <a:t>WriteTo.RollingFile</a:t>
-            </a:r>
-            <a:r>
-              <a:rPr lang="en-US" dirty="0"/>
-              <a:t>(“log-{Date}.txt”, </a:t>
-            </a:r>
-            <a:r>
-              <a:rPr lang="en-US" dirty="0" err="1"/>
-              <a:t>outputTemplate</a:t>
-            </a:r>
-            <a:r>
-              <a:rPr lang="en-US" dirty="0"/>
-              <a:t>: “{</a:t>
-            </a:r>
-            <a:r>
-              <a:rPr lang="en-US" dirty="0" err="1"/>
-              <a:t>Timestamp:yyyy-MM-dd</a:t>
-            </a:r>
-            <a:r>
-              <a:rPr lang="en-US" dirty="0"/>
-              <a:t> </a:t>
-            </a:r>
-            <a:r>
-              <a:rPr lang="en-US" dirty="0" err="1"/>
-              <a:t>HH:mm:ss.fff</a:t>
-            </a:r>
-            <a:r>
-              <a:rPr lang="en-US" dirty="0"/>
-              <a:t> </a:t>
-            </a:r>
-            <a:r>
-              <a:rPr lang="en-US" dirty="0" err="1"/>
-              <a:t>zzz</a:t>
-            </a:r>
-            <a:r>
-              <a:rPr lang="en-US" dirty="0"/>
-              <a:t>} [{Level}] {Message}{</a:t>
-            </a:r>
-            <a:r>
-              <a:rPr lang="en-US" dirty="0" err="1"/>
-              <a:t>NewLine</a:t>
-            </a:r>
-            <a:r>
-              <a:rPr lang="en-US" dirty="0"/>
-              <a:t>}{Exception}”)</a:t>
-            </a:r>
-          </a:p>
-        </p:txBody>
-      </p:sp>
-    </p:spTree>
-    <p:extLst>
-      <p:ext uri="{BB962C8B-B14F-4D97-AF65-F5344CB8AC3E}">
-        <p14:creationId xmlns:p14="http://schemas.microsoft.com/office/powerpoint/2010/main" val="737392662"/>
-      </p:ext>
-    </p:extLst>
-  </p:cSld>
-  <p:clrMapOvr>
-    <a:masterClrMapping/>
-  </p:clrMapOvr>
-</p:sld>
-</file>
-
-<file path=ppt/slides/slide12.xml><?xml version="1.0" encoding="utf-8"?>
-<p:sld xmlns:a="http://schemas.openxmlformats.org/drawingml/2006/main" xmlns:r="http://schemas.openxmlformats.org/officeDocument/2006/relationships" xmlns:p="http://schemas.openxmlformats.org/presentationml/2006/main">
-  <p:cSld>
-    <p:spTree>
-      <p:nvGrpSpPr>
-        <p:cNvPr id="1" name=""/>
-        <p:cNvGrpSpPr/>
-        <p:nvPr/>
-      </p:nvGrpSpPr>
-      <p:grpSpPr>
-        <a:xfrm>
-          <a:off x="0" y="0"/>
-          <a:ext cx="0" cy="0"/>
-          <a:chOff x="0" y="0"/>
-          <a:chExt cx="0" cy="0"/>
-        </a:xfrm>
-      </p:grpSpPr>
-      <p:sp>
-        <p:nvSpPr>
-          <p:cNvPr id="2" name="Title 1"/>
-          <p:cNvSpPr>
-            <a:spLocks noGrp="1"/>
-          </p:cNvSpPr>
-          <p:nvPr>
-            <p:ph type="title"/>
-          </p:nvPr>
-        </p:nvSpPr>
-        <p:spPr/>
-        <p:txBody>
-          <a:bodyPr/>
-          <a:lstStyle/>
-          <a:p>
-            <a:r>
-              <a:rPr lang="en-US" dirty="0"/>
-              <a:t>Enrichers</a:t>
-            </a:r>
-          </a:p>
-        </p:txBody>
-      </p:sp>
-      <p:sp>
-        <p:nvSpPr>
-          <p:cNvPr id="3" name="Content Placeholder 2"/>
-          <p:cNvSpPr>
-            <a:spLocks noGrp="1"/>
-          </p:cNvSpPr>
-          <p:nvPr>
-            <p:ph idx="1"/>
-          </p:nvPr>
-        </p:nvSpPr>
-        <p:spPr/>
-        <p:txBody>
-          <a:bodyPr>
-            <a:normAutofit lnSpcReduction="10000"/>
-          </a:bodyPr>
-          <a:lstStyle/>
-          <a:p>
-            <a:r>
-              <a:rPr lang="en-US" dirty="0"/>
-              <a:t>Allows you to add contextual metadata with each log entry</a:t>
-            </a:r>
-          </a:p>
-          <a:p>
-            <a:r>
-              <a:rPr lang="en-US" dirty="0"/>
-              <a:t>Add the Machine Name to the entry line</a:t>
-            </a:r>
-          </a:p>
-          <a:p>
-            <a:pPr marL="0" indent="0">
-              <a:buNone/>
-            </a:pPr>
-            <a:r>
-              <a:rPr lang="en-US" dirty="0"/>
-              <a:t>         </a:t>
-            </a:r>
-            <a:r>
-              <a:rPr lang="en-US" dirty="0" err="1"/>
-              <a:t>Log.Logger</a:t>
-            </a:r>
-            <a:r>
-              <a:rPr lang="en-US" dirty="0"/>
-              <a:t> = new </a:t>
-            </a:r>
-            <a:r>
-              <a:rPr lang="en-US" dirty="0" err="1"/>
-              <a:t>LoggerConfiguration</a:t>
-            </a:r>
-            <a:r>
-              <a:rPr lang="en-US" dirty="0"/>
-              <a:t>().</a:t>
-            </a:r>
-            <a:r>
-              <a:rPr lang="en-US" dirty="0" err="1"/>
-              <a:t>ReadFrom.AppSettings</a:t>
-            </a:r>
-            <a:r>
-              <a:rPr lang="en-US" dirty="0"/>
-              <a:t>()</a:t>
-            </a:r>
-          </a:p>
-          <a:p>
-            <a:pPr marL="0" indent="0">
-              <a:buNone/>
-            </a:pPr>
-            <a:r>
-              <a:rPr lang="en-US" dirty="0"/>
-              <a:t>                .</a:t>
-            </a:r>
-            <a:r>
-              <a:rPr lang="en-US" dirty="0" err="1"/>
-              <a:t>Enrich.WithMachineName</a:t>
-            </a:r>
-            <a:r>
-              <a:rPr lang="en-US" dirty="0"/>
-              <a:t>().</a:t>
-            </a:r>
-            <a:r>
-              <a:rPr lang="en-US" dirty="0" err="1"/>
-              <a:t>CreateLogger</a:t>
-            </a:r>
-            <a:r>
-              <a:rPr lang="en-US" dirty="0"/>
-              <a:t>();</a:t>
-            </a:r>
-          </a:p>
-          <a:p>
-            <a:r>
-              <a:rPr lang="en-US" dirty="0"/>
-              <a:t>Add custom properties (will show in a bit)</a:t>
-            </a:r>
-          </a:p>
-          <a:p>
-            <a:pPr marL="0" indent="0">
-              <a:buNone/>
-            </a:pPr>
-            <a:r>
-              <a:rPr lang="en-US" dirty="0"/>
-              <a:t>        </a:t>
-            </a:r>
-            <a:r>
-              <a:rPr lang="en-US" dirty="0" err="1"/>
-              <a:t>Log.Logger</a:t>
-            </a:r>
-            <a:r>
-              <a:rPr lang="en-US" dirty="0"/>
-              <a:t> = new </a:t>
-            </a:r>
-            <a:r>
-              <a:rPr lang="en-US" dirty="0" err="1"/>
-              <a:t>LoggerConfiguration</a:t>
-            </a:r>
-            <a:r>
-              <a:rPr lang="en-US" dirty="0"/>
-              <a:t>().</a:t>
-            </a:r>
-            <a:r>
-              <a:rPr lang="en-US" dirty="0" err="1"/>
-              <a:t>ReadFrom.AppSettings</a:t>
-            </a:r>
-            <a:r>
-              <a:rPr lang="en-US" dirty="0"/>
-              <a:t>()</a:t>
-            </a:r>
-          </a:p>
-          <a:p>
-            <a:pPr marL="0" indent="0">
-              <a:buNone/>
-            </a:pPr>
-            <a:r>
-              <a:rPr lang="en-US" dirty="0"/>
-              <a:t>            .</a:t>
-            </a:r>
-            <a:r>
-              <a:rPr lang="en-US" dirty="0" err="1"/>
-              <a:t>Enrich.WithProperty</a:t>
-            </a:r>
-            <a:r>
-              <a:rPr lang="en-US" dirty="0"/>
-              <a:t>("Version", "1.0.0").</a:t>
-            </a:r>
-            <a:r>
-              <a:rPr lang="en-US" dirty="0" err="1"/>
-              <a:t>CreateLogger</a:t>
-            </a:r>
-            <a:r>
-              <a:rPr lang="en-US" dirty="0"/>
-              <a:t>();</a:t>
-            </a:r>
-          </a:p>
-          <a:p>
-            <a:r>
-              <a:rPr lang="en-US" dirty="0"/>
-              <a:t>DEMO</a:t>
-            </a:r>
-          </a:p>
-        </p:txBody>
-      </p:sp>
-    </p:spTree>
-    <p:extLst>
-      <p:ext uri="{BB962C8B-B14F-4D97-AF65-F5344CB8AC3E}">
-        <p14:creationId xmlns:p14="http://schemas.microsoft.com/office/powerpoint/2010/main" val="3613507037"/>
-      </p:ext>
-    </p:extLst>
-  </p:cSld>
-  <p:clrMapOvr>
-    <a:masterClrMapping/>
-  </p:clrMapOvr>
-  <p:timing>
-    <p:tnLst>
-      <p:par>
-        <p:cTn id="1" dur="indefinite" restart="never" nodeType="tmRoot">
-          <p:childTnLst>
-            <p:seq concurrent="1" nextAc="seek">
-              <p:cTn id="2" dur="indefinite" nodeType="mainSeq">
-                <p:childTnLst>
-                  <p:par>
-                    <p:cTn id="3" fill="hold">
-                      <p:stCondLst>
-                        <p:cond delay="indefinite"/>
-                      </p:stCondLst>
-                      <p:childTnLst>
-                        <p:par>
-                          <p:cTn id="4" fill="hold">
-                            <p:stCondLst>
-                              <p:cond delay="0"/>
-                            </p:stCondLst>
-                            <p:childTnLst>
-                              <p:par>
-                                <p:cTn id="5" presetID="1" presetClass="entr" presetSubtype="0" fill="hold" nodeType="clickEffect">
-                                  <p:stCondLst>
-                                    <p:cond delay="0"/>
-                                  </p:stCondLst>
-                                  <p:childTnLst>
-                                    <p:set>
-                                      <p:cBhvr>
-                                        <p:cTn id="6" dur="1" fill="hold">
-                                          <p:stCondLst>
-                                            <p:cond delay="0"/>
-                                          </p:stCondLst>
-                                        </p:cTn>
-                                        <p:tgtEl>
-                                          <p:spTgt spid="3">
-                                            <p:txEl>
-                                              <p:pRg st="0" end="0"/>
-                                            </p:txEl>
-                                          </p:spTgt>
-                                        </p:tgtEl>
-                                        <p:attrNameLst>
-                                          <p:attrName>style.visibility</p:attrName>
-                                        </p:attrNameLst>
-                                      </p:cBhvr>
-                                      <p:to>
-                                        <p:strVal val="visible"/>
-                                      </p:to>
-                                    </p:set>
-                                  </p:childTnLst>
-                                </p:cTn>
-                              </p:par>
-                            </p:childTnLst>
-                          </p:cTn>
-                        </p:par>
-                      </p:childTnLst>
-                    </p:cTn>
-                  </p:par>
-                  <p:par>
-                    <p:cTn id="7" fill="hold">
-                      <p:stCondLst>
-                        <p:cond delay="indefinite"/>
-                      </p:stCondLst>
-                      <p:childTnLst>
-                        <p:par>
-                          <p:cTn id="8" fill="hold">
-                            <p:stCondLst>
-                              <p:cond delay="0"/>
-                            </p:stCondLst>
-                            <p:childTnLst>
-                              <p:par>
-                                <p:cTn id="9" presetID="1" presetClass="entr" presetSubtype="0" fill="hold" nodeType="clickEffect">
-                                  <p:stCondLst>
-                                    <p:cond delay="0"/>
-                                  </p:stCondLst>
-                                  <p:childTnLst>
-                                    <p:set>
-                                      <p:cBhvr>
-                                        <p:cTn id="10" dur="1" fill="hold">
-                                          <p:stCondLst>
-                                            <p:cond delay="0"/>
-                                          </p:stCondLst>
-                                        </p:cTn>
-                                        <p:tgtEl>
-                                          <p:spTgt spid="3">
-                                            <p:txEl>
-                                              <p:pRg st="1" end="1"/>
-                                            </p:txEl>
-                                          </p:spTgt>
-                                        </p:tgtEl>
-                                        <p:attrNameLst>
-                                          <p:attrName>style.visibility</p:attrName>
-                                        </p:attrNameLst>
-                                      </p:cBhvr>
-                                      <p:to>
-                                        <p:strVal val="visible"/>
-                                      </p:to>
-                                    </p:set>
-                                  </p:childTnLst>
-                                </p:cTn>
-                              </p:par>
-                              <p:par>
-                                <p:cTn id="11" presetID="1" presetClass="entr" presetSubtype="0" fill="hold" nodeType="withEffect">
-                                  <p:stCondLst>
-                                    <p:cond delay="0"/>
-                                  </p:stCondLst>
-                                  <p:childTnLst>
-                                    <p:set>
-                                      <p:cBhvr>
-                                        <p:cTn id="12" dur="1" fill="hold">
-                                          <p:stCondLst>
-                                            <p:cond delay="0"/>
-                                          </p:stCondLst>
-                                        </p:cTn>
-                                        <p:tgtEl>
-                                          <p:spTgt spid="3">
-                                            <p:txEl>
-                                              <p:pRg st="2" end="2"/>
-                                            </p:txEl>
-                                          </p:spTgt>
-                                        </p:tgtEl>
-                                        <p:attrNameLst>
-                                          <p:attrName>style.visibility</p:attrName>
-                                        </p:attrNameLst>
-                                      </p:cBhvr>
-                                      <p:to>
-                                        <p:strVal val="visible"/>
-                                      </p:to>
-                                    </p:set>
-                                  </p:childTnLst>
-                                </p:cTn>
-                              </p:par>
-                              <p:par>
-                                <p:cTn id="13" presetID="1" presetClass="entr" presetSubtype="0" fill="hold" nodeType="withEffect">
-                                  <p:stCondLst>
-                                    <p:cond delay="0"/>
-                                  </p:stCondLst>
-                                  <p:childTnLst>
-                                    <p:set>
-                                      <p:cBhvr>
-                                        <p:cTn id="14" dur="1" fill="hold">
-                                          <p:stCondLst>
-                                            <p:cond delay="0"/>
-                                          </p:stCondLst>
-                                        </p:cTn>
-                                        <p:tgtEl>
-                                          <p:spTgt spid="3">
-                                            <p:txEl>
-                                              <p:pRg st="3" end="3"/>
-                                            </p:txEl>
-                                          </p:spTgt>
-                                        </p:tgtEl>
-                                        <p:attrNameLst>
-                                          <p:attrName>style.visibility</p:attrName>
-                                        </p:attrNameLst>
-                                      </p:cBhvr>
-                                      <p:to>
-                                        <p:strVal val="visible"/>
-                                      </p:to>
-                                    </p:set>
-                                  </p:childTnLst>
-                                </p:cTn>
-                              </p:par>
-                            </p:childTnLst>
-                          </p:cTn>
-                        </p:par>
-                      </p:childTnLst>
-                    </p:cTn>
-                  </p:par>
-                  <p:par>
-                    <p:cTn id="15" fill="hold">
-                      <p:stCondLst>
-                        <p:cond delay="indefinite"/>
-                      </p:stCondLst>
-                      <p:childTnLst>
-                        <p:par>
-                          <p:cTn id="16" fill="hold">
-                            <p:stCondLst>
-                              <p:cond delay="0"/>
-                            </p:stCondLst>
-                            <p:childTnLst>
-                              <p:par>
-                                <p:cTn id="17" presetID="1" presetClass="entr" presetSubtype="0" fill="hold" nodeType="clickEffect">
-                                  <p:stCondLst>
-                                    <p:cond delay="0"/>
-                                  </p:stCondLst>
-                                  <p:childTnLst>
-                                    <p:set>
-                                      <p:cBhvr>
-                                        <p:cTn id="18" dur="1" fill="hold">
-                                          <p:stCondLst>
-                                            <p:cond delay="0"/>
-                                          </p:stCondLst>
-                                        </p:cTn>
-                                        <p:tgtEl>
-                                          <p:spTgt spid="3">
-                                            <p:txEl>
-                                              <p:pRg st="4" end="4"/>
-                                            </p:txEl>
-                                          </p:spTgt>
-                                        </p:tgtEl>
-                                        <p:attrNameLst>
-                                          <p:attrName>style.visibility</p:attrName>
-                                        </p:attrNameLst>
-                                      </p:cBhvr>
-                                      <p:to>
-                                        <p:strVal val="visible"/>
-                                      </p:to>
-                                    </p:set>
-                                  </p:childTnLst>
-                                </p:cTn>
-                              </p:par>
-                              <p:par>
-                                <p:cTn id="19" presetID="1" presetClass="entr" presetSubtype="0" fill="hold" nodeType="withEffect">
-                                  <p:stCondLst>
-                                    <p:cond delay="0"/>
-                                  </p:stCondLst>
-                                  <p:childTnLst>
-                                    <p:set>
-                                      <p:cBhvr>
-                                        <p:cTn id="20" dur="1" fill="hold">
-                                          <p:stCondLst>
-                                            <p:cond delay="0"/>
-                                          </p:stCondLst>
-                                        </p:cTn>
-                                        <p:tgtEl>
-                                          <p:spTgt spid="3">
-                                            <p:txEl>
-                                              <p:pRg st="5" end="5"/>
-                                            </p:txEl>
-                                          </p:spTgt>
-                                        </p:tgtEl>
-                                        <p:attrNameLst>
-                                          <p:attrName>style.visibility</p:attrName>
-                                        </p:attrNameLst>
-                                      </p:cBhvr>
-                                      <p:to>
-                                        <p:strVal val="visible"/>
-                                      </p:to>
-                                    </p:set>
-                                  </p:childTnLst>
-                                </p:cTn>
-                              </p:par>
-                              <p:par>
-                                <p:cTn id="21" presetID="1" presetClass="entr" presetSubtype="0" fill="hold" nodeType="withEffect">
-                                  <p:stCondLst>
-                                    <p:cond delay="0"/>
-                                  </p:stCondLst>
-                                  <p:childTnLst>
-                                    <p:set>
-                                      <p:cBhvr>
-                                        <p:cTn id="22" dur="1" fill="hold">
-                                          <p:stCondLst>
-                                            <p:cond delay="0"/>
-                                          </p:stCondLst>
-                                        </p:cTn>
-                                        <p:tgtEl>
-                                          <p:spTgt spid="3">
-                                            <p:txEl>
-                                              <p:pRg st="6" end="6"/>
-                                            </p:txEl>
-                                          </p:spTgt>
-                                        </p:tgtEl>
-                                        <p:attrNameLst>
-                                          <p:attrName>style.visibility</p:attrName>
-                                        </p:attrNameLst>
-                                      </p:cBhvr>
-                                      <p:to>
-                                        <p:strVal val="visible"/>
-                                      </p:to>
-                                    </p:set>
-                                  </p:childTnLst>
-                                </p:cTn>
-                              </p:par>
-                            </p:childTnLst>
-                          </p:cTn>
-                        </p:par>
-                      </p:childTnLst>
-                    </p:cTn>
-                  </p:par>
-                  <p:par>
-                    <p:cTn id="23" fill="hold">
-                      <p:stCondLst>
-                        <p:cond delay="indefinite"/>
-                      </p:stCondLst>
-                      <p:childTnLst>
-                        <p:par>
-                          <p:cTn id="24" fill="hold">
-                            <p:stCondLst>
-                              <p:cond delay="0"/>
-                            </p:stCondLst>
-                            <p:childTnLst>
-                              <p:par>
-                                <p:cTn id="25" presetID="1" presetClass="entr" presetSubtype="0" fill="hold" nodeType="clickEffect">
-                                  <p:stCondLst>
-                                    <p:cond delay="0"/>
-                                  </p:stCondLst>
-                                  <p:childTnLst>
-                                    <p:set>
-                                      <p:cBhvr>
-                                        <p:cTn id="26" dur="1" fill="hold">
-                                          <p:stCondLst>
-                                            <p:cond delay="0"/>
-                                          </p:stCondLst>
-                                        </p:cTn>
-                                        <p:tgtEl>
-                                          <p:spTgt spid="3">
-                                            <p:txEl>
-                                              <p:pRg st="7" end="7"/>
-                                            </p:txEl>
-                                          </p:spTgt>
-                                        </p:tgtEl>
-                                        <p:attrNameLst>
-                                          <p:attrName>style.visibility</p:attrName>
-                                        </p:attrNameLst>
-                                      </p:cBhvr>
-                                      <p:to>
-                                        <p:strVal val="visible"/>
-                                      </p:to>
-                                    </p:set>
-                                  </p:childTnLst>
-                                </p:cTn>
-                              </p:par>
-                            </p:childTnLst>
-                          </p:cTn>
-                        </p:par>
-                      </p:childTnLst>
-                    </p:cTn>
-                  </p:par>
-                </p:childTnLst>
-              </p:cTn>
-              <p:prevCondLst>
-                <p:cond evt="onPrev" delay="0">
-                  <p:tgtEl>
-                    <p:sldTgt/>
-                  </p:tgtEl>
-                </p:cond>
-              </p:prevCondLst>
-              <p:nextCondLst>
-                <p:cond evt="onNext" delay="0">
-                  <p:tgtEl>
-                    <p:sldTgt/>
-                  </p:tgtEl>
-                </p:cond>
-              </p:nextCondLst>
-            </p:seq>
-          </p:childTnLst>
-        </p:cTn>
-      </p:par>
-    </p:tnLst>
-  </p:timing>
-</p:sld>
-</file>
-
-<file path=ppt/slides/slide13.xml><?xml version="1.0" encoding="utf-8"?>
-<p:sld xmlns:a="http://schemas.openxmlformats.org/drawingml/2006/main" xmlns:r="http://schemas.openxmlformats.org/officeDocument/2006/relationships" xmlns:p="http://schemas.openxmlformats.org/presentationml/2006/main">
-  <p:cSld>
-    <p:spTree>
-      <p:nvGrpSpPr>
-        <p:cNvPr id="1" name=""/>
-        <p:cNvGrpSpPr/>
-        <p:nvPr/>
-      </p:nvGrpSpPr>
-      <p:grpSpPr>
-        <a:xfrm>
-          <a:off x="0" y="0"/>
-          <a:ext cx="0" cy="0"/>
-          <a:chOff x="0" y="0"/>
-          <a:chExt cx="0" cy="0"/>
-        </a:xfrm>
-      </p:grpSpPr>
-      <p:sp>
-        <p:nvSpPr>
-          <p:cNvPr id="2" name="Title 1"/>
-          <p:cNvSpPr>
-            <a:spLocks noGrp="1"/>
-          </p:cNvSpPr>
-          <p:nvPr>
-            <p:ph type="title"/>
-          </p:nvPr>
-        </p:nvSpPr>
-        <p:spPr/>
-        <p:txBody>
-          <a:bodyPr/>
-          <a:lstStyle/>
-          <a:p>
-            <a:r>
-              <a:rPr lang="en-US" dirty="0"/>
-              <a:t>Create Your Own Sink</a:t>
-            </a:r>
-          </a:p>
-        </p:txBody>
-      </p:sp>
-      <p:sp>
-        <p:nvSpPr>
-          <p:cNvPr id="3" name="Content Placeholder 2"/>
-          <p:cNvSpPr>
-            <a:spLocks noGrp="1"/>
-          </p:cNvSpPr>
-          <p:nvPr>
-            <p:ph idx="1"/>
-          </p:nvPr>
-        </p:nvSpPr>
-        <p:spPr/>
-        <p:txBody>
-          <a:bodyPr/>
-          <a:lstStyle/>
-          <a:p>
-            <a:r>
-              <a:rPr lang="en-US" dirty="0"/>
-              <a:t>DEMO</a:t>
-            </a:r>
-          </a:p>
-        </p:txBody>
-      </p:sp>
-    </p:spTree>
-    <p:extLst>
-      <p:ext uri="{BB962C8B-B14F-4D97-AF65-F5344CB8AC3E}">
-        <p14:creationId xmlns:p14="http://schemas.microsoft.com/office/powerpoint/2010/main" val="3354659858"/>
-      </p:ext>
-    </p:extLst>
-  </p:cSld>
-  <p:clrMapOvr>
-    <a:masterClrMapping/>
-  </p:clrMapOvr>
-</p:sld>
-</file>
-
-<file path=ppt/slides/slide14.xml><?xml version="1.0" encoding="utf-8"?>
-<p:sld xmlns:a="http://schemas.openxmlformats.org/drawingml/2006/main" xmlns:r="http://schemas.openxmlformats.org/officeDocument/2006/relationships" xmlns:p="http://schemas.openxmlformats.org/presentationml/2006/main">
-  <p:cSld>
-    <p:spTree>
-      <p:nvGrpSpPr>
-        <p:cNvPr id="1" name=""/>
-        <p:cNvGrpSpPr/>
-        <p:nvPr/>
-      </p:nvGrpSpPr>
-      <p:grpSpPr>
-        <a:xfrm>
-          <a:off x="0" y="0"/>
-          <a:ext cx="0" cy="0"/>
-          <a:chOff x="0" y="0"/>
-          <a:chExt cx="0" cy="0"/>
-        </a:xfrm>
-      </p:grpSpPr>
-      <p:sp>
-        <p:nvSpPr>
-          <p:cNvPr id="2" name="Title 1">
-            <a:extLst>
-              <a:ext uri="{FF2B5EF4-FFF2-40B4-BE49-F238E27FC236}">
-                <a16:creationId xmlns:a16="http://schemas.microsoft.com/office/drawing/2014/main" id="{43A22611-D248-4AF1-BDD8-D7DD2AE6E1FA}"/>
-              </a:ext>
-            </a:extLst>
-          </p:cNvPr>
-          <p:cNvSpPr>
-            <a:spLocks noGrp="1"/>
-          </p:cNvSpPr>
-          <p:nvPr>
-            <p:ph type="title"/>
-          </p:nvPr>
-        </p:nvSpPr>
-        <p:spPr/>
-        <p:txBody>
-          <a:bodyPr/>
-          <a:lstStyle/>
-          <a:p>
-            <a:r>
-              <a:rPr lang="en-US" dirty="0"/>
-              <a:t>ASYNCHRONOUS LOGGING</a:t>
-            </a:r>
-          </a:p>
-        </p:txBody>
-      </p:sp>
-      <p:sp>
-        <p:nvSpPr>
-          <p:cNvPr id="3" name="Content Placeholder 2">
-            <a:extLst>
-              <a:ext uri="{FF2B5EF4-FFF2-40B4-BE49-F238E27FC236}">
-                <a16:creationId xmlns:a16="http://schemas.microsoft.com/office/drawing/2014/main" id="{8C297872-6461-40BD-877E-06F6B14B9C4D}"/>
-              </a:ext>
-            </a:extLst>
-          </p:cNvPr>
-          <p:cNvSpPr>
-            <a:spLocks noGrp="1"/>
-          </p:cNvSpPr>
-          <p:nvPr>
-            <p:ph idx="1"/>
-          </p:nvPr>
-        </p:nvSpPr>
-        <p:spPr/>
-        <p:txBody>
-          <a:bodyPr>
-            <a:normAutofit fontScale="92500" lnSpcReduction="10000"/>
-          </a:bodyPr>
-          <a:lstStyle/>
-          <a:p>
-            <a:r>
-              <a:rPr lang="en-US" dirty="0" err="1"/>
-              <a:t>NuGets</a:t>
-            </a:r>
-            <a:endParaRPr lang="en-US" dirty="0"/>
-          </a:p>
-          <a:p>
-            <a:pPr lvl="1"/>
-            <a:r>
-              <a:rPr lang="en-US" dirty="0" err="1"/>
-              <a:t>Serilog.Sinks.Async</a:t>
-            </a:r>
-            <a:r>
-              <a:rPr lang="en-US" dirty="0"/>
-              <a:t> – provides asynchronous wrapper for </a:t>
-            </a:r>
-            <a:r>
-              <a:rPr lang="en-US" dirty="0" err="1"/>
-              <a:t>Serilog</a:t>
-            </a:r>
-            <a:r>
-              <a:rPr lang="en-US" dirty="0"/>
-              <a:t> sinks (delegated to work on a background thread)</a:t>
-            </a:r>
-          </a:p>
-          <a:p>
-            <a:pPr lvl="1"/>
-            <a:r>
-              <a:rPr lang="en-US" dirty="0" err="1"/>
-              <a:t>Serilog.Sinks.AsyncRollingFile</a:t>
-            </a:r>
-            <a:r>
-              <a:rPr lang="en-US" dirty="0"/>
-              <a:t> – provides better asynchronous handling of log files</a:t>
-            </a:r>
-          </a:p>
-          <a:p>
-            <a:r>
-              <a:rPr lang="en-US" dirty="0"/>
-              <a:t>Example</a:t>
-            </a:r>
-          </a:p>
-          <a:p>
-            <a:pPr marL="0" indent="0">
-              <a:buNone/>
-            </a:pPr>
-            <a:r>
-              <a:rPr lang="en-US" sz="1900" dirty="0" err="1"/>
-              <a:t>Log.Logger</a:t>
-            </a:r>
-            <a:r>
-              <a:rPr lang="en-US" sz="1900" dirty="0"/>
-              <a:t> = new </a:t>
-            </a:r>
-            <a:r>
-              <a:rPr lang="en-US" sz="1900" dirty="0" err="1"/>
-              <a:t>LoggerConfiguration</a:t>
-            </a:r>
-            <a:r>
-              <a:rPr lang="en-US" sz="1900" dirty="0"/>
-              <a:t>()  </a:t>
-            </a:r>
-          </a:p>
-          <a:p>
-            <a:pPr marL="0" indent="0">
-              <a:buNone/>
-            </a:pPr>
-            <a:r>
-              <a:rPr lang="en-US" sz="1900" dirty="0"/>
-              <a:t>       .</a:t>
-            </a:r>
-            <a:r>
-              <a:rPr lang="en-US" sz="1900" dirty="0" err="1"/>
-              <a:t>WriteTo.Async</a:t>
-            </a:r>
-            <a:r>
-              <a:rPr lang="en-US" sz="1900" dirty="0"/>
-              <a:t>(x =&gt; </a:t>
-            </a:r>
-            <a:r>
-              <a:rPr lang="en-US" sz="1900" dirty="0" err="1"/>
-              <a:t>x.LiterateConsole</a:t>
-            </a:r>
-            <a:r>
-              <a:rPr lang="en-US" sz="1900" dirty="0"/>
-              <a:t>()</a:t>
-            </a:r>
-          </a:p>
-          <a:p>
-            <a:pPr marL="0" indent="0">
-              <a:buNone/>
-            </a:pPr>
-            <a:r>
-              <a:rPr lang="en-US" sz="1900" dirty="0"/>
-              <a:t>       .</a:t>
-            </a:r>
-            <a:r>
-              <a:rPr lang="en-US" sz="1900" dirty="0" err="1"/>
-              <a:t>WriteTo.Async</a:t>
-            </a:r>
-            <a:r>
-              <a:rPr lang="en-US" sz="1900" dirty="0"/>
-              <a:t>(x=&gt;</a:t>
-            </a:r>
-            <a:r>
-              <a:rPr lang="en-US" sz="1900" dirty="0" err="1"/>
-              <a:t>x.RollingFile</a:t>
-            </a:r>
-            <a:r>
-              <a:rPr lang="en-US" sz="1900" dirty="0"/>
-              <a:t>(“logs/log.txt”)</a:t>
-            </a:r>
-          </a:p>
-          <a:p>
-            <a:pPr marL="0" indent="0">
-              <a:buNone/>
-            </a:pPr>
-            <a:r>
-              <a:rPr lang="en-US" sz="1900" dirty="0"/>
-              <a:t>       .</a:t>
-            </a:r>
-            <a:r>
-              <a:rPr lang="en-US" sz="1900" dirty="0" err="1"/>
-              <a:t>CreateLogger</a:t>
-            </a:r>
-            <a:r>
-              <a:rPr lang="en-US" sz="1900" dirty="0"/>
-              <a:t>();</a:t>
-            </a:r>
-          </a:p>
-          <a:p>
-            <a:endParaRPr lang="en-US" dirty="0"/>
-          </a:p>
-        </p:txBody>
-      </p:sp>
-    </p:spTree>
-    <p:extLst>
-      <p:ext uri="{BB962C8B-B14F-4D97-AF65-F5344CB8AC3E}">
-        <p14:creationId xmlns:p14="http://schemas.microsoft.com/office/powerpoint/2010/main" val="3827409751"/>
-      </p:ext>
-    </p:extLst>
-  </p:cSld>
-  <p:clrMapOvr>
-    <a:masterClrMapping/>
-  </p:clrMapOvr>
-  <p:timing>
-    <p:tnLst>
-      <p:par>
-        <p:cTn id="1" dur="indefinite" restart="never" nodeType="tmRoot">
-          <p:childTnLst>
-            <p:seq concurrent="1" nextAc="seek">
-              <p:cTn id="2" dur="indefinite" nodeType="mainSeq">
-                <p:childTnLst>
-                  <p:par>
-                    <p:cTn id="3" fill="hold">
-                      <p:stCondLst>
-                        <p:cond delay="indefinite"/>
-                      </p:stCondLst>
-                      <p:childTnLst>
-                        <p:par>
-                          <p:cTn id="4" fill="hold">
-                            <p:stCondLst>
-                              <p:cond delay="0"/>
-                            </p:stCondLst>
-                            <p:childTnLst>
-                              <p:par>
-                                <p:cTn id="5" presetID="1" presetClass="entr" presetSubtype="0" fill="hold" nodeType="clickEffect">
-                                  <p:stCondLst>
-                                    <p:cond delay="0"/>
-                                  </p:stCondLst>
-                                  <p:childTnLst>
-                                    <p:set>
-                                      <p:cBhvr>
-                                        <p:cTn id="6" dur="1" fill="hold">
-                                          <p:stCondLst>
-                                            <p:cond delay="0"/>
-                                          </p:stCondLst>
-                                        </p:cTn>
-                                        <p:tgtEl>
-                                          <p:spTgt spid="3">
-                                            <p:txEl>
-                                              <p:pRg st="0" end="0"/>
-                                            </p:txEl>
-                                          </p:spTgt>
-                                        </p:tgtEl>
-                                        <p:attrNameLst>
-                                          <p:attrName>style.visibility</p:attrName>
-                                        </p:attrNameLst>
-                                      </p:cBhvr>
-                                      <p:to>
-                                        <p:strVal val="visible"/>
-                                      </p:to>
-                                    </p:set>
-                                  </p:childTnLst>
-                                </p:cTn>
-                              </p:par>
-                              <p:par>
-                                <p:cTn id="7" presetID="1" presetClass="entr" presetSubtype="0" fill="hold" nodeType="withEffect">
-                                  <p:stCondLst>
-                                    <p:cond delay="0"/>
-                                  </p:stCondLst>
-                                  <p:childTnLst>
-                                    <p:set>
-                                      <p:cBhvr>
-                                        <p:cTn id="8" dur="1" fill="hold">
-                                          <p:stCondLst>
-                                            <p:cond delay="0"/>
-                                          </p:stCondLst>
-                                        </p:cTn>
-                                        <p:tgtEl>
-                                          <p:spTgt spid="3">
-                                            <p:txEl>
-                                              <p:pRg st="1" end="1"/>
-                                            </p:txEl>
-                                          </p:spTgt>
-                                        </p:tgtEl>
-                                        <p:attrNameLst>
-                                          <p:attrName>style.visibility</p:attrName>
-                                        </p:attrNameLst>
-                                      </p:cBhvr>
-                                      <p:to>
-                                        <p:strVal val="visible"/>
-                                      </p:to>
-                                    </p:set>
-                                  </p:childTnLst>
-                                </p:cTn>
-                              </p:par>
-                              <p:par>
-                                <p:cTn id="9" presetID="1" presetClass="entr" presetSubtype="0" fill="hold" nodeType="withEffect">
-                                  <p:stCondLst>
-                                    <p:cond delay="0"/>
-                                  </p:stCondLst>
-                                  <p:childTnLst>
-                                    <p:set>
-                                      <p:cBhvr>
-                                        <p:cTn id="10" dur="1" fill="hold">
-                                          <p:stCondLst>
-                                            <p:cond delay="0"/>
-                                          </p:stCondLst>
-                                        </p:cTn>
-                                        <p:tgtEl>
-                                          <p:spTgt spid="3">
-                                            <p:txEl>
-                                              <p:pRg st="2" end="2"/>
-                                            </p:txEl>
-                                          </p:spTgt>
-                                        </p:tgtEl>
-                                        <p:attrNameLst>
-                                          <p:attrName>style.visibility</p:attrName>
-                                        </p:attrNameLst>
-                                      </p:cBhvr>
-                                      <p:to>
-                                        <p:strVal val="visible"/>
-                                      </p:to>
-                                    </p:set>
-                                  </p:childTnLst>
-                                </p:cTn>
-                              </p:par>
-                            </p:childTnLst>
-                          </p:cTn>
-                        </p:par>
-                      </p:childTnLst>
-                    </p:cTn>
-                  </p:par>
-                  <p:par>
-                    <p:cTn id="11" fill="hold">
-                      <p:stCondLst>
-                        <p:cond delay="indefinite"/>
-                      </p:stCondLst>
-                      <p:childTnLst>
-                        <p:par>
-                          <p:cTn id="12" fill="hold">
-                            <p:stCondLst>
-                              <p:cond delay="0"/>
-                            </p:stCondLst>
-                            <p:childTnLst>
-                              <p:par>
-                                <p:cTn id="13" presetID="1" presetClass="entr" presetSubtype="0" fill="hold" nodeType="clickEffect">
-                                  <p:stCondLst>
-                                    <p:cond delay="0"/>
-                                  </p:stCondLst>
-                                  <p:childTnLst>
-                                    <p:set>
-                                      <p:cBhvr>
-                                        <p:cTn id="14" dur="1" fill="hold">
-                                          <p:stCondLst>
-                                            <p:cond delay="0"/>
-                                          </p:stCondLst>
-                                        </p:cTn>
-                                        <p:tgtEl>
-                                          <p:spTgt spid="3">
-                                            <p:txEl>
-                                              <p:pRg st="3" end="3"/>
-                                            </p:txEl>
-                                          </p:spTgt>
-                                        </p:tgtEl>
-                                        <p:attrNameLst>
-                                          <p:attrName>style.visibility</p:attrName>
-                                        </p:attrNameLst>
-                                      </p:cBhvr>
-                                      <p:to>
-                                        <p:strVal val="visible"/>
-                                      </p:to>
-                                    </p:set>
-                                  </p:childTnLst>
-                                </p:cTn>
-                              </p:par>
-                              <p:par>
-                                <p:cTn id="15" presetID="1" presetClass="entr" presetSubtype="0" fill="hold" nodeType="withEffect">
-                                  <p:stCondLst>
-                                    <p:cond delay="0"/>
-                                  </p:stCondLst>
-                                  <p:childTnLst>
-                                    <p:set>
-                                      <p:cBhvr>
-                                        <p:cTn id="16" dur="1" fill="hold">
-                                          <p:stCondLst>
-                                            <p:cond delay="0"/>
-                                          </p:stCondLst>
-                                        </p:cTn>
-                                        <p:tgtEl>
-                                          <p:spTgt spid="3">
-                                            <p:txEl>
-                                              <p:pRg st="4" end="4"/>
-                                            </p:txEl>
-                                          </p:spTgt>
-                                        </p:tgtEl>
-                                        <p:attrNameLst>
-                                          <p:attrName>style.visibility</p:attrName>
-                                        </p:attrNameLst>
-                                      </p:cBhvr>
-                                      <p:to>
-                                        <p:strVal val="visible"/>
-                                      </p:to>
-                                    </p:set>
-                                  </p:childTnLst>
-                                </p:cTn>
-                              </p:par>
-                              <p:par>
-                                <p:cTn id="17" presetID="1" presetClass="entr" presetSubtype="0" fill="hold" nodeType="withEffect">
-                                  <p:stCondLst>
-                                    <p:cond delay="0"/>
-                                  </p:stCondLst>
-                                  <p:childTnLst>
-                                    <p:set>
-                                      <p:cBhvr>
-                                        <p:cTn id="18" dur="1" fill="hold">
-                                          <p:stCondLst>
-                                            <p:cond delay="0"/>
-                                          </p:stCondLst>
-                                        </p:cTn>
-                                        <p:tgtEl>
-                                          <p:spTgt spid="3">
-                                            <p:txEl>
-                                              <p:pRg st="5" end="5"/>
-                                            </p:txEl>
-                                          </p:spTgt>
-                                        </p:tgtEl>
-                                        <p:attrNameLst>
-                                          <p:attrName>style.visibility</p:attrName>
-                                        </p:attrNameLst>
-                                      </p:cBhvr>
-                                      <p:to>
-                                        <p:strVal val="visible"/>
-                                      </p:to>
-                                    </p:set>
-                                  </p:childTnLst>
-                                </p:cTn>
-                              </p:par>
-                              <p:par>
-                                <p:cTn id="19" presetID="1" presetClass="entr" presetSubtype="0" fill="hold" nodeType="withEffect">
-                                  <p:stCondLst>
-                                    <p:cond delay="0"/>
-                                  </p:stCondLst>
-                                  <p:childTnLst>
-                                    <p:set>
-                                      <p:cBhvr>
-                                        <p:cTn id="20" dur="1" fill="hold">
-                                          <p:stCondLst>
-                                            <p:cond delay="0"/>
-                                          </p:stCondLst>
-                                        </p:cTn>
-                                        <p:tgtEl>
-                                          <p:spTgt spid="3">
-                                            <p:txEl>
-                                              <p:pRg st="6" end="6"/>
-                                            </p:txEl>
-                                          </p:spTgt>
-                                        </p:tgtEl>
-                                        <p:attrNameLst>
-                                          <p:attrName>style.visibility</p:attrName>
-                                        </p:attrNameLst>
-                                      </p:cBhvr>
-                                      <p:to>
-                                        <p:strVal val="visible"/>
-                                      </p:to>
-                                    </p:set>
-                                  </p:childTnLst>
-                                </p:cTn>
-                              </p:par>
-                              <p:par>
-                                <p:cTn id="21" presetID="1" presetClass="entr" presetSubtype="0" fill="hold" nodeType="withEffect">
-                                  <p:stCondLst>
-                                    <p:cond delay="0"/>
-                                  </p:stCondLst>
-                                  <p:childTnLst>
-                                    <p:set>
-                                      <p:cBhvr>
-                                        <p:cTn id="22" dur="1" fill="hold">
-                                          <p:stCondLst>
-                                            <p:cond delay="0"/>
-                                          </p:stCondLst>
-                                        </p:cTn>
-                                        <p:tgtEl>
-                                          <p:spTgt spid="3">
-                                            <p:txEl>
-                                              <p:pRg st="7" end="7"/>
-                                            </p:txEl>
-                                          </p:spTgt>
-                                        </p:tgtEl>
-                                        <p:attrNameLst>
-                                          <p:attrName>style.visibility</p:attrName>
-                                        </p:attrNameLst>
-                                      </p:cBhvr>
-                                      <p:to>
-                                        <p:strVal val="visible"/>
-                                      </p:to>
-                                    </p:set>
-                                  </p:childTnLst>
-                                </p:cTn>
-                              </p:par>
-                            </p:childTnLst>
-                          </p:cTn>
-                        </p:par>
-                      </p:childTnLst>
-                    </p:cTn>
-                  </p:par>
-                </p:childTnLst>
-              </p:cTn>
-              <p:prevCondLst>
-                <p:cond evt="onPrev" delay="0">
-                  <p:tgtEl>
-                    <p:sldTgt/>
-                  </p:tgtEl>
-                </p:cond>
-              </p:prevCondLst>
-              <p:nextCondLst>
-                <p:cond evt="onNext" delay="0">
-                  <p:tgtEl>
-                    <p:sldTgt/>
-                  </p:tgtEl>
-                </p:cond>
-              </p:nextCondLst>
-            </p:seq>
-          </p:childTnLst>
-        </p:cTn>
-      </p:par>
-    </p:tnLst>
-  </p:timing>
-</p:sld>
-</file>
-
-<file path=ppt/slides/slide15.xml><?xml version="1.0" encoding="utf-8"?>
-<p:sld xmlns:a="http://schemas.openxmlformats.org/drawingml/2006/main" xmlns:r="http://schemas.openxmlformats.org/officeDocument/2006/relationships" xmlns:p="http://schemas.openxmlformats.org/presentationml/2006/main">
-  <p:cSld>
-    <p:spTree>
-      <p:nvGrpSpPr>
-        <p:cNvPr id="1" name=""/>
-        <p:cNvGrpSpPr/>
-        <p:nvPr/>
-      </p:nvGrpSpPr>
-      <p:grpSpPr>
-        <a:xfrm>
-          <a:off x="0" y="0"/>
-          <a:ext cx="0" cy="0"/>
-          <a:chOff x="0" y="0"/>
-          <a:chExt cx="0" cy="0"/>
-        </a:xfrm>
-      </p:grpSpPr>
-      <p:sp>
-        <p:nvSpPr>
-          <p:cNvPr id="2" name="Title 1"/>
-          <p:cNvSpPr>
-            <a:spLocks noGrp="1"/>
-          </p:cNvSpPr>
-          <p:nvPr>
-            <p:ph type="title"/>
-          </p:nvPr>
-        </p:nvSpPr>
-        <p:spPr/>
-        <p:txBody>
-          <a:bodyPr/>
-          <a:lstStyle/>
-          <a:p>
-            <a:r>
-              <a:rPr lang="en-US" dirty="0"/>
-              <a:t>Logging Strategy</a:t>
-            </a:r>
-          </a:p>
-        </p:txBody>
-      </p:sp>
-      <p:sp>
-        <p:nvSpPr>
-          <p:cNvPr id="3" name="Content Placeholder 2"/>
-          <p:cNvSpPr>
-            <a:spLocks noGrp="1"/>
-          </p:cNvSpPr>
-          <p:nvPr>
-            <p:ph idx="1"/>
-          </p:nvPr>
-        </p:nvSpPr>
-        <p:spPr/>
-        <p:txBody>
-          <a:bodyPr>
-            <a:normAutofit/>
-          </a:bodyPr>
-          <a:lstStyle/>
-          <a:p>
-            <a:r>
-              <a:rPr lang="en-US" dirty="0"/>
-              <a:t>First figure out your unique situation and prioritize the things you care about</a:t>
-            </a:r>
-          </a:p>
-          <a:p>
-            <a:pPr marL="0" indent="0">
-              <a:buNone/>
-            </a:pPr>
-            <a:r>
-              <a:rPr lang="en-US" dirty="0"/>
-              <a:t>	1 app used by 1 person or 20 apps used by 10,000 people</a:t>
-            </a:r>
-          </a:p>
-          <a:p>
-            <a:r>
-              <a:rPr lang="en-US" dirty="0"/>
-              <a:t>Create a plan</a:t>
-            </a:r>
-          </a:p>
-          <a:p>
-            <a:pPr marL="800100" lvl="1" indent="-342900">
-              <a:buAutoNum type="alphaLcPeriod"/>
-            </a:pPr>
-            <a:r>
-              <a:rPr lang="en-US" dirty="0"/>
-              <a:t>Where are we going to log?</a:t>
-            </a:r>
-          </a:p>
-          <a:p>
-            <a:pPr marL="800100" lvl="1" indent="-342900">
-              <a:buAutoNum type="alphaLcPeriod"/>
-            </a:pPr>
-            <a:r>
-              <a:rPr lang="en-US" dirty="0"/>
-              <a:t>How do we want to be notified if there are errors?</a:t>
-            </a:r>
-          </a:p>
-          <a:p>
-            <a:pPr marL="800100" lvl="1" indent="-342900">
-              <a:buAutoNum type="alphaLcPeriod"/>
-            </a:pPr>
-            <a:r>
-              <a:rPr lang="en-US" dirty="0"/>
-              <a:t>How do we maintain logs so that they don’t get out of control?</a:t>
-            </a:r>
-          </a:p>
-          <a:p>
-            <a:pPr marL="800100" lvl="1" indent="-342900">
-              <a:buAutoNum type="alphaLcPeriod"/>
-            </a:pPr>
-            <a:r>
-              <a:rPr lang="en-US" dirty="0"/>
-              <a:t>How do we want to consume the logs?</a:t>
-            </a:r>
-          </a:p>
-          <a:p>
-            <a:r>
-              <a:rPr lang="en-US" dirty="0"/>
-              <a:t>Craft a solution that fits your needs</a:t>
-            </a:r>
-          </a:p>
-        </p:txBody>
-      </p:sp>
-    </p:spTree>
-    <p:extLst>
-      <p:ext uri="{BB962C8B-B14F-4D97-AF65-F5344CB8AC3E}">
-        <p14:creationId xmlns:p14="http://schemas.microsoft.com/office/powerpoint/2010/main" val="1281976053"/>
-      </p:ext>
-    </p:extLst>
-  </p:cSld>
-  <p:clrMapOvr>
-    <a:masterClrMapping/>
-  </p:clrMapOvr>
-</p:sld>
-</file>
-
-<file path=ppt/slides/slide16.xml><?xml version="1.0" encoding="utf-8"?>
-<p:sld xmlns:a="http://schemas.openxmlformats.org/drawingml/2006/main" xmlns:r="http://schemas.openxmlformats.org/officeDocument/2006/relationships" xmlns:p="http://schemas.openxmlformats.org/presentationml/2006/main">
-  <p:cSld>
-    <p:spTree>
-      <p:nvGrpSpPr>
-        <p:cNvPr id="1" name=""/>
-        <p:cNvGrpSpPr/>
-        <p:nvPr/>
-      </p:nvGrpSpPr>
-      <p:grpSpPr>
-        <a:xfrm>
-          <a:off x="0" y="0"/>
-          <a:ext cx="0" cy="0"/>
-          <a:chOff x="0" y="0"/>
-          <a:chExt cx="0" cy="0"/>
-        </a:xfrm>
-      </p:grpSpPr>
-      <p:sp>
-        <p:nvSpPr>
-          <p:cNvPr id="2" name="Title 1"/>
-          <p:cNvSpPr>
-            <a:spLocks noGrp="1"/>
-          </p:cNvSpPr>
-          <p:nvPr>
-            <p:ph type="title"/>
-          </p:nvPr>
-        </p:nvSpPr>
-        <p:spPr/>
-        <p:txBody>
-          <a:bodyPr/>
-          <a:lstStyle/>
-          <a:p>
-            <a:r>
-              <a:rPr lang="en-US" dirty="0"/>
-              <a:t>Consuming Logs</a:t>
-            </a:r>
-          </a:p>
-        </p:txBody>
-      </p:sp>
-      <p:pic>
-        <p:nvPicPr>
-          <p:cNvPr id="4" name="Content Placeholder 3"/>
-          <p:cNvPicPr>
-            <a:picLocks noGrp="1" noChangeAspect="1"/>
-          </p:cNvPicPr>
-          <p:nvPr>
-            <p:ph idx="1"/>
-          </p:nvPr>
-        </p:nvPicPr>
-        <p:blipFill>
-          <a:blip r:embed="rId2"/>
-          <a:stretch>
-            <a:fillRect/>
-          </a:stretch>
-        </p:blipFill>
-        <p:spPr>
-          <a:xfrm>
-            <a:off x="1024606" y="2038793"/>
-            <a:ext cx="10373526" cy="4220240"/>
-          </a:xfrm>
-          <a:prstGeom prst="rect">
-            <a:avLst/>
-          </a:prstGeom>
-        </p:spPr>
-      </p:pic>
-      <p:sp>
-        <p:nvSpPr>
-          <p:cNvPr id="5" name="TextBox 4"/>
-          <p:cNvSpPr txBox="1"/>
-          <p:nvPr/>
-        </p:nvSpPr>
-        <p:spPr>
-          <a:xfrm>
-            <a:off x="2636875" y="6361905"/>
-            <a:ext cx="7451271" cy="369332"/>
-          </a:xfrm>
-          <a:prstGeom prst="rect">
-            <a:avLst/>
-          </a:prstGeom>
-          <a:noFill/>
-        </p:spPr>
-        <p:txBody>
-          <a:bodyPr wrap="none" rtlCol="0">
-            <a:spAutoFit/>
-          </a:bodyPr>
-          <a:lstStyle/>
-          <a:p>
-            <a:r>
-              <a:rPr lang="en-US" dirty="0"/>
-              <a:t>https://blog.codeship.com/how-to-understand-logs-with-logentries/</a:t>
-            </a:r>
-          </a:p>
-        </p:txBody>
-      </p:sp>
-    </p:spTree>
-    <p:extLst>
-      <p:ext uri="{BB962C8B-B14F-4D97-AF65-F5344CB8AC3E}">
-        <p14:creationId xmlns:p14="http://schemas.microsoft.com/office/powerpoint/2010/main" val="534381655"/>
-      </p:ext>
-    </p:extLst>
-  </p:cSld>
-  <p:clrMapOvr>
-    <a:masterClrMapping/>
-  </p:clrMapOvr>
-</p:sld>
-</file>
-
-<file path=ppt/slides/slide17.xml><?xml version="1.0" encoding="utf-8"?>
-<p:sld xmlns:a="http://schemas.openxmlformats.org/drawingml/2006/main" xmlns:r="http://schemas.openxmlformats.org/officeDocument/2006/relationships" xmlns:p="http://schemas.openxmlformats.org/presentationml/2006/main">
-  <p:cSld>
-    <p:spTree>
-      <p:nvGrpSpPr>
-        <p:cNvPr id="1" name=""/>
-        <p:cNvGrpSpPr/>
-        <p:nvPr/>
-      </p:nvGrpSpPr>
-      <p:grpSpPr>
-        <a:xfrm>
-          <a:off x="0" y="0"/>
-          <a:ext cx="0" cy="0"/>
-          <a:chOff x="0" y="0"/>
-          <a:chExt cx="0" cy="0"/>
-        </a:xfrm>
-      </p:grpSpPr>
-      <p:sp>
-        <p:nvSpPr>
-          <p:cNvPr id="2" name="Title 1"/>
-          <p:cNvSpPr>
-            <a:spLocks noGrp="1"/>
-          </p:cNvSpPr>
-          <p:nvPr>
-            <p:ph type="title"/>
-          </p:nvPr>
-        </p:nvSpPr>
-        <p:spPr/>
-        <p:txBody>
-          <a:bodyPr/>
-          <a:lstStyle/>
-          <a:p>
-            <a:r>
-              <a:rPr lang="en-US" dirty="0"/>
-              <a:t>SEQ</a:t>
-            </a:r>
-          </a:p>
-        </p:txBody>
-      </p:sp>
-      <p:sp>
-        <p:nvSpPr>
-          <p:cNvPr id="4" name="TextBox 3"/>
-          <p:cNvSpPr txBox="1"/>
-          <p:nvPr/>
-        </p:nvSpPr>
-        <p:spPr>
-          <a:xfrm>
-            <a:off x="0" y="6296297"/>
-            <a:ext cx="12192000" cy="369332"/>
-          </a:xfrm>
-          <a:prstGeom prst="rect">
-            <a:avLst/>
-          </a:prstGeom>
-          <a:noFill/>
-        </p:spPr>
-        <p:txBody>
-          <a:bodyPr wrap="square" rtlCol="0">
-            <a:spAutoFit/>
-          </a:bodyPr>
-          <a:lstStyle/>
-          <a:p>
-            <a:pPr algn="ctr"/>
-            <a:r>
-              <a:rPr lang="en-US" dirty="0"/>
-              <a:t>https://github.com/serilog/serilog-sinks-seq</a:t>
-            </a:r>
-          </a:p>
-        </p:txBody>
-      </p:sp>
-      <p:pic>
-        <p:nvPicPr>
-          <p:cNvPr id="1026" name="Picture 2" descr="Image result for seq with serilog structured logging"/>
-          <p:cNvPicPr>
-            <a:picLocks noGrp="1" noChangeAspect="1" noChangeArrowheads="1"/>
-          </p:cNvPicPr>
-          <p:nvPr>
-            <p:ph idx="1"/>
-          </p:nvPr>
-        </p:nvPicPr>
-        <p:blipFill>
-          <a:blip r:embed="rId2">
-            <a:extLst>
-              <a:ext uri="{28A0092B-C50C-407E-A947-70E740481C1C}">
-                <a14:useLocalDpi xmlns:a14="http://schemas.microsoft.com/office/drawing/2010/main" val="0"/>
-              </a:ext>
-            </a:extLst>
-          </a:blip>
-          <a:srcRect/>
-          <a:stretch>
-            <a:fillRect/>
-          </a:stretch>
-        </p:blipFill>
-        <p:spPr bwMode="auto">
-          <a:xfrm>
-            <a:off x="1379492" y="1730652"/>
-            <a:ext cx="9423492" cy="4425396"/>
-          </a:xfrm>
-          <a:prstGeom prst="rect">
-            <a:avLst/>
-          </a:prstGeom>
-          <a:noFill/>
-          <a:extLst>
-            <a:ext uri="{909E8E84-426E-40DD-AFC4-6F175D3DCCD1}">
-              <a14:hiddenFill xmlns:a14="http://schemas.microsoft.com/office/drawing/2010/main">
-                <a:solidFill>
-                  <a:srgbClr val="FFFFFF"/>
-                </a:solidFill>
-              </a14:hiddenFill>
-            </a:ext>
-          </a:extLst>
-        </p:spPr>
-      </p:pic>
-    </p:spTree>
-    <p:extLst>
-      <p:ext uri="{BB962C8B-B14F-4D97-AF65-F5344CB8AC3E}">
-        <p14:creationId xmlns:p14="http://schemas.microsoft.com/office/powerpoint/2010/main" val="1339698871"/>
-      </p:ext>
-    </p:extLst>
-  </p:cSld>
-  <p:clrMapOvr>
-    <a:masterClrMapping/>
-  </p:clrMapOvr>
-</p:sld>
-</file>
-
-<file path=ppt/slides/slide18.xml><?xml version="1.0" encoding="utf-8"?>
-<p:sld xmlns:a="http://schemas.openxmlformats.org/drawingml/2006/main" xmlns:r="http://schemas.openxmlformats.org/officeDocument/2006/relationships" xmlns:p="http://schemas.openxmlformats.org/presentationml/2006/main">
-  <p:cSld>
-    <p:spTree>
-      <p:nvGrpSpPr>
-        <p:cNvPr id="1" name=""/>
-        <p:cNvGrpSpPr/>
-        <p:nvPr/>
-      </p:nvGrpSpPr>
-      <p:grpSpPr>
-        <a:xfrm>
-          <a:off x="0" y="0"/>
-          <a:ext cx="0" cy="0"/>
-          <a:chOff x="0" y="0"/>
-          <a:chExt cx="0" cy="0"/>
-        </a:xfrm>
-      </p:grpSpPr>
-      <p:sp>
-        <p:nvSpPr>
-          <p:cNvPr id="2" name="Title 1"/>
-          <p:cNvSpPr>
-            <a:spLocks noGrp="1"/>
-          </p:cNvSpPr>
-          <p:nvPr>
-            <p:ph type="title"/>
-          </p:nvPr>
-        </p:nvSpPr>
-        <p:spPr/>
-        <p:txBody>
-          <a:bodyPr/>
-          <a:lstStyle/>
-          <a:p>
-            <a:r>
-              <a:rPr lang="en-US" dirty="0"/>
-              <a:t>Questions?</a:t>
-            </a:r>
-          </a:p>
-        </p:txBody>
-      </p:sp>
-      <p:sp>
-        <p:nvSpPr>
-          <p:cNvPr id="3" name="Content Placeholder 2"/>
-          <p:cNvSpPr>
-            <a:spLocks noGrp="1"/>
-          </p:cNvSpPr>
-          <p:nvPr>
-            <p:ph idx="1"/>
-          </p:nvPr>
-        </p:nvSpPr>
-        <p:spPr/>
-        <p:txBody>
-          <a:bodyPr/>
-          <a:lstStyle/>
-          <a:p>
-            <a:r>
-              <a:rPr lang="en-US" dirty="0">
-                <a:hlinkClick r:id="rId2"/>
-              </a:rPr>
-              <a:t>http://www.github.com/korz</a:t>
-            </a:r>
-            <a:endParaRPr lang="en-US" dirty="0"/>
-          </a:p>
-          <a:p>
-            <a:r>
-              <a:rPr lang="en-US" dirty="0"/>
-              <a:t>@</a:t>
-            </a:r>
-            <a:r>
-              <a:rPr lang="en-US" dirty="0" err="1"/>
-              <a:t>bkorzynski</a:t>
-            </a:r>
-            <a:endParaRPr lang="en-US" dirty="0"/>
-          </a:p>
-          <a:p>
-            <a:endParaRPr lang="en-US" dirty="0"/>
-          </a:p>
-        </p:txBody>
-      </p:sp>
-    </p:spTree>
-    <p:extLst>
-      <p:ext uri="{BB962C8B-B14F-4D97-AF65-F5344CB8AC3E}">
-        <p14:creationId xmlns:p14="http://schemas.microsoft.com/office/powerpoint/2010/main" val="14873081"/>
-      </p:ext>
-    </p:extLst>
-  </p:cSld>
-  <p:clrMapOvr>
-    <a:masterClrMapping/>
-  </p:clrMapOvr>
-</p:sld>
-</file>
-
-<file path=ppt/slides/slide2.xml><?xml version="1.0" encoding="utf-8"?>
-<p:sld xmlns:a="http://schemas.openxmlformats.org/drawingml/2006/main" xmlns:r="http://schemas.openxmlformats.org/officeDocument/2006/relationships" xmlns:p="http://schemas.openxmlformats.org/presentationml/2006/main">
-  <p:cSld>
-    <p:spTree>
-      <p:nvGrpSpPr>
-        <p:cNvPr id="1" name=""/>
-        <p:cNvGrpSpPr/>
-        <p:nvPr/>
-      </p:nvGrpSpPr>
-      <p:grpSpPr>
-        <a:xfrm>
-          <a:off x="0" y="0"/>
-          <a:ext cx="0" cy="0"/>
-          <a:chOff x="0" y="0"/>
-          <a:chExt cx="0" cy="0"/>
-        </a:xfrm>
-      </p:grpSpPr>
-      <p:sp>
-        <p:nvSpPr>
-          <p:cNvPr id="2" name="Title 1"/>
-          <p:cNvSpPr>
-            <a:spLocks noGrp="1"/>
-          </p:cNvSpPr>
-          <p:nvPr>
-            <p:ph type="title"/>
-          </p:nvPr>
-        </p:nvSpPr>
-        <p:spPr/>
-        <p:txBody>
-          <a:bodyPr/>
-          <a:lstStyle/>
-          <a:p>
-            <a:r>
-              <a:rPr lang="en-US" dirty="0"/>
-              <a:t>About Me</a:t>
-            </a:r>
-          </a:p>
-        </p:txBody>
-      </p:sp>
-      <p:sp>
-        <p:nvSpPr>
-          <p:cNvPr id="4" name="Content Placeholder 3"/>
-          <p:cNvSpPr>
-            <a:spLocks noGrp="1"/>
-          </p:cNvSpPr>
-          <p:nvPr>
-            <p:ph sz="half" idx="1"/>
-          </p:nvPr>
-        </p:nvSpPr>
-        <p:spPr/>
-        <p:txBody>
-          <a:bodyPr>
-            <a:normAutofit fontScale="92500" lnSpcReduction="10000"/>
-          </a:bodyPr>
-          <a:lstStyle/>
-          <a:p>
-            <a:r>
-              <a:rPr lang="en-US" dirty="0"/>
-              <a:t>Principal Architect – Iron Mountain</a:t>
-            </a:r>
-          </a:p>
-          <a:p>
-            <a:r>
-              <a:rPr lang="en-US" dirty="0"/>
-              <a:t>Owner of Korzynski L.L.C.</a:t>
-            </a:r>
-          </a:p>
-          <a:p>
-            <a:endParaRPr lang="en-US" dirty="0"/>
-          </a:p>
-        </p:txBody>
-      </p:sp>
-      <p:sp>
-        <p:nvSpPr>
-          <p:cNvPr id="5" name="Content Placeholder 4"/>
-          <p:cNvSpPr>
-            <a:spLocks noGrp="1"/>
-          </p:cNvSpPr>
-          <p:nvPr>
-            <p:ph sz="half" idx="2"/>
-          </p:nvPr>
-        </p:nvSpPr>
-        <p:spPr/>
-        <p:txBody>
-          <a:bodyPr>
-            <a:normAutofit fontScale="92500" lnSpcReduction="10000"/>
-          </a:bodyPr>
-          <a:lstStyle/>
-          <a:p>
-            <a:r>
-              <a:rPr lang="en-US" dirty="0"/>
-              <a:t>Professional Developer for 14+ years</a:t>
-            </a:r>
-          </a:p>
-          <a:p>
-            <a:pPr lvl="1"/>
-            <a:r>
-              <a:rPr lang="en-US" dirty="0"/>
-              <a:t>Windows Forms</a:t>
-            </a:r>
-          </a:p>
-          <a:p>
-            <a:pPr lvl="1"/>
-            <a:r>
-              <a:rPr lang="en-US" dirty="0"/>
-              <a:t>Web</a:t>
-            </a:r>
-          </a:p>
-          <a:p>
-            <a:pPr lvl="1"/>
-            <a:r>
-              <a:rPr lang="en-US" dirty="0"/>
-              <a:t>Mobile</a:t>
-            </a:r>
-          </a:p>
-          <a:p>
-            <a:pPr lvl="1"/>
-            <a:r>
-              <a:rPr lang="en-US" dirty="0"/>
-              <a:t>SQL Optimization</a:t>
-            </a:r>
-          </a:p>
-          <a:p>
-            <a:pPr lvl="1"/>
-            <a:r>
-              <a:rPr lang="en-US" dirty="0"/>
-              <a:t>Data Analysis</a:t>
-            </a:r>
-          </a:p>
-          <a:p>
-            <a:pPr lvl="1"/>
-            <a:r>
-              <a:rPr lang="en-US" dirty="0"/>
-              <a:t>Mathematics</a:t>
-            </a:r>
-          </a:p>
-          <a:p>
-            <a:pPr lvl="1"/>
-            <a:r>
-              <a:rPr lang="en-US" dirty="0"/>
-              <a:t>Big Data</a:t>
-            </a:r>
-          </a:p>
-          <a:p>
-            <a:pPr lvl="1"/>
-            <a:r>
-              <a:rPr lang="en-US" dirty="0"/>
-              <a:t>Cloud</a:t>
-            </a:r>
-          </a:p>
-          <a:p>
-            <a:pPr lvl="1"/>
-            <a:r>
-              <a:rPr lang="en-US" dirty="0"/>
-              <a:t>Machine Learning</a:t>
-            </a:r>
-          </a:p>
-          <a:p>
-            <a:endParaRPr lang="en-US" dirty="0"/>
-          </a:p>
-        </p:txBody>
-      </p:sp>
-    </p:spTree>
-    <p:extLst>
-      <p:ext uri="{BB962C8B-B14F-4D97-AF65-F5344CB8AC3E}">
-        <p14:creationId xmlns:p14="http://schemas.microsoft.com/office/powerpoint/2010/main" val="2863946527"/>
-      </p:ext>
-    </p:extLst>
-  </p:cSld>
-  <p:clrMapOvr>
-    <a:masterClrMapping/>
-  </p:clrMapOvr>
-</p:sld>
-</file>
-
-<file path=ppt/slides/slide3.xml><?xml version="1.0" encoding="utf-8"?>
-<p:sld xmlns:a="http://schemas.openxmlformats.org/drawingml/2006/main" xmlns:r="http://schemas.openxmlformats.org/officeDocument/2006/relationships" xmlns:p="http://schemas.openxmlformats.org/presentationml/2006/main">
-  <p:cSld>
-    <p:spTree>
-      <p:nvGrpSpPr>
-        <p:cNvPr id="1" name=""/>
-        <p:cNvGrpSpPr/>
-        <p:nvPr/>
-      </p:nvGrpSpPr>
-      <p:grpSpPr>
-        <a:xfrm>
-          <a:off x="0" y="0"/>
-          <a:ext cx="0" cy="0"/>
-          <a:chOff x="0" y="0"/>
-          <a:chExt cx="0" cy="0"/>
-        </a:xfrm>
-      </p:grpSpPr>
-      <p:sp>
-        <p:nvSpPr>
-          <p:cNvPr id="5" name="Title 4"/>
-          <p:cNvSpPr>
-            <a:spLocks noGrp="1"/>
-          </p:cNvSpPr>
-          <p:nvPr>
-            <p:ph type="title"/>
-          </p:nvPr>
-        </p:nvSpPr>
-        <p:spPr/>
-        <p:txBody>
-          <a:bodyPr/>
-          <a:lstStyle/>
-          <a:p>
-            <a:r>
-              <a:rPr lang="en-US" dirty="0"/>
-              <a:t>What is </a:t>
-            </a:r>
-            <a:r>
-              <a:rPr lang="en-US" dirty="0" err="1"/>
-              <a:t>Serilog</a:t>
-            </a:r>
-            <a:r>
-              <a:rPr lang="en-US" dirty="0"/>
-              <a:t>?</a:t>
-            </a:r>
-          </a:p>
-        </p:txBody>
-      </p:sp>
-      <p:sp>
-        <p:nvSpPr>
-          <p:cNvPr id="6" name="Content Placeholder 5"/>
-          <p:cNvSpPr>
-            <a:spLocks noGrp="1"/>
-          </p:cNvSpPr>
-          <p:nvPr>
-            <p:ph idx="1"/>
-          </p:nvPr>
-        </p:nvSpPr>
-        <p:spPr/>
-        <p:txBody>
-          <a:bodyPr/>
-          <a:lstStyle/>
-          <a:p>
-            <a:r>
-              <a:rPr lang="en-US" dirty="0"/>
-              <a:t>A diagnostic logging framework that is:</a:t>
-            </a:r>
-          </a:p>
-          <a:p>
-            <a:pPr lvl="1"/>
-            <a:r>
-              <a:rPr lang="en-US" dirty="0"/>
-              <a:t>Easy to use</a:t>
-            </a:r>
-          </a:p>
-          <a:p>
-            <a:pPr lvl="1"/>
-            <a:r>
-              <a:rPr lang="en-US" dirty="0"/>
-              <a:t>Easy to configure</a:t>
-            </a:r>
-          </a:p>
-          <a:p>
-            <a:pPr lvl="1"/>
-            <a:r>
-              <a:rPr lang="en-US" dirty="0"/>
-              <a:t>Extensible</a:t>
-            </a:r>
-          </a:p>
-          <a:p>
-            <a:pPr lvl="1"/>
-            <a:r>
-              <a:rPr lang="en-US" dirty="0"/>
-              <a:t>Lightweight</a:t>
-            </a:r>
-          </a:p>
-          <a:p>
-            <a:endParaRPr lang="en-US" dirty="0"/>
-          </a:p>
-        </p:txBody>
-      </p:sp>
-    </p:spTree>
-    <p:extLst>
-      <p:ext uri="{BB962C8B-B14F-4D97-AF65-F5344CB8AC3E}">
-        <p14:creationId xmlns:p14="http://schemas.microsoft.com/office/powerpoint/2010/main" val="3220309410"/>
-      </p:ext>
-    </p:extLst>
-  </p:cSld>
-  <p:clrMapOvr>
-    <a:masterClrMapping/>
-  </p:clrMapOvr>
-  <p:timing>
-    <p:tnLst>
-      <p:par>
-        <p:cTn id="1" dur="indefinite" restart="never" nodeType="tmRoot">
-          <p:childTnLst>
-            <p:seq concurrent="1" nextAc="seek">
-              <p:cTn id="2" dur="indefinite" nodeType="mainSeq">
-                <p:childTnLst>
-                  <p:par>
-                    <p:cTn id="3" fill="hold">
-                      <p:stCondLst>
-                        <p:cond delay="indefinite"/>
-                      </p:stCondLst>
-                      <p:childTnLst>
-                        <p:par>
-                          <p:cTn id="4" fill="hold">
-                            <p:stCondLst>
-                              <p:cond delay="0"/>
-                            </p:stCondLst>
-                            <p:childTnLst>
-                              <p:par>
-                                <p:cTn id="5" presetID="1" presetClass="entr" presetSubtype="0" fill="hold" nodeType="clickEffect">
-                                  <p:stCondLst>
-                                    <p:cond delay="0"/>
-                                  </p:stCondLst>
-                                  <p:childTnLst>
-                                    <p:set>
-                                      <p:cBhvr>
-                                        <p:cTn id="6" dur="1" fill="hold">
-                                          <p:stCondLst>
-                                            <p:cond delay="0"/>
-                                          </p:stCondLst>
-                                        </p:cTn>
-                                        <p:tgtEl>
-                                          <p:spTgt spid="6">
-                                            <p:txEl>
-                                              <p:pRg st="1" end="1"/>
-                                            </p:txEl>
-                                          </p:spTgt>
-                                        </p:tgtEl>
-                                        <p:attrNameLst>
-                                          <p:attrName>style.visibility</p:attrName>
-                                        </p:attrNameLst>
-                                      </p:cBhvr>
-                                      <p:to>
-                                        <p:strVal val="visible"/>
-                                      </p:to>
-                                    </p:set>
-                                  </p:childTnLst>
-                                </p:cTn>
-                              </p:par>
-                            </p:childTnLst>
-                          </p:cTn>
-                        </p:par>
-                      </p:childTnLst>
-                    </p:cTn>
-                  </p:par>
-                  <p:par>
-                    <p:cTn id="7" fill="hold">
-                      <p:stCondLst>
-                        <p:cond delay="indefinite"/>
-                      </p:stCondLst>
-                      <p:childTnLst>
-                        <p:par>
-                          <p:cTn id="8" fill="hold">
-                            <p:stCondLst>
-                              <p:cond delay="0"/>
-                            </p:stCondLst>
-                            <p:childTnLst>
-                              <p:par>
-                                <p:cTn id="9" presetID="1" presetClass="entr" presetSubtype="0" fill="hold" nodeType="clickEffect">
-                                  <p:stCondLst>
-                                    <p:cond delay="0"/>
-                                  </p:stCondLst>
-                                  <p:childTnLst>
-                                    <p:set>
-                                      <p:cBhvr>
-                                        <p:cTn id="10" dur="1" fill="hold">
-                                          <p:stCondLst>
-                                            <p:cond delay="0"/>
-                                          </p:stCondLst>
-                                        </p:cTn>
-                                        <p:tgtEl>
-                                          <p:spTgt spid="6">
-                                            <p:txEl>
-                                              <p:pRg st="2" end="2"/>
-                                            </p:txEl>
-                                          </p:spTgt>
-                                        </p:tgtEl>
-                                        <p:attrNameLst>
-                                          <p:attrName>style.visibility</p:attrName>
-                                        </p:attrNameLst>
-                                      </p:cBhvr>
-                                      <p:to>
-                                        <p:strVal val="visible"/>
-                                      </p:to>
-                                    </p:set>
-                                  </p:childTnLst>
-                                </p:cTn>
-                              </p:par>
-                            </p:childTnLst>
-                          </p:cTn>
-                        </p:par>
-                      </p:childTnLst>
-                    </p:cTn>
-                  </p:par>
-                  <p:par>
-                    <p:cTn id="11" fill="hold">
-                      <p:stCondLst>
-                        <p:cond delay="indefinite"/>
-                      </p:stCondLst>
-                      <p:childTnLst>
-                        <p:par>
-                          <p:cTn id="12" fill="hold">
-                            <p:stCondLst>
-                              <p:cond delay="0"/>
-                            </p:stCondLst>
-                            <p:childTnLst>
-                              <p:par>
-                                <p:cTn id="13" presetID="1" presetClass="entr" presetSubtype="0" fill="hold" nodeType="clickEffect">
-                                  <p:stCondLst>
-                                    <p:cond delay="0"/>
-                                  </p:stCondLst>
-                                  <p:childTnLst>
-                                    <p:set>
-                                      <p:cBhvr>
-                                        <p:cTn id="14" dur="1" fill="hold">
-                                          <p:stCondLst>
-                                            <p:cond delay="0"/>
-                                          </p:stCondLst>
-                                        </p:cTn>
-                                        <p:tgtEl>
-                                          <p:spTgt spid="6">
-                                            <p:txEl>
-                                              <p:pRg st="3" end="3"/>
-                                            </p:txEl>
-                                          </p:spTgt>
-                                        </p:tgtEl>
-                                        <p:attrNameLst>
-                                          <p:attrName>style.visibility</p:attrName>
-                                        </p:attrNameLst>
-                                      </p:cBhvr>
-                                      <p:to>
-                                        <p:strVal val="visible"/>
-                                      </p:to>
-                                    </p:set>
-                                  </p:childTnLst>
-                                </p:cTn>
-                              </p:par>
-                            </p:childTnLst>
-                          </p:cTn>
-                        </p:par>
-                      </p:childTnLst>
-                    </p:cTn>
-                  </p:par>
-                  <p:par>
-                    <p:cTn id="15" fill="hold">
-                      <p:stCondLst>
-                        <p:cond delay="indefinite"/>
-                      </p:stCondLst>
-                      <p:childTnLst>
-                        <p:par>
-                          <p:cTn id="16" fill="hold">
-                            <p:stCondLst>
-                              <p:cond delay="0"/>
-                            </p:stCondLst>
-                            <p:childTnLst>
-                              <p:par>
-                                <p:cTn id="17" presetID="1" presetClass="entr" presetSubtype="0" fill="hold" nodeType="clickEffect">
-                                  <p:stCondLst>
-                                    <p:cond delay="0"/>
-                                  </p:stCondLst>
-                                  <p:childTnLst>
-                                    <p:set>
-                                      <p:cBhvr>
-                                        <p:cTn id="18" dur="1" fill="hold">
-                                          <p:stCondLst>
-                                            <p:cond delay="0"/>
-                                          </p:stCondLst>
-                                        </p:cTn>
-                                        <p:tgtEl>
-                                          <p:spTgt spid="6">
-                                            <p:txEl>
-                                              <p:pRg st="4" end="4"/>
-                                            </p:txEl>
-                                          </p:spTgt>
-                                        </p:tgtEl>
-                                        <p:attrNameLst>
-                                          <p:attrName>style.visibility</p:attrName>
-                                        </p:attrNameLst>
-                                      </p:cBhvr>
-                                      <p:to>
-                                        <p:strVal val="visible"/>
-                                      </p:to>
-                                    </p:set>
-                                  </p:childTnLst>
-                                </p:cTn>
-                              </p:par>
-                            </p:childTnLst>
-                          </p:cTn>
-                        </p:par>
-                      </p:childTnLst>
-                    </p:cTn>
-                  </p:par>
-                </p:childTnLst>
-              </p:cTn>
-              <p:prevCondLst>
-                <p:cond evt="onPrev" delay="0">
-                  <p:tgtEl>
-                    <p:sldTgt/>
-                  </p:tgtEl>
-                </p:cond>
-              </p:prevCondLst>
-              <p:nextCondLst>
-                <p:cond evt="onNext" delay="0">
-                  <p:tgtEl>
-                    <p:sldTgt/>
-                  </p:tgtEl>
-                </p:cond>
-              </p:nextCondLst>
-            </p:seq>
-          </p:childTnLst>
-        </p:cTn>
-      </p:par>
-    </p:tnLst>
-  </p:timing>
-</p:sld>
-</file>
-
-<file path=ppt/slides/slide4.xml><?xml version="1.0" encoding="utf-8"?>
-<p:sld xmlns:a="http://schemas.openxmlformats.org/drawingml/2006/main" xmlns:r="http://schemas.openxmlformats.org/officeDocument/2006/relationships" xmlns:p="http://schemas.openxmlformats.org/presentationml/2006/main">
-  <p:cSld>
-    <p:spTree>
-      <p:nvGrpSpPr>
-        <p:cNvPr id="1" name=""/>
-        <p:cNvGrpSpPr/>
-        <p:nvPr/>
-      </p:nvGrpSpPr>
-      <p:grpSpPr>
-        <a:xfrm>
-          <a:off x="0" y="0"/>
-          <a:ext cx="0" cy="0"/>
-          <a:chOff x="0" y="0"/>
-          <a:chExt cx="0" cy="0"/>
-        </a:xfrm>
-      </p:grpSpPr>
-      <p:sp>
-        <p:nvSpPr>
-          <p:cNvPr id="2" name="Title 1"/>
-          <p:cNvSpPr>
-            <a:spLocks noGrp="1"/>
-          </p:cNvSpPr>
-          <p:nvPr>
-            <p:ph type="title"/>
-          </p:nvPr>
-        </p:nvSpPr>
-        <p:spPr/>
-        <p:txBody>
-          <a:bodyPr/>
-          <a:lstStyle/>
-          <a:p>
-            <a:r>
-              <a:rPr lang="en-US" dirty="0"/>
-              <a:t>Why </a:t>
-            </a:r>
-            <a:r>
-              <a:rPr lang="en-US" dirty="0" err="1"/>
-              <a:t>Serilog</a:t>
-            </a:r>
-            <a:r>
-              <a:rPr lang="en-US" dirty="0"/>
-              <a:t>?</a:t>
-            </a:r>
-          </a:p>
-        </p:txBody>
-      </p:sp>
-      <p:sp>
-        <p:nvSpPr>
-          <p:cNvPr id="3" name="Content Placeholder 2"/>
-          <p:cNvSpPr>
-            <a:spLocks noGrp="1"/>
-          </p:cNvSpPr>
-          <p:nvPr>
-            <p:ph idx="1"/>
-          </p:nvPr>
-        </p:nvSpPr>
-        <p:spPr/>
-        <p:txBody>
-          <a:bodyPr>
-            <a:normAutofit fontScale="92500" lnSpcReduction="10000"/>
-          </a:bodyPr>
-          <a:lstStyle/>
-          <a:p>
-            <a:r>
-              <a:rPr lang="en-US" dirty="0"/>
-              <a:t>Built from the ground up in .NET, not a port</a:t>
-            </a:r>
-          </a:p>
-          <a:p>
-            <a:r>
-              <a:rPr lang="en-US" dirty="0"/>
-              <a:t>Can write to several sources at once</a:t>
-            </a:r>
-          </a:p>
-          <a:p>
-            <a:r>
-              <a:rPr lang="en-US" dirty="0"/>
-              <a:t>Much less configuration than other frameworks</a:t>
-            </a:r>
-          </a:p>
-          <a:p>
-            <a:r>
-              <a:rPr lang="en-US" dirty="0"/>
-              <a:t>You can take as much or as little of it as you like</a:t>
-            </a:r>
-          </a:p>
-          <a:p>
-            <a:r>
-              <a:rPr lang="en-US" dirty="0"/>
-              <a:t>Extensible (can create your own sinks)</a:t>
-            </a:r>
-          </a:p>
-          <a:p>
-            <a:r>
-              <a:rPr lang="en-US" dirty="0"/>
-              <a:t>Open Source with an active community</a:t>
-            </a:r>
-          </a:p>
-          <a:p>
-            <a:r>
-              <a:rPr lang="en-US" dirty="0"/>
-              <a:t>Structured logging not just basic logging (more on this in a second)</a:t>
-            </a:r>
-          </a:p>
-          <a:p>
-            <a:r>
-              <a:rPr lang="en-US" dirty="0"/>
-              <a:t>Just gets out of your way</a:t>
-            </a:r>
-          </a:p>
-          <a:p>
-            <a:endParaRPr lang="en-US" dirty="0"/>
-          </a:p>
-        </p:txBody>
-      </p:sp>
-    </p:spTree>
-    <p:extLst>
-      <p:ext uri="{BB962C8B-B14F-4D97-AF65-F5344CB8AC3E}">
-        <p14:creationId xmlns:p14="http://schemas.microsoft.com/office/powerpoint/2010/main" val="2538030125"/>
-      </p:ext>
-    </p:extLst>
-  </p:cSld>
-  <p:clrMapOvr>
-    <a:masterClrMapping/>
-  </p:clrMapOvr>
-  <p:timing>
-    <p:tnLst>
-      <p:par>
-        <p:cTn id="1" dur="indefinite" restart="never" nodeType="tmRoot">
-          <p:childTnLst>
-            <p:seq concurrent="1" nextAc="seek">
-              <p:cTn id="2" dur="indefinite" nodeType="mainSeq">
-                <p:childTnLst>
-                  <p:par>
-                    <p:cTn id="3" fill="hold">
-                      <p:stCondLst>
-                        <p:cond delay="indefinite"/>
-                      </p:stCondLst>
-                      <p:childTnLst>
-                        <p:par>
-                          <p:cTn id="4" fill="hold">
-                            <p:stCondLst>
-                              <p:cond delay="0"/>
-                            </p:stCondLst>
-                            <p:childTnLst>
-                              <p:par>
-                                <p:cTn id="5" presetID="1" presetClass="entr" presetSubtype="0" fill="hold" nodeType="clickEffect">
-                                  <p:stCondLst>
-                                    <p:cond delay="0"/>
-                                  </p:stCondLst>
-                                  <p:childTnLst>
-                                    <p:set>
-                                      <p:cBhvr>
-                                        <p:cTn id="6" dur="1" fill="hold">
-                                          <p:stCondLst>
-                                            <p:cond delay="0"/>
-                                          </p:stCondLst>
-                                        </p:cTn>
-                                        <p:tgtEl>
-                                          <p:spTgt spid="3">
-                                            <p:txEl>
-                                              <p:pRg st="0" end="0"/>
-                                            </p:txEl>
-                                          </p:spTgt>
-                                        </p:tgtEl>
-                                        <p:attrNameLst>
-                                          <p:attrName>style.visibility</p:attrName>
-                                        </p:attrNameLst>
-                                      </p:cBhvr>
-                                      <p:to>
-                                        <p:strVal val="visible"/>
-                                      </p:to>
-                                    </p:set>
-                                  </p:childTnLst>
-                                </p:cTn>
-                              </p:par>
-                            </p:childTnLst>
-                          </p:cTn>
-                        </p:par>
-                      </p:childTnLst>
-                    </p:cTn>
-                  </p:par>
-                  <p:par>
-                    <p:cTn id="7" fill="hold">
-                      <p:stCondLst>
-                        <p:cond delay="indefinite"/>
-                      </p:stCondLst>
-                      <p:childTnLst>
-                        <p:par>
-                          <p:cTn id="8" fill="hold">
-                            <p:stCondLst>
-                              <p:cond delay="0"/>
-                            </p:stCondLst>
-                            <p:childTnLst>
-                              <p:par>
-                                <p:cTn id="9" presetID="1" presetClass="entr" presetSubtype="0" fill="hold" nodeType="clickEffect">
-                                  <p:stCondLst>
-                                    <p:cond delay="0"/>
-                                  </p:stCondLst>
-                                  <p:childTnLst>
-                                    <p:set>
-                                      <p:cBhvr>
-                                        <p:cTn id="10" dur="1" fill="hold">
-                                          <p:stCondLst>
-                                            <p:cond delay="0"/>
-                                          </p:stCondLst>
-                                        </p:cTn>
-                                        <p:tgtEl>
-                                          <p:spTgt spid="3">
-                                            <p:txEl>
-                                              <p:pRg st="1" end="1"/>
-                                            </p:txEl>
-                                          </p:spTgt>
-                                        </p:tgtEl>
-                                        <p:attrNameLst>
-                                          <p:attrName>style.visibility</p:attrName>
-                                        </p:attrNameLst>
-                                      </p:cBhvr>
-                                      <p:to>
-                                        <p:strVal val="visible"/>
-                                      </p:to>
-                                    </p:set>
-                                  </p:childTnLst>
-                                </p:cTn>
-                              </p:par>
-                            </p:childTnLst>
-                          </p:cTn>
-                        </p:par>
-                      </p:childTnLst>
-                    </p:cTn>
-                  </p:par>
-                  <p:par>
-                    <p:cTn id="11" fill="hold">
-                      <p:stCondLst>
-                        <p:cond delay="indefinite"/>
-                      </p:stCondLst>
-                      <p:childTnLst>
-                        <p:par>
-                          <p:cTn id="12" fill="hold">
-                            <p:stCondLst>
-                              <p:cond delay="0"/>
-                            </p:stCondLst>
-                            <p:childTnLst>
-                              <p:par>
-                                <p:cTn id="13" presetID="1" presetClass="entr" presetSubtype="0" fill="hold" nodeType="clickEffect">
-                                  <p:stCondLst>
-                                    <p:cond delay="0"/>
-                                  </p:stCondLst>
-                                  <p:childTnLst>
-                                    <p:set>
-                                      <p:cBhvr>
-                                        <p:cTn id="14" dur="1" fill="hold">
-                                          <p:stCondLst>
-                                            <p:cond delay="0"/>
-                                          </p:stCondLst>
-                                        </p:cTn>
-                                        <p:tgtEl>
-                                          <p:spTgt spid="3">
-                                            <p:txEl>
-                                              <p:pRg st="2" end="2"/>
-                                            </p:txEl>
-                                          </p:spTgt>
-                                        </p:tgtEl>
-                                        <p:attrNameLst>
-                                          <p:attrName>style.visibility</p:attrName>
-                                        </p:attrNameLst>
-                                      </p:cBhvr>
-                                      <p:to>
-                                        <p:strVal val="visible"/>
-                                      </p:to>
-                                    </p:set>
-                                  </p:childTnLst>
-                                </p:cTn>
-                              </p:par>
-                            </p:childTnLst>
-                          </p:cTn>
-                        </p:par>
-                      </p:childTnLst>
-                    </p:cTn>
-                  </p:par>
-                  <p:par>
-                    <p:cTn id="15" fill="hold">
-                      <p:stCondLst>
-                        <p:cond delay="indefinite"/>
-                      </p:stCondLst>
-                      <p:childTnLst>
-                        <p:par>
-                          <p:cTn id="16" fill="hold">
-                            <p:stCondLst>
-                              <p:cond delay="0"/>
-                            </p:stCondLst>
-                            <p:childTnLst>
-                              <p:par>
-                                <p:cTn id="17" presetID="1" presetClass="entr" presetSubtype="0" fill="hold" nodeType="clickEffect">
-                                  <p:stCondLst>
-                                    <p:cond delay="0"/>
-                                  </p:stCondLst>
-                                  <p:childTnLst>
-                                    <p:set>
-                                      <p:cBhvr>
-                                        <p:cTn id="18" dur="1" fill="hold">
-                                          <p:stCondLst>
-                                            <p:cond delay="0"/>
-                                          </p:stCondLst>
-                                        </p:cTn>
-                                        <p:tgtEl>
-                                          <p:spTgt spid="3">
-                                            <p:txEl>
-                                              <p:pRg st="3" end="3"/>
-                                            </p:txEl>
-                                          </p:spTgt>
-                                        </p:tgtEl>
-                                        <p:attrNameLst>
-                                          <p:attrName>style.visibility</p:attrName>
-                                        </p:attrNameLst>
-                                      </p:cBhvr>
-                                      <p:to>
-                                        <p:strVal val="visible"/>
-                                      </p:to>
-                                    </p:set>
-                                  </p:childTnLst>
-                                </p:cTn>
-                              </p:par>
-                            </p:childTnLst>
-                          </p:cTn>
-                        </p:par>
-                      </p:childTnLst>
-                    </p:cTn>
-                  </p:par>
-                  <p:par>
-                    <p:cTn id="19" fill="hold">
-                      <p:stCondLst>
-                        <p:cond delay="indefinite"/>
-                      </p:stCondLst>
-                      <p:childTnLst>
-                        <p:par>
-                          <p:cTn id="20" fill="hold">
-                            <p:stCondLst>
-                              <p:cond delay="0"/>
-                            </p:stCondLst>
-                            <p:childTnLst>
-                              <p:par>
-                                <p:cTn id="21" presetID="1" presetClass="entr" presetSubtype="0" fill="hold" nodeType="clickEffect">
-                                  <p:stCondLst>
-                                    <p:cond delay="0"/>
-                                  </p:stCondLst>
-                                  <p:childTnLst>
-                                    <p:set>
-                                      <p:cBhvr>
-                                        <p:cTn id="22" dur="1" fill="hold">
-                                          <p:stCondLst>
-                                            <p:cond delay="0"/>
-                                          </p:stCondLst>
-                                        </p:cTn>
-                                        <p:tgtEl>
-                                          <p:spTgt spid="3">
-                                            <p:txEl>
-                                              <p:pRg st="4" end="4"/>
-                                            </p:txEl>
-                                          </p:spTgt>
-                                        </p:tgtEl>
-                                        <p:attrNameLst>
-                                          <p:attrName>style.visibility</p:attrName>
-                                        </p:attrNameLst>
-                                      </p:cBhvr>
-                                      <p:to>
-                                        <p:strVal val="visible"/>
-                                      </p:to>
-                                    </p:set>
-                                  </p:childTnLst>
-                                </p:cTn>
-                              </p:par>
-                            </p:childTnLst>
-                          </p:cTn>
-                        </p:par>
-                      </p:childTnLst>
-                    </p:cTn>
-                  </p:par>
-                  <p:par>
-                    <p:cTn id="23" fill="hold">
-                      <p:stCondLst>
-                        <p:cond delay="indefinite"/>
-                      </p:stCondLst>
-                      <p:childTnLst>
-                        <p:par>
-                          <p:cTn id="24" fill="hold">
-                            <p:stCondLst>
-                              <p:cond delay="0"/>
-                            </p:stCondLst>
-                            <p:childTnLst>
-                              <p:par>
-                                <p:cTn id="25" presetID="1" presetClass="entr" presetSubtype="0" fill="hold" nodeType="clickEffect">
-                                  <p:stCondLst>
-                                    <p:cond delay="0"/>
-                                  </p:stCondLst>
-                                  <p:childTnLst>
-                                    <p:set>
-                                      <p:cBhvr>
-                                        <p:cTn id="26" dur="1" fill="hold">
-                                          <p:stCondLst>
-                                            <p:cond delay="0"/>
-                                          </p:stCondLst>
-                                        </p:cTn>
-                                        <p:tgtEl>
-                                          <p:spTgt spid="3">
-                                            <p:txEl>
-                                              <p:pRg st="5" end="5"/>
-                                            </p:txEl>
-                                          </p:spTgt>
-                                        </p:tgtEl>
-                                        <p:attrNameLst>
-                                          <p:attrName>style.visibility</p:attrName>
-                                        </p:attrNameLst>
-                                      </p:cBhvr>
-                                      <p:to>
-                                        <p:strVal val="visible"/>
-                                      </p:to>
-                                    </p:set>
-                                  </p:childTnLst>
-                                </p:cTn>
-                              </p:par>
-                            </p:childTnLst>
-                          </p:cTn>
-                        </p:par>
-                      </p:childTnLst>
-                    </p:cTn>
-                  </p:par>
-                  <p:par>
-                    <p:cTn id="27" fill="hold">
-                      <p:stCondLst>
-                        <p:cond delay="indefinite"/>
-                      </p:stCondLst>
-                      <p:childTnLst>
-                        <p:par>
-                          <p:cTn id="28" fill="hold">
-                            <p:stCondLst>
-                              <p:cond delay="0"/>
-                            </p:stCondLst>
-                            <p:childTnLst>
-                              <p:par>
-                                <p:cTn id="29" presetID="1" presetClass="entr" presetSubtype="0" fill="hold" nodeType="clickEffect">
-                                  <p:stCondLst>
-                                    <p:cond delay="0"/>
-                                  </p:stCondLst>
-                                  <p:childTnLst>
-                                    <p:set>
-                                      <p:cBhvr>
-                                        <p:cTn id="30" dur="1" fill="hold">
-                                          <p:stCondLst>
-                                            <p:cond delay="0"/>
-                                          </p:stCondLst>
-                                        </p:cTn>
-                                        <p:tgtEl>
-                                          <p:spTgt spid="3">
-                                            <p:txEl>
-                                              <p:pRg st="6" end="6"/>
-                                            </p:txEl>
-                                          </p:spTgt>
-                                        </p:tgtEl>
-                                        <p:attrNameLst>
-                                          <p:attrName>style.visibility</p:attrName>
-                                        </p:attrNameLst>
-                                      </p:cBhvr>
-                                      <p:to>
-                                        <p:strVal val="visible"/>
-                                      </p:to>
-                                    </p:set>
-                                  </p:childTnLst>
-                                </p:cTn>
-                              </p:par>
-                            </p:childTnLst>
-                          </p:cTn>
-                        </p:par>
-                      </p:childTnLst>
-                    </p:cTn>
-                  </p:par>
-                  <p:par>
-                    <p:cTn id="31" fill="hold">
-                      <p:stCondLst>
-                        <p:cond delay="indefinite"/>
-                      </p:stCondLst>
-                      <p:childTnLst>
-                        <p:par>
-                          <p:cTn id="32" fill="hold">
-                            <p:stCondLst>
-                              <p:cond delay="0"/>
-                            </p:stCondLst>
-                            <p:childTnLst>
-                              <p:par>
-                                <p:cTn id="33" presetID="1" presetClass="entr" presetSubtype="0" fill="hold" nodeType="clickEffect">
-                                  <p:stCondLst>
-                                    <p:cond delay="0"/>
-                                  </p:stCondLst>
-                                  <p:childTnLst>
-                                    <p:set>
-                                      <p:cBhvr>
-                                        <p:cTn id="34" dur="1" fill="hold">
-                                          <p:stCondLst>
-                                            <p:cond delay="0"/>
-                                          </p:stCondLst>
-                                        </p:cTn>
-                                        <p:tgtEl>
-                                          <p:spTgt spid="3">
-                                            <p:txEl>
-                                              <p:pRg st="7" end="7"/>
-                                            </p:txEl>
-                                          </p:spTgt>
-                                        </p:tgtEl>
-                                        <p:attrNameLst>
-                                          <p:attrName>style.visibility</p:attrName>
-                                        </p:attrNameLst>
-                                      </p:cBhvr>
-                                      <p:to>
-                                        <p:strVal val="visible"/>
-                                      </p:to>
-                                    </p:set>
-                                  </p:childTnLst>
-                                </p:cTn>
-                              </p:par>
-                            </p:childTnLst>
-                          </p:cTn>
-                        </p:par>
-                      </p:childTnLst>
-                    </p:cTn>
-                  </p:par>
-                </p:childTnLst>
-              </p:cTn>
-              <p:prevCondLst>
-                <p:cond evt="onPrev" delay="0">
-                  <p:tgtEl>
-                    <p:sldTgt/>
-                  </p:tgtEl>
-                </p:cond>
-              </p:prevCondLst>
-              <p:nextCondLst>
-                <p:cond evt="onNext" delay="0">
-                  <p:tgtEl>
-                    <p:sldTgt/>
-                  </p:tgtEl>
-                </p:cond>
-              </p:nextCondLst>
-            </p:seq>
-          </p:childTnLst>
-        </p:cTn>
-      </p:par>
-    </p:tnLst>
-  </p:timing>
-</p:sld>
-</file>
-
-<file path=ppt/slides/slide5.xml><?xml version="1.0" encoding="utf-8"?>
-<p:sld xmlns:a="http://schemas.openxmlformats.org/drawingml/2006/main" xmlns:r="http://schemas.openxmlformats.org/officeDocument/2006/relationships" xmlns:p="http://schemas.openxmlformats.org/presentationml/2006/main">
-  <p:cSld>
-    <p:spTree>
-      <p:nvGrpSpPr>
-        <p:cNvPr id="1" name=""/>
-        <p:cNvGrpSpPr/>
-        <p:nvPr/>
-      </p:nvGrpSpPr>
-      <p:grpSpPr>
-        <a:xfrm>
-          <a:off x="0" y="0"/>
-          <a:ext cx="0" cy="0"/>
-          <a:chOff x="0" y="0"/>
-          <a:chExt cx="0" cy="0"/>
-        </a:xfrm>
-      </p:grpSpPr>
-      <p:sp>
-        <p:nvSpPr>
-          <p:cNvPr id="2" name="Title 1"/>
-          <p:cNvSpPr>
-            <a:spLocks noGrp="1"/>
-          </p:cNvSpPr>
-          <p:nvPr>
-            <p:ph type="title"/>
-          </p:nvPr>
-        </p:nvSpPr>
-        <p:spPr/>
-        <p:txBody>
-          <a:bodyPr/>
-          <a:lstStyle/>
-          <a:p>
-            <a:r>
-              <a:rPr lang="en-US" dirty="0"/>
-              <a:t>Basic Logging VS Structured Logging</a:t>
-            </a:r>
-          </a:p>
-        </p:txBody>
-      </p:sp>
-      <p:sp>
-        <p:nvSpPr>
-          <p:cNvPr id="3" name="Content Placeholder 2"/>
-          <p:cNvSpPr>
-            <a:spLocks noGrp="1"/>
-          </p:cNvSpPr>
-          <p:nvPr>
-            <p:ph idx="1"/>
-          </p:nvPr>
-        </p:nvSpPr>
-        <p:spPr/>
-        <p:txBody>
-          <a:bodyPr/>
-          <a:lstStyle/>
-          <a:p>
-            <a:r>
-              <a:rPr lang="en-US" dirty="0"/>
-              <a:t>Basic Logging</a:t>
-            </a:r>
-          </a:p>
-          <a:p>
-            <a:pPr lvl="1"/>
-            <a:r>
-              <a:rPr lang="en-US" dirty="0" err="1"/>
-              <a:t>logger.Log</a:t>
-            </a:r>
-            <a:r>
-              <a:rPr lang="en-US" dirty="0"/>
-              <a:t>(“some message”);</a:t>
-            </a:r>
-          </a:p>
-          <a:p>
-            <a:r>
-              <a:rPr lang="en-US" dirty="0"/>
-              <a:t>Structured</a:t>
-            </a:r>
-          </a:p>
-          <a:p>
-            <a:pPr lvl="1"/>
-            <a:r>
-              <a:rPr lang="en-US" dirty="0" err="1"/>
-              <a:t>logger.Information</a:t>
-            </a:r>
-            <a:r>
-              <a:rPr lang="en-US" dirty="0"/>
-              <a:t>(“some information”);</a:t>
-            </a:r>
-          </a:p>
-          <a:p>
-            <a:pPr lvl="1"/>
-            <a:r>
-              <a:rPr lang="en-US" dirty="0" err="1"/>
-              <a:t>logger.Debug</a:t>
-            </a:r>
-            <a:r>
-              <a:rPr lang="en-US" dirty="0"/>
-              <a:t>(“some information”);</a:t>
-            </a:r>
-          </a:p>
-          <a:p>
-            <a:pPr lvl="1"/>
-            <a:r>
-              <a:rPr lang="en-US" dirty="0" err="1"/>
-              <a:t>logger.Warning</a:t>
-            </a:r>
-            <a:r>
-              <a:rPr lang="en-US" dirty="0"/>
-              <a:t>(“some information”);</a:t>
-            </a:r>
-          </a:p>
-          <a:p>
-            <a:pPr lvl="1"/>
-            <a:r>
-              <a:rPr lang="en-US" dirty="0" err="1"/>
-              <a:t>logger.Error</a:t>
-            </a:r>
-            <a:r>
-              <a:rPr lang="en-US" dirty="0"/>
-              <a:t>(exception, “some information”);</a:t>
-            </a:r>
-          </a:p>
-          <a:p>
-            <a:pPr marL="457200" lvl="1" indent="0">
-              <a:buNone/>
-            </a:pPr>
-            <a:endParaRPr lang="en-US" dirty="0"/>
-          </a:p>
-        </p:txBody>
-      </p:sp>
-    </p:spTree>
-    <p:extLst>
-      <p:ext uri="{BB962C8B-B14F-4D97-AF65-F5344CB8AC3E}">
-        <p14:creationId xmlns:p14="http://schemas.microsoft.com/office/powerpoint/2010/main" val="1663064899"/>
-      </p:ext>
-    </p:extLst>
-  </p:cSld>
-  <p:clrMapOvr>
-    <a:masterClrMapping/>
-  </p:clrMapOvr>
-  <p:timing>
-    <p:tnLst>
-      <p:par>
-        <p:cTn id="1" dur="indefinite" restart="never" nodeType="tmRoot">
-          <p:childTnLst>
-            <p:seq concurrent="1" nextAc="seek">
-              <p:cTn id="2" dur="indefinite" nodeType="mainSeq">
-                <p:childTnLst>
-                  <p:par>
-                    <p:cTn id="3" fill="hold">
-                      <p:stCondLst>
-                        <p:cond delay="indefinite"/>
-                      </p:stCondLst>
-                      <p:childTnLst>
-                        <p:par>
-                          <p:cTn id="4" fill="hold">
-                            <p:stCondLst>
-                              <p:cond delay="0"/>
-                            </p:stCondLst>
-                            <p:childTnLst>
-                              <p:par>
-                                <p:cTn id="5" presetID="1" presetClass="entr" presetSubtype="0" fill="hold" nodeType="clickEffect">
-                                  <p:stCondLst>
-                                    <p:cond delay="0"/>
-                                  </p:stCondLst>
-                                  <p:childTnLst>
-                                    <p:set>
-                                      <p:cBhvr>
-                                        <p:cTn id="6" dur="1" fill="hold">
-                                          <p:stCondLst>
-                                            <p:cond delay="0"/>
-                                          </p:stCondLst>
-                                        </p:cTn>
-                                        <p:tgtEl>
-                                          <p:spTgt spid="3">
-                                            <p:txEl>
-                                              <p:pRg st="0" end="0"/>
-                                            </p:txEl>
-                                          </p:spTgt>
-                                        </p:tgtEl>
-                                        <p:attrNameLst>
-                                          <p:attrName>style.visibility</p:attrName>
-                                        </p:attrNameLst>
-                                      </p:cBhvr>
-                                      <p:to>
-                                        <p:strVal val="visible"/>
-                                      </p:to>
-                                    </p:set>
-                                  </p:childTnLst>
-                                </p:cTn>
-                              </p:par>
-                              <p:par>
-                                <p:cTn id="7" presetID="1" presetClass="entr" presetSubtype="0" fill="hold" nodeType="withEffect">
-                                  <p:stCondLst>
-                                    <p:cond delay="0"/>
-                                  </p:stCondLst>
-                                  <p:childTnLst>
-                                    <p:set>
-                                      <p:cBhvr>
-                                        <p:cTn id="8" dur="1" fill="hold">
-                                          <p:stCondLst>
-                                            <p:cond delay="0"/>
-                                          </p:stCondLst>
-                                        </p:cTn>
-                                        <p:tgtEl>
-                                          <p:spTgt spid="3">
-                                            <p:txEl>
-                                              <p:pRg st="1" end="1"/>
-                                            </p:txEl>
-                                          </p:spTgt>
-                                        </p:tgtEl>
-                                        <p:attrNameLst>
-                                          <p:attrName>style.visibility</p:attrName>
-                                        </p:attrNameLst>
-                                      </p:cBhvr>
-                                      <p:to>
-                                        <p:strVal val="visible"/>
-                                      </p:to>
-                                    </p:set>
-                                  </p:childTnLst>
-                                </p:cTn>
-                              </p:par>
-                            </p:childTnLst>
-                          </p:cTn>
-                        </p:par>
-                      </p:childTnLst>
-                    </p:cTn>
-                  </p:par>
-                  <p:par>
-                    <p:cTn id="9" fill="hold">
-                      <p:stCondLst>
-                        <p:cond delay="indefinite"/>
-                      </p:stCondLst>
-                      <p:childTnLst>
-                        <p:par>
-                          <p:cTn id="10" fill="hold">
-                            <p:stCondLst>
-                              <p:cond delay="0"/>
-                            </p:stCondLst>
-                            <p:childTnLst>
-                              <p:par>
-                                <p:cTn id="11" presetID="1" presetClass="entr" presetSubtype="0" fill="hold" nodeType="clickEffect">
-                                  <p:stCondLst>
-                                    <p:cond delay="0"/>
-                                  </p:stCondLst>
-                                  <p:childTnLst>
-                                    <p:set>
-                                      <p:cBhvr>
-                                        <p:cTn id="12" dur="1" fill="hold">
-                                          <p:stCondLst>
-                                            <p:cond delay="0"/>
-                                          </p:stCondLst>
-                                        </p:cTn>
-                                        <p:tgtEl>
-                                          <p:spTgt spid="3">
-                                            <p:txEl>
-                                              <p:pRg st="2" end="2"/>
-                                            </p:txEl>
-                                          </p:spTgt>
-                                        </p:tgtEl>
-                                        <p:attrNameLst>
-                                          <p:attrName>style.visibility</p:attrName>
-                                        </p:attrNameLst>
-                                      </p:cBhvr>
-                                      <p:to>
-                                        <p:strVal val="visible"/>
-                                      </p:to>
-                                    </p:set>
-                                  </p:childTnLst>
-                                </p:cTn>
-                              </p:par>
-                              <p:par>
-                                <p:cTn id="13" presetID="1" presetClass="entr" presetSubtype="0" fill="hold" nodeType="withEffect">
-                                  <p:stCondLst>
-                                    <p:cond delay="0"/>
-                                  </p:stCondLst>
-                                  <p:childTnLst>
-                                    <p:set>
-                                      <p:cBhvr>
-                                        <p:cTn id="14" dur="1" fill="hold">
-                                          <p:stCondLst>
-                                            <p:cond delay="0"/>
-                                          </p:stCondLst>
-                                        </p:cTn>
-                                        <p:tgtEl>
-                                          <p:spTgt spid="3">
-                                            <p:txEl>
-                                              <p:pRg st="3" end="3"/>
-                                            </p:txEl>
-                                          </p:spTgt>
-                                        </p:tgtEl>
-                                        <p:attrNameLst>
-                                          <p:attrName>style.visibility</p:attrName>
-                                        </p:attrNameLst>
-                                      </p:cBhvr>
-                                      <p:to>
-                                        <p:strVal val="visible"/>
-                                      </p:to>
-                                    </p:set>
-                                  </p:childTnLst>
-                                </p:cTn>
-                              </p:par>
-                              <p:par>
-                                <p:cTn id="15" presetID="1" presetClass="entr" presetSubtype="0" fill="hold" nodeType="withEffect">
-                                  <p:stCondLst>
-                                    <p:cond delay="0"/>
-                                  </p:stCondLst>
-                                  <p:childTnLst>
-                                    <p:set>
-                                      <p:cBhvr>
-                                        <p:cTn id="16" dur="1" fill="hold">
-                                          <p:stCondLst>
-                                            <p:cond delay="0"/>
-                                          </p:stCondLst>
-                                        </p:cTn>
-                                        <p:tgtEl>
-                                          <p:spTgt spid="3">
-                                            <p:txEl>
-                                              <p:pRg st="4" end="4"/>
-                                            </p:txEl>
-                                          </p:spTgt>
-                                        </p:tgtEl>
-                                        <p:attrNameLst>
-                                          <p:attrName>style.visibility</p:attrName>
-                                        </p:attrNameLst>
-                                      </p:cBhvr>
-                                      <p:to>
-                                        <p:strVal val="visible"/>
-                                      </p:to>
-                                    </p:set>
-                                  </p:childTnLst>
-                                </p:cTn>
-                              </p:par>
-                              <p:par>
-                                <p:cTn id="17" presetID="1" presetClass="entr" presetSubtype="0" fill="hold" nodeType="withEffect">
-                                  <p:stCondLst>
-                                    <p:cond delay="0"/>
-                                  </p:stCondLst>
-                                  <p:childTnLst>
-                                    <p:set>
-                                      <p:cBhvr>
-                                        <p:cTn id="18" dur="1" fill="hold">
-                                          <p:stCondLst>
-                                            <p:cond delay="0"/>
-                                          </p:stCondLst>
-                                        </p:cTn>
-                                        <p:tgtEl>
-                                          <p:spTgt spid="3">
-                                            <p:txEl>
-                                              <p:pRg st="5" end="5"/>
-                                            </p:txEl>
-                                          </p:spTgt>
-                                        </p:tgtEl>
-                                        <p:attrNameLst>
-                                          <p:attrName>style.visibility</p:attrName>
-                                        </p:attrNameLst>
-                                      </p:cBhvr>
-                                      <p:to>
-                                        <p:strVal val="visible"/>
-                                      </p:to>
-                                    </p:set>
-                                  </p:childTnLst>
-                                </p:cTn>
-                              </p:par>
-                              <p:par>
-                                <p:cTn id="19" presetID="1" presetClass="entr" presetSubtype="0" fill="hold" nodeType="withEffect">
-                                  <p:stCondLst>
-                                    <p:cond delay="0"/>
-                                  </p:stCondLst>
-                                  <p:childTnLst>
-                                    <p:set>
-                                      <p:cBhvr>
-                                        <p:cTn id="20" dur="1" fill="hold">
-                                          <p:stCondLst>
-                                            <p:cond delay="0"/>
-                                          </p:stCondLst>
-                                        </p:cTn>
-                                        <p:tgtEl>
-                                          <p:spTgt spid="3">
-                                            <p:txEl>
-                                              <p:pRg st="6" end="6"/>
-                                            </p:txEl>
-                                          </p:spTgt>
-                                        </p:tgtEl>
-                                        <p:attrNameLst>
-                                          <p:attrName>style.visibility</p:attrName>
-                                        </p:attrNameLst>
-                                      </p:cBhvr>
-                                      <p:to>
-                                        <p:strVal val="visible"/>
-                                      </p:to>
-                                    </p:set>
-                                  </p:childTnLst>
-                                </p:cTn>
-                              </p:par>
-                            </p:childTnLst>
-                          </p:cTn>
-                        </p:par>
-                      </p:childTnLst>
-                    </p:cTn>
-                  </p:par>
-                </p:childTnLst>
-              </p:cTn>
-              <p:prevCondLst>
-                <p:cond evt="onPrev" delay="0">
-                  <p:tgtEl>
-                    <p:sldTgt/>
-                  </p:tgtEl>
-                </p:cond>
-              </p:prevCondLst>
-              <p:nextCondLst>
-                <p:cond evt="onNext" delay="0">
-                  <p:tgtEl>
-                    <p:sldTgt/>
-                  </p:tgtEl>
-                </p:cond>
-              </p:nextCondLst>
-            </p:seq>
-          </p:childTnLst>
-        </p:cTn>
-      </p:par>
-    </p:tnLst>
-  </p:timing>
-</p:sld>
-</file>
-
-<file path=ppt/slides/slide6.xml><?xml version="1.0" encoding="utf-8"?>
-<p:sld xmlns:a="http://schemas.openxmlformats.org/drawingml/2006/main" xmlns:r="http://schemas.openxmlformats.org/officeDocument/2006/relationships" xmlns:p="http://schemas.openxmlformats.org/presentationml/2006/main">
-  <p:cSld>
-    <p:spTree>
-      <p:nvGrpSpPr>
-        <p:cNvPr id="1" name=""/>
-        <p:cNvGrpSpPr/>
-        <p:nvPr/>
-      </p:nvGrpSpPr>
-      <p:grpSpPr>
-        <a:xfrm>
-          <a:off x="0" y="0"/>
-          <a:ext cx="0" cy="0"/>
-          <a:chOff x="0" y="0"/>
-          <a:chExt cx="0" cy="0"/>
-        </a:xfrm>
-      </p:grpSpPr>
-      <p:sp>
-        <p:nvSpPr>
-          <p:cNvPr id="2" name="Title 1"/>
-          <p:cNvSpPr>
-            <a:spLocks noGrp="1"/>
-          </p:cNvSpPr>
-          <p:nvPr>
-            <p:ph type="title"/>
-          </p:nvPr>
-        </p:nvSpPr>
-        <p:spPr/>
-        <p:txBody>
-          <a:bodyPr/>
-          <a:lstStyle/>
-          <a:p>
-            <a:r>
-              <a:rPr lang="en-US" dirty="0"/>
-              <a:t>More Structured Logging</a:t>
-            </a:r>
-          </a:p>
-        </p:txBody>
-      </p:sp>
-      <p:sp>
-        <p:nvSpPr>
-          <p:cNvPr id="3" name="Content Placeholder 2"/>
-          <p:cNvSpPr>
-            <a:spLocks noGrp="1"/>
-          </p:cNvSpPr>
-          <p:nvPr>
-            <p:ph idx="1"/>
-          </p:nvPr>
-        </p:nvSpPr>
-        <p:spPr/>
-        <p:txBody>
-          <a:bodyPr/>
-          <a:lstStyle/>
-          <a:p>
-            <a:pPr marL="457200" lvl="1" indent="0">
-              <a:buNone/>
-            </a:pPr>
-            <a:r>
-              <a:rPr lang="en-US" dirty="0" err="1"/>
-              <a:t>logger.Information</a:t>
-            </a:r>
-            <a:r>
-              <a:rPr lang="en-US" dirty="0"/>
-              <a:t>(“Customer {</a:t>
-            </a:r>
-            <a:r>
-              <a:rPr lang="en-US" dirty="0" err="1"/>
-              <a:t>CustomerName</a:t>
-            </a:r>
-            <a:r>
-              <a:rPr lang="en-US" dirty="0"/>
-              <a:t>} has been updated”, </a:t>
-            </a:r>
-            <a:r>
-              <a:rPr lang="en-US" dirty="0" err="1"/>
-              <a:t>customer.Name</a:t>
-            </a:r>
-            <a:r>
-              <a:rPr lang="en-US" dirty="0"/>
-              <a:t>);</a:t>
-            </a:r>
-          </a:p>
-          <a:p>
-            <a:pPr marL="457200" lvl="1" indent="0">
-              <a:buNone/>
-            </a:pPr>
-            <a:endParaRPr lang="en-US" dirty="0"/>
-          </a:p>
-          <a:p>
-            <a:pPr marL="457200" lvl="1" indent="0">
-              <a:buNone/>
-            </a:pPr>
-            <a:r>
-              <a:rPr lang="en-US" dirty="0" err="1"/>
-              <a:t>logger.Information</a:t>
-            </a:r>
-            <a:r>
-              <a:rPr lang="en-US" dirty="0"/>
-              <a:t>(“Customer {</a:t>
-            </a:r>
-            <a:r>
-              <a:rPr lang="en-US" dirty="0" err="1"/>
-              <a:t>CustomerId</a:t>
-            </a:r>
-            <a:r>
-              <a:rPr lang="en-US" dirty="0"/>
-              <a:t>} - {</a:t>
-            </a:r>
-            <a:r>
-              <a:rPr lang="en-US" dirty="0" err="1"/>
-              <a:t>CustomerName</a:t>
-            </a:r>
-            <a:r>
-              <a:rPr lang="en-US" dirty="0"/>
-              <a:t>} has been updated”, </a:t>
-            </a:r>
-            <a:r>
-              <a:rPr lang="en-US" dirty="0" err="1"/>
-              <a:t>customer.Id</a:t>
-            </a:r>
-            <a:r>
-              <a:rPr lang="en-US" dirty="0"/>
-              <a:t>, </a:t>
-            </a:r>
-            <a:r>
-              <a:rPr lang="en-US" dirty="0" err="1"/>
-              <a:t>customer.Name</a:t>
-            </a:r>
-            <a:r>
-              <a:rPr lang="en-US" dirty="0"/>
-              <a:t>);</a:t>
-            </a:r>
-          </a:p>
-          <a:p>
-            <a:pPr marL="457200" lvl="1" indent="0">
-              <a:buNone/>
-            </a:pPr>
-            <a:endParaRPr lang="en-US" dirty="0"/>
-          </a:p>
-        </p:txBody>
-      </p:sp>
-    </p:spTree>
-    <p:extLst>
-      <p:ext uri="{BB962C8B-B14F-4D97-AF65-F5344CB8AC3E}">
-        <p14:creationId xmlns:p14="http://schemas.microsoft.com/office/powerpoint/2010/main" val="724149226"/>
-      </p:ext>
-    </p:extLst>
-  </p:cSld>
-  <p:clrMapOvr>
-    <a:masterClrMapping/>
-  </p:clrMapOvr>
-  <p:timing>
-    <p:tnLst>
-      <p:par>
-        <p:cTn id="1" dur="indefinite" restart="never" nodeType="tmRoot">
-          <p:childTnLst>
-            <p:seq concurrent="1" nextAc="seek">
-              <p:cTn id="2" dur="indefinite" nodeType="mainSeq">
-                <p:childTnLst>
-                  <p:par>
-                    <p:cTn id="3" fill="hold">
-                      <p:stCondLst>
-                        <p:cond delay="indefinite"/>
-                        <p:cond evt="onBegin" delay="0">
-                          <p:tn val="2"/>
-                        </p:cond>
-                      </p:stCondLst>
-                      <p:childTnLst>
-                        <p:par>
-                          <p:cTn id="4" fill="hold">
-                            <p:stCondLst>
-                              <p:cond delay="0"/>
-                            </p:stCondLst>
-                            <p:childTnLst>
-                              <p:par>
-                                <p:cTn id="5" presetID="1" presetClass="entr" presetSubtype="0" fill="hold" nodeType="withEffect">
-                                  <p:stCondLst>
-                                    <p:cond delay="0"/>
-                                  </p:stCondLst>
-                                  <p:childTnLst>
-                                    <p:set>
-                                      <p:cBhvr>
-                                        <p:cTn id="6" dur="1" fill="hold">
-                                          <p:stCondLst>
-                                            <p:cond delay="0"/>
-                                          </p:stCondLst>
-                                        </p:cTn>
-                                        <p:tgtEl>
-                                          <p:spTgt spid="3">
-                                            <p:txEl>
-                                              <p:pRg st="0" end="0"/>
-                                            </p:txEl>
-                                          </p:spTgt>
-                                        </p:tgtEl>
-                                        <p:attrNameLst>
-                                          <p:attrName>style.visibility</p:attrName>
-                                        </p:attrNameLst>
-                                      </p:cBhvr>
-                                      <p:to>
-                                        <p:strVal val="visible"/>
-                                      </p:to>
-                                    </p:set>
-                                  </p:childTnLst>
-                                </p:cTn>
-                              </p:par>
-                            </p:childTnLst>
-                          </p:cTn>
-                        </p:par>
-                      </p:childTnLst>
-                    </p:cTn>
-                  </p:par>
-                  <p:par>
-                    <p:cTn id="7" fill="hold">
-                      <p:stCondLst>
-                        <p:cond delay="indefinite"/>
-                      </p:stCondLst>
-                      <p:childTnLst>
-                        <p:par>
-                          <p:cTn id="8" fill="hold">
-                            <p:stCondLst>
-                              <p:cond delay="0"/>
-                            </p:stCondLst>
-                            <p:childTnLst>
-                              <p:par>
-                                <p:cTn id="9" presetID="1" presetClass="entr" presetSubtype="0" fill="hold" nodeType="clickEffect">
-                                  <p:stCondLst>
-                                    <p:cond delay="0"/>
-                                  </p:stCondLst>
-                                  <p:childTnLst>
-                                    <p:set>
-                                      <p:cBhvr>
-                                        <p:cTn id="10" dur="1" fill="hold">
-                                          <p:stCondLst>
-                                            <p:cond delay="0"/>
-                                          </p:stCondLst>
-                                        </p:cTn>
-                                        <p:tgtEl>
-                                          <p:spTgt spid="3">
-                                            <p:txEl>
-                                              <p:pRg st="2" end="2"/>
-                                            </p:txEl>
-                                          </p:spTgt>
-                                        </p:tgtEl>
-                                        <p:attrNameLst>
-                                          <p:attrName>style.visibility</p:attrName>
-                                        </p:attrNameLst>
-                                      </p:cBhvr>
-                                      <p:to>
-                                        <p:strVal val="visible"/>
-                                      </p:to>
-                                    </p:set>
-                                  </p:childTnLst>
-                                </p:cTn>
-                              </p:par>
-                            </p:childTnLst>
-                          </p:cTn>
-                        </p:par>
-                      </p:childTnLst>
-                    </p:cTn>
-                  </p:par>
-                </p:childTnLst>
-              </p:cTn>
-              <p:prevCondLst>
-                <p:cond evt="onPrev" delay="0">
-                  <p:tgtEl>
-                    <p:sldTgt/>
-                  </p:tgtEl>
-                </p:cond>
-              </p:prevCondLst>
-              <p:nextCondLst>
-                <p:cond evt="onNext" delay="0">
-                  <p:tgtEl>
-                    <p:sldTgt/>
-                  </p:tgtEl>
-                </p:cond>
-              </p:nextCondLst>
-            </p:seq>
-          </p:childTnLst>
-        </p:cTn>
-      </p:par>
-    </p:tnLst>
-  </p:timing>
-</p:sld>
-</file>
-
-<file path=ppt/slides/slide7.xml><?xml version="1.0" encoding="utf-8"?>
-<p:sld xmlns:a="http://schemas.openxmlformats.org/drawingml/2006/main" xmlns:r="http://schemas.openxmlformats.org/officeDocument/2006/relationships" xmlns:p="http://schemas.openxmlformats.org/presentationml/2006/main">
-  <p:cSld>
-    <p:spTree>
-      <p:nvGrpSpPr>
-        <p:cNvPr id="1" name=""/>
-        <p:cNvGrpSpPr/>
-        <p:nvPr/>
-      </p:nvGrpSpPr>
-      <p:grpSpPr>
-        <a:xfrm>
-          <a:off x="0" y="0"/>
-          <a:ext cx="0" cy="0"/>
-          <a:chOff x="0" y="0"/>
-          <a:chExt cx="0" cy="0"/>
-        </a:xfrm>
-      </p:grpSpPr>
-      <p:sp>
-        <p:nvSpPr>
-          <p:cNvPr id="2" name="Title 1"/>
-          <p:cNvSpPr>
-            <a:spLocks noGrp="1"/>
-          </p:cNvSpPr>
-          <p:nvPr>
-            <p:ph type="title"/>
-          </p:nvPr>
-        </p:nvSpPr>
-        <p:spPr/>
-        <p:txBody>
-          <a:bodyPr/>
-          <a:lstStyle/>
-          <a:p>
-            <a:r>
-              <a:rPr lang="en-US" dirty="0"/>
-              <a:t>Logging methods Explained</a:t>
-            </a:r>
-          </a:p>
-        </p:txBody>
-      </p:sp>
-      <p:sp>
-        <p:nvSpPr>
-          <p:cNvPr id="3" name="Content Placeholder 2"/>
-          <p:cNvSpPr>
-            <a:spLocks noGrp="1"/>
-          </p:cNvSpPr>
-          <p:nvPr>
-            <p:ph idx="1"/>
-          </p:nvPr>
-        </p:nvSpPr>
-        <p:spPr/>
-        <p:txBody>
-          <a:bodyPr>
-            <a:normAutofit/>
-          </a:bodyPr>
-          <a:lstStyle/>
-          <a:p>
-            <a:r>
-              <a:rPr lang="en-US" dirty="0"/>
-              <a:t>The method you use tells </a:t>
-            </a:r>
-            <a:r>
-              <a:rPr lang="en-US" dirty="0" err="1"/>
-              <a:t>Serilog</a:t>
-            </a:r>
-            <a:r>
-              <a:rPr lang="en-US" dirty="0"/>
-              <a:t> how to prioritize your events.</a:t>
-            </a:r>
-          </a:p>
-          <a:p>
-            <a:pPr lvl="1"/>
-            <a:r>
-              <a:rPr lang="en-US" dirty="0"/>
-              <a:t>Fatal – show critical failures that crash the app</a:t>
-            </a:r>
-          </a:p>
-          <a:p>
-            <a:pPr lvl="1"/>
-            <a:r>
-              <a:rPr lang="en-US" dirty="0"/>
-              <a:t>Error – show failures and their associated metadata</a:t>
-            </a:r>
-          </a:p>
-          <a:p>
-            <a:pPr lvl="1"/>
-            <a:r>
-              <a:rPr lang="en-US" dirty="0"/>
-              <a:t>Warning – show possible issues</a:t>
-            </a:r>
-          </a:p>
-          <a:p>
-            <a:pPr lvl="1"/>
-            <a:r>
-              <a:rPr lang="en-US" dirty="0"/>
-              <a:t>Information – anything contextual you want to show the person consuming the logs (e.g. got into </a:t>
-            </a:r>
-            <a:r>
-              <a:rPr lang="en-US" dirty="0" err="1"/>
-              <a:t>MethodA</a:t>
-            </a:r>
-            <a:r>
-              <a:rPr lang="en-US" dirty="0"/>
-              <a:t>)</a:t>
-            </a:r>
-          </a:p>
-          <a:p>
-            <a:pPr lvl="1"/>
-            <a:r>
-              <a:rPr lang="en-US" dirty="0"/>
-              <a:t>Debug – meant for when you are debugging to pinpoint problems</a:t>
-            </a:r>
-          </a:p>
-          <a:p>
-            <a:pPr lvl="1"/>
-            <a:r>
-              <a:rPr lang="en-US" dirty="0"/>
-              <a:t>Verbose – shows everything including tracing and debugging</a:t>
-            </a:r>
-          </a:p>
-        </p:txBody>
-      </p:sp>
-    </p:spTree>
-    <p:extLst>
-      <p:ext uri="{BB962C8B-B14F-4D97-AF65-F5344CB8AC3E}">
-        <p14:creationId xmlns:p14="http://schemas.microsoft.com/office/powerpoint/2010/main" val="2324401408"/>
-      </p:ext>
-    </p:extLst>
-  </p:cSld>
-  <p:clrMapOvr>
-    <a:masterClrMapping/>
-  </p:clrMapOvr>
-</p:sld>
-</file>
-
-<file path=ppt/slides/slide8.xml><?xml version="1.0" encoding="utf-8"?>
 <p:sld xmlns:a="http://schemas.openxmlformats.org/drawingml/2006/main" xmlns:r="http://schemas.openxmlformats.org/officeDocument/2006/relationships" xmlns:p="http://schemas.openxmlformats.org/presentationml/2006/main">
   <p:cSld>
     <p:spTree>
@@ -10621,6 +6871,4005 @@
 </p:sld>
 </file>
 
+<file path=ppt/slides/slide11.xml><?xml version="1.0" encoding="utf-8"?>
+<p:sld xmlns:a="http://schemas.openxmlformats.org/drawingml/2006/main" xmlns:r="http://schemas.openxmlformats.org/officeDocument/2006/relationships" xmlns:p="http://schemas.openxmlformats.org/presentationml/2006/main">
+  <p:cSld>
+    <p:spTree>
+      <p:nvGrpSpPr>
+        <p:cNvPr id="1" name=""/>
+        <p:cNvGrpSpPr/>
+        <p:nvPr/>
+      </p:nvGrpSpPr>
+      <p:grpSpPr>
+        <a:xfrm>
+          <a:off x="0" y="0"/>
+          <a:ext cx="0" cy="0"/>
+          <a:chOff x="0" y="0"/>
+          <a:chExt cx="0" cy="0"/>
+        </a:xfrm>
+      </p:grpSpPr>
+      <p:sp>
+        <p:nvSpPr>
+          <p:cNvPr id="2" name="Title 1"/>
+          <p:cNvSpPr>
+            <a:spLocks noGrp="1"/>
+          </p:cNvSpPr>
+          <p:nvPr>
+            <p:ph type="title"/>
+          </p:nvPr>
+        </p:nvSpPr>
+        <p:spPr/>
+        <p:txBody>
+          <a:bodyPr/>
+          <a:lstStyle/>
+          <a:p>
+            <a:r>
+              <a:rPr lang="en-US" dirty="0"/>
+              <a:t>How Do I Get Started?</a:t>
+            </a:r>
+          </a:p>
+        </p:txBody>
+      </p:sp>
+      <p:sp>
+        <p:nvSpPr>
+          <p:cNvPr id="3" name="Content Placeholder 2"/>
+          <p:cNvSpPr>
+            <a:spLocks noGrp="1"/>
+          </p:cNvSpPr>
+          <p:nvPr>
+            <p:ph idx="1"/>
+          </p:nvPr>
+        </p:nvSpPr>
+        <p:spPr/>
+        <p:txBody>
+          <a:bodyPr/>
+          <a:lstStyle/>
+          <a:p>
+            <a:r>
+              <a:rPr lang="en-US" dirty="0"/>
+              <a:t>DEMO</a:t>
+            </a:r>
+          </a:p>
+        </p:txBody>
+      </p:sp>
+    </p:spTree>
+    <p:extLst>
+      <p:ext uri="{BB962C8B-B14F-4D97-AF65-F5344CB8AC3E}">
+        <p14:creationId xmlns:p14="http://schemas.microsoft.com/office/powerpoint/2010/main" val="946077987"/>
+      </p:ext>
+    </p:extLst>
+  </p:cSld>
+  <p:clrMapOvr>
+    <a:masterClrMapping/>
+  </p:clrMapOvr>
+</p:sld>
+</file>
+
+<file path=ppt/slides/slide12.xml><?xml version="1.0" encoding="utf-8"?>
+<p:sld xmlns:a="http://schemas.openxmlformats.org/drawingml/2006/main" xmlns:r="http://schemas.openxmlformats.org/officeDocument/2006/relationships" xmlns:p="http://schemas.openxmlformats.org/presentationml/2006/main">
+  <p:cSld>
+    <p:spTree>
+      <p:nvGrpSpPr>
+        <p:cNvPr id="1" name=""/>
+        <p:cNvGrpSpPr/>
+        <p:nvPr/>
+      </p:nvGrpSpPr>
+      <p:grpSpPr>
+        <a:xfrm>
+          <a:off x="0" y="0"/>
+          <a:ext cx="0" cy="0"/>
+          <a:chOff x="0" y="0"/>
+          <a:chExt cx="0" cy="0"/>
+        </a:xfrm>
+      </p:grpSpPr>
+      <p:sp>
+        <p:nvSpPr>
+          <p:cNvPr id="2" name="Title 1"/>
+          <p:cNvSpPr>
+            <a:spLocks noGrp="1"/>
+          </p:cNvSpPr>
+          <p:nvPr>
+            <p:ph type="title"/>
+          </p:nvPr>
+        </p:nvSpPr>
+        <p:spPr/>
+        <p:txBody>
+          <a:bodyPr/>
+          <a:lstStyle/>
+          <a:p>
+            <a:r>
+              <a:rPr lang="en-US" dirty="0"/>
+              <a:t>Take Only What You Need</a:t>
+            </a:r>
+          </a:p>
+        </p:txBody>
+      </p:sp>
+      <p:sp>
+        <p:nvSpPr>
+          <p:cNvPr id="3" name="Content Placeholder 2"/>
+          <p:cNvSpPr>
+            <a:spLocks noGrp="1"/>
+          </p:cNvSpPr>
+          <p:nvPr>
+            <p:ph idx="1"/>
+          </p:nvPr>
+        </p:nvSpPr>
+        <p:spPr>
+          <a:xfrm>
+            <a:off x="913795" y="2103152"/>
+            <a:ext cx="10353762" cy="3695136"/>
+          </a:xfrm>
+        </p:spPr>
+        <p:txBody>
+          <a:bodyPr/>
+          <a:lstStyle/>
+          <a:p>
+            <a:r>
+              <a:rPr lang="en-US" dirty="0"/>
+              <a:t>Just add sinks and configuration for the sources that you care about, which makes it very lightweight</a:t>
+            </a:r>
+          </a:p>
+          <a:p>
+            <a:pPr marL="457200" lvl="1" indent="0">
+              <a:buNone/>
+            </a:pPr>
+            <a:r>
+              <a:rPr lang="en-US" dirty="0"/>
+              <a:t>E.g. not forcing me to download the Azure libraries if I just want to write to a file</a:t>
+            </a:r>
+          </a:p>
+        </p:txBody>
+      </p:sp>
+    </p:spTree>
+    <p:extLst>
+      <p:ext uri="{BB962C8B-B14F-4D97-AF65-F5344CB8AC3E}">
+        <p14:creationId xmlns:p14="http://schemas.microsoft.com/office/powerpoint/2010/main" val="199621601"/>
+      </p:ext>
+    </p:extLst>
+  </p:cSld>
+  <p:clrMapOvr>
+    <a:masterClrMapping/>
+  </p:clrMapOvr>
+</p:sld>
+</file>
+
+<file path=ppt/slides/slide13.xml><?xml version="1.0" encoding="utf-8"?>
+<p:sld xmlns:a="http://schemas.openxmlformats.org/drawingml/2006/main" xmlns:r="http://schemas.openxmlformats.org/officeDocument/2006/relationships" xmlns:p="http://schemas.openxmlformats.org/presentationml/2006/main">
+  <p:cSld>
+    <p:spTree>
+      <p:nvGrpSpPr>
+        <p:cNvPr id="1" name=""/>
+        <p:cNvGrpSpPr/>
+        <p:nvPr/>
+      </p:nvGrpSpPr>
+      <p:grpSpPr>
+        <a:xfrm>
+          <a:off x="0" y="0"/>
+          <a:ext cx="0" cy="0"/>
+          <a:chOff x="0" y="0"/>
+          <a:chExt cx="0" cy="0"/>
+        </a:xfrm>
+      </p:grpSpPr>
+      <p:sp>
+        <p:nvSpPr>
+          <p:cNvPr id="2" name="Title 1"/>
+          <p:cNvSpPr>
+            <a:spLocks noGrp="1"/>
+          </p:cNvSpPr>
+          <p:nvPr>
+            <p:ph type="title"/>
+          </p:nvPr>
+        </p:nvSpPr>
+        <p:spPr/>
+        <p:txBody>
+          <a:bodyPr/>
+          <a:lstStyle/>
+          <a:p>
+            <a:r>
+              <a:rPr lang="en-US" dirty="0"/>
+              <a:t>Customize Log Output</a:t>
+            </a:r>
+          </a:p>
+        </p:txBody>
+      </p:sp>
+      <p:sp>
+        <p:nvSpPr>
+          <p:cNvPr id="3" name="Content Placeholder 2"/>
+          <p:cNvSpPr>
+            <a:spLocks noGrp="1"/>
+          </p:cNvSpPr>
+          <p:nvPr>
+            <p:ph idx="1"/>
+          </p:nvPr>
+        </p:nvSpPr>
+        <p:spPr/>
+        <p:txBody>
+          <a:bodyPr/>
+          <a:lstStyle/>
+          <a:p>
+            <a:r>
+              <a:rPr lang="en-US" dirty="0"/>
+              <a:t>You can change the format of the messages if you want</a:t>
+            </a:r>
+          </a:p>
+          <a:p>
+            <a:pPr marL="0" indent="0">
+              <a:buNone/>
+            </a:pPr>
+            <a:endParaRPr lang="en-US" dirty="0"/>
+          </a:p>
+          <a:p>
+            <a:pPr marL="0" indent="0">
+              <a:buNone/>
+            </a:pPr>
+            <a:r>
+              <a:rPr lang="en-US" dirty="0"/>
+              <a:t>.</a:t>
+            </a:r>
+            <a:r>
+              <a:rPr lang="en-US" dirty="0" err="1"/>
+              <a:t>WriteTo.RollingFile</a:t>
+            </a:r>
+            <a:r>
+              <a:rPr lang="en-US" dirty="0"/>
+              <a:t>(“log-{Date}.txt”, </a:t>
+            </a:r>
+            <a:r>
+              <a:rPr lang="en-US" dirty="0" err="1"/>
+              <a:t>outputTemplate</a:t>
+            </a:r>
+            <a:r>
+              <a:rPr lang="en-US" dirty="0"/>
+              <a:t>: “{</a:t>
+            </a:r>
+            <a:r>
+              <a:rPr lang="en-US" dirty="0" err="1"/>
+              <a:t>Timestamp:yyyy-MM-dd</a:t>
+            </a:r>
+            <a:r>
+              <a:rPr lang="en-US" dirty="0"/>
+              <a:t> </a:t>
+            </a:r>
+            <a:r>
+              <a:rPr lang="en-US" dirty="0" err="1"/>
+              <a:t>HH:mm:ss.fff</a:t>
+            </a:r>
+            <a:r>
+              <a:rPr lang="en-US" dirty="0"/>
+              <a:t> </a:t>
+            </a:r>
+            <a:r>
+              <a:rPr lang="en-US" dirty="0" err="1"/>
+              <a:t>zzz</a:t>
+            </a:r>
+            <a:r>
+              <a:rPr lang="en-US" dirty="0"/>
+              <a:t>} [{Level}] {Message}{</a:t>
+            </a:r>
+            <a:r>
+              <a:rPr lang="en-US" dirty="0" err="1"/>
+              <a:t>NewLine</a:t>
+            </a:r>
+            <a:r>
+              <a:rPr lang="en-US" dirty="0"/>
+              <a:t>}{Exception}”)</a:t>
+            </a:r>
+          </a:p>
+        </p:txBody>
+      </p:sp>
+    </p:spTree>
+    <p:extLst>
+      <p:ext uri="{BB962C8B-B14F-4D97-AF65-F5344CB8AC3E}">
+        <p14:creationId xmlns:p14="http://schemas.microsoft.com/office/powerpoint/2010/main" val="737392662"/>
+      </p:ext>
+    </p:extLst>
+  </p:cSld>
+  <p:clrMapOvr>
+    <a:masterClrMapping/>
+  </p:clrMapOvr>
+</p:sld>
+</file>
+
+<file path=ppt/slides/slide14.xml><?xml version="1.0" encoding="utf-8"?>
+<p:sld xmlns:a="http://schemas.openxmlformats.org/drawingml/2006/main" xmlns:r="http://schemas.openxmlformats.org/officeDocument/2006/relationships" xmlns:p="http://schemas.openxmlformats.org/presentationml/2006/main">
+  <p:cSld>
+    <p:spTree>
+      <p:nvGrpSpPr>
+        <p:cNvPr id="1" name=""/>
+        <p:cNvGrpSpPr/>
+        <p:nvPr/>
+      </p:nvGrpSpPr>
+      <p:grpSpPr>
+        <a:xfrm>
+          <a:off x="0" y="0"/>
+          <a:ext cx="0" cy="0"/>
+          <a:chOff x="0" y="0"/>
+          <a:chExt cx="0" cy="0"/>
+        </a:xfrm>
+      </p:grpSpPr>
+      <p:sp>
+        <p:nvSpPr>
+          <p:cNvPr id="2" name="Title 1"/>
+          <p:cNvSpPr>
+            <a:spLocks noGrp="1"/>
+          </p:cNvSpPr>
+          <p:nvPr>
+            <p:ph type="title"/>
+          </p:nvPr>
+        </p:nvSpPr>
+        <p:spPr/>
+        <p:txBody>
+          <a:bodyPr/>
+          <a:lstStyle/>
+          <a:p>
+            <a:r>
+              <a:rPr lang="en-US" dirty="0"/>
+              <a:t>Enrichers</a:t>
+            </a:r>
+          </a:p>
+        </p:txBody>
+      </p:sp>
+      <p:sp>
+        <p:nvSpPr>
+          <p:cNvPr id="3" name="Content Placeholder 2"/>
+          <p:cNvSpPr>
+            <a:spLocks noGrp="1"/>
+          </p:cNvSpPr>
+          <p:nvPr>
+            <p:ph idx="1"/>
+          </p:nvPr>
+        </p:nvSpPr>
+        <p:spPr/>
+        <p:txBody>
+          <a:bodyPr>
+            <a:normAutofit lnSpcReduction="10000"/>
+          </a:bodyPr>
+          <a:lstStyle/>
+          <a:p>
+            <a:r>
+              <a:rPr lang="en-US" dirty="0"/>
+              <a:t>Allows you to add contextual metadata with each log entry</a:t>
+            </a:r>
+          </a:p>
+          <a:p>
+            <a:r>
+              <a:rPr lang="en-US" dirty="0"/>
+              <a:t>Add the Machine Name to the entry line</a:t>
+            </a:r>
+          </a:p>
+          <a:p>
+            <a:pPr marL="0" indent="0">
+              <a:buNone/>
+            </a:pPr>
+            <a:r>
+              <a:rPr lang="en-US" dirty="0"/>
+              <a:t>         </a:t>
+            </a:r>
+            <a:r>
+              <a:rPr lang="en-US" dirty="0" err="1"/>
+              <a:t>Log.Logger</a:t>
+            </a:r>
+            <a:r>
+              <a:rPr lang="en-US" dirty="0"/>
+              <a:t> = new </a:t>
+            </a:r>
+            <a:r>
+              <a:rPr lang="en-US" dirty="0" err="1"/>
+              <a:t>LoggerConfiguration</a:t>
+            </a:r>
+            <a:r>
+              <a:rPr lang="en-US" dirty="0"/>
+              <a:t>().</a:t>
+            </a:r>
+            <a:r>
+              <a:rPr lang="en-US" dirty="0" err="1"/>
+              <a:t>ReadFrom.AppSettings</a:t>
+            </a:r>
+            <a:r>
+              <a:rPr lang="en-US" dirty="0"/>
+              <a:t>()</a:t>
+            </a:r>
+          </a:p>
+          <a:p>
+            <a:pPr marL="0" indent="0">
+              <a:buNone/>
+            </a:pPr>
+            <a:r>
+              <a:rPr lang="en-US" dirty="0"/>
+              <a:t>                .</a:t>
+            </a:r>
+            <a:r>
+              <a:rPr lang="en-US" dirty="0" err="1"/>
+              <a:t>Enrich.WithMachineName</a:t>
+            </a:r>
+            <a:r>
+              <a:rPr lang="en-US" dirty="0"/>
+              <a:t>().</a:t>
+            </a:r>
+            <a:r>
+              <a:rPr lang="en-US" dirty="0" err="1"/>
+              <a:t>CreateLogger</a:t>
+            </a:r>
+            <a:r>
+              <a:rPr lang="en-US" dirty="0"/>
+              <a:t>();</a:t>
+            </a:r>
+          </a:p>
+          <a:p>
+            <a:r>
+              <a:rPr lang="en-US" dirty="0"/>
+              <a:t>Add custom properties (will show in a bit)</a:t>
+            </a:r>
+          </a:p>
+          <a:p>
+            <a:pPr marL="0" indent="0">
+              <a:buNone/>
+            </a:pPr>
+            <a:r>
+              <a:rPr lang="en-US" dirty="0"/>
+              <a:t>        </a:t>
+            </a:r>
+            <a:r>
+              <a:rPr lang="en-US" dirty="0" err="1"/>
+              <a:t>Log.Logger</a:t>
+            </a:r>
+            <a:r>
+              <a:rPr lang="en-US" dirty="0"/>
+              <a:t> = new </a:t>
+            </a:r>
+            <a:r>
+              <a:rPr lang="en-US" dirty="0" err="1"/>
+              <a:t>LoggerConfiguration</a:t>
+            </a:r>
+            <a:r>
+              <a:rPr lang="en-US" dirty="0"/>
+              <a:t>().</a:t>
+            </a:r>
+            <a:r>
+              <a:rPr lang="en-US" dirty="0" err="1"/>
+              <a:t>ReadFrom.AppSettings</a:t>
+            </a:r>
+            <a:r>
+              <a:rPr lang="en-US" dirty="0"/>
+              <a:t>()</a:t>
+            </a:r>
+          </a:p>
+          <a:p>
+            <a:pPr marL="0" indent="0">
+              <a:buNone/>
+            </a:pPr>
+            <a:r>
+              <a:rPr lang="en-US" dirty="0"/>
+              <a:t>            .</a:t>
+            </a:r>
+            <a:r>
+              <a:rPr lang="en-US" dirty="0" err="1"/>
+              <a:t>Enrich.WithProperty</a:t>
+            </a:r>
+            <a:r>
+              <a:rPr lang="en-US" dirty="0"/>
+              <a:t>("Version", "1.0.0").</a:t>
+            </a:r>
+            <a:r>
+              <a:rPr lang="en-US" dirty="0" err="1"/>
+              <a:t>CreateLogger</a:t>
+            </a:r>
+            <a:r>
+              <a:rPr lang="en-US" dirty="0"/>
+              <a:t>();</a:t>
+            </a:r>
+          </a:p>
+          <a:p>
+            <a:r>
+              <a:rPr lang="en-US" dirty="0"/>
+              <a:t>DEMO</a:t>
+            </a:r>
+          </a:p>
+        </p:txBody>
+      </p:sp>
+    </p:spTree>
+    <p:extLst>
+      <p:ext uri="{BB962C8B-B14F-4D97-AF65-F5344CB8AC3E}">
+        <p14:creationId xmlns:p14="http://schemas.microsoft.com/office/powerpoint/2010/main" val="3613507037"/>
+      </p:ext>
+    </p:extLst>
+  </p:cSld>
+  <p:clrMapOvr>
+    <a:masterClrMapping/>
+  </p:clrMapOvr>
+  <p:timing>
+    <p:tnLst>
+      <p:par>
+        <p:cTn id="1" dur="indefinite" restart="never" nodeType="tmRoot">
+          <p:childTnLst>
+            <p:seq concurrent="1" nextAc="seek">
+              <p:cTn id="2" dur="indefinite" nodeType="mainSeq">
+                <p:childTnLst>
+                  <p:par>
+                    <p:cTn id="3" fill="hold">
+                      <p:stCondLst>
+                        <p:cond delay="indefinite"/>
+                      </p:stCondLst>
+                      <p:childTnLst>
+                        <p:par>
+                          <p:cTn id="4" fill="hold">
+                            <p:stCondLst>
+                              <p:cond delay="0"/>
+                            </p:stCondLst>
+                            <p:childTnLst>
+                              <p:par>
+                                <p:cTn id="5" presetID="1" presetClass="entr" presetSubtype="0" fill="hold" nodeType="clickEffect">
+                                  <p:stCondLst>
+                                    <p:cond delay="0"/>
+                                  </p:stCondLst>
+                                  <p:childTnLst>
+                                    <p:set>
+                                      <p:cBhvr>
+                                        <p:cTn id="6" dur="1" fill="hold">
+                                          <p:stCondLst>
+                                            <p:cond delay="0"/>
+                                          </p:stCondLst>
+                                        </p:cTn>
+                                        <p:tgtEl>
+                                          <p:spTgt spid="3">
+                                            <p:txEl>
+                                              <p:pRg st="0" end="0"/>
+                                            </p:txEl>
+                                          </p:spTgt>
+                                        </p:tgtEl>
+                                        <p:attrNameLst>
+                                          <p:attrName>style.visibility</p:attrName>
+                                        </p:attrNameLst>
+                                      </p:cBhvr>
+                                      <p:to>
+                                        <p:strVal val="visible"/>
+                                      </p:to>
+                                    </p:set>
+                                  </p:childTnLst>
+                                </p:cTn>
+                              </p:par>
+                            </p:childTnLst>
+                          </p:cTn>
+                        </p:par>
+                      </p:childTnLst>
+                    </p:cTn>
+                  </p:par>
+                  <p:par>
+                    <p:cTn id="7" fill="hold">
+                      <p:stCondLst>
+                        <p:cond delay="indefinite"/>
+                      </p:stCondLst>
+                      <p:childTnLst>
+                        <p:par>
+                          <p:cTn id="8" fill="hold">
+                            <p:stCondLst>
+                              <p:cond delay="0"/>
+                            </p:stCondLst>
+                            <p:childTnLst>
+                              <p:par>
+                                <p:cTn id="9" presetID="1" presetClass="entr" presetSubtype="0" fill="hold" nodeType="clickEffect">
+                                  <p:stCondLst>
+                                    <p:cond delay="0"/>
+                                  </p:stCondLst>
+                                  <p:childTnLst>
+                                    <p:set>
+                                      <p:cBhvr>
+                                        <p:cTn id="10" dur="1" fill="hold">
+                                          <p:stCondLst>
+                                            <p:cond delay="0"/>
+                                          </p:stCondLst>
+                                        </p:cTn>
+                                        <p:tgtEl>
+                                          <p:spTgt spid="3">
+                                            <p:txEl>
+                                              <p:pRg st="1" end="1"/>
+                                            </p:txEl>
+                                          </p:spTgt>
+                                        </p:tgtEl>
+                                        <p:attrNameLst>
+                                          <p:attrName>style.visibility</p:attrName>
+                                        </p:attrNameLst>
+                                      </p:cBhvr>
+                                      <p:to>
+                                        <p:strVal val="visible"/>
+                                      </p:to>
+                                    </p:set>
+                                  </p:childTnLst>
+                                </p:cTn>
+                              </p:par>
+                              <p:par>
+                                <p:cTn id="11" presetID="1" presetClass="entr" presetSubtype="0" fill="hold" nodeType="withEffect">
+                                  <p:stCondLst>
+                                    <p:cond delay="0"/>
+                                  </p:stCondLst>
+                                  <p:childTnLst>
+                                    <p:set>
+                                      <p:cBhvr>
+                                        <p:cTn id="12" dur="1" fill="hold">
+                                          <p:stCondLst>
+                                            <p:cond delay="0"/>
+                                          </p:stCondLst>
+                                        </p:cTn>
+                                        <p:tgtEl>
+                                          <p:spTgt spid="3">
+                                            <p:txEl>
+                                              <p:pRg st="2" end="2"/>
+                                            </p:txEl>
+                                          </p:spTgt>
+                                        </p:tgtEl>
+                                        <p:attrNameLst>
+                                          <p:attrName>style.visibility</p:attrName>
+                                        </p:attrNameLst>
+                                      </p:cBhvr>
+                                      <p:to>
+                                        <p:strVal val="visible"/>
+                                      </p:to>
+                                    </p:set>
+                                  </p:childTnLst>
+                                </p:cTn>
+                              </p:par>
+                              <p:par>
+                                <p:cTn id="13" presetID="1" presetClass="entr" presetSubtype="0" fill="hold" nodeType="withEffect">
+                                  <p:stCondLst>
+                                    <p:cond delay="0"/>
+                                  </p:stCondLst>
+                                  <p:childTnLst>
+                                    <p:set>
+                                      <p:cBhvr>
+                                        <p:cTn id="14" dur="1" fill="hold">
+                                          <p:stCondLst>
+                                            <p:cond delay="0"/>
+                                          </p:stCondLst>
+                                        </p:cTn>
+                                        <p:tgtEl>
+                                          <p:spTgt spid="3">
+                                            <p:txEl>
+                                              <p:pRg st="3" end="3"/>
+                                            </p:txEl>
+                                          </p:spTgt>
+                                        </p:tgtEl>
+                                        <p:attrNameLst>
+                                          <p:attrName>style.visibility</p:attrName>
+                                        </p:attrNameLst>
+                                      </p:cBhvr>
+                                      <p:to>
+                                        <p:strVal val="visible"/>
+                                      </p:to>
+                                    </p:set>
+                                  </p:childTnLst>
+                                </p:cTn>
+                              </p:par>
+                            </p:childTnLst>
+                          </p:cTn>
+                        </p:par>
+                      </p:childTnLst>
+                    </p:cTn>
+                  </p:par>
+                  <p:par>
+                    <p:cTn id="15" fill="hold">
+                      <p:stCondLst>
+                        <p:cond delay="indefinite"/>
+                      </p:stCondLst>
+                      <p:childTnLst>
+                        <p:par>
+                          <p:cTn id="16" fill="hold">
+                            <p:stCondLst>
+                              <p:cond delay="0"/>
+                            </p:stCondLst>
+                            <p:childTnLst>
+                              <p:par>
+                                <p:cTn id="17" presetID="1" presetClass="entr" presetSubtype="0" fill="hold" nodeType="clickEffect">
+                                  <p:stCondLst>
+                                    <p:cond delay="0"/>
+                                  </p:stCondLst>
+                                  <p:childTnLst>
+                                    <p:set>
+                                      <p:cBhvr>
+                                        <p:cTn id="18" dur="1" fill="hold">
+                                          <p:stCondLst>
+                                            <p:cond delay="0"/>
+                                          </p:stCondLst>
+                                        </p:cTn>
+                                        <p:tgtEl>
+                                          <p:spTgt spid="3">
+                                            <p:txEl>
+                                              <p:pRg st="4" end="4"/>
+                                            </p:txEl>
+                                          </p:spTgt>
+                                        </p:tgtEl>
+                                        <p:attrNameLst>
+                                          <p:attrName>style.visibility</p:attrName>
+                                        </p:attrNameLst>
+                                      </p:cBhvr>
+                                      <p:to>
+                                        <p:strVal val="visible"/>
+                                      </p:to>
+                                    </p:set>
+                                  </p:childTnLst>
+                                </p:cTn>
+                              </p:par>
+                              <p:par>
+                                <p:cTn id="19" presetID="1" presetClass="entr" presetSubtype="0" fill="hold" nodeType="withEffect">
+                                  <p:stCondLst>
+                                    <p:cond delay="0"/>
+                                  </p:stCondLst>
+                                  <p:childTnLst>
+                                    <p:set>
+                                      <p:cBhvr>
+                                        <p:cTn id="20" dur="1" fill="hold">
+                                          <p:stCondLst>
+                                            <p:cond delay="0"/>
+                                          </p:stCondLst>
+                                        </p:cTn>
+                                        <p:tgtEl>
+                                          <p:spTgt spid="3">
+                                            <p:txEl>
+                                              <p:pRg st="5" end="5"/>
+                                            </p:txEl>
+                                          </p:spTgt>
+                                        </p:tgtEl>
+                                        <p:attrNameLst>
+                                          <p:attrName>style.visibility</p:attrName>
+                                        </p:attrNameLst>
+                                      </p:cBhvr>
+                                      <p:to>
+                                        <p:strVal val="visible"/>
+                                      </p:to>
+                                    </p:set>
+                                  </p:childTnLst>
+                                </p:cTn>
+                              </p:par>
+                              <p:par>
+                                <p:cTn id="21" presetID="1" presetClass="entr" presetSubtype="0" fill="hold" nodeType="withEffect">
+                                  <p:stCondLst>
+                                    <p:cond delay="0"/>
+                                  </p:stCondLst>
+                                  <p:childTnLst>
+                                    <p:set>
+                                      <p:cBhvr>
+                                        <p:cTn id="22" dur="1" fill="hold">
+                                          <p:stCondLst>
+                                            <p:cond delay="0"/>
+                                          </p:stCondLst>
+                                        </p:cTn>
+                                        <p:tgtEl>
+                                          <p:spTgt spid="3">
+                                            <p:txEl>
+                                              <p:pRg st="6" end="6"/>
+                                            </p:txEl>
+                                          </p:spTgt>
+                                        </p:tgtEl>
+                                        <p:attrNameLst>
+                                          <p:attrName>style.visibility</p:attrName>
+                                        </p:attrNameLst>
+                                      </p:cBhvr>
+                                      <p:to>
+                                        <p:strVal val="visible"/>
+                                      </p:to>
+                                    </p:set>
+                                  </p:childTnLst>
+                                </p:cTn>
+                              </p:par>
+                            </p:childTnLst>
+                          </p:cTn>
+                        </p:par>
+                      </p:childTnLst>
+                    </p:cTn>
+                  </p:par>
+                  <p:par>
+                    <p:cTn id="23" fill="hold">
+                      <p:stCondLst>
+                        <p:cond delay="indefinite"/>
+                      </p:stCondLst>
+                      <p:childTnLst>
+                        <p:par>
+                          <p:cTn id="24" fill="hold">
+                            <p:stCondLst>
+                              <p:cond delay="0"/>
+                            </p:stCondLst>
+                            <p:childTnLst>
+                              <p:par>
+                                <p:cTn id="25" presetID="1" presetClass="entr" presetSubtype="0" fill="hold" nodeType="clickEffect">
+                                  <p:stCondLst>
+                                    <p:cond delay="0"/>
+                                  </p:stCondLst>
+                                  <p:childTnLst>
+                                    <p:set>
+                                      <p:cBhvr>
+                                        <p:cTn id="26" dur="1" fill="hold">
+                                          <p:stCondLst>
+                                            <p:cond delay="0"/>
+                                          </p:stCondLst>
+                                        </p:cTn>
+                                        <p:tgtEl>
+                                          <p:spTgt spid="3">
+                                            <p:txEl>
+                                              <p:pRg st="7" end="7"/>
+                                            </p:txEl>
+                                          </p:spTgt>
+                                        </p:tgtEl>
+                                        <p:attrNameLst>
+                                          <p:attrName>style.visibility</p:attrName>
+                                        </p:attrNameLst>
+                                      </p:cBhvr>
+                                      <p:to>
+                                        <p:strVal val="visible"/>
+                                      </p:to>
+                                    </p:set>
+                                  </p:childTnLst>
+                                </p:cTn>
+                              </p:par>
+                            </p:childTnLst>
+                          </p:cTn>
+                        </p:par>
+                      </p:childTnLst>
+                    </p:cTn>
+                  </p:par>
+                </p:childTnLst>
+              </p:cTn>
+              <p:prevCondLst>
+                <p:cond evt="onPrev" delay="0">
+                  <p:tgtEl>
+                    <p:sldTgt/>
+                  </p:tgtEl>
+                </p:cond>
+              </p:prevCondLst>
+              <p:nextCondLst>
+                <p:cond evt="onNext" delay="0">
+                  <p:tgtEl>
+                    <p:sldTgt/>
+                  </p:tgtEl>
+                </p:cond>
+              </p:nextCondLst>
+            </p:seq>
+          </p:childTnLst>
+        </p:cTn>
+      </p:par>
+    </p:tnLst>
+  </p:timing>
+</p:sld>
+</file>
+
+<file path=ppt/slides/slide15.xml><?xml version="1.0" encoding="utf-8"?>
+<p:sld xmlns:a="http://schemas.openxmlformats.org/drawingml/2006/main" xmlns:r="http://schemas.openxmlformats.org/officeDocument/2006/relationships" xmlns:p="http://schemas.openxmlformats.org/presentationml/2006/main">
+  <p:cSld>
+    <p:spTree>
+      <p:nvGrpSpPr>
+        <p:cNvPr id="1" name=""/>
+        <p:cNvGrpSpPr/>
+        <p:nvPr/>
+      </p:nvGrpSpPr>
+      <p:grpSpPr>
+        <a:xfrm>
+          <a:off x="0" y="0"/>
+          <a:ext cx="0" cy="0"/>
+          <a:chOff x="0" y="0"/>
+          <a:chExt cx="0" cy="0"/>
+        </a:xfrm>
+      </p:grpSpPr>
+      <p:sp>
+        <p:nvSpPr>
+          <p:cNvPr id="2" name="Title 1"/>
+          <p:cNvSpPr>
+            <a:spLocks noGrp="1"/>
+          </p:cNvSpPr>
+          <p:nvPr>
+            <p:ph type="title"/>
+          </p:nvPr>
+        </p:nvSpPr>
+        <p:spPr/>
+        <p:txBody>
+          <a:bodyPr/>
+          <a:lstStyle/>
+          <a:p>
+            <a:r>
+              <a:rPr lang="en-US" dirty="0"/>
+              <a:t>SEQ</a:t>
+            </a:r>
+          </a:p>
+        </p:txBody>
+      </p:sp>
+      <p:sp>
+        <p:nvSpPr>
+          <p:cNvPr id="4" name="TextBox 3"/>
+          <p:cNvSpPr txBox="1"/>
+          <p:nvPr/>
+        </p:nvSpPr>
+        <p:spPr>
+          <a:xfrm>
+            <a:off x="0" y="6296297"/>
+            <a:ext cx="12192000" cy="369332"/>
+          </a:xfrm>
+          <a:prstGeom prst="rect">
+            <a:avLst/>
+          </a:prstGeom>
+          <a:noFill/>
+        </p:spPr>
+        <p:txBody>
+          <a:bodyPr wrap="square" rtlCol="0">
+            <a:spAutoFit/>
+          </a:bodyPr>
+          <a:lstStyle/>
+          <a:p>
+            <a:pPr algn="ctr"/>
+            <a:r>
+              <a:rPr lang="en-US" dirty="0"/>
+              <a:t>https://github.com/serilog/serilog-sinks-seq</a:t>
+            </a:r>
+          </a:p>
+        </p:txBody>
+      </p:sp>
+      <p:pic>
+        <p:nvPicPr>
+          <p:cNvPr id="1026" name="Picture 2" descr="Image result for seq with serilog structured logging"/>
+          <p:cNvPicPr>
+            <a:picLocks noGrp="1" noChangeAspect="1" noChangeArrowheads="1"/>
+          </p:cNvPicPr>
+          <p:nvPr>
+            <p:ph idx="1"/>
+          </p:nvPr>
+        </p:nvPicPr>
+        <p:blipFill>
+          <a:blip r:embed="rId2">
+            <a:extLst>
+              <a:ext uri="{28A0092B-C50C-407E-A947-70E740481C1C}">
+                <a14:useLocalDpi xmlns:a14="http://schemas.microsoft.com/office/drawing/2010/main" val="0"/>
+              </a:ext>
+            </a:extLst>
+          </a:blip>
+          <a:srcRect/>
+          <a:stretch>
+            <a:fillRect/>
+          </a:stretch>
+        </p:blipFill>
+        <p:spPr bwMode="auto">
+          <a:xfrm>
+            <a:off x="1379492" y="1730652"/>
+            <a:ext cx="9423492" cy="4425396"/>
+          </a:xfrm>
+          <a:prstGeom prst="rect">
+            <a:avLst/>
+          </a:prstGeom>
+          <a:noFill/>
+          <a:extLst>
+            <a:ext uri="{909E8E84-426E-40DD-AFC4-6F175D3DCCD1}">
+              <a14:hiddenFill xmlns:a14="http://schemas.microsoft.com/office/drawing/2010/main">
+                <a:solidFill>
+                  <a:srgbClr val="FFFFFF"/>
+                </a:solidFill>
+              </a14:hiddenFill>
+            </a:ext>
+          </a:extLst>
+        </p:spPr>
+      </p:pic>
+    </p:spTree>
+    <p:extLst>
+      <p:ext uri="{BB962C8B-B14F-4D97-AF65-F5344CB8AC3E}">
+        <p14:creationId xmlns:p14="http://schemas.microsoft.com/office/powerpoint/2010/main" val="1339698871"/>
+      </p:ext>
+    </p:extLst>
+  </p:cSld>
+  <p:clrMapOvr>
+    <a:masterClrMapping/>
+  </p:clrMapOvr>
+</p:sld>
+</file>
+
+<file path=ppt/slides/slide16.xml><?xml version="1.0" encoding="utf-8"?>
+<p:sld xmlns:a="http://schemas.openxmlformats.org/drawingml/2006/main" xmlns:r="http://schemas.openxmlformats.org/officeDocument/2006/relationships" xmlns:p="http://schemas.openxmlformats.org/presentationml/2006/main">
+  <p:cSld>
+    <p:spTree>
+      <p:nvGrpSpPr>
+        <p:cNvPr id="1" name=""/>
+        <p:cNvGrpSpPr/>
+        <p:nvPr/>
+      </p:nvGrpSpPr>
+      <p:grpSpPr>
+        <a:xfrm>
+          <a:off x="0" y="0"/>
+          <a:ext cx="0" cy="0"/>
+          <a:chOff x="0" y="0"/>
+          <a:chExt cx="0" cy="0"/>
+        </a:xfrm>
+      </p:grpSpPr>
+      <p:pic>
+        <p:nvPicPr>
+          <p:cNvPr id="5" name="Content Placeholder 4">
+            <a:extLst>
+              <a:ext uri="{FF2B5EF4-FFF2-40B4-BE49-F238E27FC236}">
+                <a16:creationId xmlns:a16="http://schemas.microsoft.com/office/drawing/2014/main" id="{7EE1EE7B-471D-BD11-87F5-7DD8D57149C9}"/>
+              </a:ext>
+            </a:extLst>
+          </p:cNvPr>
+          <p:cNvPicPr>
+            <a:picLocks noGrp="1" noChangeAspect="1"/>
+          </p:cNvPicPr>
+          <p:nvPr>
+            <p:ph idx="1"/>
+          </p:nvPr>
+        </p:nvPicPr>
+        <p:blipFill>
+          <a:blip r:embed="rId2"/>
+          <a:stretch>
+            <a:fillRect/>
+          </a:stretch>
+        </p:blipFill>
+        <p:spPr>
+          <a:xfrm>
+            <a:off x="1927630" y="650087"/>
+            <a:ext cx="8336739" cy="5557826"/>
+          </a:xfrm>
+        </p:spPr>
+      </p:pic>
+    </p:spTree>
+    <p:extLst>
+      <p:ext uri="{BB962C8B-B14F-4D97-AF65-F5344CB8AC3E}">
+        <p14:creationId xmlns:p14="http://schemas.microsoft.com/office/powerpoint/2010/main" val="423946810"/>
+      </p:ext>
+    </p:extLst>
+  </p:cSld>
+  <p:clrMapOvr>
+    <a:masterClrMapping/>
+  </p:clrMapOvr>
+</p:sld>
+</file>
+
+<file path=ppt/slides/slide17.xml><?xml version="1.0" encoding="utf-8"?>
+<p:sld xmlns:a="http://schemas.openxmlformats.org/drawingml/2006/main" xmlns:r="http://schemas.openxmlformats.org/officeDocument/2006/relationships" xmlns:p="http://schemas.openxmlformats.org/presentationml/2006/main">
+  <p:cSld>
+    <p:spTree>
+      <p:nvGrpSpPr>
+        <p:cNvPr id="1" name=""/>
+        <p:cNvGrpSpPr/>
+        <p:nvPr/>
+      </p:nvGrpSpPr>
+      <p:grpSpPr>
+        <a:xfrm>
+          <a:off x="0" y="0"/>
+          <a:ext cx="0" cy="0"/>
+          <a:chOff x="0" y="0"/>
+          <a:chExt cx="0" cy="0"/>
+        </a:xfrm>
+      </p:grpSpPr>
+      <p:sp>
+        <p:nvSpPr>
+          <p:cNvPr id="2" name="Title 1"/>
+          <p:cNvSpPr>
+            <a:spLocks noGrp="1"/>
+          </p:cNvSpPr>
+          <p:nvPr>
+            <p:ph type="title"/>
+          </p:nvPr>
+        </p:nvSpPr>
+        <p:spPr/>
+        <p:txBody>
+          <a:bodyPr/>
+          <a:lstStyle/>
+          <a:p>
+            <a:r>
+              <a:rPr lang="en-US" dirty="0"/>
+              <a:t>Create Your Own Sink</a:t>
+            </a:r>
+          </a:p>
+        </p:txBody>
+      </p:sp>
+      <p:sp>
+        <p:nvSpPr>
+          <p:cNvPr id="3" name="Content Placeholder 2"/>
+          <p:cNvSpPr>
+            <a:spLocks noGrp="1"/>
+          </p:cNvSpPr>
+          <p:nvPr>
+            <p:ph idx="1"/>
+          </p:nvPr>
+        </p:nvSpPr>
+        <p:spPr/>
+        <p:txBody>
+          <a:bodyPr/>
+          <a:lstStyle/>
+          <a:p>
+            <a:r>
+              <a:rPr lang="en-US" dirty="0"/>
+              <a:t>DEMO</a:t>
+            </a:r>
+          </a:p>
+        </p:txBody>
+      </p:sp>
+    </p:spTree>
+    <p:extLst>
+      <p:ext uri="{BB962C8B-B14F-4D97-AF65-F5344CB8AC3E}">
+        <p14:creationId xmlns:p14="http://schemas.microsoft.com/office/powerpoint/2010/main" val="3354659858"/>
+      </p:ext>
+    </p:extLst>
+  </p:cSld>
+  <p:clrMapOvr>
+    <a:masterClrMapping/>
+  </p:clrMapOvr>
+</p:sld>
+</file>
+
+<file path=ppt/slides/slide18.xml><?xml version="1.0" encoding="utf-8"?>
+<p:sld xmlns:a="http://schemas.openxmlformats.org/drawingml/2006/main" xmlns:r="http://schemas.openxmlformats.org/officeDocument/2006/relationships" xmlns:p="http://schemas.openxmlformats.org/presentationml/2006/main">
+  <p:cSld>
+    <p:spTree>
+      <p:nvGrpSpPr>
+        <p:cNvPr id="1" name=""/>
+        <p:cNvGrpSpPr/>
+        <p:nvPr/>
+      </p:nvGrpSpPr>
+      <p:grpSpPr>
+        <a:xfrm>
+          <a:off x="0" y="0"/>
+          <a:ext cx="0" cy="0"/>
+          <a:chOff x="0" y="0"/>
+          <a:chExt cx="0" cy="0"/>
+        </a:xfrm>
+      </p:grpSpPr>
+      <p:sp>
+        <p:nvSpPr>
+          <p:cNvPr id="2" name="Title 1">
+            <a:extLst>
+              <a:ext uri="{FF2B5EF4-FFF2-40B4-BE49-F238E27FC236}">
+                <a16:creationId xmlns:a16="http://schemas.microsoft.com/office/drawing/2014/main" id="{43A22611-D248-4AF1-BDD8-D7DD2AE6E1FA}"/>
+              </a:ext>
+            </a:extLst>
+          </p:cNvPr>
+          <p:cNvSpPr>
+            <a:spLocks noGrp="1"/>
+          </p:cNvSpPr>
+          <p:nvPr>
+            <p:ph type="title"/>
+          </p:nvPr>
+        </p:nvSpPr>
+        <p:spPr/>
+        <p:txBody>
+          <a:bodyPr/>
+          <a:lstStyle/>
+          <a:p>
+            <a:r>
+              <a:rPr lang="en-US" dirty="0"/>
+              <a:t>ASYNCHRONOUS LOGGING</a:t>
+            </a:r>
+          </a:p>
+        </p:txBody>
+      </p:sp>
+      <p:sp>
+        <p:nvSpPr>
+          <p:cNvPr id="3" name="Content Placeholder 2">
+            <a:extLst>
+              <a:ext uri="{FF2B5EF4-FFF2-40B4-BE49-F238E27FC236}">
+                <a16:creationId xmlns:a16="http://schemas.microsoft.com/office/drawing/2014/main" id="{8C297872-6461-40BD-877E-06F6B14B9C4D}"/>
+              </a:ext>
+            </a:extLst>
+          </p:cNvPr>
+          <p:cNvSpPr>
+            <a:spLocks noGrp="1"/>
+          </p:cNvSpPr>
+          <p:nvPr>
+            <p:ph idx="1"/>
+          </p:nvPr>
+        </p:nvSpPr>
+        <p:spPr/>
+        <p:txBody>
+          <a:bodyPr>
+            <a:normAutofit fontScale="85000" lnSpcReduction="10000"/>
+          </a:bodyPr>
+          <a:lstStyle/>
+          <a:p>
+            <a:r>
+              <a:rPr lang="en-US" dirty="0" err="1"/>
+              <a:t>NuGets</a:t>
+            </a:r>
+            <a:endParaRPr lang="en-US" dirty="0"/>
+          </a:p>
+          <a:p>
+            <a:pPr lvl="1"/>
+            <a:r>
+              <a:rPr lang="en-US" dirty="0" err="1"/>
+              <a:t>Serilog.Sinks.Async</a:t>
+            </a:r>
+            <a:r>
+              <a:rPr lang="en-US" dirty="0"/>
+              <a:t> – provides asynchronous wrapper for </a:t>
+            </a:r>
+            <a:r>
+              <a:rPr lang="en-US" dirty="0" err="1"/>
+              <a:t>Serilog</a:t>
+            </a:r>
+            <a:r>
+              <a:rPr lang="en-US" dirty="0"/>
+              <a:t> sinks (delegated to work on a background thread)</a:t>
+            </a:r>
+          </a:p>
+          <a:p>
+            <a:pPr lvl="1"/>
+            <a:r>
+              <a:rPr lang="en-US" dirty="0" err="1"/>
+              <a:t>Serilog.Sinks.AsyncRollingFile</a:t>
+            </a:r>
+            <a:r>
+              <a:rPr lang="en-US" dirty="0"/>
+              <a:t> – provides better asynchronous handling of log files</a:t>
+            </a:r>
+          </a:p>
+          <a:p>
+            <a:r>
+              <a:rPr lang="en-US" dirty="0"/>
+              <a:t>Example</a:t>
+            </a:r>
+          </a:p>
+          <a:p>
+            <a:pPr marL="0" indent="0">
+              <a:buNone/>
+            </a:pPr>
+            <a:r>
+              <a:rPr lang="en-US" sz="1900" dirty="0" err="1"/>
+              <a:t>Log.Logger</a:t>
+            </a:r>
+            <a:r>
+              <a:rPr lang="en-US" sz="1900" dirty="0"/>
+              <a:t> = new </a:t>
+            </a:r>
+            <a:r>
+              <a:rPr lang="en-US" sz="1900" dirty="0" err="1"/>
+              <a:t>LoggerConfiguration</a:t>
+            </a:r>
+            <a:r>
+              <a:rPr lang="en-US" sz="1900" dirty="0"/>
+              <a:t>()  </a:t>
+            </a:r>
+          </a:p>
+          <a:p>
+            <a:pPr marL="0" indent="0">
+              <a:buNone/>
+            </a:pPr>
+            <a:r>
+              <a:rPr lang="en-US" sz="1900" dirty="0"/>
+              <a:t>       .</a:t>
+            </a:r>
+            <a:r>
+              <a:rPr lang="en-US" sz="1900" dirty="0" err="1"/>
+              <a:t>WriteTo.Async</a:t>
+            </a:r>
+            <a:r>
+              <a:rPr lang="en-US" sz="1900" dirty="0"/>
+              <a:t>(x =&gt; </a:t>
+            </a:r>
+            <a:r>
+              <a:rPr lang="en-US" sz="1900" dirty="0" err="1"/>
+              <a:t>x.LiterateConsole</a:t>
+            </a:r>
+            <a:r>
+              <a:rPr lang="en-US" sz="1900" dirty="0"/>
+              <a:t>()</a:t>
+            </a:r>
+          </a:p>
+          <a:p>
+            <a:pPr marL="0" indent="0">
+              <a:buNone/>
+            </a:pPr>
+            <a:r>
+              <a:rPr lang="en-US" sz="1900" dirty="0"/>
+              <a:t>       .</a:t>
+            </a:r>
+            <a:r>
+              <a:rPr lang="en-US" sz="1900" dirty="0" err="1"/>
+              <a:t>WriteTo.Async</a:t>
+            </a:r>
+            <a:r>
+              <a:rPr lang="en-US" sz="1900" dirty="0"/>
+              <a:t>(x=&gt;</a:t>
+            </a:r>
+            <a:r>
+              <a:rPr lang="en-US" sz="1900" dirty="0" err="1"/>
+              <a:t>x.RollingFile</a:t>
+            </a:r>
+            <a:r>
+              <a:rPr lang="en-US" sz="1900" dirty="0"/>
+              <a:t>(“logs/log.txt”)</a:t>
+            </a:r>
+          </a:p>
+          <a:p>
+            <a:pPr marL="0" indent="0">
+              <a:buNone/>
+            </a:pPr>
+            <a:r>
+              <a:rPr lang="en-US" sz="1900" dirty="0"/>
+              <a:t>       .</a:t>
+            </a:r>
+            <a:r>
+              <a:rPr lang="en-US" sz="1900" dirty="0" err="1"/>
+              <a:t>CreateLogger</a:t>
+            </a:r>
+            <a:r>
+              <a:rPr lang="en-US" sz="1900" dirty="0"/>
+              <a:t>();</a:t>
+            </a:r>
+          </a:p>
+          <a:p>
+            <a:r>
+              <a:rPr lang="en-US" dirty="0"/>
+              <a:t>DEMO</a:t>
+            </a:r>
+          </a:p>
+        </p:txBody>
+      </p:sp>
+    </p:spTree>
+    <p:extLst>
+      <p:ext uri="{BB962C8B-B14F-4D97-AF65-F5344CB8AC3E}">
+        <p14:creationId xmlns:p14="http://schemas.microsoft.com/office/powerpoint/2010/main" val="3827409751"/>
+      </p:ext>
+    </p:extLst>
+  </p:cSld>
+  <p:clrMapOvr>
+    <a:masterClrMapping/>
+  </p:clrMapOvr>
+  <p:timing>
+    <p:tnLst>
+      <p:par>
+        <p:cTn id="1" dur="indefinite" restart="never" nodeType="tmRoot">
+          <p:childTnLst>
+            <p:seq concurrent="1" nextAc="seek">
+              <p:cTn id="2" dur="indefinite" nodeType="mainSeq">
+                <p:childTnLst>
+                  <p:par>
+                    <p:cTn id="3" fill="hold">
+                      <p:stCondLst>
+                        <p:cond delay="indefinite"/>
+                      </p:stCondLst>
+                      <p:childTnLst>
+                        <p:par>
+                          <p:cTn id="4" fill="hold">
+                            <p:stCondLst>
+                              <p:cond delay="0"/>
+                            </p:stCondLst>
+                            <p:childTnLst>
+                              <p:par>
+                                <p:cTn id="5" presetID="1" presetClass="entr" presetSubtype="0" fill="hold" nodeType="clickEffect">
+                                  <p:stCondLst>
+                                    <p:cond delay="0"/>
+                                  </p:stCondLst>
+                                  <p:childTnLst>
+                                    <p:set>
+                                      <p:cBhvr>
+                                        <p:cTn id="6" dur="1" fill="hold">
+                                          <p:stCondLst>
+                                            <p:cond delay="0"/>
+                                          </p:stCondLst>
+                                        </p:cTn>
+                                        <p:tgtEl>
+                                          <p:spTgt spid="3">
+                                            <p:txEl>
+                                              <p:pRg st="0" end="0"/>
+                                            </p:txEl>
+                                          </p:spTgt>
+                                        </p:tgtEl>
+                                        <p:attrNameLst>
+                                          <p:attrName>style.visibility</p:attrName>
+                                        </p:attrNameLst>
+                                      </p:cBhvr>
+                                      <p:to>
+                                        <p:strVal val="visible"/>
+                                      </p:to>
+                                    </p:set>
+                                  </p:childTnLst>
+                                </p:cTn>
+                              </p:par>
+                              <p:par>
+                                <p:cTn id="7" presetID="1" presetClass="entr" presetSubtype="0" fill="hold" nodeType="withEffect">
+                                  <p:stCondLst>
+                                    <p:cond delay="0"/>
+                                  </p:stCondLst>
+                                  <p:childTnLst>
+                                    <p:set>
+                                      <p:cBhvr>
+                                        <p:cTn id="8" dur="1" fill="hold">
+                                          <p:stCondLst>
+                                            <p:cond delay="0"/>
+                                          </p:stCondLst>
+                                        </p:cTn>
+                                        <p:tgtEl>
+                                          <p:spTgt spid="3">
+                                            <p:txEl>
+                                              <p:pRg st="1" end="1"/>
+                                            </p:txEl>
+                                          </p:spTgt>
+                                        </p:tgtEl>
+                                        <p:attrNameLst>
+                                          <p:attrName>style.visibility</p:attrName>
+                                        </p:attrNameLst>
+                                      </p:cBhvr>
+                                      <p:to>
+                                        <p:strVal val="visible"/>
+                                      </p:to>
+                                    </p:set>
+                                  </p:childTnLst>
+                                </p:cTn>
+                              </p:par>
+                              <p:par>
+                                <p:cTn id="9" presetID="1" presetClass="entr" presetSubtype="0" fill="hold" nodeType="withEffect">
+                                  <p:stCondLst>
+                                    <p:cond delay="0"/>
+                                  </p:stCondLst>
+                                  <p:childTnLst>
+                                    <p:set>
+                                      <p:cBhvr>
+                                        <p:cTn id="10" dur="1" fill="hold">
+                                          <p:stCondLst>
+                                            <p:cond delay="0"/>
+                                          </p:stCondLst>
+                                        </p:cTn>
+                                        <p:tgtEl>
+                                          <p:spTgt spid="3">
+                                            <p:txEl>
+                                              <p:pRg st="2" end="2"/>
+                                            </p:txEl>
+                                          </p:spTgt>
+                                        </p:tgtEl>
+                                        <p:attrNameLst>
+                                          <p:attrName>style.visibility</p:attrName>
+                                        </p:attrNameLst>
+                                      </p:cBhvr>
+                                      <p:to>
+                                        <p:strVal val="visible"/>
+                                      </p:to>
+                                    </p:set>
+                                  </p:childTnLst>
+                                </p:cTn>
+                              </p:par>
+                            </p:childTnLst>
+                          </p:cTn>
+                        </p:par>
+                      </p:childTnLst>
+                    </p:cTn>
+                  </p:par>
+                  <p:par>
+                    <p:cTn id="11" fill="hold">
+                      <p:stCondLst>
+                        <p:cond delay="indefinite"/>
+                      </p:stCondLst>
+                      <p:childTnLst>
+                        <p:par>
+                          <p:cTn id="12" fill="hold">
+                            <p:stCondLst>
+                              <p:cond delay="0"/>
+                            </p:stCondLst>
+                            <p:childTnLst>
+                              <p:par>
+                                <p:cTn id="13" presetID="1" presetClass="entr" presetSubtype="0" fill="hold" nodeType="clickEffect">
+                                  <p:stCondLst>
+                                    <p:cond delay="0"/>
+                                  </p:stCondLst>
+                                  <p:childTnLst>
+                                    <p:set>
+                                      <p:cBhvr>
+                                        <p:cTn id="14" dur="1" fill="hold">
+                                          <p:stCondLst>
+                                            <p:cond delay="0"/>
+                                          </p:stCondLst>
+                                        </p:cTn>
+                                        <p:tgtEl>
+                                          <p:spTgt spid="3">
+                                            <p:txEl>
+                                              <p:pRg st="3" end="3"/>
+                                            </p:txEl>
+                                          </p:spTgt>
+                                        </p:tgtEl>
+                                        <p:attrNameLst>
+                                          <p:attrName>style.visibility</p:attrName>
+                                        </p:attrNameLst>
+                                      </p:cBhvr>
+                                      <p:to>
+                                        <p:strVal val="visible"/>
+                                      </p:to>
+                                    </p:set>
+                                  </p:childTnLst>
+                                </p:cTn>
+                              </p:par>
+                              <p:par>
+                                <p:cTn id="15" presetID="1" presetClass="entr" presetSubtype="0" fill="hold" nodeType="withEffect">
+                                  <p:stCondLst>
+                                    <p:cond delay="0"/>
+                                  </p:stCondLst>
+                                  <p:childTnLst>
+                                    <p:set>
+                                      <p:cBhvr>
+                                        <p:cTn id="16" dur="1" fill="hold">
+                                          <p:stCondLst>
+                                            <p:cond delay="0"/>
+                                          </p:stCondLst>
+                                        </p:cTn>
+                                        <p:tgtEl>
+                                          <p:spTgt spid="3">
+                                            <p:txEl>
+                                              <p:pRg st="4" end="4"/>
+                                            </p:txEl>
+                                          </p:spTgt>
+                                        </p:tgtEl>
+                                        <p:attrNameLst>
+                                          <p:attrName>style.visibility</p:attrName>
+                                        </p:attrNameLst>
+                                      </p:cBhvr>
+                                      <p:to>
+                                        <p:strVal val="visible"/>
+                                      </p:to>
+                                    </p:set>
+                                  </p:childTnLst>
+                                </p:cTn>
+                              </p:par>
+                              <p:par>
+                                <p:cTn id="17" presetID="1" presetClass="entr" presetSubtype="0" fill="hold" nodeType="withEffect">
+                                  <p:stCondLst>
+                                    <p:cond delay="0"/>
+                                  </p:stCondLst>
+                                  <p:childTnLst>
+                                    <p:set>
+                                      <p:cBhvr>
+                                        <p:cTn id="18" dur="1" fill="hold">
+                                          <p:stCondLst>
+                                            <p:cond delay="0"/>
+                                          </p:stCondLst>
+                                        </p:cTn>
+                                        <p:tgtEl>
+                                          <p:spTgt spid="3">
+                                            <p:txEl>
+                                              <p:pRg st="5" end="5"/>
+                                            </p:txEl>
+                                          </p:spTgt>
+                                        </p:tgtEl>
+                                        <p:attrNameLst>
+                                          <p:attrName>style.visibility</p:attrName>
+                                        </p:attrNameLst>
+                                      </p:cBhvr>
+                                      <p:to>
+                                        <p:strVal val="visible"/>
+                                      </p:to>
+                                    </p:set>
+                                  </p:childTnLst>
+                                </p:cTn>
+                              </p:par>
+                              <p:par>
+                                <p:cTn id="19" presetID="1" presetClass="entr" presetSubtype="0" fill="hold" nodeType="withEffect">
+                                  <p:stCondLst>
+                                    <p:cond delay="0"/>
+                                  </p:stCondLst>
+                                  <p:childTnLst>
+                                    <p:set>
+                                      <p:cBhvr>
+                                        <p:cTn id="20" dur="1" fill="hold">
+                                          <p:stCondLst>
+                                            <p:cond delay="0"/>
+                                          </p:stCondLst>
+                                        </p:cTn>
+                                        <p:tgtEl>
+                                          <p:spTgt spid="3">
+                                            <p:txEl>
+                                              <p:pRg st="6" end="6"/>
+                                            </p:txEl>
+                                          </p:spTgt>
+                                        </p:tgtEl>
+                                        <p:attrNameLst>
+                                          <p:attrName>style.visibility</p:attrName>
+                                        </p:attrNameLst>
+                                      </p:cBhvr>
+                                      <p:to>
+                                        <p:strVal val="visible"/>
+                                      </p:to>
+                                    </p:set>
+                                  </p:childTnLst>
+                                </p:cTn>
+                              </p:par>
+                              <p:par>
+                                <p:cTn id="21" presetID="1" presetClass="entr" presetSubtype="0" fill="hold" nodeType="withEffect">
+                                  <p:stCondLst>
+                                    <p:cond delay="0"/>
+                                  </p:stCondLst>
+                                  <p:childTnLst>
+                                    <p:set>
+                                      <p:cBhvr>
+                                        <p:cTn id="22" dur="1" fill="hold">
+                                          <p:stCondLst>
+                                            <p:cond delay="0"/>
+                                          </p:stCondLst>
+                                        </p:cTn>
+                                        <p:tgtEl>
+                                          <p:spTgt spid="3">
+                                            <p:txEl>
+                                              <p:pRg st="7" end="7"/>
+                                            </p:txEl>
+                                          </p:spTgt>
+                                        </p:tgtEl>
+                                        <p:attrNameLst>
+                                          <p:attrName>style.visibility</p:attrName>
+                                        </p:attrNameLst>
+                                      </p:cBhvr>
+                                      <p:to>
+                                        <p:strVal val="visible"/>
+                                      </p:to>
+                                    </p:set>
+                                  </p:childTnLst>
+                                </p:cTn>
+                              </p:par>
+                              <p:par>
+                                <p:cTn id="23" presetID="1" presetClass="entr" presetSubtype="0" fill="hold" nodeType="withEffect">
+                                  <p:stCondLst>
+                                    <p:cond delay="0"/>
+                                  </p:stCondLst>
+                                  <p:childTnLst>
+                                    <p:set>
+                                      <p:cBhvr>
+                                        <p:cTn id="24" dur="1" fill="hold">
+                                          <p:stCondLst>
+                                            <p:cond delay="0"/>
+                                          </p:stCondLst>
+                                        </p:cTn>
+                                        <p:tgtEl>
+                                          <p:spTgt spid="3">
+                                            <p:txEl>
+                                              <p:pRg st="8" end="8"/>
+                                            </p:txEl>
+                                          </p:spTgt>
+                                        </p:tgtEl>
+                                        <p:attrNameLst>
+                                          <p:attrName>style.visibility</p:attrName>
+                                        </p:attrNameLst>
+                                      </p:cBhvr>
+                                      <p:to>
+                                        <p:strVal val="visible"/>
+                                      </p:to>
+                                    </p:set>
+                                  </p:childTnLst>
+                                </p:cTn>
+                              </p:par>
+                            </p:childTnLst>
+                          </p:cTn>
+                        </p:par>
+                      </p:childTnLst>
+                    </p:cTn>
+                  </p:par>
+                </p:childTnLst>
+              </p:cTn>
+              <p:prevCondLst>
+                <p:cond evt="onPrev" delay="0">
+                  <p:tgtEl>
+                    <p:sldTgt/>
+                  </p:tgtEl>
+                </p:cond>
+              </p:prevCondLst>
+              <p:nextCondLst>
+                <p:cond evt="onNext" delay="0">
+                  <p:tgtEl>
+                    <p:sldTgt/>
+                  </p:tgtEl>
+                </p:cond>
+              </p:nextCondLst>
+            </p:seq>
+          </p:childTnLst>
+        </p:cTn>
+      </p:par>
+    </p:tnLst>
+  </p:timing>
+</p:sld>
+</file>
+
+<file path=ppt/slides/slide19.xml><?xml version="1.0" encoding="utf-8"?>
+<p:sld xmlns:a="http://schemas.openxmlformats.org/drawingml/2006/main" xmlns:r="http://schemas.openxmlformats.org/officeDocument/2006/relationships" xmlns:p="http://schemas.openxmlformats.org/presentationml/2006/main" show="0">
+  <p:cSld>
+    <p:spTree>
+      <p:nvGrpSpPr>
+        <p:cNvPr id="1" name=""/>
+        <p:cNvGrpSpPr/>
+        <p:nvPr/>
+      </p:nvGrpSpPr>
+      <p:grpSpPr>
+        <a:xfrm>
+          <a:off x="0" y="0"/>
+          <a:ext cx="0" cy="0"/>
+          <a:chOff x="0" y="0"/>
+          <a:chExt cx="0" cy="0"/>
+        </a:xfrm>
+      </p:grpSpPr>
+      <p:sp>
+        <p:nvSpPr>
+          <p:cNvPr id="2" name="Title 1"/>
+          <p:cNvSpPr>
+            <a:spLocks noGrp="1"/>
+          </p:cNvSpPr>
+          <p:nvPr>
+            <p:ph type="title"/>
+          </p:nvPr>
+        </p:nvSpPr>
+        <p:spPr/>
+        <p:txBody>
+          <a:bodyPr/>
+          <a:lstStyle/>
+          <a:p>
+            <a:r>
+              <a:rPr lang="en-US" dirty="0"/>
+              <a:t>Logging Strategy</a:t>
+            </a:r>
+          </a:p>
+        </p:txBody>
+      </p:sp>
+      <p:sp>
+        <p:nvSpPr>
+          <p:cNvPr id="3" name="Content Placeholder 2"/>
+          <p:cNvSpPr>
+            <a:spLocks noGrp="1"/>
+          </p:cNvSpPr>
+          <p:nvPr>
+            <p:ph idx="1"/>
+          </p:nvPr>
+        </p:nvSpPr>
+        <p:spPr/>
+        <p:txBody>
+          <a:bodyPr>
+            <a:normAutofit/>
+          </a:bodyPr>
+          <a:lstStyle/>
+          <a:p>
+            <a:r>
+              <a:rPr lang="en-US" dirty="0"/>
+              <a:t>First figure out your unique situation and prioritize the things you care about</a:t>
+            </a:r>
+          </a:p>
+          <a:p>
+            <a:pPr marL="0" indent="0">
+              <a:buNone/>
+            </a:pPr>
+            <a:r>
+              <a:rPr lang="en-US" dirty="0"/>
+              <a:t>	1 app used by 1 person or 20 apps used by 10,000 people</a:t>
+            </a:r>
+          </a:p>
+          <a:p>
+            <a:r>
+              <a:rPr lang="en-US" dirty="0"/>
+              <a:t>Create a plan</a:t>
+            </a:r>
+          </a:p>
+          <a:p>
+            <a:pPr marL="800100" lvl="1" indent="-342900">
+              <a:buAutoNum type="alphaLcPeriod"/>
+            </a:pPr>
+            <a:r>
+              <a:rPr lang="en-US" dirty="0"/>
+              <a:t>Where are we going to log?</a:t>
+            </a:r>
+          </a:p>
+          <a:p>
+            <a:pPr marL="800100" lvl="1" indent="-342900">
+              <a:buAutoNum type="alphaLcPeriod"/>
+            </a:pPr>
+            <a:r>
+              <a:rPr lang="en-US" dirty="0"/>
+              <a:t>How do we want to be notified if there are errors?</a:t>
+            </a:r>
+          </a:p>
+          <a:p>
+            <a:pPr marL="800100" lvl="1" indent="-342900">
+              <a:buAutoNum type="alphaLcPeriod"/>
+            </a:pPr>
+            <a:r>
+              <a:rPr lang="en-US" dirty="0"/>
+              <a:t>How do we maintain logs so that they don’t get out of control?</a:t>
+            </a:r>
+          </a:p>
+          <a:p>
+            <a:pPr marL="800100" lvl="1" indent="-342900">
+              <a:buAutoNum type="alphaLcPeriod"/>
+            </a:pPr>
+            <a:r>
+              <a:rPr lang="en-US" dirty="0"/>
+              <a:t>How do we want to consume the logs?</a:t>
+            </a:r>
+          </a:p>
+          <a:p>
+            <a:r>
+              <a:rPr lang="en-US" dirty="0"/>
+              <a:t>Craft a solution that fits your needs</a:t>
+            </a:r>
+          </a:p>
+        </p:txBody>
+      </p:sp>
+    </p:spTree>
+    <p:extLst>
+      <p:ext uri="{BB962C8B-B14F-4D97-AF65-F5344CB8AC3E}">
+        <p14:creationId xmlns:p14="http://schemas.microsoft.com/office/powerpoint/2010/main" val="1281976053"/>
+      </p:ext>
+    </p:extLst>
+  </p:cSld>
+  <p:clrMapOvr>
+    <a:masterClrMapping/>
+  </p:clrMapOvr>
+</p:sld>
+</file>
+
+<file path=ppt/slides/slide2.xml><?xml version="1.0" encoding="utf-8"?>
+<p:sld xmlns:a="http://schemas.openxmlformats.org/drawingml/2006/main" xmlns:r="http://schemas.openxmlformats.org/officeDocument/2006/relationships" xmlns:p="http://schemas.openxmlformats.org/presentationml/2006/main">
+  <p:cSld>
+    <p:spTree>
+      <p:nvGrpSpPr>
+        <p:cNvPr id="1" name=""/>
+        <p:cNvGrpSpPr/>
+        <p:nvPr/>
+      </p:nvGrpSpPr>
+      <p:grpSpPr>
+        <a:xfrm>
+          <a:off x="0" y="0"/>
+          <a:ext cx="0" cy="0"/>
+          <a:chOff x="0" y="0"/>
+          <a:chExt cx="0" cy="0"/>
+        </a:xfrm>
+      </p:grpSpPr>
+      <p:pic>
+        <p:nvPicPr>
+          <p:cNvPr id="1026" name="Picture 2">
+            <a:extLst>
+              <a:ext uri="{FF2B5EF4-FFF2-40B4-BE49-F238E27FC236}">
+                <a16:creationId xmlns:a16="http://schemas.microsoft.com/office/drawing/2014/main" id="{82927A69-944A-D9F0-D2AA-7C7C4F9871C6}"/>
+              </a:ext>
+            </a:extLst>
+          </p:cNvPr>
+          <p:cNvPicPr>
+            <a:picLocks noGrp="1" noChangeAspect="1" noChangeArrowheads="1"/>
+          </p:cNvPicPr>
+          <p:nvPr>
+            <p:ph idx="1"/>
+          </p:nvPr>
+        </p:nvPicPr>
+        <p:blipFill>
+          <a:blip r:embed="rId2">
+            <a:extLst>
+              <a:ext uri="{28A0092B-C50C-407E-A947-70E740481C1C}">
+                <a14:useLocalDpi xmlns:a14="http://schemas.microsoft.com/office/drawing/2010/main" val="0"/>
+              </a:ext>
+            </a:extLst>
+          </a:blip>
+          <a:srcRect/>
+          <a:stretch>
+            <a:fillRect/>
+          </a:stretch>
+        </p:blipFill>
+        <p:spPr bwMode="auto">
+          <a:xfrm>
+            <a:off x="727634" y="409294"/>
+            <a:ext cx="10736732" cy="6039412"/>
+          </a:xfrm>
+          <a:prstGeom prst="rect">
+            <a:avLst/>
+          </a:prstGeom>
+          <a:noFill/>
+          <a:extLst>
+            <a:ext uri="{909E8E84-426E-40DD-AFC4-6F175D3DCCD1}">
+              <a14:hiddenFill xmlns:a14="http://schemas.microsoft.com/office/drawing/2010/main">
+                <a:solidFill>
+                  <a:srgbClr val="FFFFFF"/>
+                </a:solidFill>
+              </a14:hiddenFill>
+            </a:ext>
+          </a:extLst>
+        </p:spPr>
+      </p:pic>
+    </p:spTree>
+    <p:extLst>
+      <p:ext uri="{BB962C8B-B14F-4D97-AF65-F5344CB8AC3E}">
+        <p14:creationId xmlns:p14="http://schemas.microsoft.com/office/powerpoint/2010/main" val="1704522221"/>
+      </p:ext>
+    </p:extLst>
+  </p:cSld>
+  <p:clrMapOvr>
+    <a:masterClrMapping/>
+  </p:clrMapOvr>
+</p:sld>
+</file>
+
+<file path=ppt/slides/slide20.xml><?xml version="1.0" encoding="utf-8"?>
+<p:sld xmlns:a="http://schemas.openxmlformats.org/drawingml/2006/main" xmlns:r="http://schemas.openxmlformats.org/officeDocument/2006/relationships" xmlns:p="http://schemas.openxmlformats.org/presentationml/2006/main" show="0">
+  <p:cSld>
+    <p:spTree>
+      <p:nvGrpSpPr>
+        <p:cNvPr id="1" name=""/>
+        <p:cNvGrpSpPr/>
+        <p:nvPr/>
+      </p:nvGrpSpPr>
+      <p:grpSpPr>
+        <a:xfrm>
+          <a:off x="0" y="0"/>
+          <a:ext cx="0" cy="0"/>
+          <a:chOff x="0" y="0"/>
+          <a:chExt cx="0" cy="0"/>
+        </a:xfrm>
+      </p:grpSpPr>
+      <p:sp>
+        <p:nvSpPr>
+          <p:cNvPr id="2" name="Title 1"/>
+          <p:cNvSpPr>
+            <a:spLocks noGrp="1"/>
+          </p:cNvSpPr>
+          <p:nvPr>
+            <p:ph type="title"/>
+          </p:nvPr>
+        </p:nvSpPr>
+        <p:spPr/>
+        <p:txBody>
+          <a:bodyPr/>
+          <a:lstStyle/>
+          <a:p>
+            <a:r>
+              <a:rPr lang="en-US" dirty="0"/>
+              <a:t>Consuming Logs</a:t>
+            </a:r>
+          </a:p>
+        </p:txBody>
+      </p:sp>
+      <p:pic>
+        <p:nvPicPr>
+          <p:cNvPr id="4" name="Content Placeholder 3"/>
+          <p:cNvPicPr>
+            <a:picLocks noGrp="1" noChangeAspect="1"/>
+          </p:cNvPicPr>
+          <p:nvPr>
+            <p:ph idx="1"/>
+          </p:nvPr>
+        </p:nvPicPr>
+        <p:blipFill>
+          <a:blip r:embed="rId2"/>
+          <a:stretch>
+            <a:fillRect/>
+          </a:stretch>
+        </p:blipFill>
+        <p:spPr>
+          <a:xfrm>
+            <a:off x="1024606" y="2038793"/>
+            <a:ext cx="10373526" cy="4220240"/>
+          </a:xfrm>
+          <a:prstGeom prst="rect">
+            <a:avLst/>
+          </a:prstGeom>
+        </p:spPr>
+      </p:pic>
+      <p:sp>
+        <p:nvSpPr>
+          <p:cNvPr id="5" name="TextBox 4"/>
+          <p:cNvSpPr txBox="1"/>
+          <p:nvPr/>
+        </p:nvSpPr>
+        <p:spPr>
+          <a:xfrm>
+            <a:off x="2636875" y="6361905"/>
+            <a:ext cx="7451271" cy="369332"/>
+          </a:xfrm>
+          <a:prstGeom prst="rect">
+            <a:avLst/>
+          </a:prstGeom>
+          <a:noFill/>
+        </p:spPr>
+        <p:txBody>
+          <a:bodyPr wrap="none" rtlCol="0">
+            <a:spAutoFit/>
+          </a:bodyPr>
+          <a:lstStyle/>
+          <a:p>
+            <a:r>
+              <a:rPr lang="en-US" dirty="0"/>
+              <a:t>https://blog.codeship.com/how-to-understand-logs-with-logentries/</a:t>
+            </a:r>
+          </a:p>
+        </p:txBody>
+      </p:sp>
+    </p:spTree>
+    <p:extLst>
+      <p:ext uri="{BB962C8B-B14F-4D97-AF65-F5344CB8AC3E}">
+        <p14:creationId xmlns:p14="http://schemas.microsoft.com/office/powerpoint/2010/main" val="534381655"/>
+      </p:ext>
+    </p:extLst>
+  </p:cSld>
+  <p:clrMapOvr>
+    <a:masterClrMapping/>
+  </p:clrMapOvr>
+</p:sld>
+</file>
+
+<file path=ppt/slides/slide21.xml><?xml version="1.0" encoding="utf-8"?>
+<p:sld xmlns:a="http://schemas.openxmlformats.org/drawingml/2006/main" xmlns:r="http://schemas.openxmlformats.org/officeDocument/2006/relationships" xmlns:p="http://schemas.openxmlformats.org/presentationml/2006/main">
+  <p:cSld>
+    <p:spTree>
+      <p:nvGrpSpPr>
+        <p:cNvPr id="1" name=""/>
+        <p:cNvGrpSpPr/>
+        <p:nvPr/>
+      </p:nvGrpSpPr>
+      <p:grpSpPr>
+        <a:xfrm>
+          <a:off x="0" y="0"/>
+          <a:ext cx="0" cy="0"/>
+          <a:chOff x="0" y="0"/>
+          <a:chExt cx="0" cy="0"/>
+        </a:xfrm>
+      </p:grpSpPr>
+      <p:sp>
+        <p:nvSpPr>
+          <p:cNvPr id="2" name="Title 1"/>
+          <p:cNvSpPr>
+            <a:spLocks noGrp="1"/>
+          </p:cNvSpPr>
+          <p:nvPr>
+            <p:ph type="title"/>
+          </p:nvPr>
+        </p:nvSpPr>
+        <p:spPr/>
+        <p:txBody>
+          <a:bodyPr/>
+          <a:lstStyle/>
+          <a:p>
+            <a:r>
+              <a:rPr lang="en-US" dirty="0"/>
+              <a:t>Questions?</a:t>
+            </a:r>
+          </a:p>
+        </p:txBody>
+      </p:sp>
+      <p:sp>
+        <p:nvSpPr>
+          <p:cNvPr id="3" name="Content Placeholder 2"/>
+          <p:cNvSpPr>
+            <a:spLocks noGrp="1"/>
+          </p:cNvSpPr>
+          <p:nvPr>
+            <p:ph idx="1"/>
+          </p:nvPr>
+        </p:nvSpPr>
+        <p:spPr/>
+        <p:txBody>
+          <a:bodyPr/>
+          <a:lstStyle/>
+          <a:p>
+            <a:r>
+              <a:rPr lang="en-US" dirty="0">
+                <a:hlinkClick r:id="rId2"/>
+              </a:rPr>
+              <a:t>http://www.github.com/korz</a:t>
+            </a:r>
+            <a:endParaRPr lang="en-US" dirty="0"/>
+          </a:p>
+          <a:p>
+            <a:r>
+              <a:rPr lang="en-US" dirty="0"/>
+              <a:t>@</a:t>
+            </a:r>
+            <a:r>
+              <a:rPr lang="en-US" dirty="0" err="1"/>
+              <a:t>bkorzynski</a:t>
+            </a:r>
+            <a:endParaRPr lang="en-US" dirty="0"/>
+          </a:p>
+          <a:p>
+            <a:endParaRPr lang="en-US" dirty="0"/>
+          </a:p>
+        </p:txBody>
+      </p:sp>
+    </p:spTree>
+    <p:extLst>
+      <p:ext uri="{BB962C8B-B14F-4D97-AF65-F5344CB8AC3E}">
+        <p14:creationId xmlns:p14="http://schemas.microsoft.com/office/powerpoint/2010/main" val="14873081"/>
+      </p:ext>
+    </p:extLst>
+  </p:cSld>
+  <p:clrMapOvr>
+    <a:masterClrMapping/>
+  </p:clrMapOvr>
+</p:sld>
+</file>
+
+<file path=ppt/slides/slide3.xml><?xml version="1.0" encoding="utf-8"?>
+<p:sld xmlns:a="http://schemas.openxmlformats.org/drawingml/2006/main" xmlns:r="http://schemas.openxmlformats.org/officeDocument/2006/relationships" xmlns:p="http://schemas.openxmlformats.org/presentationml/2006/main">
+  <p:cSld>
+    <p:spTree>
+      <p:nvGrpSpPr>
+        <p:cNvPr id="1" name=""/>
+        <p:cNvGrpSpPr/>
+        <p:nvPr/>
+      </p:nvGrpSpPr>
+      <p:grpSpPr>
+        <a:xfrm>
+          <a:off x="0" y="0"/>
+          <a:ext cx="0" cy="0"/>
+          <a:chOff x="0" y="0"/>
+          <a:chExt cx="0" cy="0"/>
+        </a:xfrm>
+      </p:grpSpPr>
+      <p:sp>
+        <p:nvSpPr>
+          <p:cNvPr id="2" name="Title 1"/>
+          <p:cNvSpPr>
+            <a:spLocks noGrp="1"/>
+          </p:cNvSpPr>
+          <p:nvPr>
+            <p:ph type="title"/>
+          </p:nvPr>
+        </p:nvSpPr>
+        <p:spPr/>
+        <p:txBody>
+          <a:bodyPr/>
+          <a:lstStyle/>
+          <a:p>
+            <a:r>
+              <a:rPr lang="en-US" dirty="0"/>
+              <a:t>About Me</a:t>
+            </a:r>
+          </a:p>
+        </p:txBody>
+      </p:sp>
+      <p:sp>
+        <p:nvSpPr>
+          <p:cNvPr id="4" name="Content Placeholder 3"/>
+          <p:cNvSpPr>
+            <a:spLocks noGrp="1"/>
+          </p:cNvSpPr>
+          <p:nvPr>
+            <p:ph sz="half" idx="1"/>
+          </p:nvPr>
+        </p:nvSpPr>
+        <p:spPr/>
+        <p:txBody>
+          <a:bodyPr>
+            <a:normAutofit fontScale="92500" lnSpcReduction="10000"/>
+          </a:bodyPr>
+          <a:lstStyle/>
+          <a:p>
+            <a:r>
+              <a:rPr lang="en-US" dirty="0"/>
+              <a:t>Principal Architect – Iron Mountain</a:t>
+            </a:r>
+          </a:p>
+          <a:p>
+            <a:r>
+              <a:rPr lang="en-US" dirty="0"/>
+              <a:t>Owner of Korzynski L.L.C.</a:t>
+            </a:r>
+          </a:p>
+          <a:p>
+            <a:endParaRPr lang="en-US" dirty="0"/>
+          </a:p>
+        </p:txBody>
+      </p:sp>
+      <p:sp>
+        <p:nvSpPr>
+          <p:cNvPr id="5" name="Content Placeholder 4"/>
+          <p:cNvSpPr>
+            <a:spLocks noGrp="1"/>
+          </p:cNvSpPr>
+          <p:nvPr>
+            <p:ph sz="half" idx="2"/>
+          </p:nvPr>
+        </p:nvSpPr>
+        <p:spPr/>
+        <p:txBody>
+          <a:bodyPr>
+            <a:normAutofit fontScale="92500" lnSpcReduction="10000"/>
+          </a:bodyPr>
+          <a:lstStyle/>
+          <a:p>
+            <a:r>
+              <a:rPr lang="en-US" dirty="0"/>
+              <a:t>Professional Developer for 14+ years</a:t>
+            </a:r>
+          </a:p>
+          <a:p>
+            <a:pPr lvl="1"/>
+            <a:r>
+              <a:rPr lang="en-US" dirty="0"/>
+              <a:t>Windows Forms</a:t>
+            </a:r>
+          </a:p>
+          <a:p>
+            <a:pPr lvl="1"/>
+            <a:r>
+              <a:rPr lang="en-US" dirty="0"/>
+              <a:t>Web</a:t>
+            </a:r>
+          </a:p>
+          <a:p>
+            <a:pPr lvl="1"/>
+            <a:r>
+              <a:rPr lang="en-US" dirty="0"/>
+              <a:t>Mobile</a:t>
+            </a:r>
+          </a:p>
+          <a:p>
+            <a:pPr lvl="1"/>
+            <a:r>
+              <a:rPr lang="en-US" dirty="0"/>
+              <a:t>SQL Optimization</a:t>
+            </a:r>
+          </a:p>
+          <a:p>
+            <a:pPr lvl="1"/>
+            <a:r>
+              <a:rPr lang="en-US" dirty="0"/>
+              <a:t>Data Analysis</a:t>
+            </a:r>
+          </a:p>
+          <a:p>
+            <a:pPr lvl="1"/>
+            <a:r>
+              <a:rPr lang="en-US" dirty="0"/>
+              <a:t>Mathematics</a:t>
+            </a:r>
+          </a:p>
+          <a:p>
+            <a:pPr lvl="1"/>
+            <a:r>
+              <a:rPr lang="en-US" dirty="0"/>
+              <a:t>Big Data</a:t>
+            </a:r>
+          </a:p>
+          <a:p>
+            <a:pPr lvl="1"/>
+            <a:r>
+              <a:rPr lang="en-US" dirty="0"/>
+              <a:t>Cloud</a:t>
+            </a:r>
+          </a:p>
+          <a:p>
+            <a:pPr lvl="1"/>
+            <a:r>
+              <a:rPr lang="en-US" dirty="0"/>
+              <a:t>Machine Learning</a:t>
+            </a:r>
+          </a:p>
+          <a:p>
+            <a:endParaRPr lang="en-US" dirty="0"/>
+          </a:p>
+        </p:txBody>
+      </p:sp>
+    </p:spTree>
+    <p:extLst>
+      <p:ext uri="{BB962C8B-B14F-4D97-AF65-F5344CB8AC3E}">
+        <p14:creationId xmlns:p14="http://schemas.microsoft.com/office/powerpoint/2010/main" val="2863946527"/>
+      </p:ext>
+    </p:extLst>
+  </p:cSld>
+  <p:clrMapOvr>
+    <a:masterClrMapping/>
+  </p:clrMapOvr>
+</p:sld>
+</file>
+
+<file path=ppt/slides/slide4.xml><?xml version="1.0" encoding="utf-8"?>
+<p:sld xmlns:a="http://schemas.openxmlformats.org/drawingml/2006/main" xmlns:r="http://schemas.openxmlformats.org/officeDocument/2006/relationships" xmlns:p="http://schemas.openxmlformats.org/presentationml/2006/main">
+  <p:cSld>
+    <p:spTree>
+      <p:nvGrpSpPr>
+        <p:cNvPr id="1" name=""/>
+        <p:cNvGrpSpPr/>
+        <p:nvPr/>
+      </p:nvGrpSpPr>
+      <p:grpSpPr>
+        <a:xfrm>
+          <a:off x="0" y="0"/>
+          <a:ext cx="0" cy="0"/>
+          <a:chOff x="0" y="0"/>
+          <a:chExt cx="0" cy="0"/>
+        </a:xfrm>
+      </p:grpSpPr>
+      <p:sp>
+        <p:nvSpPr>
+          <p:cNvPr id="5" name="Title 4"/>
+          <p:cNvSpPr>
+            <a:spLocks noGrp="1"/>
+          </p:cNvSpPr>
+          <p:nvPr>
+            <p:ph type="title"/>
+          </p:nvPr>
+        </p:nvSpPr>
+        <p:spPr/>
+        <p:txBody>
+          <a:bodyPr/>
+          <a:lstStyle/>
+          <a:p>
+            <a:r>
+              <a:rPr lang="en-US" dirty="0"/>
+              <a:t>What is </a:t>
+            </a:r>
+            <a:r>
+              <a:rPr lang="en-US" dirty="0" err="1"/>
+              <a:t>Serilog</a:t>
+            </a:r>
+            <a:r>
+              <a:rPr lang="en-US" dirty="0"/>
+              <a:t>?</a:t>
+            </a:r>
+          </a:p>
+        </p:txBody>
+      </p:sp>
+      <p:sp>
+        <p:nvSpPr>
+          <p:cNvPr id="6" name="Content Placeholder 5"/>
+          <p:cNvSpPr>
+            <a:spLocks noGrp="1"/>
+          </p:cNvSpPr>
+          <p:nvPr>
+            <p:ph idx="1"/>
+          </p:nvPr>
+        </p:nvSpPr>
+        <p:spPr/>
+        <p:txBody>
+          <a:bodyPr/>
+          <a:lstStyle/>
+          <a:p>
+            <a:r>
+              <a:rPr lang="en-US" dirty="0"/>
+              <a:t>A diagnostic logging framework that is:</a:t>
+            </a:r>
+          </a:p>
+          <a:p>
+            <a:pPr lvl="1"/>
+            <a:r>
+              <a:rPr lang="en-US" dirty="0"/>
+              <a:t>Easy to use</a:t>
+            </a:r>
+          </a:p>
+          <a:p>
+            <a:pPr lvl="1"/>
+            <a:r>
+              <a:rPr lang="en-US" dirty="0"/>
+              <a:t>Easy to configure</a:t>
+            </a:r>
+          </a:p>
+          <a:p>
+            <a:pPr lvl="1"/>
+            <a:r>
+              <a:rPr lang="en-US" dirty="0"/>
+              <a:t>Extensible</a:t>
+            </a:r>
+          </a:p>
+          <a:p>
+            <a:pPr lvl="1"/>
+            <a:r>
+              <a:rPr lang="en-US" dirty="0"/>
+              <a:t>Lightweight</a:t>
+            </a:r>
+          </a:p>
+          <a:p>
+            <a:endParaRPr lang="en-US" dirty="0"/>
+          </a:p>
+        </p:txBody>
+      </p:sp>
+    </p:spTree>
+    <p:extLst>
+      <p:ext uri="{BB962C8B-B14F-4D97-AF65-F5344CB8AC3E}">
+        <p14:creationId xmlns:p14="http://schemas.microsoft.com/office/powerpoint/2010/main" val="3220309410"/>
+      </p:ext>
+    </p:extLst>
+  </p:cSld>
+  <p:clrMapOvr>
+    <a:masterClrMapping/>
+  </p:clrMapOvr>
+  <p:timing>
+    <p:tnLst>
+      <p:par>
+        <p:cTn id="1" dur="indefinite" restart="never" nodeType="tmRoot">
+          <p:childTnLst>
+            <p:seq concurrent="1" nextAc="seek">
+              <p:cTn id="2" dur="indefinite" nodeType="mainSeq">
+                <p:childTnLst>
+                  <p:par>
+                    <p:cTn id="3" fill="hold">
+                      <p:stCondLst>
+                        <p:cond delay="indefinite"/>
+                      </p:stCondLst>
+                      <p:childTnLst>
+                        <p:par>
+                          <p:cTn id="4" fill="hold">
+                            <p:stCondLst>
+                              <p:cond delay="0"/>
+                            </p:stCondLst>
+                            <p:childTnLst>
+                              <p:par>
+                                <p:cTn id="5" presetID="1" presetClass="entr" presetSubtype="0" fill="hold" nodeType="clickEffect">
+                                  <p:stCondLst>
+                                    <p:cond delay="0"/>
+                                  </p:stCondLst>
+                                  <p:childTnLst>
+                                    <p:set>
+                                      <p:cBhvr>
+                                        <p:cTn id="6" dur="1" fill="hold">
+                                          <p:stCondLst>
+                                            <p:cond delay="0"/>
+                                          </p:stCondLst>
+                                        </p:cTn>
+                                        <p:tgtEl>
+                                          <p:spTgt spid="6">
+                                            <p:txEl>
+                                              <p:pRg st="1" end="1"/>
+                                            </p:txEl>
+                                          </p:spTgt>
+                                        </p:tgtEl>
+                                        <p:attrNameLst>
+                                          <p:attrName>style.visibility</p:attrName>
+                                        </p:attrNameLst>
+                                      </p:cBhvr>
+                                      <p:to>
+                                        <p:strVal val="visible"/>
+                                      </p:to>
+                                    </p:set>
+                                  </p:childTnLst>
+                                </p:cTn>
+                              </p:par>
+                            </p:childTnLst>
+                          </p:cTn>
+                        </p:par>
+                      </p:childTnLst>
+                    </p:cTn>
+                  </p:par>
+                  <p:par>
+                    <p:cTn id="7" fill="hold">
+                      <p:stCondLst>
+                        <p:cond delay="indefinite"/>
+                      </p:stCondLst>
+                      <p:childTnLst>
+                        <p:par>
+                          <p:cTn id="8" fill="hold">
+                            <p:stCondLst>
+                              <p:cond delay="0"/>
+                            </p:stCondLst>
+                            <p:childTnLst>
+                              <p:par>
+                                <p:cTn id="9" presetID="1" presetClass="entr" presetSubtype="0" fill="hold" nodeType="clickEffect">
+                                  <p:stCondLst>
+                                    <p:cond delay="0"/>
+                                  </p:stCondLst>
+                                  <p:childTnLst>
+                                    <p:set>
+                                      <p:cBhvr>
+                                        <p:cTn id="10" dur="1" fill="hold">
+                                          <p:stCondLst>
+                                            <p:cond delay="0"/>
+                                          </p:stCondLst>
+                                        </p:cTn>
+                                        <p:tgtEl>
+                                          <p:spTgt spid="6">
+                                            <p:txEl>
+                                              <p:pRg st="2" end="2"/>
+                                            </p:txEl>
+                                          </p:spTgt>
+                                        </p:tgtEl>
+                                        <p:attrNameLst>
+                                          <p:attrName>style.visibility</p:attrName>
+                                        </p:attrNameLst>
+                                      </p:cBhvr>
+                                      <p:to>
+                                        <p:strVal val="visible"/>
+                                      </p:to>
+                                    </p:set>
+                                  </p:childTnLst>
+                                </p:cTn>
+                              </p:par>
+                            </p:childTnLst>
+                          </p:cTn>
+                        </p:par>
+                      </p:childTnLst>
+                    </p:cTn>
+                  </p:par>
+                  <p:par>
+                    <p:cTn id="11" fill="hold">
+                      <p:stCondLst>
+                        <p:cond delay="indefinite"/>
+                      </p:stCondLst>
+                      <p:childTnLst>
+                        <p:par>
+                          <p:cTn id="12" fill="hold">
+                            <p:stCondLst>
+                              <p:cond delay="0"/>
+                            </p:stCondLst>
+                            <p:childTnLst>
+                              <p:par>
+                                <p:cTn id="13" presetID="1" presetClass="entr" presetSubtype="0" fill="hold" nodeType="clickEffect">
+                                  <p:stCondLst>
+                                    <p:cond delay="0"/>
+                                  </p:stCondLst>
+                                  <p:childTnLst>
+                                    <p:set>
+                                      <p:cBhvr>
+                                        <p:cTn id="14" dur="1" fill="hold">
+                                          <p:stCondLst>
+                                            <p:cond delay="0"/>
+                                          </p:stCondLst>
+                                        </p:cTn>
+                                        <p:tgtEl>
+                                          <p:spTgt spid="6">
+                                            <p:txEl>
+                                              <p:pRg st="3" end="3"/>
+                                            </p:txEl>
+                                          </p:spTgt>
+                                        </p:tgtEl>
+                                        <p:attrNameLst>
+                                          <p:attrName>style.visibility</p:attrName>
+                                        </p:attrNameLst>
+                                      </p:cBhvr>
+                                      <p:to>
+                                        <p:strVal val="visible"/>
+                                      </p:to>
+                                    </p:set>
+                                  </p:childTnLst>
+                                </p:cTn>
+                              </p:par>
+                            </p:childTnLst>
+                          </p:cTn>
+                        </p:par>
+                      </p:childTnLst>
+                    </p:cTn>
+                  </p:par>
+                  <p:par>
+                    <p:cTn id="15" fill="hold">
+                      <p:stCondLst>
+                        <p:cond delay="indefinite"/>
+                      </p:stCondLst>
+                      <p:childTnLst>
+                        <p:par>
+                          <p:cTn id="16" fill="hold">
+                            <p:stCondLst>
+                              <p:cond delay="0"/>
+                            </p:stCondLst>
+                            <p:childTnLst>
+                              <p:par>
+                                <p:cTn id="17" presetID="1" presetClass="entr" presetSubtype="0" fill="hold" nodeType="clickEffect">
+                                  <p:stCondLst>
+                                    <p:cond delay="0"/>
+                                  </p:stCondLst>
+                                  <p:childTnLst>
+                                    <p:set>
+                                      <p:cBhvr>
+                                        <p:cTn id="18" dur="1" fill="hold">
+                                          <p:stCondLst>
+                                            <p:cond delay="0"/>
+                                          </p:stCondLst>
+                                        </p:cTn>
+                                        <p:tgtEl>
+                                          <p:spTgt spid="6">
+                                            <p:txEl>
+                                              <p:pRg st="4" end="4"/>
+                                            </p:txEl>
+                                          </p:spTgt>
+                                        </p:tgtEl>
+                                        <p:attrNameLst>
+                                          <p:attrName>style.visibility</p:attrName>
+                                        </p:attrNameLst>
+                                      </p:cBhvr>
+                                      <p:to>
+                                        <p:strVal val="visible"/>
+                                      </p:to>
+                                    </p:set>
+                                  </p:childTnLst>
+                                </p:cTn>
+                              </p:par>
+                            </p:childTnLst>
+                          </p:cTn>
+                        </p:par>
+                      </p:childTnLst>
+                    </p:cTn>
+                  </p:par>
+                </p:childTnLst>
+              </p:cTn>
+              <p:prevCondLst>
+                <p:cond evt="onPrev" delay="0">
+                  <p:tgtEl>
+                    <p:sldTgt/>
+                  </p:tgtEl>
+                </p:cond>
+              </p:prevCondLst>
+              <p:nextCondLst>
+                <p:cond evt="onNext" delay="0">
+                  <p:tgtEl>
+                    <p:sldTgt/>
+                  </p:tgtEl>
+                </p:cond>
+              </p:nextCondLst>
+            </p:seq>
+          </p:childTnLst>
+        </p:cTn>
+      </p:par>
+    </p:tnLst>
+  </p:timing>
+</p:sld>
+</file>
+
+<file path=ppt/slides/slide5.xml><?xml version="1.0" encoding="utf-8"?>
+<p:sld xmlns:a="http://schemas.openxmlformats.org/drawingml/2006/main" xmlns:r="http://schemas.openxmlformats.org/officeDocument/2006/relationships" xmlns:p="http://schemas.openxmlformats.org/presentationml/2006/main">
+  <p:cSld>
+    <p:spTree>
+      <p:nvGrpSpPr>
+        <p:cNvPr id="1" name=""/>
+        <p:cNvGrpSpPr/>
+        <p:nvPr/>
+      </p:nvGrpSpPr>
+      <p:grpSpPr>
+        <a:xfrm>
+          <a:off x="0" y="0"/>
+          <a:ext cx="0" cy="0"/>
+          <a:chOff x="0" y="0"/>
+          <a:chExt cx="0" cy="0"/>
+        </a:xfrm>
+      </p:grpSpPr>
+      <p:sp>
+        <p:nvSpPr>
+          <p:cNvPr id="2" name="Title 1"/>
+          <p:cNvSpPr>
+            <a:spLocks noGrp="1"/>
+          </p:cNvSpPr>
+          <p:nvPr>
+            <p:ph type="title"/>
+          </p:nvPr>
+        </p:nvSpPr>
+        <p:spPr/>
+        <p:txBody>
+          <a:bodyPr/>
+          <a:lstStyle/>
+          <a:p>
+            <a:r>
+              <a:rPr lang="en-US" dirty="0"/>
+              <a:t>Why </a:t>
+            </a:r>
+            <a:r>
+              <a:rPr lang="en-US" dirty="0" err="1"/>
+              <a:t>Serilog</a:t>
+            </a:r>
+            <a:r>
+              <a:rPr lang="en-US" dirty="0"/>
+              <a:t>?</a:t>
+            </a:r>
+          </a:p>
+        </p:txBody>
+      </p:sp>
+      <p:sp>
+        <p:nvSpPr>
+          <p:cNvPr id="3" name="Content Placeholder 2"/>
+          <p:cNvSpPr>
+            <a:spLocks noGrp="1"/>
+          </p:cNvSpPr>
+          <p:nvPr>
+            <p:ph idx="1"/>
+          </p:nvPr>
+        </p:nvSpPr>
+        <p:spPr/>
+        <p:txBody>
+          <a:bodyPr>
+            <a:normAutofit fontScale="92500" lnSpcReduction="10000"/>
+          </a:bodyPr>
+          <a:lstStyle/>
+          <a:p>
+            <a:r>
+              <a:rPr lang="en-US" dirty="0"/>
+              <a:t>Built from the ground up in .NET, not a port</a:t>
+            </a:r>
+          </a:p>
+          <a:p>
+            <a:r>
+              <a:rPr lang="en-US" dirty="0"/>
+              <a:t>Can write to several sources at once</a:t>
+            </a:r>
+          </a:p>
+          <a:p>
+            <a:r>
+              <a:rPr lang="en-US" dirty="0"/>
+              <a:t>Much less configuration than other frameworks</a:t>
+            </a:r>
+          </a:p>
+          <a:p>
+            <a:r>
+              <a:rPr lang="en-US" dirty="0"/>
+              <a:t>You can take as much or as little of it as you like</a:t>
+            </a:r>
+          </a:p>
+          <a:p>
+            <a:r>
+              <a:rPr lang="en-US" dirty="0"/>
+              <a:t>Extensible (can create your own sinks)</a:t>
+            </a:r>
+          </a:p>
+          <a:p>
+            <a:r>
+              <a:rPr lang="en-US" dirty="0"/>
+              <a:t>Open Source with an active community</a:t>
+            </a:r>
+          </a:p>
+          <a:p>
+            <a:r>
+              <a:rPr lang="en-US" dirty="0"/>
+              <a:t>Structured logging not just basic logging (more on this in a second)</a:t>
+            </a:r>
+          </a:p>
+          <a:p>
+            <a:r>
+              <a:rPr lang="en-US" dirty="0"/>
+              <a:t>Just gets out of your way</a:t>
+            </a:r>
+          </a:p>
+          <a:p>
+            <a:endParaRPr lang="en-US" dirty="0"/>
+          </a:p>
+        </p:txBody>
+      </p:sp>
+    </p:spTree>
+    <p:extLst>
+      <p:ext uri="{BB962C8B-B14F-4D97-AF65-F5344CB8AC3E}">
+        <p14:creationId xmlns:p14="http://schemas.microsoft.com/office/powerpoint/2010/main" val="2538030125"/>
+      </p:ext>
+    </p:extLst>
+  </p:cSld>
+  <p:clrMapOvr>
+    <a:masterClrMapping/>
+  </p:clrMapOvr>
+  <p:timing>
+    <p:tnLst>
+      <p:par>
+        <p:cTn id="1" dur="indefinite" restart="never" nodeType="tmRoot">
+          <p:childTnLst>
+            <p:seq concurrent="1" nextAc="seek">
+              <p:cTn id="2" dur="indefinite" nodeType="mainSeq">
+                <p:childTnLst>
+                  <p:par>
+                    <p:cTn id="3" fill="hold">
+                      <p:stCondLst>
+                        <p:cond delay="indefinite"/>
+                      </p:stCondLst>
+                      <p:childTnLst>
+                        <p:par>
+                          <p:cTn id="4" fill="hold">
+                            <p:stCondLst>
+                              <p:cond delay="0"/>
+                            </p:stCondLst>
+                            <p:childTnLst>
+                              <p:par>
+                                <p:cTn id="5" presetID="1" presetClass="entr" presetSubtype="0" fill="hold" nodeType="clickEffect">
+                                  <p:stCondLst>
+                                    <p:cond delay="0"/>
+                                  </p:stCondLst>
+                                  <p:childTnLst>
+                                    <p:set>
+                                      <p:cBhvr>
+                                        <p:cTn id="6" dur="1" fill="hold">
+                                          <p:stCondLst>
+                                            <p:cond delay="0"/>
+                                          </p:stCondLst>
+                                        </p:cTn>
+                                        <p:tgtEl>
+                                          <p:spTgt spid="3">
+                                            <p:txEl>
+                                              <p:pRg st="0" end="0"/>
+                                            </p:txEl>
+                                          </p:spTgt>
+                                        </p:tgtEl>
+                                        <p:attrNameLst>
+                                          <p:attrName>style.visibility</p:attrName>
+                                        </p:attrNameLst>
+                                      </p:cBhvr>
+                                      <p:to>
+                                        <p:strVal val="visible"/>
+                                      </p:to>
+                                    </p:set>
+                                  </p:childTnLst>
+                                </p:cTn>
+                              </p:par>
+                            </p:childTnLst>
+                          </p:cTn>
+                        </p:par>
+                      </p:childTnLst>
+                    </p:cTn>
+                  </p:par>
+                  <p:par>
+                    <p:cTn id="7" fill="hold">
+                      <p:stCondLst>
+                        <p:cond delay="indefinite"/>
+                      </p:stCondLst>
+                      <p:childTnLst>
+                        <p:par>
+                          <p:cTn id="8" fill="hold">
+                            <p:stCondLst>
+                              <p:cond delay="0"/>
+                            </p:stCondLst>
+                            <p:childTnLst>
+                              <p:par>
+                                <p:cTn id="9" presetID="1" presetClass="entr" presetSubtype="0" fill="hold" nodeType="clickEffect">
+                                  <p:stCondLst>
+                                    <p:cond delay="0"/>
+                                  </p:stCondLst>
+                                  <p:childTnLst>
+                                    <p:set>
+                                      <p:cBhvr>
+                                        <p:cTn id="10" dur="1" fill="hold">
+                                          <p:stCondLst>
+                                            <p:cond delay="0"/>
+                                          </p:stCondLst>
+                                        </p:cTn>
+                                        <p:tgtEl>
+                                          <p:spTgt spid="3">
+                                            <p:txEl>
+                                              <p:pRg st="1" end="1"/>
+                                            </p:txEl>
+                                          </p:spTgt>
+                                        </p:tgtEl>
+                                        <p:attrNameLst>
+                                          <p:attrName>style.visibility</p:attrName>
+                                        </p:attrNameLst>
+                                      </p:cBhvr>
+                                      <p:to>
+                                        <p:strVal val="visible"/>
+                                      </p:to>
+                                    </p:set>
+                                  </p:childTnLst>
+                                </p:cTn>
+                              </p:par>
+                            </p:childTnLst>
+                          </p:cTn>
+                        </p:par>
+                      </p:childTnLst>
+                    </p:cTn>
+                  </p:par>
+                  <p:par>
+                    <p:cTn id="11" fill="hold">
+                      <p:stCondLst>
+                        <p:cond delay="indefinite"/>
+                      </p:stCondLst>
+                      <p:childTnLst>
+                        <p:par>
+                          <p:cTn id="12" fill="hold">
+                            <p:stCondLst>
+                              <p:cond delay="0"/>
+                            </p:stCondLst>
+                            <p:childTnLst>
+                              <p:par>
+                                <p:cTn id="13" presetID="1" presetClass="entr" presetSubtype="0" fill="hold" nodeType="clickEffect">
+                                  <p:stCondLst>
+                                    <p:cond delay="0"/>
+                                  </p:stCondLst>
+                                  <p:childTnLst>
+                                    <p:set>
+                                      <p:cBhvr>
+                                        <p:cTn id="14" dur="1" fill="hold">
+                                          <p:stCondLst>
+                                            <p:cond delay="0"/>
+                                          </p:stCondLst>
+                                        </p:cTn>
+                                        <p:tgtEl>
+                                          <p:spTgt spid="3">
+                                            <p:txEl>
+                                              <p:pRg st="2" end="2"/>
+                                            </p:txEl>
+                                          </p:spTgt>
+                                        </p:tgtEl>
+                                        <p:attrNameLst>
+                                          <p:attrName>style.visibility</p:attrName>
+                                        </p:attrNameLst>
+                                      </p:cBhvr>
+                                      <p:to>
+                                        <p:strVal val="visible"/>
+                                      </p:to>
+                                    </p:set>
+                                  </p:childTnLst>
+                                </p:cTn>
+                              </p:par>
+                            </p:childTnLst>
+                          </p:cTn>
+                        </p:par>
+                      </p:childTnLst>
+                    </p:cTn>
+                  </p:par>
+                  <p:par>
+                    <p:cTn id="15" fill="hold">
+                      <p:stCondLst>
+                        <p:cond delay="indefinite"/>
+                      </p:stCondLst>
+                      <p:childTnLst>
+                        <p:par>
+                          <p:cTn id="16" fill="hold">
+                            <p:stCondLst>
+                              <p:cond delay="0"/>
+                            </p:stCondLst>
+                            <p:childTnLst>
+                              <p:par>
+                                <p:cTn id="17" presetID="1" presetClass="entr" presetSubtype="0" fill="hold" nodeType="clickEffect">
+                                  <p:stCondLst>
+                                    <p:cond delay="0"/>
+                                  </p:stCondLst>
+                                  <p:childTnLst>
+                                    <p:set>
+                                      <p:cBhvr>
+                                        <p:cTn id="18" dur="1" fill="hold">
+                                          <p:stCondLst>
+                                            <p:cond delay="0"/>
+                                          </p:stCondLst>
+                                        </p:cTn>
+                                        <p:tgtEl>
+                                          <p:spTgt spid="3">
+                                            <p:txEl>
+                                              <p:pRg st="3" end="3"/>
+                                            </p:txEl>
+                                          </p:spTgt>
+                                        </p:tgtEl>
+                                        <p:attrNameLst>
+                                          <p:attrName>style.visibility</p:attrName>
+                                        </p:attrNameLst>
+                                      </p:cBhvr>
+                                      <p:to>
+                                        <p:strVal val="visible"/>
+                                      </p:to>
+                                    </p:set>
+                                  </p:childTnLst>
+                                </p:cTn>
+                              </p:par>
+                            </p:childTnLst>
+                          </p:cTn>
+                        </p:par>
+                      </p:childTnLst>
+                    </p:cTn>
+                  </p:par>
+                  <p:par>
+                    <p:cTn id="19" fill="hold">
+                      <p:stCondLst>
+                        <p:cond delay="indefinite"/>
+                      </p:stCondLst>
+                      <p:childTnLst>
+                        <p:par>
+                          <p:cTn id="20" fill="hold">
+                            <p:stCondLst>
+                              <p:cond delay="0"/>
+                            </p:stCondLst>
+                            <p:childTnLst>
+                              <p:par>
+                                <p:cTn id="21" presetID="1" presetClass="entr" presetSubtype="0" fill="hold" nodeType="clickEffect">
+                                  <p:stCondLst>
+                                    <p:cond delay="0"/>
+                                  </p:stCondLst>
+                                  <p:childTnLst>
+                                    <p:set>
+                                      <p:cBhvr>
+                                        <p:cTn id="22" dur="1" fill="hold">
+                                          <p:stCondLst>
+                                            <p:cond delay="0"/>
+                                          </p:stCondLst>
+                                        </p:cTn>
+                                        <p:tgtEl>
+                                          <p:spTgt spid="3">
+                                            <p:txEl>
+                                              <p:pRg st="4" end="4"/>
+                                            </p:txEl>
+                                          </p:spTgt>
+                                        </p:tgtEl>
+                                        <p:attrNameLst>
+                                          <p:attrName>style.visibility</p:attrName>
+                                        </p:attrNameLst>
+                                      </p:cBhvr>
+                                      <p:to>
+                                        <p:strVal val="visible"/>
+                                      </p:to>
+                                    </p:set>
+                                  </p:childTnLst>
+                                </p:cTn>
+                              </p:par>
+                            </p:childTnLst>
+                          </p:cTn>
+                        </p:par>
+                      </p:childTnLst>
+                    </p:cTn>
+                  </p:par>
+                  <p:par>
+                    <p:cTn id="23" fill="hold">
+                      <p:stCondLst>
+                        <p:cond delay="indefinite"/>
+                      </p:stCondLst>
+                      <p:childTnLst>
+                        <p:par>
+                          <p:cTn id="24" fill="hold">
+                            <p:stCondLst>
+                              <p:cond delay="0"/>
+                            </p:stCondLst>
+                            <p:childTnLst>
+                              <p:par>
+                                <p:cTn id="25" presetID="1" presetClass="entr" presetSubtype="0" fill="hold" nodeType="clickEffect">
+                                  <p:stCondLst>
+                                    <p:cond delay="0"/>
+                                  </p:stCondLst>
+                                  <p:childTnLst>
+                                    <p:set>
+                                      <p:cBhvr>
+                                        <p:cTn id="26" dur="1" fill="hold">
+                                          <p:stCondLst>
+                                            <p:cond delay="0"/>
+                                          </p:stCondLst>
+                                        </p:cTn>
+                                        <p:tgtEl>
+                                          <p:spTgt spid="3">
+                                            <p:txEl>
+                                              <p:pRg st="5" end="5"/>
+                                            </p:txEl>
+                                          </p:spTgt>
+                                        </p:tgtEl>
+                                        <p:attrNameLst>
+                                          <p:attrName>style.visibility</p:attrName>
+                                        </p:attrNameLst>
+                                      </p:cBhvr>
+                                      <p:to>
+                                        <p:strVal val="visible"/>
+                                      </p:to>
+                                    </p:set>
+                                  </p:childTnLst>
+                                </p:cTn>
+                              </p:par>
+                            </p:childTnLst>
+                          </p:cTn>
+                        </p:par>
+                      </p:childTnLst>
+                    </p:cTn>
+                  </p:par>
+                  <p:par>
+                    <p:cTn id="27" fill="hold">
+                      <p:stCondLst>
+                        <p:cond delay="indefinite"/>
+                      </p:stCondLst>
+                      <p:childTnLst>
+                        <p:par>
+                          <p:cTn id="28" fill="hold">
+                            <p:stCondLst>
+                              <p:cond delay="0"/>
+                            </p:stCondLst>
+                            <p:childTnLst>
+                              <p:par>
+                                <p:cTn id="29" presetID="1" presetClass="entr" presetSubtype="0" fill="hold" nodeType="clickEffect">
+                                  <p:stCondLst>
+                                    <p:cond delay="0"/>
+                                  </p:stCondLst>
+                                  <p:childTnLst>
+                                    <p:set>
+                                      <p:cBhvr>
+                                        <p:cTn id="30" dur="1" fill="hold">
+                                          <p:stCondLst>
+                                            <p:cond delay="0"/>
+                                          </p:stCondLst>
+                                        </p:cTn>
+                                        <p:tgtEl>
+                                          <p:spTgt spid="3">
+                                            <p:txEl>
+                                              <p:pRg st="6" end="6"/>
+                                            </p:txEl>
+                                          </p:spTgt>
+                                        </p:tgtEl>
+                                        <p:attrNameLst>
+                                          <p:attrName>style.visibility</p:attrName>
+                                        </p:attrNameLst>
+                                      </p:cBhvr>
+                                      <p:to>
+                                        <p:strVal val="visible"/>
+                                      </p:to>
+                                    </p:set>
+                                  </p:childTnLst>
+                                </p:cTn>
+                              </p:par>
+                            </p:childTnLst>
+                          </p:cTn>
+                        </p:par>
+                      </p:childTnLst>
+                    </p:cTn>
+                  </p:par>
+                  <p:par>
+                    <p:cTn id="31" fill="hold">
+                      <p:stCondLst>
+                        <p:cond delay="indefinite"/>
+                      </p:stCondLst>
+                      <p:childTnLst>
+                        <p:par>
+                          <p:cTn id="32" fill="hold">
+                            <p:stCondLst>
+                              <p:cond delay="0"/>
+                            </p:stCondLst>
+                            <p:childTnLst>
+                              <p:par>
+                                <p:cTn id="33" presetID="1" presetClass="entr" presetSubtype="0" fill="hold" nodeType="clickEffect">
+                                  <p:stCondLst>
+                                    <p:cond delay="0"/>
+                                  </p:stCondLst>
+                                  <p:childTnLst>
+                                    <p:set>
+                                      <p:cBhvr>
+                                        <p:cTn id="34" dur="1" fill="hold">
+                                          <p:stCondLst>
+                                            <p:cond delay="0"/>
+                                          </p:stCondLst>
+                                        </p:cTn>
+                                        <p:tgtEl>
+                                          <p:spTgt spid="3">
+                                            <p:txEl>
+                                              <p:pRg st="7" end="7"/>
+                                            </p:txEl>
+                                          </p:spTgt>
+                                        </p:tgtEl>
+                                        <p:attrNameLst>
+                                          <p:attrName>style.visibility</p:attrName>
+                                        </p:attrNameLst>
+                                      </p:cBhvr>
+                                      <p:to>
+                                        <p:strVal val="visible"/>
+                                      </p:to>
+                                    </p:set>
+                                  </p:childTnLst>
+                                </p:cTn>
+                              </p:par>
+                            </p:childTnLst>
+                          </p:cTn>
+                        </p:par>
+                      </p:childTnLst>
+                    </p:cTn>
+                  </p:par>
+                </p:childTnLst>
+              </p:cTn>
+              <p:prevCondLst>
+                <p:cond evt="onPrev" delay="0">
+                  <p:tgtEl>
+                    <p:sldTgt/>
+                  </p:tgtEl>
+                </p:cond>
+              </p:prevCondLst>
+              <p:nextCondLst>
+                <p:cond evt="onNext" delay="0">
+                  <p:tgtEl>
+                    <p:sldTgt/>
+                  </p:tgtEl>
+                </p:cond>
+              </p:nextCondLst>
+            </p:seq>
+          </p:childTnLst>
+        </p:cTn>
+      </p:par>
+    </p:tnLst>
+  </p:timing>
+</p:sld>
+</file>
+
+<file path=ppt/slides/slide6.xml><?xml version="1.0" encoding="utf-8"?>
+<p:sld xmlns:a="http://schemas.openxmlformats.org/drawingml/2006/main" xmlns:r="http://schemas.openxmlformats.org/officeDocument/2006/relationships" xmlns:p="http://schemas.openxmlformats.org/presentationml/2006/main">
+  <p:cSld>
+    <p:spTree>
+      <p:nvGrpSpPr>
+        <p:cNvPr id="1" name=""/>
+        <p:cNvGrpSpPr/>
+        <p:nvPr/>
+      </p:nvGrpSpPr>
+      <p:grpSpPr>
+        <a:xfrm>
+          <a:off x="0" y="0"/>
+          <a:ext cx="0" cy="0"/>
+          <a:chOff x="0" y="0"/>
+          <a:chExt cx="0" cy="0"/>
+        </a:xfrm>
+      </p:grpSpPr>
+      <p:sp>
+        <p:nvSpPr>
+          <p:cNvPr id="2" name="Title 1"/>
+          <p:cNvSpPr>
+            <a:spLocks noGrp="1"/>
+          </p:cNvSpPr>
+          <p:nvPr>
+            <p:ph type="title"/>
+          </p:nvPr>
+        </p:nvSpPr>
+        <p:spPr/>
+        <p:txBody>
+          <a:bodyPr/>
+          <a:lstStyle/>
+          <a:p>
+            <a:r>
+              <a:rPr lang="en-US" dirty="0"/>
+              <a:t>Basic Logging VS Structured Logging</a:t>
+            </a:r>
+          </a:p>
+        </p:txBody>
+      </p:sp>
+      <p:sp>
+        <p:nvSpPr>
+          <p:cNvPr id="3" name="Content Placeholder 2"/>
+          <p:cNvSpPr>
+            <a:spLocks noGrp="1"/>
+          </p:cNvSpPr>
+          <p:nvPr>
+            <p:ph idx="1"/>
+          </p:nvPr>
+        </p:nvSpPr>
+        <p:spPr/>
+        <p:txBody>
+          <a:bodyPr/>
+          <a:lstStyle/>
+          <a:p>
+            <a:r>
+              <a:rPr lang="en-US" dirty="0"/>
+              <a:t>Basic Logging</a:t>
+            </a:r>
+          </a:p>
+          <a:p>
+            <a:pPr lvl="1"/>
+            <a:r>
+              <a:rPr lang="en-US" dirty="0" err="1"/>
+              <a:t>logger.Log</a:t>
+            </a:r>
+            <a:r>
+              <a:rPr lang="en-US" dirty="0"/>
+              <a:t>(“some message”);</a:t>
+            </a:r>
+          </a:p>
+          <a:p>
+            <a:r>
+              <a:rPr lang="en-US" dirty="0"/>
+              <a:t>Structured</a:t>
+            </a:r>
+          </a:p>
+          <a:p>
+            <a:pPr lvl="1"/>
+            <a:r>
+              <a:rPr lang="en-US" dirty="0" err="1"/>
+              <a:t>logger.Information</a:t>
+            </a:r>
+            <a:r>
+              <a:rPr lang="en-US" dirty="0"/>
+              <a:t>(“some information”);</a:t>
+            </a:r>
+          </a:p>
+          <a:p>
+            <a:pPr lvl="1"/>
+            <a:r>
+              <a:rPr lang="en-US" dirty="0" err="1"/>
+              <a:t>logger.Debug</a:t>
+            </a:r>
+            <a:r>
+              <a:rPr lang="en-US" dirty="0"/>
+              <a:t>(“some information”);</a:t>
+            </a:r>
+          </a:p>
+          <a:p>
+            <a:pPr lvl="1"/>
+            <a:r>
+              <a:rPr lang="en-US" dirty="0" err="1"/>
+              <a:t>logger.Warning</a:t>
+            </a:r>
+            <a:r>
+              <a:rPr lang="en-US" dirty="0"/>
+              <a:t>(“some information”);</a:t>
+            </a:r>
+          </a:p>
+          <a:p>
+            <a:pPr lvl="1"/>
+            <a:r>
+              <a:rPr lang="en-US" dirty="0" err="1"/>
+              <a:t>logger.Error</a:t>
+            </a:r>
+            <a:r>
+              <a:rPr lang="en-US" dirty="0"/>
+              <a:t>(exception, “some information”);</a:t>
+            </a:r>
+          </a:p>
+          <a:p>
+            <a:pPr marL="457200" lvl="1" indent="0">
+              <a:buNone/>
+            </a:pPr>
+            <a:endParaRPr lang="en-US" dirty="0"/>
+          </a:p>
+        </p:txBody>
+      </p:sp>
+    </p:spTree>
+    <p:extLst>
+      <p:ext uri="{BB962C8B-B14F-4D97-AF65-F5344CB8AC3E}">
+        <p14:creationId xmlns:p14="http://schemas.microsoft.com/office/powerpoint/2010/main" val="1663064899"/>
+      </p:ext>
+    </p:extLst>
+  </p:cSld>
+  <p:clrMapOvr>
+    <a:masterClrMapping/>
+  </p:clrMapOvr>
+  <p:timing>
+    <p:tnLst>
+      <p:par>
+        <p:cTn id="1" dur="indefinite" restart="never" nodeType="tmRoot">
+          <p:childTnLst>
+            <p:seq concurrent="1" nextAc="seek">
+              <p:cTn id="2" dur="indefinite" nodeType="mainSeq">
+                <p:childTnLst>
+                  <p:par>
+                    <p:cTn id="3" fill="hold">
+                      <p:stCondLst>
+                        <p:cond delay="indefinite"/>
+                      </p:stCondLst>
+                      <p:childTnLst>
+                        <p:par>
+                          <p:cTn id="4" fill="hold">
+                            <p:stCondLst>
+                              <p:cond delay="0"/>
+                            </p:stCondLst>
+                            <p:childTnLst>
+                              <p:par>
+                                <p:cTn id="5" presetID="1" presetClass="entr" presetSubtype="0" fill="hold" nodeType="clickEffect">
+                                  <p:stCondLst>
+                                    <p:cond delay="0"/>
+                                  </p:stCondLst>
+                                  <p:childTnLst>
+                                    <p:set>
+                                      <p:cBhvr>
+                                        <p:cTn id="6" dur="1" fill="hold">
+                                          <p:stCondLst>
+                                            <p:cond delay="0"/>
+                                          </p:stCondLst>
+                                        </p:cTn>
+                                        <p:tgtEl>
+                                          <p:spTgt spid="3">
+                                            <p:txEl>
+                                              <p:pRg st="0" end="0"/>
+                                            </p:txEl>
+                                          </p:spTgt>
+                                        </p:tgtEl>
+                                        <p:attrNameLst>
+                                          <p:attrName>style.visibility</p:attrName>
+                                        </p:attrNameLst>
+                                      </p:cBhvr>
+                                      <p:to>
+                                        <p:strVal val="visible"/>
+                                      </p:to>
+                                    </p:set>
+                                  </p:childTnLst>
+                                </p:cTn>
+                              </p:par>
+                              <p:par>
+                                <p:cTn id="7" presetID="1" presetClass="entr" presetSubtype="0" fill="hold" nodeType="withEffect">
+                                  <p:stCondLst>
+                                    <p:cond delay="0"/>
+                                  </p:stCondLst>
+                                  <p:childTnLst>
+                                    <p:set>
+                                      <p:cBhvr>
+                                        <p:cTn id="8" dur="1" fill="hold">
+                                          <p:stCondLst>
+                                            <p:cond delay="0"/>
+                                          </p:stCondLst>
+                                        </p:cTn>
+                                        <p:tgtEl>
+                                          <p:spTgt spid="3">
+                                            <p:txEl>
+                                              <p:pRg st="1" end="1"/>
+                                            </p:txEl>
+                                          </p:spTgt>
+                                        </p:tgtEl>
+                                        <p:attrNameLst>
+                                          <p:attrName>style.visibility</p:attrName>
+                                        </p:attrNameLst>
+                                      </p:cBhvr>
+                                      <p:to>
+                                        <p:strVal val="visible"/>
+                                      </p:to>
+                                    </p:set>
+                                  </p:childTnLst>
+                                </p:cTn>
+                              </p:par>
+                            </p:childTnLst>
+                          </p:cTn>
+                        </p:par>
+                      </p:childTnLst>
+                    </p:cTn>
+                  </p:par>
+                  <p:par>
+                    <p:cTn id="9" fill="hold">
+                      <p:stCondLst>
+                        <p:cond delay="indefinite"/>
+                      </p:stCondLst>
+                      <p:childTnLst>
+                        <p:par>
+                          <p:cTn id="10" fill="hold">
+                            <p:stCondLst>
+                              <p:cond delay="0"/>
+                            </p:stCondLst>
+                            <p:childTnLst>
+                              <p:par>
+                                <p:cTn id="11" presetID="1" presetClass="entr" presetSubtype="0" fill="hold" nodeType="clickEffect">
+                                  <p:stCondLst>
+                                    <p:cond delay="0"/>
+                                  </p:stCondLst>
+                                  <p:childTnLst>
+                                    <p:set>
+                                      <p:cBhvr>
+                                        <p:cTn id="12" dur="1" fill="hold">
+                                          <p:stCondLst>
+                                            <p:cond delay="0"/>
+                                          </p:stCondLst>
+                                        </p:cTn>
+                                        <p:tgtEl>
+                                          <p:spTgt spid="3">
+                                            <p:txEl>
+                                              <p:pRg st="2" end="2"/>
+                                            </p:txEl>
+                                          </p:spTgt>
+                                        </p:tgtEl>
+                                        <p:attrNameLst>
+                                          <p:attrName>style.visibility</p:attrName>
+                                        </p:attrNameLst>
+                                      </p:cBhvr>
+                                      <p:to>
+                                        <p:strVal val="visible"/>
+                                      </p:to>
+                                    </p:set>
+                                  </p:childTnLst>
+                                </p:cTn>
+                              </p:par>
+                              <p:par>
+                                <p:cTn id="13" presetID="1" presetClass="entr" presetSubtype="0" fill="hold" nodeType="withEffect">
+                                  <p:stCondLst>
+                                    <p:cond delay="0"/>
+                                  </p:stCondLst>
+                                  <p:childTnLst>
+                                    <p:set>
+                                      <p:cBhvr>
+                                        <p:cTn id="14" dur="1" fill="hold">
+                                          <p:stCondLst>
+                                            <p:cond delay="0"/>
+                                          </p:stCondLst>
+                                        </p:cTn>
+                                        <p:tgtEl>
+                                          <p:spTgt spid="3">
+                                            <p:txEl>
+                                              <p:pRg st="3" end="3"/>
+                                            </p:txEl>
+                                          </p:spTgt>
+                                        </p:tgtEl>
+                                        <p:attrNameLst>
+                                          <p:attrName>style.visibility</p:attrName>
+                                        </p:attrNameLst>
+                                      </p:cBhvr>
+                                      <p:to>
+                                        <p:strVal val="visible"/>
+                                      </p:to>
+                                    </p:set>
+                                  </p:childTnLst>
+                                </p:cTn>
+                              </p:par>
+                              <p:par>
+                                <p:cTn id="15" presetID="1" presetClass="entr" presetSubtype="0" fill="hold" nodeType="withEffect">
+                                  <p:stCondLst>
+                                    <p:cond delay="0"/>
+                                  </p:stCondLst>
+                                  <p:childTnLst>
+                                    <p:set>
+                                      <p:cBhvr>
+                                        <p:cTn id="16" dur="1" fill="hold">
+                                          <p:stCondLst>
+                                            <p:cond delay="0"/>
+                                          </p:stCondLst>
+                                        </p:cTn>
+                                        <p:tgtEl>
+                                          <p:spTgt spid="3">
+                                            <p:txEl>
+                                              <p:pRg st="4" end="4"/>
+                                            </p:txEl>
+                                          </p:spTgt>
+                                        </p:tgtEl>
+                                        <p:attrNameLst>
+                                          <p:attrName>style.visibility</p:attrName>
+                                        </p:attrNameLst>
+                                      </p:cBhvr>
+                                      <p:to>
+                                        <p:strVal val="visible"/>
+                                      </p:to>
+                                    </p:set>
+                                  </p:childTnLst>
+                                </p:cTn>
+                              </p:par>
+                              <p:par>
+                                <p:cTn id="17" presetID="1" presetClass="entr" presetSubtype="0" fill="hold" nodeType="withEffect">
+                                  <p:stCondLst>
+                                    <p:cond delay="0"/>
+                                  </p:stCondLst>
+                                  <p:childTnLst>
+                                    <p:set>
+                                      <p:cBhvr>
+                                        <p:cTn id="18" dur="1" fill="hold">
+                                          <p:stCondLst>
+                                            <p:cond delay="0"/>
+                                          </p:stCondLst>
+                                        </p:cTn>
+                                        <p:tgtEl>
+                                          <p:spTgt spid="3">
+                                            <p:txEl>
+                                              <p:pRg st="5" end="5"/>
+                                            </p:txEl>
+                                          </p:spTgt>
+                                        </p:tgtEl>
+                                        <p:attrNameLst>
+                                          <p:attrName>style.visibility</p:attrName>
+                                        </p:attrNameLst>
+                                      </p:cBhvr>
+                                      <p:to>
+                                        <p:strVal val="visible"/>
+                                      </p:to>
+                                    </p:set>
+                                  </p:childTnLst>
+                                </p:cTn>
+                              </p:par>
+                              <p:par>
+                                <p:cTn id="19" presetID="1" presetClass="entr" presetSubtype="0" fill="hold" nodeType="withEffect">
+                                  <p:stCondLst>
+                                    <p:cond delay="0"/>
+                                  </p:stCondLst>
+                                  <p:childTnLst>
+                                    <p:set>
+                                      <p:cBhvr>
+                                        <p:cTn id="20" dur="1" fill="hold">
+                                          <p:stCondLst>
+                                            <p:cond delay="0"/>
+                                          </p:stCondLst>
+                                        </p:cTn>
+                                        <p:tgtEl>
+                                          <p:spTgt spid="3">
+                                            <p:txEl>
+                                              <p:pRg st="6" end="6"/>
+                                            </p:txEl>
+                                          </p:spTgt>
+                                        </p:tgtEl>
+                                        <p:attrNameLst>
+                                          <p:attrName>style.visibility</p:attrName>
+                                        </p:attrNameLst>
+                                      </p:cBhvr>
+                                      <p:to>
+                                        <p:strVal val="visible"/>
+                                      </p:to>
+                                    </p:set>
+                                  </p:childTnLst>
+                                </p:cTn>
+                              </p:par>
+                            </p:childTnLst>
+                          </p:cTn>
+                        </p:par>
+                      </p:childTnLst>
+                    </p:cTn>
+                  </p:par>
+                </p:childTnLst>
+              </p:cTn>
+              <p:prevCondLst>
+                <p:cond evt="onPrev" delay="0">
+                  <p:tgtEl>
+                    <p:sldTgt/>
+                  </p:tgtEl>
+                </p:cond>
+              </p:prevCondLst>
+              <p:nextCondLst>
+                <p:cond evt="onNext" delay="0">
+                  <p:tgtEl>
+                    <p:sldTgt/>
+                  </p:tgtEl>
+                </p:cond>
+              </p:nextCondLst>
+            </p:seq>
+          </p:childTnLst>
+        </p:cTn>
+      </p:par>
+    </p:tnLst>
+  </p:timing>
+</p:sld>
+</file>
+
+<file path=ppt/slides/slide7.xml><?xml version="1.0" encoding="utf-8"?>
+<p:sld xmlns:a="http://schemas.openxmlformats.org/drawingml/2006/main" xmlns:r="http://schemas.openxmlformats.org/officeDocument/2006/relationships" xmlns:p="http://schemas.openxmlformats.org/presentationml/2006/main">
+  <p:cSld>
+    <p:spTree>
+      <p:nvGrpSpPr>
+        <p:cNvPr id="1" name=""/>
+        <p:cNvGrpSpPr/>
+        <p:nvPr/>
+      </p:nvGrpSpPr>
+      <p:grpSpPr>
+        <a:xfrm>
+          <a:off x="0" y="0"/>
+          <a:ext cx="0" cy="0"/>
+          <a:chOff x="0" y="0"/>
+          <a:chExt cx="0" cy="0"/>
+        </a:xfrm>
+      </p:grpSpPr>
+      <p:sp>
+        <p:nvSpPr>
+          <p:cNvPr id="2" name="Title 1"/>
+          <p:cNvSpPr>
+            <a:spLocks noGrp="1"/>
+          </p:cNvSpPr>
+          <p:nvPr>
+            <p:ph type="title"/>
+          </p:nvPr>
+        </p:nvSpPr>
+        <p:spPr/>
+        <p:txBody>
+          <a:bodyPr/>
+          <a:lstStyle/>
+          <a:p>
+            <a:r>
+              <a:rPr lang="en-US" dirty="0"/>
+              <a:t>More Structured Logging</a:t>
+            </a:r>
+          </a:p>
+        </p:txBody>
+      </p:sp>
+      <p:sp>
+        <p:nvSpPr>
+          <p:cNvPr id="3" name="Content Placeholder 2"/>
+          <p:cNvSpPr>
+            <a:spLocks noGrp="1"/>
+          </p:cNvSpPr>
+          <p:nvPr>
+            <p:ph idx="1"/>
+          </p:nvPr>
+        </p:nvSpPr>
+        <p:spPr/>
+        <p:txBody>
+          <a:bodyPr/>
+          <a:lstStyle/>
+          <a:p>
+            <a:pPr marL="457200" lvl="1" indent="0">
+              <a:buNone/>
+            </a:pPr>
+            <a:r>
+              <a:rPr lang="en-US" dirty="0" err="1"/>
+              <a:t>logger.Information</a:t>
+            </a:r>
+            <a:r>
+              <a:rPr lang="en-US" dirty="0"/>
+              <a:t>(“Customer {</a:t>
+            </a:r>
+            <a:r>
+              <a:rPr lang="en-US" dirty="0" err="1"/>
+              <a:t>CustomerName</a:t>
+            </a:r>
+            <a:r>
+              <a:rPr lang="en-US" dirty="0"/>
+              <a:t>} has been updated”, </a:t>
+            </a:r>
+            <a:r>
+              <a:rPr lang="en-US" dirty="0" err="1"/>
+              <a:t>customer.Name</a:t>
+            </a:r>
+            <a:r>
+              <a:rPr lang="en-US" dirty="0"/>
+              <a:t>);</a:t>
+            </a:r>
+          </a:p>
+          <a:p>
+            <a:pPr marL="457200" lvl="1" indent="0">
+              <a:buNone/>
+            </a:pPr>
+            <a:endParaRPr lang="en-US" dirty="0"/>
+          </a:p>
+          <a:p>
+            <a:pPr marL="457200" lvl="1" indent="0">
+              <a:buNone/>
+            </a:pPr>
+            <a:r>
+              <a:rPr lang="en-US" dirty="0" err="1"/>
+              <a:t>logger.Information</a:t>
+            </a:r>
+            <a:r>
+              <a:rPr lang="en-US" dirty="0"/>
+              <a:t>(“Customer {</a:t>
+            </a:r>
+            <a:r>
+              <a:rPr lang="en-US" dirty="0" err="1"/>
+              <a:t>CustomerId</a:t>
+            </a:r>
+            <a:r>
+              <a:rPr lang="en-US" dirty="0"/>
+              <a:t>} - {</a:t>
+            </a:r>
+            <a:r>
+              <a:rPr lang="en-US" dirty="0" err="1"/>
+              <a:t>CustomerName</a:t>
+            </a:r>
+            <a:r>
+              <a:rPr lang="en-US" dirty="0"/>
+              <a:t>} has been updated”, </a:t>
+            </a:r>
+            <a:r>
+              <a:rPr lang="en-US" dirty="0" err="1"/>
+              <a:t>customer.Id</a:t>
+            </a:r>
+            <a:r>
+              <a:rPr lang="en-US" dirty="0"/>
+              <a:t>, </a:t>
+            </a:r>
+            <a:r>
+              <a:rPr lang="en-US" dirty="0" err="1"/>
+              <a:t>customer.Name</a:t>
+            </a:r>
+            <a:r>
+              <a:rPr lang="en-US" dirty="0"/>
+              <a:t>);</a:t>
+            </a:r>
+          </a:p>
+          <a:p>
+            <a:pPr marL="457200" lvl="1" indent="0">
+              <a:buNone/>
+            </a:pPr>
+            <a:endParaRPr lang="en-US" dirty="0"/>
+          </a:p>
+        </p:txBody>
+      </p:sp>
+    </p:spTree>
+    <p:extLst>
+      <p:ext uri="{BB962C8B-B14F-4D97-AF65-F5344CB8AC3E}">
+        <p14:creationId xmlns:p14="http://schemas.microsoft.com/office/powerpoint/2010/main" val="724149226"/>
+      </p:ext>
+    </p:extLst>
+  </p:cSld>
+  <p:clrMapOvr>
+    <a:masterClrMapping/>
+  </p:clrMapOvr>
+  <p:timing>
+    <p:tnLst>
+      <p:par>
+        <p:cTn id="1" dur="indefinite" restart="never" nodeType="tmRoot">
+          <p:childTnLst>
+            <p:seq concurrent="1" nextAc="seek">
+              <p:cTn id="2" dur="indefinite" nodeType="mainSeq">
+                <p:childTnLst>
+                  <p:par>
+                    <p:cTn id="3" fill="hold">
+                      <p:stCondLst>
+                        <p:cond delay="indefinite"/>
+                        <p:cond evt="onBegin" delay="0">
+                          <p:tn val="2"/>
+                        </p:cond>
+                      </p:stCondLst>
+                      <p:childTnLst>
+                        <p:par>
+                          <p:cTn id="4" fill="hold">
+                            <p:stCondLst>
+                              <p:cond delay="0"/>
+                            </p:stCondLst>
+                            <p:childTnLst>
+                              <p:par>
+                                <p:cTn id="5" presetID="1" presetClass="entr" presetSubtype="0" fill="hold" nodeType="withEffect">
+                                  <p:stCondLst>
+                                    <p:cond delay="0"/>
+                                  </p:stCondLst>
+                                  <p:childTnLst>
+                                    <p:set>
+                                      <p:cBhvr>
+                                        <p:cTn id="6" dur="1" fill="hold">
+                                          <p:stCondLst>
+                                            <p:cond delay="0"/>
+                                          </p:stCondLst>
+                                        </p:cTn>
+                                        <p:tgtEl>
+                                          <p:spTgt spid="3">
+                                            <p:txEl>
+                                              <p:pRg st="0" end="0"/>
+                                            </p:txEl>
+                                          </p:spTgt>
+                                        </p:tgtEl>
+                                        <p:attrNameLst>
+                                          <p:attrName>style.visibility</p:attrName>
+                                        </p:attrNameLst>
+                                      </p:cBhvr>
+                                      <p:to>
+                                        <p:strVal val="visible"/>
+                                      </p:to>
+                                    </p:set>
+                                  </p:childTnLst>
+                                </p:cTn>
+                              </p:par>
+                            </p:childTnLst>
+                          </p:cTn>
+                        </p:par>
+                      </p:childTnLst>
+                    </p:cTn>
+                  </p:par>
+                  <p:par>
+                    <p:cTn id="7" fill="hold">
+                      <p:stCondLst>
+                        <p:cond delay="indefinite"/>
+                      </p:stCondLst>
+                      <p:childTnLst>
+                        <p:par>
+                          <p:cTn id="8" fill="hold">
+                            <p:stCondLst>
+                              <p:cond delay="0"/>
+                            </p:stCondLst>
+                            <p:childTnLst>
+                              <p:par>
+                                <p:cTn id="9" presetID="1" presetClass="entr" presetSubtype="0" fill="hold" nodeType="clickEffect">
+                                  <p:stCondLst>
+                                    <p:cond delay="0"/>
+                                  </p:stCondLst>
+                                  <p:childTnLst>
+                                    <p:set>
+                                      <p:cBhvr>
+                                        <p:cTn id="10" dur="1" fill="hold">
+                                          <p:stCondLst>
+                                            <p:cond delay="0"/>
+                                          </p:stCondLst>
+                                        </p:cTn>
+                                        <p:tgtEl>
+                                          <p:spTgt spid="3">
+                                            <p:txEl>
+                                              <p:pRg st="2" end="2"/>
+                                            </p:txEl>
+                                          </p:spTgt>
+                                        </p:tgtEl>
+                                        <p:attrNameLst>
+                                          <p:attrName>style.visibility</p:attrName>
+                                        </p:attrNameLst>
+                                      </p:cBhvr>
+                                      <p:to>
+                                        <p:strVal val="visible"/>
+                                      </p:to>
+                                    </p:set>
+                                  </p:childTnLst>
+                                </p:cTn>
+                              </p:par>
+                            </p:childTnLst>
+                          </p:cTn>
+                        </p:par>
+                      </p:childTnLst>
+                    </p:cTn>
+                  </p:par>
+                </p:childTnLst>
+              </p:cTn>
+              <p:prevCondLst>
+                <p:cond evt="onPrev" delay="0">
+                  <p:tgtEl>
+                    <p:sldTgt/>
+                  </p:tgtEl>
+                </p:cond>
+              </p:prevCondLst>
+              <p:nextCondLst>
+                <p:cond evt="onNext" delay="0">
+                  <p:tgtEl>
+                    <p:sldTgt/>
+                  </p:tgtEl>
+                </p:cond>
+              </p:nextCondLst>
+            </p:seq>
+          </p:childTnLst>
+        </p:cTn>
+      </p:par>
+    </p:tnLst>
+  </p:timing>
+</p:sld>
+</file>
+
+<file path=ppt/slides/slide8.xml><?xml version="1.0" encoding="utf-8"?>
+<p:sld xmlns:a="http://schemas.openxmlformats.org/drawingml/2006/main" xmlns:r="http://schemas.openxmlformats.org/officeDocument/2006/relationships" xmlns:p="http://schemas.openxmlformats.org/presentationml/2006/main">
+  <p:cSld>
+    <p:spTree>
+      <p:nvGrpSpPr>
+        <p:cNvPr id="1" name=""/>
+        <p:cNvGrpSpPr/>
+        <p:nvPr/>
+      </p:nvGrpSpPr>
+      <p:grpSpPr>
+        <a:xfrm>
+          <a:off x="0" y="0"/>
+          <a:ext cx="0" cy="0"/>
+          <a:chOff x="0" y="0"/>
+          <a:chExt cx="0" cy="0"/>
+        </a:xfrm>
+      </p:grpSpPr>
+      <p:sp>
+        <p:nvSpPr>
+          <p:cNvPr id="2" name="Title 1"/>
+          <p:cNvSpPr>
+            <a:spLocks noGrp="1"/>
+          </p:cNvSpPr>
+          <p:nvPr>
+            <p:ph type="title"/>
+          </p:nvPr>
+        </p:nvSpPr>
+        <p:spPr/>
+        <p:txBody>
+          <a:bodyPr/>
+          <a:lstStyle/>
+          <a:p>
+            <a:r>
+              <a:rPr lang="en-US" dirty="0"/>
+              <a:t>Logging methods Explained</a:t>
+            </a:r>
+          </a:p>
+        </p:txBody>
+      </p:sp>
+      <p:sp>
+        <p:nvSpPr>
+          <p:cNvPr id="3" name="Content Placeholder 2"/>
+          <p:cNvSpPr>
+            <a:spLocks noGrp="1"/>
+          </p:cNvSpPr>
+          <p:nvPr>
+            <p:ph idx="1"/>
+          </p:nvPr>
+        </p:nvSpPr>
+        <p:spPr/>
+        <p:txBody>
+          <a:bodyPr>
+            <a:normAutofit/>
+          </a:bodyPr>
+          <a:lstStyle/>
+          <a:p>
+            <a:r>
+              <a:rPr lang="en-US" dirty="0"/>
+              <a:t>The method you use tells </a:t>
+            </a:r>
+            <a:r>
+              <a:rPr lang="en-US" dirty="0" err="1"/>
+              <a:t>Serilog</a:t>
+            </a:r>
+            <a:r>
+              <a:rPr lang="en-US" dirty="0"/>
+              <a:t> how to prioritize your events.</a:t>
+            </a:r>
+          </a:p>
+          <a:p>
+            <a:pPr lvl="1"/>
+            <a:r>
+              <a:rPr lang="en-US" dirty="0"/>
+              <a:t>Fatal – show critical failures that crash the app</a:t>
+            </a:r>
+          </a:p>
+          <a:p>
+            <a:pPr lvl="1"/>
+            <a:r>
+              <a:rPr lang="en-US" dirty="0"/>
+              <a:t>Error – show failures and their associated metadata</a:t>
+            </a:r>
+          </a:p>
+          <a:p>
+            <a:pPr lvl="1"/>
+            <a:r>
+              <a:rPr lang="en-US" dirty="0"/>
+              <a:t>Warning – show possible issues</a:t>
+            </a:r>
+          </a:p>
+          <a:p>
+            <a:pPr lvl="1"/>
+            <a:r>
+              <a:rPr lang="en-US" dirty="0"/>
+              <a:t>Information – anything contextual you want to show the person consuming the logs (e.g. got into </a:t>
+            </a:r>
+            <a:r>
+              <a:rPr lang="en-US" dirty="0" err="1"/>
+              <a:t>MethodA</a:t>
+            </a:r>
+            <a:r>
+              <a:rPr lang="en-US" dirty="0"/>
+              <a:t>)</a:t>
+            </a:r>
+          </a:p>
+          <a:p>
+            <a:pPr lvl="1"/>
+            <a:r>
+              <a:rPr lang="en-US" dirty="0"/>
+              <a:t>Debug – meant for when you are debugging to pinpoint problems</a:t>
+            </a:r>
+          </a:p>
+          <a:p>
+            <a:pPr lvl="1"/>
+            <a:r>
+              <a:rPr lang="en-US" dirty="0"/>
+              <a:t>Verbose – shows everything including tracing and debugging</a:t>
+            </a:r>
+          </a:p>
+        </p:txBody>
+      </p:sp>
+    </p:spTree>
+    <p:extLst>
+      <p:ext uri="{BB962C8B-B14F-4D97-AF65-F5344CB8AC3E}">
+        <p14:creationId xmlns:p14="http://schemas.microsoft.com/office/powerpoint/2010/main" val="2324401408"/>
+      </p:ext>
+    </p:extLst>
+  </p:cSld>
+  <p:clrMapOvr>
+    <a:masterClrMapping/>
+  </p:clrMapOvr>
+</p:sld>
+</file>
+
 <file path=ppt/slides/slide9.xml><?xml version="1.0" encoding="utf-8"?>
 <p:sld xmlns:a="http://schemas.openxmlformats.org/drawingml/2006/main" xmlns:r="http://schemas.openxmlformats.org/officeDocument/2006/relationships" xmlns:p="http://schemas.openxmlformats.org/presentationml/2006/main">
   <p:cSld>
@@ -10640,7 +10889,13 @@
       </p:grpSpPr>
       <p:sp>
         <p:nvSpPr>
-          <p:cNvPr id="2" name="Title 1"/>
+          <p:cNvPr id="2" name="Title 1">
+            <a:extLst>
+              <a:ext uri="{FF2B5EF4-FFF2-40B4-BE49-F238E27FC236}">
+                <a16:creationId xmlns:a16="http://schemas.microsoft.com/office/drawing/2014/main" id="{094CB8AF-067D-6509-754F-D30229910BA4}"/>
+              </a:ext>
+            </a:extLst>
+          </p:cNvPr>
           <p:cNvSpPr>
             <a:spLocks noGrp="1"/>
           </p:cNvSpPr>
@@ -10655,14 +10910,25 @@
           <a:p>
             <a:r>
               <a:rPr lang="en-US" dirty="0"/>
-              <a:t>How Do I Get Started?</a:t>
-            </a:r>
-          </a:p>
-        </p:txBody>
-      </p:sp>
-      <p:sp>
-        <p:nvSpPr>
-          <p:cNvPr id="3" name="Content Placeholder 2"/>
+              <a:t>Comparison to </a:t>
+            </a:r>
+            <a:r>
+              <a:rPr lang="en-US" dirty="0" err="1"/>
+              <a:t>Microsoft.Extensions.Logging</a:t>
+            </a:r>
+            <a:endParaRPr lang="en-US" dirty="0"/>
+          </a:p>
+        </p:txBody>
+      </p:sp>
+      <p:sp>
+        <p:nvSpPr>
+          <p:cNvPr id="3" name="Content Placeholder 2">
+            <a:extLst>
+              <a:ext uri="{FF2B5EF4-FFF2-40B4-BE49-F238E27FC236}">
+                <a16:creationId xmlns:a16="http://schemas.microsoft.com/office/drawing/2014/main" id="{4CB832F7-C080-7530-7ABA-5FE5C975F566}"/>
+              </a:ext>
+            </a:extLst>
+          </p:cNvPr>
           <p:cNvSpPr>
             <a:spLocks noGrp="1"/>
           </p:cNvSpPr>
@@ -10676,22 +10942,393 @@
           <a:lstStyle/>
           <a:p>
             <a:r>
-              <a:rPr lang="en-US" dirty="0"/>
-              <a:t>DEMO</a:t>
-            </a:r>
-          </a:p>
-        </p:txBody>
-      </p:sp>
+              <a:rPr lang="en-US" dirty="0" err="1"/>
+              <a:t>Microsoft.Extensions.Logging</a:t>
+            </a:r>
+            <a:r>
+              <a:rPr lang="en-US" dirty="0"/>
+              <a:t> was loosely based on </a:t>
+            </a:r>
+            <a:r>
+              <a:rPr lang="en-US" dirty="0" err="1"/>
+              <a:t>Serilog</a:t>
+            </a:r>
+            <a:endParaRPr lang="en-US" dirty="0"/>
+          </a:p>
+          <a:p>
+            <a:r>
+              <a:rPr lang="en-US" dirty="0"/>
+              <a:t>It is not an either or, but both</a:t>
+            </a:r>
+          </a:p>
+          <a:p>
+            <a:r>
+              <a:rPr lang="en-US" dirty="0" err="1"/>
+              <a:t>Microsoft.Extensions.Logging</a:t>
+            </a:r>
+            <a:r>
+              <a:rPr lang="en-US" dirty="0"/>
+              <a:t> offers the abstractions, and only some of the providers</a:t>
+            </a:r>
+          </a:p>
+          <a:p>
+            <a:r>
+              <a:rPr lang="en-US" dirty="0"/>
+              <a:t>So you can use </a:t>
+            </a:r>
+            <a:r>
+              <a:rPr lang="en-US" dirty="0" err="1"/>
+              <a:t>Microsoft.Extensions.Logging</a:t>
+            </a:r>
+            <a:r>
+              <a:rPr lang="en-US" dirty="0"/>
+              <a:t> for the logging abstractions and </a:t>
+            </a:r>
+            <a:r>
+              <a:rPr lang="en-US" dirty="0" err="1"/>
+              <a:t>Serilog</a:t>
+            </a:r>
+            <a:r>
+              <a:rPr lang="en-US" dirty="0"/>
+              <a:t> for the Sinking</a:t>
+            </a:r>
+          </a:p>
+          <a:p>
+            <a:r>
+              <a:rPr lang="en-US" dirty="0"/>
+              <a:t>Check out </a:t>
+            </a:r>
+            <a:r>
+              <a:rPr lang="en-US" dirty="0">
+                <a:hlinkClick r:id="rId2"/>
+              </a:rPr>
+              <a:t>https://github.com/serilog/serilog-extensions-logging</a:t>
+            </a:r>
+            <a:r>
+              <a:rPr lang="en-US" dirty="0"/>
+              <a:t> for more</a:t>
+            </a:r>
+          </a:p>
+          <a:p>
+            <a:endParaRPr lang="en-US" dirty="0"/>
+          </a:p>
+        </p:txBody>
+      </p:sp>
+      <p:pic>
+        <p:nvPicPr>
+          <p:cNvPr id="8" name="Picture 7">
+            <a:extLst>
+              <a:ext uri="{FF2B5EF4-FFF2-40B4-BE49-F238E27FC236}">
+                <a16:creationId xmlns:a16="http://schemas.microsoft.com/office/drawing/2014/main" id="{51D25BF9-6F5D-7D9E-562C-8CC54EA75DD0}"/>
+              </a:ext>
+            </a:extLst>
+          </p:cNvPr>
+          <p:cNvPicPr>
+            <a:picLocks noChangeAspect="1"/>
+          </p:cNvPicPr>
+          <p:nvPr/>
+        </p:nvPicPr>
+        <p:blipFill>
+          <a:blip r:embed="rId3"/>
+          <a:stretch>
+            <a:fillRect/>
+          </a:stretch>
+        </p:blipFill>
+        <p:spPr>
+          <a:xfrm>
+            <a:off x="6725333" y="4967033"/>
+            <a:ext cx="5201338" cy="1676226"/>
+          </a:xfrm>
+          <a:prstGeom prst="rect">
+            <a:avLst/>
+          </a:prstGeom>
+        </p:spPr>
+      </p:pic>
     </p:spTree>
     <p:extLst>
       <p:ext uri="{BB962C8B-B14F-4D97-AF65-F5344CB8AC3E}">
-        <p14:creationId xmlns:p14="http://schemas.microsoft.com/office/powerpoint/2010/main" val="946077987"/>
+        <p14:creationId xmlns:p14="http://schemas.microsoft.com/office/powerpoint/2010/main" val="1691863988"/>
       </p:ext>
     </p:extLst>
   </p:cSld>
   <p:clrMapOvr>
     <a:masterClrMapping/>
   </p:clrMapOvr>
+  <p:timing>
+    <p:tnLst>
+      <p:par>
+        <p:cTn id="1" dur="indefinite" restart="never" nodeType="tmRoot">
+          <p:childTnLst>
+            <p:seq concurrent="1" nextAc="seek">
+              <p:cTn id="2" dur="indefinite" nodeType="mainSeq">
+                <p:childTnLst>
+                  <p:par>
+                    <p:cTn id="3" fill="hold">
+                      <p:stCondLst>
+                        <p:cond delay="indefinite"/>
+                      </p:stCondLst>
+                      <p:childTnLst>
+                        <p:par>
+                          <p:cTn id="4" fill="hold">
+                            <p:stCondLst>
+                              <p:cond delay="0"/>
+                            </p:stCondLst>
+                            <p:childTnLst>
+                              <p:par>
+                                <p:cTn id="5" presetID="1" presetClass="entr" presetSubtype="0" fill="hold" nodeType="clickEffect">
+                                  <p:stCondLst>
+                                    <p:cond delay="0"/>
+                                  </p:stCondLst>
+                                  <p:childTnLst>
+                                    <p:set>
+                                      <p:cBhvr>
+                                        <p:cTn id="6" dur="1" fill="hold">
+                                          <p:stCondLst>
+                                            <p:cond delay="0"/>
+                                          </p:stCondLst>
+                                        </p:cTn>
+                                        <p:tgtEl>
+                                          <p:spTgt spid="3">
+                                            <p:txEl>
+                                              <p:pRg st="0" end="0"/>
+                                            </p:txEl>
+                                          </p:spTgt>
+                                        </p:tgtEl>
+                                        <p:attrNameLst>
+                                          <p:attrName>style.visibility</p:attrName>
+                                        </p:attrNameLst>
+                                      </p:cBhvr>
+                                      <p:to>
+                                        <p:strVal val="visible"/>
+                                      </p:to>
+                                    </p:set>
+                                  </p:childTnLst>
+                                </p:cTn>
+                              </p:par>
+                            </p:childTnLst>
+                          </p:cTn>
+                        </p:par>
+                      </p:childTnLst>
+                    </p:cTn>
+                  </p:par>
+                  <p:par>
+                    <p:cTn id="7" fill="hold">
+                      <p:stCondLst>
+                        <p:cond delay="indefinite"/>
+                      </p:stCondLst>
+                      <p:childTnLst>
+                        <p:par>
+                          <p:cTn id="8" fill="hold">
+                            <p:stCondLst>
+                              <p:cond delay="0"/>
+                            </p:stCondLst>
+                            <p:childTnLst>
+                              <p:par>
+                                <p:cTn id="9" presetID="1" presetClass="entr" presetSubtype="0" fill="hold" nodeType="clickEffect">
+                                  <p:stCondLst>
+                                    <p:cond delay="0"/>
+                                  </p:stCondLst>
+                                  <p:childTnLst>
+                                    <p:set>
+                                      <p:cBhvr>
+                                        <p:cTn id="10" dur="1" fill="hold">
+                                          <p:stCondLst>
+                                            <p:cond delay="0"/>
+                                          </p:stCondLst>
+                                        </p:cTn>
+                                        <p:tgtEl>
+                                          <p:spTgt spid="3">
+                                            <p:txEl>
+                                              <p:pRg st="1" end="1"/>
+                                            </p:txEl>
+                                          </p:spTgt>
+                                        </p:tgtEl>
+                                        <p:attrNameLst>
+                                          <p:attrName>style.visibility</p:attrName>
+                                        </p:attrNameLst>
+                                      </p:cBhvr>
+                                      <p:to>
+                                        <p:strVal val="visible"/>
+                                      </p:to>
+                                    </p:set>
+                                  </p:childTnLst>
+                                </p:cTn>
+                              </p:par>
+                            </p:childTnLst>
+                          </p:cTn>
+                        </p:par>
+                      </p:childTnLst>
+                    </p:cTn>
+                  </p:par>
+                  <p:par>
+                    <p:cTn id="11" fill="hold">
+                      <p:stCondLst>
+                        <p:cond delay="indefinite"/>
+                      </p:stCondLst>
+                      <p:childTnLst>
+                        <p:par>
+                          <p:cTn id="12" fill="hold">
+                            <p:stCondLst>
+                              <p:cond delay="0"/>
+                            </p:stCondLst>
+                            <p:childTnLst>
+                              <p:par>
+                                <p:cTn id="13" presetID="1" presetClass="entr" presetSubtype="0" fill="hold" nodeType="clickEffect">
+                                  <p:stCondLst>
+                                    <p:cond delay="0"/>
+                                  </p:stCondLst>
+                                  <p:childTnLst>
+                                    <p:set>
+                                      <p:cBhvr>
+                                        <p:cTn id="14" dur="1" fill="hold">
+                                          <p:stCondLst>
+                                            <p:cond delay="0"/>
+                                          </p:stCondLst>
+                                        </p:cTn>
+                                        <p:tgtEl>
+                                          <p:spTgt spid="3">
+                                            <p:txEl>
+                                              <p:pRg st="2" end="2"/>
+                                            </p:txEl>
+                                          </p:spTgt>
+                                        </p:tgtEl>
+                                        <p:attrNameLst>
+                                          <p:attrName>style.visibility</p:attrName>
+                                        </p:attrNameLst>
+                                      </p:cBhvr>
+                                      <p:to>
+                                        <p:strVal val="visible"/>
+                                      </p:to>
+                                    </p:set>
+                                  </p:childTnLst>
+                                </p:cTn>
+                              </p:par>
+                            </p:childTnLst>
+                          </p:cTn>
+                        </p:par>
+                      </p:childTnLst>
+                    </p:cTn>
+                  </p:par>
+                  <p:par>
+                    <p:cTn id="15" fill="hold">
+                      <p:stCondLst>
+                        <p:cond delay="indefinite"/>
+                      </p:stCondLst>
+                      <p:childTnLst>
+                        <p:par>
+                          <p:cTn id="16" fill="hold">
+                            <p:stCondLst>
+                              <p:cond delay="0"/>
+                            </p:stCondLst>
+                            <p:childTnLst>
+                              <p:par>
+                                <p:cTn id="17" presetID="1" presetClass="entr" presetSubtype="0" fill="hold" nodeType="clickEffect">
+                                  <p:stCondLst>
+                                    <p:cond delay="0"/>
+                                  </p:stCondLst>
+                                  <p:childTnLst>
+                                    <p:set>
+                                      <p:cBhvr>
+                                        <p:cTn id="18" dur="1" fill="hold">
+                                          <p:stCondLst>
+                                            <p:cond delay="0"/>
+                                          </p:stCondLst>
+                                        </p:cTn>
+                                        <p:tgtEl>
+                                          <p:spTgt spid="3">
+                                            <p:txEl>
+                                              <p:pRg st="3" end="3"/>
+                                            </p:txEl>
+                                          </p:spTgt>
+                                        </p:tgtEl>
+                                        <p:attrNameLst>
+                                          <p:attrName>style.visibility</p:attrName>
+                                        </p:attrNameLst>
+                                      </p:cBhvr>
+                                      <p:to>
+                                        <p:strVal val="visible"/>
+                                      </p:to>
+                                    </p:set>
+                                  </p:childTnLst>
+                                </p:cTn>
+                              </p:par>
+                            </p:childTnLst>
+                          </p:cTn>
+                        </p:par>
+                      </p:childTnLst>
+                    </p:cTn>
+                  </p:par>
+                  <p:par>
+                    <p:cTn id="19" fill="hold">
+                      <p:stCondLst>
+                        <p:cond delay="indefinite"/>
+                      </p:stCondLst>
+                      <p:childTnLst>
+                        <p:par>
+                          <p:cTn id="20" fill="hold">
+                            <p:stCondLst>
+                              <p:cond delay="0"/>
+                            </p:stCondLst>
+                            <p:childTnLst>
+                              <p:par>
+                                <p:cTn id="21" presetID="1" presetClass="entr" presetSubtype="0" fill="hold" nodeType="clickEffect">
+                                  <p:stCondLst>
+                                    <p:cond delay="0"/>
+                                  </p:stCondLst>
+                                  <p:childTnLst>
+                                    <p:set>
+                                      <p:cBhvr>
+                                        <p:cTn id="22" dur="1" fill="hold">
+                                          <p:stCondLst>
+                                            <p:cond delay="0"/>
+                                          </p:stCondLst>
+                                        </p:cTn>
+                                        <p:tgtEl>
+                                          <p:spTgt spid="3">
+                                            <p:txEl>
+                                              <p:pRg st="4" end="4"/>
+                                            </p:txEl>
+                                          </p:spTgt>
+                                        </p:tgtEl>
+                                        <p:attrNameLst>
+                                          <p:attrName>style.visibility</p:attrName>
+                                        </p:attrNameLst>
+                                      </p:cBhvr>
+                                      <p:to>
+                                        <p:strVal val="visible"/>
+                                      </p:to>
+                                    </p:set>
+                                  </p:childTnLst>
+                                </p:cTn>
+                              </p:par>
+                            </p:childTnLst>
+                          </p:cTn>
+                        </p:par>
+                      </p:childTnLst>
+                    </p:cTn>
+                  </p:par>
+                </p:childTnLst>
+              </p:cTn>
+              <p:prevCondLst>
+                <p:cond evt="onPrev" delay="0">
+                  <p:tgtEl>
+                    <p:sldTgt/>
+                  </p:tgtEl>
+                </p:cond>
+              </p:prevCondLst>
+              <p:nextCondLst>
+                <p:cond evt="onNext" delay="0">
+                  <p:tgtEl>
+                    <p:sldTgt/>
+                  </p:tgtEl>
+                </p:cond>
+              </p:nextCondLst>
+            </p:seq>
+          </p:childTnLst>
+        </p:cTn>
+      </p:par>
+    </p:tnLst>
+  </p:timing>
 </p:sld>
 </file>
 
